--- a/과제/Edge_Computing_for_the_Internet_of_Thing/Edge-Computing-for-the-Internet-of-Things-A-Case-Study.pptx
+++ b/과제/Edge_Computing_for_the_Internet_of_Thing/Edge-Computing-for-the-Internet-of-Things-A-Case-Study.pptx
@@ -47,17 +47,17 @@
   <p:notesSz cx="8229600" cy="14630400"/>
   <p:embeddedFontLst>
     <p:embeddedFont>
-      <p:font typeface="나눔고딕" panose="020D0604000000000000" pitchFamily="50" charset="-127"/>
-      <p:regular r:id="rId37"/>
-      <p:bold r:id="rId38"/>
-    </p:embeddedFont>
-    <p:embeddedFont>
-      <p:font typeface="Montserrat Bold" panose="00000800000000000000" pitchFamily="2" charset="0"/>
-      <p:bold r:id="rId39"/>
+      <p:font typeface="Montserrat Bold" panose="020B0600000101010101" charset="0"/>
+      <p:bold r:id="rId37"/>
     </p:embeddedFont>
     <p:embeddedFont>
       <p:font typeface="Source Sans 3" panose="020B0600000101010101" charset="0"/>
-      <p:regular r:id="rId40"/>
+      <p:regular r:id="rId38"/>
+    </p:embeddedFont>
+    <p:embeddedFont>
+      <p:font typeface="나눔고딕" panose="020D0604000000000000" pitchFamily="50" charset="-127"/>
+      <p:regular r:id="rId39"/>
+      <p:bold r:id="rId40"/>
     </p:embeddedFont>
   </p:embeddedFontLst>
   <p:defaultTextStyle>
@@ -333,6 +333,250 @@
           <a:lstStyle/>
           <a:p>
             <a:r>
+              <a:rPr lang="ko-KR" altLang="en-US" sz="1200" b="0" i="0" kern="1200" dirty="0">
+                <a:solidFill>
+                  <a:schemeClr val="tx1"/>
+                </a:solidFill>
+                <a:effectLst/>
+                <a:latin typeface="+mn-lt"/>
+                <a:ea typeface="+mn-ea"/>
+                <a:cs typeface="+mn-cs"/>
+              </a:rPr>
+              <a:t>발표 시작하겠습니다</a:t>
+            </a:r>
+            <a:r>
+              <a:rPr lang="en-US" altLang="ko-KR" sz="1200" b="0" i="0" kern="1200" dirty="0">
+                <a:solidFill>
+                  <a:schemeClr val="tx1"/>
+                </a:solidFill>
+                <a:effectLst/>
+                <a:latin typeface="+mn-lt"/>
+                <a:ea typeface="+mn-ea"/>
+                <a:cs typeface="+mn-cs"/>
+              </a:rPr>
+              <a:t>.</a:t>
+            </a:r>
+          </a:p>
+          <a:p>
+            <a:endParaRPr lang="en-US" altLang="ko-KR" sz="1200" b="0" i="0" kern="1200" dirty="0">
+              <a:solidFill>
+                <a:schemeClr val="tx1"/>
+              </a:solidFill>
+              <a:effectLst/>
+              <a:latin typeface="+mn-lt"/>
+              <a:ea typeface="+mn-ea"/>
+              <a:cs typeface="+mn-cs"/>
+            </a:endParaRPr>
+          </a:p>
+          <a:p>
+            <a:r>
+              <a:rPr lang="ko-KR" altLang="en-US" sz="1200" b="0" i="0" kern="1200" dirty="0">
+                <a:solidFill>
+                  <a:schemeClr val="tx1"/>
+                </a:solidFill>
+                <a:effectLst/>
+                <a:latin typeface="+mn-lt"/>
+                <a:ea typeface="+mn-ea"/>
+                <a:cs typeface="+mn-cs"/>
+              </a:rPr>
+              <a:t>발표자는 금동환입니다</a:t>
+            </a:r>
+            <a:r>
+              <a:rPr lang="en-US" altLang="ko-KR" sz="1200" b="0" i="0" kern="1200" dirty="0">
+                <a:solidFill>
+                  <a:schemeClr val="tx1"/>
+                </a:solidFill>
+                <a:effectLst/>
+                <a:latin typeface="+mn-lt"/>
+                <a:ea typeface="+mn-ea"/>
+                <a:cs typeface="+mn-cs"/>
+              </a:rPr>
+              <a:t>.</a:t>
+            </a:r>
+          </a:p>
+          <a:p>
+            <a:endParaRPr lang="en-US" altLang="ko-KR" sz="1200" b="0" i="0" kern="1200" dirty="0">
+              <a:solidFill>
+                <a:schemeClr val="tx1"/>
+              </a:solidFill>
+              <a:effectLst/>
+              <a:latin typeface="+mn-lt"/>
+              <a:ea typeface="+mn-ea"/>
+              <a:cs typeface="+mn-cs"/>
+            </a:endParaRPr>
+          </a:p>
+          <a:p>
+            <a:r>
+              <a:rPr lang="ko-KR" altLang="en-US" sz="1200" b="0" i="0" kern="1200" dirty="0">
+                <a:solidFill>
+                  <a:schemeClr val="tx1"/>
+                </a:solidFill>
+                <a:effectLst/>
+                <a:latin typeface="+mn-lt"/>
+                <a:ea typeface="+mn-ea"/>
+                <a:cs typeface="+mn-cs"/>
+              </a:rPr>
+              <a:t>제가 선정한 논문은</a:t>
+            </a:r>
+            <a:endParaRPr lang="en-US" altLang="ko-KR" sz="1200" b="0" i="0" kern="1200" dirty="0">
+              <a:solidFill>
+                <a:schemeClr val="tx1"/>
+              </a:solidFill>
+              <a:effectLst/>
+              <a:latin typeface="+mn-lt"/>
+              <a:ea typeface="+mn-ea"/>
+              <a:cs typeface="+mn-cs"/>
+            </a:endParaRPr>
+          </a:p>
+          <a:p>
+            <a:endParaRPr lang="en-US" altLang="ko-KR" sz="1200" b="0" i="0" kern="1200" dirty="0">
+              <a:solidFill>
+                <a:schemeClr val="tx1"/>
+              </a:solidFill>
+              <a:effectLst/>
+              <a:latin typeface="+mn-lt"/>
+              <a:ea typeface="+mn-ea"/>
+              <a:cs typeface="+mn-cs"/>
+            </a:endParaRPr>
+          </a:p>
+          <a:p>
+            <a:r>
+              <a:rPr lang="en-US" altLang="ko-KR" sz="1200" b="0" i="0" kern="1200" dirty="0">
+                <a:solidFill>
+                  <a:schemeClr val="tx1"/>
+                </a:solidFill>
+                <a:effectLst/>
+                <a:latin typeface="+mn-lt"/>
+                <a:ea typeface="+mn-ea"/>
+                <a:cs typeface="+mn-cs"/>
+              </a:rPr>
+              <a:t>IEEE Internet of Things journal 2018</a:t>
+            </a:r>
+            <a:r>
+              <a:rPr lang="ko-KR" altLang="en-US" sz="1200" b="0" i="0" kern="1200" dirty="0">
+                <a:solidFill>
+                  <a:schemeClr val="tx1"/>
+                </a:solidFill>
+                <a:effectLst/>
+                <a:latin typeface="+mn-lt"/>
+                <a:ea typeface="+mn-ea"/>
+                <a:cs typeface="+mn-cs"/>
+              </a:rPr>
+              <a:t>에 </a:t>
+            </a:r>
+            <a:r>
+              <a:rPr lang="ko-KR" altLang="en-US" sz="1200" b="0" i="0" kern="1200" dirty="0" err="1">
+                <a:solidFill>
+                  <a:schemeClr val="tx1"/>
+                </a:solidFill>
+                <a:effectLst/>
+                <a:latin typeface="+mn-lt"/>
+                <a:ea typeface="+mn-ea"/>
+                <a:cs typeface="+mn-cs"/>
+              </a:rPr>
+              <a:t>퍼블리시된</a:t>
+            </a:r>
+            <a:r>
+              <a:rPr lang="ko-KR" altLang="en-US" sz="1200" b="0" i="0" kern="1200" dirty="0">
+                <a:solidFill>
+                  <a:schemeClr val="tx1"/>
+                </a:solidFill>
+                <a:effectLst/>
+                <a:latin typeface="+mn-lt"/>
+                <a:ea typeface="+mn-ea"/>
+                <a:cs typeface="+mn-cs"/>
+              </a:rPr>
+              <a:t> </a:t>
+            </a:r>
+            <a:endParaRPr lang="en-US" altLang="ko-KR" sz="1200" b="0" i="0" kern="1200" dirty="0">
+              <a:solidFill>
+                <a:schemeClr val="tx1"/>
+              </a:solidFill>
+              <a:effectLst/>
+              <a:latin typeface="+mn-lt"/>
+              <a:ea typeface="+mn-ea"/>
+              <a:cs typeface="+mn-cs"/>
+            </a:endParaRPr>
+          </a:p>
+          <a:p>
+            <a:endParaRPr lang="en-US" altLang="ko-KR" sz="1200" b="0" i="0" kern="1200" dirty="0">
+              <a:solidFill>
+                <a:schemeClr val="tx1"/>
+              </a:solidFill>
+              <a:effectLst/>
+              <a:latin typeface="+mn-lt"/>
+              <a:ea typeface="+mn-ea"/>
+              <a:cs typeface="+mn-cs"/>
+            </a:endParaRPr>
+          </a:p>
+          <a:p>
+            <a:r>
+              <a:rPr lang="ko-KR" altLang="en-US" sz="1200" b="0" i="0" kern="1200" dirty="0" err="1">
+                <a:solidFill>
+                  <a:schemeClr val="tx1"/>
+                </a:solidFill>
+                <a:effectLst/>
+                <a:latin typeface="+mn-lt"/>
+                <a:ea typeface="+mn-ea"/>
+                <a:cs typeface="+mn-cs"/>
+              </a:rPr>
+              <a:t>엣지</a:t>
+            </a:r>
+            <a:r>
+              <a:rPr lang="ko-KR" altLang="en-US" sz="1200" b="0" i="0" kern="1200" dirty="0">
+                <a:solidFill>
+                  <a:schemeClr val="tx1"/>
+                </a:solidFill>
+                <a:effectLst/>
+                <a:latin typeface="+mn-lt"/>
+                <a:ea typeface="+mn-ea"/>
+                <a:cs typeface="+mn-cs"/>
+              </a:rPr>
+              <a:t> 컴퓨팅 포 디 인터넷 오브 </a:t>
+            </a:r>
+            <a:r>
+              <a:rPr lang="ko-KR" altLang="en-US" sz="1200" b="0" i="0" kern="1200" dirty="0" err="1">
+                <a:solidFill>
+                  <a:schemeClr val="tx1"/>
+                </a:solidFill>
+                <a:effectLst/>
+                <a:latin typeface="+mn-lt"/>
+                <a:ea typeface="+mn-ea"/>
+                <a:cs typeface="+mn-cs"/>
+              </a:rPr>
+              <a:t>씽스라는</a:t>
+            </a:r>
+            <a:r>
+              <a:rPr lang="ko-KR" altLang="en-US" sz="1200" b="0" i="0" kern="1200" dirty="0">
+                <a:solidFill>
+                  <a:schemeClr val="tx1"/>
+                </a:solidFill>
+                <a:effectLst/>
+                <a:latin typeface="+mn-lt"/>
+                <a:ea typeface="+mn-ea"/>
+                <a:cs typeface="+mn-cs"/>
+              </a:rPr>
+              <a:t> 제목으로 </a:t>
+            </a:r>
+            <a:endParaRPr lang="en-US" altLang="ko-KR" sz="1200" b="0" i="0" kern="1200" dirty="0">
+              <a:solidFill>
+                <a:schemeClr val="tx1"/>
+              </a:solidFill>
+              <a:effectLst/>
+              <a:latin typeface="+mn-lt"/>
+              <a:ea typeface="+mn-ea"/>
+              <a:cs typeface="+mn-cs"/>
+            </a:endParaRPr>
+          </a:p>
+          <a:p>
+            <a:endParaRPr lang="en-US" altLang="ko-KR" dirty="0"/>
+          </a:p>
+          <a:p>
+            <a:r>
+              <a:rPr lang="ko-KR" altLang="en-US" dirty="0"/>
+              <a:t>저자는 </a:t>
+            </a:r>
+            <a:r>
               <a:rPr lang="ko-KR" altLang="en-US" dirty="0" err="1"/>
               <a:t>고피카</a:t>
             </a:r>
@@ -675,7 +919,15 @@
             </a:r>
             <a:r>
               <a:rPr lang="ko-KR" altLang="en-US" dirty="0"/>
-              <a:t>센서 기반 경험을 보장하려면 </a:t>
+              <a:t>센서 기반의 </a:t>
+            </a:r>
+            <a:r>
+              <a:rPr lang="ko-KR" altLang="en-US" dirty="0" err="1"/>
+              <a:t>질좋은</a:t>
+            </a:r>
+            <a:r>
+              <a:rPr lang="ko-KR" altLang="en-US" dirty="0"/>
+              <a:t> 사용자 경험을 보장하려면 </a:t>
             </a:r>
             <a:r>
               <a:rPr lang="ko-KR" altLang="en-US" b="1" dirty="0" err="1"/>
@@ -699,27 +951,11 @@
             </a:r>
             <a:r>
               <a:rPr lang="ko-KR" altLang="en-US" b="1" dirty="0"/>
-              <a:t>플랫폼</a:t>
-            </a:r>
-            <a:r>
-              <a:rPr lang="en-US" altLang="ko-KR" b="1" dirty="0"/>
-              <a:t>·</a:t>
-            </a:r>
-            <a:r>
-              <a:rPr lang="ko-KR" altLang="en-US" b="1" dirty="0"/>
-              <a:t>기술</a:t>
-            </a:r>
-            <a:r>
-              <a:rPr lang="en-US" altLang="ko-KR" b="1" dirty="0"/>
-              <a:t>·</a:t>
-            </a:r>
-            <a:r>
-              <a:rPr lang="ko-KR" altLang="en-US" b="1" dirty="0"/>
-              <a:t>평가</a:t>
+              <a:t>내용들을</a:t>
             </a:r>
             <a:r>
               <a:rPr lang="ko-KR" altLang="en-US" dirty="0"/>
-              <a:t>를 체계적으로 제시한다</a:t>
+              <a:t> 제시한다</a:t>
             </a:r>
             <a:r>
               <a:rPr lang="en-US" altLang="ko-KR" dirty="0"/>
@@ -827,6 +1063,12 @@
               <a:defRPr/>
             </a:pPr>
             <a:r>
+              <a:rPr lang="ko-KR" altLang="en-US" dirty="0">
+                <a:effectLst/>
+              </a:rPr>
+              <a:t>두번째 섹션 </a:t>
+            </a:r>
+            <a:r>
               <a:rPr lang="ko-KR" altLang="en-US" dirty="0" err="1">
                 <a:effectLst/>
               </a:rPr>
@@ -836,84 +1078,19 @@
               <a:rPr lang="ko-KR" altLang="en-US" dirty="0">
                 <a:effectLst/>
               </a:rPr>
-              <a:t> 컴퓨팅 플랫폼 구현을 위해 제안된 </a:t>
-            </a:r>
-            <a:r>
-              <a:rPr lang="ko-KR" altLang="en-US" sz="1200" dirty="0">
-                <a:solidFill>
-                  <a:srgbClr val="E2E6E9"/>
-                </a:solidFill>
-                <a:latin typeface="Source Sans 3" pitchFamily="34" charset="0"/>
-                <a:ea typeface="Source Sans 3" pitchFamily="34" charset="-122"/>
-                <a:cs typeface="Source Sans 3" pitchFamily="34" charset="-120"/>
-              </a:rPr>
-              <a:t>다양한 </a:t>
-            </a:r>
-            <a:r>
-              <a:rPr lang="en-US" altLang="ko-KR" sz="1200" dirty="0" err="1">
-                <a:solidFill>
-                  <a:srgbClr val="E2E6E9"/>
-                </a:solidFill>
-                <a:latin typeface="Source Sans 3" pitchFamily="34" charset="0"/>
-                <a:ea typeface="Source Sans 3" pitchFamily="34" charset="-122"/>
-                <a:cs typeface="Source Sans 3" pitchFamily="34" charset="-120"/>
-              </a:rPr>
-              <a:t>엣지</a:t>
-            </a:r>
-            <a:r>
-              <a:rPr lang="en-US" altLang="ko-KR" sz="1200" dirty="0">
-                <a:solidFill>
-                  <a:srgbClr val="E2E6E9"/>
-                </a:solidFill>
-                <a:latin typeface="Source Sans 3" pitchFamily="34" charset="0"/>
-                <a:ea typeface="Source Sans 3" pitchFamily="34" charset="-122"/>
-                <a:cs typeface="Source Sans 3" pitchFamily="34" charset="-120"/>
-              </a:rPr>
-              <a:t> </a:t>
-            </a:r>
-            <a:r>
-              <a:rPr lang="en-US" altLang="ko-KR" sz="1200" dirty="0" err="1">
-                <a:solidFill>
-                  <a:srgbClr val="E2E6E9"/>
-                </a:solidFill>
-                <a:latin typeface="Source Sans 3" pitchFamily="34" charset="0"/>
-                <a:ea typeface="Source Sans 3" pitchFamily="34" charset="-122"/>
-                <a:cs typeface="Source Sans 3" pitchFamily="34" charset="-120"/>
-              </a:rPr>
-              <a:t>컴퓨팅</a:t>
-            </a:r>
-            <a:r>
-              <a:rPr lang="en-US" altLang="ko-KR" sz="1200" dirty="0">
-                <a:solidFill>
-                  <a:srgbClr val="E2E6E9"/>
-                </a:solidFill>
-                <a:latin typeface="Source Sans 3" pitchFamily="34" charset="0"/>
-                <a:ea typeface="Source Sans 3" pitchFamily="34" charset="-122"/>
-                <a:cs typeface="Source Sans 3" pitchFamily="34" charset="-120"/>
-              </a:rPr>
-              <a:t> </a:t>
-            </a:r>
-            <a:r>
-              <a:rPr lang="en-US" altLang="ko-KR" sz="1200" dirty="0" err="1">
-                <a:solidFill>
-                  <a:srgbClr val="E2E6E9"/>
-                </a:solidFill>
-                <a:latin typeface="Source Sans 3" pitchFamily="34" charset="0"/>
-                <a:ea typeface="Source Sans 3" pitchFamily="34" charset="-122"/>
-                <a:cs typeface="Source Sans 3" pitchFamily="34" charset="-120"/>
-              </a:rPr>
-              <a:t>아키텍처는</a:t>
-            </a:r>
-            <a:r>
-              <a:rPr lang="en-US" altLang="ko-KR" sz="1200" dirty="0">
-                <a:solidFill>
-                  <a:srgbClr val="E2E6E9"/>
-                </a:solidFill>
-                <a:latin typeface="Source Sans 3" pitchFamily="34" charset="0"/>
-                <a:ea typeface="Source Sans 3" pitchFamily="34" charset="-122"/>
-                <a:cs typeface="Source Sans 3" pitchFamily="34" charset="-120"/>
-              </a:rPr>
-              <a:t> </a:t>
+              <a:t> 컴퓨팅 클래스 앤 </a:t>
+            </a:r>
+            <a:r>
+              <a:rPr lang="ko-KR" altLang="en-US" dirty="0" err="1">
+                <a:effectLst/>
+              </a:rPr>
+              <a:t>아키텍쳐입니다</a:t>
+            </a:r>
+            <a:r>
+              <a:rPr lang="en-US" altLang="ko-KR" dirty="0">
+                <a:effectLst/>
+              </a:rPr>
+              <a:t>.</a:t>
             </a:r>
           </a:p>
           <a:p>
@@ -934,204 +1111,9 @@
               <a:tabLst/>
               <a:defRPr/>
             </a:pPr>
-            <a:r>
-              <a:rPr lang="ko-KR" altLang="en-US" sz="1200" dirty="0">
-                <a:solidFill>
-                  <a:srgbClr val="E2E6E9"/>
-                </a:solidFill>
-                <a:latin typeface="Source Sans 3" pitchFamily="34" charset="0"/>
-                <a:ea typeface="Source Sans 3" pitchFamily="34" charset="-122"/>
-                <a:cs typeface="Source Sans 3" pitchFamily="34" charset="-120"/>
-              </a:rPr>
-              <a:t>각각 </a:t>
-            </a:r>
-            <a:r>
-              <a:rPr lang="en-US" altLang="ko-KR" sz="1200" dirty="0">
-                <a:solidFill>
-                  <a:srgbClr val="E2E6E9"/>
-                </a:solidFill>
-                <a:latin typeface="Source Sans 3" pitchFamily="34" charset="0"/>
-                <a:ea typeface="Source Sans 3" pitchFamily="34" charset="-122"/>
-                <a:cs typeface="Source Sans 3" pitchFamily="34" charset="-120"/>
-              </a:rPr>
-              <a:t>'</a:t>
-            </a:r>
-            <a:r>
-              <a:rPr lang="en-US" altLang="ko-KR" sz="1200" dirty="0" err="1">
-                <a:solidFill>
-                  <a:srgbClr val="E2E6E9"/>
-                </a:solidFill>
-                <a:latin typeface="Source Sans 3" pitchFamily="34" charset="0"/>
-                <a:ea typeface="Source Sans 3" pitchFamily="34" charset="-122"/>
-                <a:cs typeface="Source Sans 3" pitchFamily="34" charset="-120"/>
-              </a:rPr>
-              <a:t>엣지'의</a:t>
-            </a:r>
-            <a:r>
-              <a:rPr lang="en-US" altLang="ko-KR" sz="1200" dirty="0">
-                <a:solidFill>
-                  <a:srgbClr val="E2E6E9"/>
-                </a:solidFill>
-                <a:latin typeface="Source Sans 3" pitchFamily="34" charset="0"/>
-                <a:ea typeface="Source Sans 3" pitchFamily="34" charset="-122"/>
-                <a:cs typeface="Source Sans 3" pitchFamily="34" charset="-120"/>
-              </a:rPr>
-              <a:t> </a:t>
-            </a:r>
-            <a:r>
-              <a:rPr lang="en-US" altLang="ko-KR" sz="1200" dirty="0" err="1">
-                <a:solidFill>
-                  <a:srgbClr val="E2E6E9"/>
-                </a:solidFill>
-                <a:latin typeface="Source Sans 3" pitchFamily="34" charset="0"/>
-                <a:ea typeface="Source Sans 3" pitchFamily="34" charset="-122"/>
-                <a:cs typeface="Source Sans 3" pitchFamily="34" charset="-120"/>
-              </a:rPr>
-              <a:t>정의</a:t>
-            </a:r>
-            <a:r>
-              <a:rPr lang="en-US" altLang="ko-KR" sz="1200" dirty="0">
-                <a:solidFill>
-                  <a:srgbClr val="E2E6E9"/>
-                </a:solidFill>
-                <a:latin typeface="Source Sans 3" pitchFamily="34" charset="0"/>
-                <a:ea typeface="Source Sans 3" pitchFamily="34" charset="-122"/>
-                <a:cs typeface="Source Sans 3" pitchFamily="34" charset="-120"/>
-              </a:rPr>
-              <a:t>, </a:t>
-            </a:r>
-            <a:r>
-              <a:rPr lang="en-US" altLang="ko-KR" sz="1200" dirty="0" err="1">
-                <a:solidFill>
-                  <a:srgbClr val="E2E6E9"/>
-                </a:solidFill>
-                <a:latin typeface="Source Sans 3" pitchFamily="34" charset="0"/>
-                <a:ea typeface="Source Sans 3" pitchFamily="34" charset="-122"/>
-                <a:cs typeface="Source Sans 3" pitchFamily="34" charset="-120"/>
-              </a:rPr>
-              <a:t>참여</a:t>
-            </a:r>
-            <a:r>
-              <a:rPr lang="en-US" altLang="ko-KR" sz="1200" dirty="0">
-                <a:solidFill>
-                  <a:srgbClr val="E2E6E9"/>
-                </a:solidFill>
-                <a:latin typeface="Source Sans 3" pitchFamily="34" charset="0"/>
-                <a:ea typeface="Source Sans 3" pitchFamily="34" charset="-122"/>
-                <a:cs typeface="Source Sans 3" pitchFamily="34" charset="-120"/>
-              </a:rPr>
-              <a:t> </a:t>
-            </a:r>
-            <a:r>
-              <a:rPr lang="ko-KR" altLang="en-US" sz="1200" dirty="0">
-                <a:solidFill>
-                  <a:srgbClr val="E2E6E9"/>
-                </a:solidFill>
-                <a:latin typeface="Source Sans 3" pitchFamily="34" charset="0"/>
-                <a:ea typeface="Source Sans 3" pitchFamily="34" charset="-122"/>
-                <a:cs typeface="Source Sans 3" pitchFamily="34" charset="-120"/>
-              </a:rPr>
-              <a:t>가능한 </a:t>
-            </a:r>
-            <a:r>
-              <a:rPr lang="en-US" altLang="ko-KR" sz="1200" dirty="0" err="1">
-                <a:solidFill>
-                  <a:srgbClr val="E2E6E9"/>
-                </a:solidFill>
-                <a:latin typeface="Source Sans 3" pitchFamily="34" charset="0"/>
-                <a:ea typeface="Source Sans 3" pitchFamily="34" charset="-122"/>
-                <a:cs typeface="Source Sans 3" pitchFamily="34" charset="-120"/>
-              </a:rPr>
-              <a:t>노드</a:t>
-            </a:r>
-            <a:r>
-              <a:rPr lang="en-US" altLang="ko-KR" sz="1200" dirty="0">
-                <a:solidFill>
-                  <a:srgbClr val="E2E6E9"/>
-                </a:solidFill>
-                <a:latin typeface="Source Sans 3" pitchFamily="34" charset="0"/>
-                <a:ea typeface="Source Sans 3" pitchFamily="34" charset="-122"/>
-                <a:cs typeface="Source Sans 3" pitchFamily="34" charset="-120"/>
-              </a:rPr>
-              <a:t>, </a:t>
-            </a:r>
-            <a:r>
-              <a:rPr lang="en-US" altLang="ko-KR" sz="1200" dirty="0" err="1">
-                <a:solidFill>
-                  <a:srgbClr val="E2E6E9"/>
-                </a:solidFill>
-                <a:latin typeface="Source Sans 3" pitchFamily="34" charset="0"/>
-                <a:ea typeface="Source Sans 3" pitchFamily="34" charset="-122"/>
-                <a:cs typeface="Source Sans 3" pitchFamily="34" charset="-120"/>
-              </a:rPr>
-              <a:t>용어가</a:t>
-            </a:r>
-            <a:r>
-              <a:rPr lang="en-US" altLang="ko-KR" sz="1200" dirty="0">
-                <a:solidFill>
-                  <a:srgbClr val="E2E6E9"/>
-                </a:solidFill>
-                <a:latin typeface="Source Sans 3" pitchFamily="34" charset="0"/>
-                <a:ea typeface="Source Sans 3" pitchFamily="34" charset="-122"/>
-                <a:cs typeface="Source Sans 3" pitchFamily="34" charset="-120"/>
-              </a:rPr>
-              <a:t> </a:t>
-            </a:r>
-            <a:r>
-              <a:rPr lang="ko-KR" altLang="en-US" sz="1200" dirty="0">
-                <a:solidFill>
-                  <a:srgbClr val="E2E6E9"/>
-                </a:solidFill>
-                <a:latin typeface="Source Sans 3" pitchFamily="34" charset="0"/>
-                <a:ea typeface="Source Sans 3" pitchFamily="34" charset="-122"/>
-                <a:cs typeface="Source Sans 3" pitchFamily="34" charset="-120"/>
-              </a:rPr>
-              <a:t>문서</a:t>
-            </a:r>
-            <a:r>
-              <a:rPr lang="en-US" altLang="ko-KR" sz="1200" dirty="0" err="1">
-                <a:solidFill>
-                  <a:srgbClr val="E2E6E9"/>
-                </a:solidFill>
-                <a:latin typeface="Source Sans 3" pitchFamily="34" charset="0"/>
-                <a:ea typeface="Source Sans 3" pitchFamily="34" charset="-122"/>
-                <a:cs typeface="Source Sans 3" pitchFamily="34" charset="-120"/>
-              </a:rPr>
-              <a:t>마다</a:t>
-            </a:r>
-            <a:r>
-              <a:rPr lang="en-US" altLang="ko-KR" sz="1200" dirty="0">
-                <a:solidFill>
-                  <a:srgbClr val="E2E6E9"/>
-                </a:solidFill>
-                <a:latin typeface="Source Sans 3" pitchFamily="34" charset="0"/>
-                <a:ea typeface="Source Sans 3" pitchFamily="34" charset="-122"/>
-                <a:cs typeface="Source Sans 3" pitchFamily="34" charset="-120"/>
-              </a:rPr>
-              <a:t> </a:t>
-            </a:r>
-            <a:r>
-              <a:rPr lang="en-US" altLang="ko-KR" sz="1200" dirty="0" err="1">
-                <a:solidFill>
-                  <a:srgbClr val="E2E6E9"/>
-                </a:solidFill>
-                <a:latin typeface="Source Sans 3" pitchFamily="34" charset="0"/>
-                <a:ea typeface="Source Sans 3" pitchFamily="34" charset="-122"/>
-                <a:cs typeface="Source Sans 3" pitchFamily="34" charset="-120"/>
-              </a:rPr>
-              <a:t>다르다</a:t>
-            </a:r>
-            <a:r>
-              <a:rPr lang="en-US" altLang="ko-KR" sz="1200" dirty="0">
-                <a:solidFill>
-                  <a:srgbClr val="E2E6E9"/>
-                </a:solidFill>
-                <a:latin typeface="Source Sans 3" pitchFamily="34" charset="0"/>
-                <a:ea typeface="Source Sans 3" pitchFamily="34" charset="-122"/>
-                <a:cs typeface="Source Sans 3" pitchFamily="34" charset="-120"/>
-              </a:rPr>
-              <a:t>. </a:t>
-            </a:r>
+            <a:endParaRPr lang="en-US" altLang="ko-KR" dirty="0">
+              <a:effectLst/>
+            </a:endParaRPr>
           </a:p>
           <a:p>
             <a:pPr marL="0" marR="0" lvl="0" indent="0" algn="l" defTabSz="914400" rtl="0" eaLnBrk="1" fontAlgn="auto" latinLnBrk="1" hangingPunct="1">
@@ -1151,111 +1133,15 @@
               <a:tabLst/>
               <a:defRPr/>
             </a:pPr>
-            <a:r>
-              <a:rPr lang="ko-KR" altLang="en-US" dirty="0">
-                <a:effectLst/>
-              </a:rPr>
-              <a:t>일반적인 특징을 바탕으로</a:t>
-            </a:r>
-            <a:r>
-              <a:rPr lang="en-US" altLang="ko-KR" sz="1200" dirty="0">
-                <a:solidFill>
-                  <a:srgbClr val="E2E6E9"/>
-                </a:solidFill>
-                <a:latin typeface="Source Sans 3" pitchFamily="34" charset="0"/>
-                <a:ea typeface="Source Sans 3" pitchFamily="34" charset="-122"/>
-                <a:cs typeface="Source Sans 3" pitchFamily="34" charset="-120"/>
-              </a:rPr>
-              <a:t>세 </a:t>
-            </a:r>
-            <a:r>
-              <a:rPr lang="en-US" altLang="ko-KR" sz="1200" dirty="0" err="1">
-                <a:solidFill>
-                  <a:srgbClr val="E2E6E9"/>
-                </a:solidFill>
-                <a:latin typeface="Source Sans 3" pitchFamily="34" charset="0"/>
-                <a:ea typeface="Source Sans 3" pitchFamily="34" charset="-122"/>
-                <a:cs typeface="Source Sans 3" pitchFamily="34" charset="-120"/>
-              </a:rPr>
-              <a:t>가지</a:t>
-            </a:r>
-            <a:r>
-              <a:rPr lang="en-US" altLang="ko-KR" sz="1200" dirty="0">
-                <a:solidFill>
-                  <a:srgbClr val="E2E6E9"/>
-                </a:solidFill>
-                <a:latin typeface="Source Sans 3" pitchFamily="34" charset="0"/>
-                <a:ea typeface="Source Sans 3" pitchFamily="34" charset="-122"/>
-                <a:cs typeface="Source Sans 3" pitchFamily="34" charset="-120"/>
-              </a:rPr>
-              <a:t> </a:t>
-            </a:r>
-            <a:r>
-              <a:rPr lang="en-US" altLang="ko-KR" sz="1200" dirty="0" err="1">
-                <a:solidFill>
-                  <a:srgbClr val="E2E6E9"/>
-                </a:solidFill>
-                <a:latin typeface="Source Sans 3" pitchFamily="34" charset="0"/>
-                <a:ea typeface="Source Sans 3" pitchFamily="34" charset="-122"/>
-                <a:cs typeface="Source Sans 3" pitchFamily="34" charset="-120"/>
-              </a:rPr>
-              <a:t>클래스로</a:t>
-            </a:r>
-            <a:r>
-              <a:rPr lang="en-US" altLang="ko-KR" sz="1200" dirty="0">
-                <a:solidFill>
-                  <a:srgbClr val="E2E6E9"/>
-                </a:solidFill>
-                <a:latin typeface="Source Sans 3" pitchFamily="34" charset="0"/>
-                <a:ea typeface="Source Sans 3" pitchFamily="34" charset="-122"/>
-                <a:cs typeface="Source Sans 3" pitchFamily="34" charset="-120"/>
-              </a:rPr>
-              <a:t> </a:t>
-            </a:r>
-            <a:r>
-              <a:rPr lang="en-US" altLang="ko-KR" sz="1200" dirty="0" err="1">
-                <a:solidFill>
-                  <a:srgbClr val="E2E6E9"/>
-                </a:solidFill>
-                <a:latin typeface="Source Sans 3" pitchFamily="34" charset="0"/>
-                <a:ea typeface="Source Sans 3" pitchFamily="34" charset="-122"/>
-                <a:cs typeface="Source Sans 3" pitchFamily="34" charset="-120"/>
-              </a:rPr>
-              <a:t>분류</a:t>
-            </a:r>
-            <a:r>
-              <a:rPr lang="ko-KR" altLang="en-US" sz="1200" dirty="0" err="1">
-                <a:solidFill>
-                  <a:srgbClr val="E2E6E9"/>
-                </a:solidFill>
-                <a:latin typeface="Source Sans 3" pitchFamily="34" charset="0"/>
-                <a:ea typeface="Source Sans 3" pitchFamily="34" charset="-122"/>
-                <a:cs typeface="Source Sans 3" pitchFamily="34" charset="-120"/>
-              </a:rPr>
-              <a:t>하는것으로</a:t>
-            </a:r>
-            <a:r>
-              <a:rPr lang="ko-KR" altLang="en-US" sz="1200" dirty="0">
-                <a:solidFill>
-                  <a:srgbClr val="E2E6E9"/>
-                </a:solidFill>
-                <a:latin typeface="Source Sans 3" pitchFamily="34" charset="0"/>
-                <a:ea typeface="Source Sans 3" pitchFamily="34" charset="-122"/>
-                <a:cs typeface="Source Sans 3" pitchFamily="34" charset="-120"/>
-              </a:rPr>
-              <a:t> 시작한다</a:t>
-            </a:r>
-            <a:r>
-              <a:rPr lang="en-US" altLang="ko-KR" sz="1200" dirty="0">
-                <a:solidFill>
-                  <a:srgbClr val="E2E6E9"/>
-                </a:solidFill>
-                <a:latin typeface="Source Sans 3" pitchFamily="34" charset="0"/>
-                <a:ea typeface="Source Sans 3" pitchFamily="34" charset="-122"/>
-                <a:cs typeface="Source Sans 3" pitchFamily="34" charset="-120"/>
-              </a:rPr>
-              <a:t>.</a:t>
-            </a:r>
+            <a:endParaRPr lang="en-US" altLang="ko-KR" sz="1200" dirty="0">
+              <a:solidFill>
+                <a:srgbClr val="E2E6E9"/>
+              </a:solidFill>
+              <a:effectLst/>
+              <a:latin typeface="Source Sans 3" pitchFamily="34" charset="0"/>
+              <a:ea typeface="Source Sans 3" pitchFamily="34" charset="-122"/>
+              <a:cs typeface="Source Sans 3" pitchFamily="34" charset="-120"/>
+            </a:endParaRPr>
           </a:p>
           <a:p>
             <a:pPr marL="0" marR="0" lvl="0" indent="0" algn="l" defTabSz="914400" rtl="0" eaLnBrk="1" fontAlgn="auto" latinLnBrk="1" hangingPunct="1">
@@ -1275,11 +1161,24 @@
               <a:tabLst/>
               <a:defRPr/>
             </a:pPr>
+            <a:r>
+              <a:rPr lang="ko-KR" altLang="en-US" sz="1200" dirty="0">
+                <a:solidFill>
+                  <a:srgbClr val="E2E6E9"/>
+                </a:solidFill>
+                <a:latin typeface="Source Sans 3" pitchFamily="34" charset="0"/>
+                <a:ea typeface="Source Sans 3" pitchFamily="34" charset="-122"/>
+                <a:cs typeface="Source Sans 3" pitchFamily="34" charset="-120"/>
+              </a:rPr>
+              <a:t>이 섹션에서는 여러 논문 등 에서는 </a:t>
+            </a:r>
             <a:endParaRPr lang="en-US" altLang="ko-KR" sz="1200" dirty="0">
               <a:solidFill>
                 <a:srgbClr val="E2E6E9"/>
               </a:solidFill>
               <a:latin typeface="Source Sans 3" pitchFamily="34" charset="0"/>
+              <a:ea typeface="Source Sans 3" pitchFamily="34" charset="-122"/>
+              <a:cs typeface="Source Sans 3" pitchFamily="34" charset="-120"/>
             </a:endParaRPr>
           </a:p>
           <a:p>
@@ -1301,10 +1200,458 @@
               <a:defRPr/>
             </a:pPr>
             <a:r>
+              <a:rPr lang="en-US" altLang="ko-KR" sz="1200" dirty="0">
+                <a:solidFill>
+                  <a:srgbClr val="E2E6E9"/>
+                </a:solidFill>
+                <a:latin typeface="Source Sans 3" pitchFamily="34" charset="0"/>
+                <a:ea typeface="Source Sans 3" pitchFamily="34" charset="-122"/>
+                <a:cs typeface="Source Sans 3" pitchFamily="34" charset="-120"/>
+              </a:rPr>
+              <a:t>'</a:t>
+            </a:r>
+            <a:r>
+              <a:rPr lang="en-US" altLang="ko-KR" sz="1200" dirty="0" err="1">
+                <a:solidFill>
+                  <a:srgbClr val="E2E6E9"/>
+                </a:solidFill>
+                <a:latin typeface="Source Sans 3" pitchFamily="34" charset="0"/>
+                <a:ea typeface="Source Sans 3" pitchFamily="34" charset="-122"/>
+                <a:cs typeface="Source Sans 3" pitchFamily="34" charset="-120"/>
+              </a:rPr>
+              <a:t>엣지'의</a:t>
+            </a:r>
+            <a:r>
+              <a:rPr lang="en-US" altLang="ko-KR" sz="1200" dirty="0">
+                <a:solidFill>
+                  <a:srgbClr val="E2E6E9"/>
+                </a:solidFill>
+                <a:latin typeface="Source Sans 3" pitchFamily="34" charset="0"/>
+                <a:ea typeface="Source Sans 3" pitchFamily="34" charset="-122"/>
+                <a:cs typeface="Source Sans 3" pitchFamily="34" charset="-120"/>
+              </a:rPr>
+              <a:t> </a:t>
+            </a:r>
+            <a:r>
+              <a:rPr lang="en-US" altLang="ko-KR" sz="1200" dirty="0" err="1">
+                <a:solidFill>
+                  <a:srgbClr val="E2E6E9"/>
+                </a:solidFill>
+                <a:latin typeface="Source Sans 3" pitchFamily="34" charset="0"/>
+                <a:ea typeface="Source Sans 3" pitchFamily="34" charset="-122"/>
+                <a:cs typeface="Source Sans 3" pitchFamily="34" charset="-120"/>
+              </a:rPr>
+              <a:t>정의</a:t>
+            </a:r>
+            <a:r>
+              <a:rPr lang="en-US" altLang="ko-KR" sz="1200" dirty="0">
+                <a:solidFill>
+                  <a:srgbClr val="E2E6E9"/>
+                </a:solidFill>
+                <a:latin typeface="Source Sans 3" pitchFamily="34" charset="0"/>
+                <a:ea typeface="Source Sans 3" pitchFamily="34" charset="-122"/>
+                <a:cs typeface="Source Sans 3" pitchFamily="34" charset="-120"/>
+              </a:rPr>
+              <a:t>, </a:t>
+            </a:r>
+            <a:r>
+              <a:rPr lang="en-US" altLang="ko-KR" sz="1200" dirty="0" err="1">
+                <a:solidFill>
+                  <a:srgbClr val="E2E6E9"/>
+                </a:solidFill>
+                <a:latin typeface="Source Sans 3" pitchFamily="34" charset="0"/>
+                <a:ea typeface="Source Sans 3" pitchFamily="34" charset="-122"/>
+                <a:cs typeface="Source Sans 3" pitchFamily="34" charset="-120"/>
+              </a:rPr>
+              <a:t>참여</a:t>
+            </a:r>
+            <a:r>
+              <a:rPr lang="en-US" altLang="ko-KR" sz="1200" dirty="0">
+                <a:solidFill>
+                  <a:srgbClr val="E2E6E9"/>
+                </a:solidFill>
+                <a:latin typeface="Source Sans 3" pitchFamily="34" charset="0"/>
+                <a:ea typeface="Source Sans 3" pitchFamily="34" charset="-122"/>
+                <a:cs typeface="Source Sans 3" pitchFamily="34" charset="-120"/>
+              </a:rPr>
+              <a:t> </a:t>
+            </a:r>
+            <a:r>
+              <a:rPr lang="ko-KR" altLang="en-US" sz="1200" dirty="0">
+                <a:solidFill>
+                  <a:srgbClr val="E2E6E9"/>
+                </a:solidFill>
+                <a:latin typeface="Source Sans 3" pitchFamily="34" charset="0"/>
+                <a:ea typeface="Source Sans 3" pitchFamily="34" charset="-122"/>
+                <a:cs typeface="Source Sans 3" pitchFamily="34" charset="-120"/>
+              </a:rPr>
+              <a:t>가능한 </a:t>
+            </a:r>
+            <a:r>
+              <a:rPr lang="en-US" altLang="ko-KR" sz="1200" dirty="0" err="1">
+                <a:solidFill>
+                  <a:srgbClr val="E2E6E9"/>
+                </a:solidFill>
+                <a:latin typeface="Source Sans 3" pitchFamily="34" charset="0"/>
+                <a:ea typeface="Source Sans 3" pitchFamily="34" charset="-122"/>
+                <a:cs typeface="Source Sans 3" pitchFamily="34" charset="-120"/>
+              </a:rPr>
+              <a:t>노드</a:t>
+            </a:r>
+            <a:r>
+              <a:rPr lang="en-US" altLang="ko-KR" sz="1200" dirty="0">
+                <a:solidFill>
+                  <a:srgbClr val="E2E6E9"/>
+                </a:solidFill>
+                <a:latin typeface="Source Sans 3" pitchFamily="34" charset="0"/>
+                <a:ea typeface="Source Sans 3" pitchFamily="34" charset="-122"/>
+                <a:cs typeface="Source Sans 3" pitchFamily="34" charset="-120"/>
+              </a:rPr>
+              <a:t>, </a:t>
+            </a:r>
+            <a:r>
+              <a:rPr lang="en-US" altLang="ko-KR" sz="1200" dirty="0" err="1">
+                <a:solidFill>
+                  <a:srgbClr val="E2E6E9"/>
+                </a:solidFill>
+                <a:latin typeface="Source Sans 3" pitchFamily="34" charset="0"/>
+                <a:ea typeface="Source Sans 3" pitchFamily="34" charset="-122"/>
+                <a:cs typeface="Source Sans 3" pitchFamily="34" charset="-120"/>
+              </a:rPr>
+              <a:t>용어가</a:t>
+            </a:r>
+            <a:r>
+              <a:rPr lang="en-US" altLang="ko-KR" sz="1200" dirty="0">
+                <a:solidFill>
+                  <a:srgbClr val="E2E6E9"/>
+                </a:solidFill>
+                <a:latin typeface="Source Sans 3" pitchFamily="34" charset="0"/>
+                <a:ea typeface="Source Sans 3" pitchFamily="34" charset="-122"/>
+                <a:cs typeface="Source Sans 3" pitchFamily="34" charset="-120"/>
+              </a:rPr>
+              <a:t> </a:t>
+            </a:r>
+            <a:r>
+              <a:rPr lang="ko-KR" altLang="en-US" sz="1200" dirty="0">
+                <a:solidFill>
+                  <a:srgbClr val="E2E6E9"/>
+                </a:solidFill>
+                <a:latin typeface="Source Sans 3" pitchFamily="34" charset="0"/>
+                <a:ea typeface="Source Sans 3" pitchFamily="34" charset="-122"/>
+                <a:cs typeface="Source Sans 3" pitchFamily="34" charset="-120"/>
+              </a:rPr>
+              <a:t>문서</a:t>
+            </a:r>
+            <a:r>
+              <a:rPr lang="en-US" altLang="ko-KR" sz="1200" dirty="0" err="1">
+                <a:solidFill>
+                  <a:srgbClr val="E2E6E9"/>
+                </a:solidFill>
+                <a:latin typeface="Source Sans 3" pitchFamily="34" charset="0"/>
+                <a:ea typeface="Source Sans 3" pitchFamily="34" charset="-122"/>
+                <a:cs typeface="Source Sans 3" pitchFamily="34" charset="-120"/>
+              </a:rPr>
+              <a:t>마다</a:t>
+            </a:r>
+            <a:r>
+              <a:rPr lang="en-US" altLang="ko-KR" sz="1200" dirty="0">
+                <a:solidFill>
+                  <a:srgbClr val="E2E6E9"/>
+                </a:solidFill>
+                <a:latin typeface="Source Sans 3" pitchFamily="34" charset="0"/>
+                <a:ea typeface="Source Sans 3" pitchFamily="34" charset="-122"/>
+                <a:cs typeface="Source Sans 3" pitchFamily="34" charset="-120"/>
+              </a:rPr>
+              <a:t> </a:t>
+            </a:r>
+            <a:r>
+              <a:rPr lang="en-US" altLang="ko-KR" sz="1200" dirty="0" err="1">
+                <a:solidFill>
+                  <a:srgbClr val="E2E6E9"/>
+                </a:solidFill>
+                <a:latin typeface="Source Sans 3" pitchFamily="34" charset="0"/>
+                <a:ea typeface="Source Sans 3" pitchFamily="34" charset="-122"/>
+                <a:cs typeface="Source Sans 3" pitchFamily="34" charset="-120"/>
+              </a:rPr>
+              <a:t>다르다</a:t>
+            </a:r>
+            <a:r>
+              <a:rPr lang="en-US" altLang="ko-KR" sz="1200" dirty="0">
+                <a:solidFill>
+                  <a:srgbClr val="E2E6E9"/>
+                </a:solidFill>
+                <a:latin typeface="Source Sans 3" pitchFamily="34" charset="0"/>
+                <a:ea typeface="Source Sans 3" pitchFamily="34" charset="-122"/>
+                <a:cs typeface="Source Sans 3" pitchFamily="34" charset="-120"/>
+              </a:rPr>
+              <a:t>. </a:t>
+            </a:r>
+            <a:r>
+              <a:rPr lang="ko-KR" altLang="en-US" sz="1200" dirty="0">
+                <a:solidFill>
+                  <a:srgbClr val="E2E6E9"/>
+                </a:solidFill>
+                <a:latin typeface="Source Sans 3" pitchFamily="34" charset="0"/>
+                <a:ea typeface="Source Sans 3" pitchFamily="34" charset="-122"/>
+                <a:cs typeface="Source Sans 3" pitchFamily="34" charset="-120"/>
+              </a:rPr>
+              <a:t>는 점을 지적합니다</a:t>
+            </a:r>
+            <a:r>
+              <a:rPr lang="en-US" altLang="ko-KR" sz="1200" dirty="0">
+                <a:solidFill>
+                  <a:srgbClr val="E2E6E9"/>
+                </a:solidFill>
+                <a:latin typeface="Source Sans 3" pitchFamily="34" charset="0"/>
+                <a:ea typeface="Source Sans 3" pitchFamily="34" charset="-122"/>
+                <a:cs typeface="Source Sans 3" pitchFamily="34" charset="-120"/>
+              </a:rPr>
+              <a:t>.</a:t>
+            </a:r>
+          </a:p>
+          <a:p>
+            <a:pPr marL="0" marR="0" lvl="0" indent="0" algn="l" defTabSz="914400" rtl="0" eaLnBrk="1" fontAlgn="auto" latinLnBrk="1" hangingPunct="1">
+              <a:lnSpc>
+                <a:spcPct val="100000"/>
+              </a:lnSpc>
+              <a:spcBef>
+                <a:spcPts val="0"/>
+              </a:spcBef>
+              <a:spcAft>
+                <a:spcPts val="0"/>
+              </a:spcAft>
+              <a:buClrTx/>
+              <a:buSzTx/>
+              <a:buFontTx/>
+              <a:buNone/>
+              <a:tabLst/>
+              <a:defRPr/>
+            </a:pPr>
+            <a:r>
+              <a:rPr lang="ko-KR" altLang="en-US" sz="1200" dirty="0">
+                <a:solidFill>
+                  <a:srgbClr val="E2E6E9"/>
+                </a:solidFill>
+                <a:latin typeface="Source Sans 3" pitchFamily="34" charset="0"/>
+                <a:ea typeface="Source Sans 3" pitchFamily="34" charset="-122"/>
+                <a:cs typeface="Source Sans 3" pitchFamily="34" charset="-120"/>
+              </a:rPr>
+              <a:t>그래서 </a:t>
+            </a:r>
+            <a:r>
               <a:rPr lang="ko-KR" altLang="en-US" dirty="0">
                 <a:effectLst/>
               </a:rPr>
-              <a:t>그러나 실제로는 한 범주에 속한 특징들을 다른 범주들과 조합하여 사용할 수 있다</a:t>
+              <a:t>일반적인 특징을 바탕으로 </a:t>
+            </a:r>
+            <a:endParaRPr lang="en-US" altLang="ko-KR" dirty="0">
+              <a:effectLst/>
+            </a:endParaRPr>
+          </a:p>
+          <a:p>
+            <a:pPr marL="0" marR="0" lvl="0" indent="0" algn="l" defTabSz="914400" rtl="0" eaLnBrk="1" fontAlgn="auto" latinLnBrk="1" hangingPunct="1">
+              <a:lnSpc>
+                <a:spcPct val="100000"/>
+              </a:lnSpc>
+              <a:spcBef>
+                <a:spcPts val="0"/>
+              </a:spcBef>
+              <a:spcAft>
+                <a:spcPts val="0"/>
+              </a:spcAft>
+              <a:buClrTx/>
+              <a:buSzTx/>
+              <a:buFontTx/>
+              <a:buNone/>
+              <a:tabLst/>
+              <a:defRPr/>
+            </a:pPr>
+            <a:r>
+              <a:rPr lang="en-US" altLang="ko-KR" sz="1200" dirty="0">
+                <a:solidFill>
+                  <a:srgbClr val="E2E6E9"/>
+                </a:solidFill>
+                <a:latin typeface="Source Sans 3" pitchFamily="34" charset="0"/>
+                <a:ea typeface="Source Sans 3" pitchFamily="34" charset="-122"/>
+                <a:cs typeface="Source Sans 3" pitchFamily="34" charset="-120"/>
+              </a:rPr>
+              <a:t>세 </a:t>
+            </a:r>
+            <a:r>
+              <a:rPr lang="en-US" altLang="ko-KR" sz="1200" dirty="0" err="1">
+                <a:solidFill>
+                  <a:srgbClr val="E2E6E9"/>
+                </a:solidFill>
+                <a:latin typeface="Source Sans 3" pitchFamily="34" charset="0"/>
+                <a:ea typeface="Source Sans 3" pitchFamily="34" charset="-122"/>
+                <a:cs typeface="Source Sans 3" pitchFamily="34" charset="-120"/>
+              </a:rPr>
+              <a:t>가지로</a:t>
+            </a:r>
+            <a:r>
+              <a:rPr lang="en-US" altLang="ko-KR" sz="1200" dirty="0">
+                <a:solidFill>
+                  <a:srgbClr val="E2E6E9"/>
+                </a:solidFill>
+                <a:latin typeface="Source Sans 3" pitchFamily="34" charset="0"/>
+                <a:ea typeface="Source Sans 3" pitchFamily="34" charset="-122"/>
+                <a:cs typeface="Source Sans 3" pitchFamily="34" charset="-120"/>
+              </a:rPr>
+              <a:t> </a:t>
+            </a:r>
+            <a:r>
+              <a:rPr lang="en-US" altLang="ko-KR" sz="1200" dirty="0" err="1">
+                <a:solidFill>
+                  <a:srgbClr val="E2E6E9"/>
+                </a:solidFill>
+                <a:latin typeface="Source Sans 3" pitchFamily="34" charset="0"/>
+                <a:ea typeface="Source Sans 3" pitchFamily="34" charset="-122"/>
+                <a:cs typeface="Source Sans 3" pitchFamily="34" charset="-120"/>
+              </a:rPr>
+              <a:t>분류</a:t>
+            </a:r>
+            <a:r>
+              <a:rPr lang="ko-KR" altLang="en-US" sz="1200" dirty="0">
+                <a:solidFill>
+                  <a:srgbClr val="E2E6E9"/>
+                </a:solidFill>
+                <a:latin typeface="Source Sans 3" pitchFamily="34" charset="0"/>
+                <a:ea typeface="Source Sans 3" pitchFamily="34" charset="-122"/>
+                <a:cs typeface="Source Sans 3" pitchFamily="34" charset="-120"/>
+              </a:rPr>
+              <a:t>하고 그 설계에 대해서 간략하게 소개합니다</a:t>
+            </a:r>
+            <a:r>
+              <a:rPr lang="en-US" altLang="ko-KR" sz="1200" dirty="0">
+                <a:solidFill>
+                  <a:srgbClr val="E2E6E9"/>
+                </a:solidFill>
+                <a:latin typeface="Source Sans 3" pitchFamily="34" charset="0"/>
+                <a:ea typeface="Source Sans 3" pitchFamily="34" charset="-122"/>
+                <a:cs typeface="Source Sans 3" pitchFamily="34" charset="-120"/>
+              </a:rPr>
+              <a:t>.</a:t>
+            </a:r>
+          </a:p>
+          <a:p>
+            <a:pPr marL="0" marR="0" lvl="0" indent="0" algn="l" defTabSz="914400" rtl="0" eaLnBrk="1" fontAlgn="auto" latinLnBrk="1" hangingPunct="1">
+              <a:lnSpc>
+                <a:spcPct val="100000"/>
+              </a:lnSpc>
+              <a:spcBef>
+                <a:spcPts val="0"/>
+              </a:spcBef>
+              <a:spcAft>
+                <a:spcPts val="0"/>
+              </a:spcAft>
+              <a:buClrTx/>
+              <a:buSzTx/>
+              <a:buFontTx/>
+              <a:buNone/>
+              <a:tabLst/>
+              <a:defRPr/>
+            </a:pPr>
+            <a:endParaRPr lang="en-US" altLang="ko-KR" sz="1200" dirty="0">
+              <a:solidFill>
+                <a:srgbClr val="E2E6E9"/>
+              </a:solidFill>
+              <a:latin typeface="Source Sans 3" pitchFamily="34" charset="0"/>
+            </a:endParaRPr>
+          </a:p>
+          <a:p>
+            <a:pPr marL="0" marR="0" lvl="0" indent="0" algn="l" defTabSz="914400" rtl="0" eaLnBrk="1" fontAlgn="auto" latinLnBrk="1" hangingPunct="1">
+              <a:lnSpc>
+                <a:spcPct val="100000"/>
+              </a:lnSpc>
+              <a:spcBef>
+                <a:spcPts val="0"/>
+              </a:spcBef>
+              <a:spcAft>
+                <a:spcPts val="0"/>
+              </a:spcAft>
+              <a:buClrTx/>
+              <a:buSzTx/>
+              <a:buFontTx/>
+              <a:buNone/>
+              <a:tabLst/>
+              <a:defRPr/>
+            </a:pPr>
+            <a:r>
+              <a:rPr lang="ko-KR" altLang="en-US" sz="1200" dirty="0">
+                <a:solidFill>
+                  <a:srgbClr val="E2E6E9"/>
+                </a:solidFill>
+                <a:latin typeface="Source Sans 3" pitchFamily="34" charset="0"/>
+              </a:rPr>
+              <a:t>분류 되었지만 </a:t>
+            </a:r>
+            <a:r>
+              <a:rPr lang="ko-KR" altLang="en-US" dirty="0">
+                <a:effectLst/>
+              </a:rPr>
+              <a:t>실제로는 한 분류에 속한 특징들을 다른 경우들과 조합하여 사용할 수 있다</a:t>
+            </a:r>
+            <a:endParaRPr lang="en-US" altLang="ko-KR" dirty="0">
+              <a:effectLst/>
+            </a:endParaRPr>
+          </a:p>
+          <a:p>
+            <a:pPr marL="0" marR="0" lvl="0" indent="0" algn="l" defTabSz="914400" rtl="0" eaLnBrk="1" fontAlgn="auto" latinLnBrk="1" hangingPunct="1">
+              <a:lnSpc>
+                <a:spcPct val="100000"/>
+              </a:lnSpc>
+              <a:spcBef>
+                <a:spcPts val="0"/>
+              </a:spcBef>
+              <a:spcAft>
+                <a:spcPts val="0"/>
+              </a:spcAft>
+              <a:buClrTx/>
+              <a:buSzTx/>
+              <a:buFontTx/>
+              <a:buNone/>
+              <a:tabLst/>
+              <a:defRPr/>
+            </a:pPr>
+            <a:endParaRPr lang="en-US" altLang="ko-KR" sz="1200" dirty="0">
+              <a:effectLst/>
+            </a:endParaRPr>
+          </a:p>
+          <a:p>
+            <a:pPr marL="0" marR="0" lvl="0" indent="0" algn="l" defTabSz="914400" rtl="0" eaLnBrk="1" fontAlgn="auto" latinLnBrk="1" hangingPunct="1">
+              <a:lnSpc>
+                <a:spcPct val="100000"/>
+              </a:lnSpc>
+              <a:spcBef>
+                <a:spcPts val="0"/>
+              </a:spcBef>
+              <a:spcAft>
+                <a:spcPts val="0"/>
+              </a:spcAft>
+              <a:buClrTx/>
+              <a:buSzTx/>
+              <a:buFontTx/>
+              <a:buNone/>
+              <a:tabLst/>
+              <a:defRPr/>
+            </a:pPr>
+            <a:r>
+              <a:rPr lang="ko-KR" altLang="en-US" sz="1200" dirty="0" err="1">
+                <a:effectLst/>
+              </a:rPr>
+              <a:t>라고</a:t>
+            </a:r>
+            <a:r>
+              <a:rPr lang="ko-KR" altLang="en-US" sz="1200" dirty="0">
+                <a:effectLst/>
+              </a:rPr>
+              <a:t> 합니다</a:t>
+            </a:r>
+            <a:r>
+              <a:rPr lang="en-US" altLang="ko-KR" sz="1200" dirty="0">
+                <a:effectLst/>
+              </a:rPr>
+              <a:t>.</a:t>
             </a:r>
             <a:endParaRPr lang="en-US" altLang="ko-KR" sz="1200" dirty="0"/>
           </a:p>
@@ -1395,6 +1742,13 @@
           <a:p>
             <a:r>
               <a:rPr lang="ko-KR" altLang="en-US" dirty="0"/>
+              <a:t>첫번째 분류로는 </a:t>
+            </a:r>
+            <a:endParaRPr lang="en-US" altLang="ko-KR" dirty="0"/>
+          </a:p>
+          <a:p>
+            <a:r>
+              <a:rPr lang="ko-KR" altLang="en-US" dirty="0"/>
               <a:t>자원이 풍부한 </a:t>
             </a:r>
             <a:r>
@@ -1469,7 +1823,7 @@
             </a:r>
             <a:r>
               <a:rPr lang="ko-KR" altLang="en-US" dirty="0"/>
-              <a:t>으로 배치되는 “</a:t>
+              <a:t>으로 “</a:t>
             </a:r>
             <a:r>
               <a:rPr lang="en-US" altLang="ko-KR" b="1" dirty="0"/>
@@ -1477,7 +1831,7 @@
             </a:r>
             <a:r>
               <a:rPr lang="ko-KR" altLang="en-US" dirty="0"/>
-              <a:t>” </a:t>
+              <a:t>” 를 배치  </a:t>
             </a:r>
             <a:r>
               <a:rPr lang="en-US" altLang="ko-KR" dirty="0"/>
@@ -1828,6 +2182,13 @@
           <a:p>
             <a:r>
               <a:rPr lang="ko-KR" altLang="en-US" dirty="0"/>
+              <a:t>두번째 분류로는 </a:t>
+            </a:r>
+            <a:endParaRPr lang="en-US" altLang="ko-KR" dirty="0"/>
+          </a:p>
+          <a:p>
+            <a:r>
+              <a:rPr lang="ko-KR" altLang="en-US" dirty="0"/>
               <a:t>이기종 </a:t>
             </a:r>
             <a:r>
@@ -1842,28 +2203,8 @@
           </a:p>
           <a:p>
             <a:r>
-              <a:rPr lang="ko-KR" altLang="en-US" b="1" dirty="0"/>
-              <a:t>다양한</a:t>
-            </a:r>
-            <a:r>
-              <a:rPr lang="en-US" altLang="ko-KR" b="1" dirty="0"/>
-              <a:t>(</a:t>
-            </a:r>
-            <a:r>
-              <a:rPr lang="ko-KR" altLang="en-US" b="1" dirty="0"/>
-              <a:t>이기종</a:t>
-            </a:r>
-            <a:r>
-              <a:rPr lang="en-US" altLang="ko-KR" b="1" dirty="0"/>
-              <a:t>) </a:t>
-            </a:r>
-            <a:r>
-              <a:rPr lang="ko-KR" altLang="en-US" b="1" dirty="0"/>
-              <a:t>컴퓨팅 자원</a:t>
-            </a:r>
-            <a:r>
               <a:rPr lang="ko-KR" altLang="en-US" dirty="0"/>
-              <a:t>을 활용한다</a:t>
+              <a:t>입니다</a:t>
             </a:r>
             <a:r>
               <a:rPr lang="en-US" altLang="ko-KR" dirty="0"/>
@@ -1874,6 +2215,13 @@
             <a:endParaRPr lang="en-US" altLang="ko-KR" dirty="0"/>
           </a:p>
           <a:p>
+            <a:r>
+              <a:rPr lang="ko-KR" altLang="en-US" dirty="0"/>
+              <a:t>대표적인 설계로 </a:t>
+            </a:r>
+            <a:endParaRPr lang="en-US" altLang="ko-KR" dirty="0"/>
+          </a:p>
+          <a:p>
             <a:pPr marL="228600" indent="-228600">
               <a:buAutoNum type="arabicPeriod"/>
             </a:pPr>
@@ -1894,10 +2242,6 @@
               <a:t>: </a:t>
             </a:r>
             <a:r>
-              <a:rPr lang="ko-KR" altLang="en-US" dirty="0"/>
-              <a:t>고도로 </a:t>
-            </a:r>
-            <a:r>
               <a:rPr lang="ko-KR" altLang="en-US" b="1" dirty="0" err="1"/>
               <a:t>가상화</a:t>
             </a:r>
@@ -1907,17 +2251,32 @@
             </a:r>
             <a:r>
               <a:rPr lang="ko-KR" altLang="en-US" dirty="0"/>
-              <a:t> 이기종 노드들의 시스템</a:t>
-            </a:r>
-            <a:endParaRPr lang="en-US" altLang="ko-KR" dirty="0"/>
+              <a:t> 이기종 노드들로 이루어진 시스템 입니다</a:t>
+            </a:r>
+            <a:r>
+              <a:rPr lang="en-US" altLang="ko-KR" dirty="0"/>
+              <a:t>.</a:t>
+            </a:r>
           </a:p>
           <a:p>
             <a:pPr marL="0" indent="0">
               <a:buNone/>
             </a:pPr>
             <a:r>
+              <a:rPr lang="ko-KR" altLang="en-US" dirty="0"/>
+              <a:t>이기종 </a:t>
+            </a:r>
+            <a:r>
+              <a:rPr lang="ko-KR" altLang="en-US" dirty="0" err="1"/>
+              <a:t>노드란</a:t>
+            </a:r>
+            <a:r>
+              <a:rPr lang="ko-KR" altLang="en-US" dirty="0"/>
+              <a:t> </a:t>
+            </a:r>
+            <a:r>
               <a:rPr lang="en-US" altLang="ko-KR" dirty="0"/>
-              <a:t> (</a:t>
+              <a:t>(</a:t>
             </a:r>
             <a:r>
               <a:rPr lang="ko-KR" altLang="en-US" dirty="0">
@@ -1954,18 +2313,6 @@
                 <a:effectLst/>
               </a:rPr>
               <a:t>, </a:t>
-            </a:r>
-            <a:r>
-              <a:rPr lang="ko-KR" altLang="en-US" dirty="0">
-                <a:effectLst/>
-              </a:rPr>
-              <a:t>최종 디바이스</a:t>
-            </a:r>
-            <a:r>
-              <a:rPr lang="en-US" altLang="ko-KR" dirty="0">
-                <a:effectLst/>
-              </a:rPr>
-              <a:t>(</a:t>
             </a:r>
             <a:r>
               <a:rPr lang="ko-KR" altLang="en-US" dirty="0">
@@ -2535,6 +2882,13 @@
           <a:lstStyle/>
           <a:p>
             <a:r>
+              <a:rPr lang="ko-KR" altLang="en-US" dirty="0"/>
+              <a:t>세번째 분류는 </a:t>
+            </a:r>
+            <a:endParaRPr lang="en-US" altLang="ko-KR" dirty="0"/>
+          </a:p>
+          <a:p>
+            <a:r>
               <a:rPr lang="ko-KR" altLang="en-US" dirty="0" err="1"/>
               <a:t>엣지</a:t>
             </a:r>
@@ -2544,8 +2898,22 @@
             </a:r>
             <a:r>
               <a:rPr lang="ko-KR" altLang="en-US" dirty="0"/>
-              <a:t>클라우드 연합</a:t>
-            </a:r>
+              <a:t>클라우드 </a:t>
+            </a:r>
+            <a:r>
+              <a:rPr lang="ko-KR" altLang="en-US" dirty="0" err="1"/>
+              <a:t>페더레이션</a:t>
+            </a:r>
+            <a:r>
+              <a:rPr lang="ko-KR" altLang="en-US" dirty="0"/>
+              <a:t> 입니다</a:t>
+            </a:r>
+            <a:r>
+              <a:rPr lang="en-US" altLang="ko-KR" dirty="0"/>
+              <a:t>.</a:t>
+            </a:r>
+          </a:p>
+          <a:p>
             <a:endParaRPr lang="en-US" altLang="ko-KR" dirty="0"/>
           </a:p>
           <a:p>
@@ -2563,7 +2931,7 @@
             </a:r>
             <a:r>
               <a:rPr lang="ko-KR" altLang="en-US" dirty="0"/>
-              <a:t> 하여 하나의 플랫폼처럼 활용</a:t>
+              <a:t> 하여 하나의 플랫폼처럼 활용하는 방식을 말합니다</a:t>
             </a:r>
             <a:r>
               <a:rPr lang="en-US" altLang="ko-KR" dirty="0"/>
@@ -2571,6 +2939,16 @@
             </a:r>
           </a:p>
           <a:p>
+            <a:endParaRPr lang="en-US" altLang="ko-KR" dirty="0"/>
+          </a:p>
+          <a:p>
+            <a:r>
+              <a:rPr lang="ko-KR" altLang="en-US" dirty="0"/>
+              <a:t>대표적인 설계로는 </a:t>
+            </a:r>
+            <a:endParaRPr lang="en-US" altLang="ko-KR" dirty="0"/>
+          </a:p>
+          <a:p>
             <a:endParaRPr lang="en-US" dirty="0"/>
           </a:p>
           <a:p>
@@ -2790,7 +3168,7 @@
             </a:r>
             <a:r>
               <a:rPr lang="ko-KR" altLang="en-US" b="1" dirty="0" err="1"/>
-              <a:t>미러링한</a:t>
+              <a:t>엣지로</a:t>
             </a:r>
             <a:r>
               <a:rPr lang="ko-KR" altLang="en-US" b="1" dirty="0"/>
@@ -2798,27 +3176,15 @@
             </a:r>
             <a:r>
               <a:rPr lang="ko-KR" altLang="en-US" b="1" dirty="0" err="1"/>
-              <a:t>엣지</a:t>
+              <a:t>미러링하고</a:t>
             </a:r>
             <a:r>
               <a:rPr lang="ko-KR" altLang="en-US" b="1" dirty="0"/>
-              <a:t> 클라우드</a:t>
+              <a:t> 연합 클라우드</a:t>
             </a:r>
             <a:r>
               <a:rPr lang="ko-KR" altLang="en-US" dirty="0"/>
-              <a:t> </a:t>
-            </a:r>
-            <a:r>
-              <a:rPr lang="en-US" altLang="ko-KR" dirty="0"/>
-              <a:t>+ </a:t>
-            </a:r>
-            <a:r>
-              <a:rPr lang="ko-KR" altLang="en-US" b="1" dirty="0"/>
-              <a:t>연합 클라우드</a:t>
-            </a:r>
-            <a:r>
-              <a:rPr lang="ko-KR" altLang="en-US" dirty="0"/>
-              <a:t>로 </a:t>
+              <a:t>로 구성하여 </a:t>
             </a:r>
             <a:r>
               <a:rPr lang="ko-KR" altLang="en-US" b="1" dirty="0" err="1"/>
@@ -2830,7 +3196,11 @@
             </a:r>
             <a:r>
               <a:rPr lang="ko-KR" altLang="en-US" b="1" dirty="0" err="1"/>
-              <a:t>저대역폭</a:t>
+              <a:t>저대역폭을</a:t>
+            </a:r>
+            <a:r>
+              <a:rPr lang="ko-KR" altLang="en-US" b="1" dirty="0"/>
+              <a:t> 가능하게 함</a:t>
             </a:r>
             <a:endParaRPr lang="en-US" altLang="ko-KR" b="1" dirty="0"/>
           </a:p>
@@ -2854,7 +3224,7 @@
             </a:r>
             <a:r>
               <a:rPr lang="ko-KR" altLang="en-US" dirty="0"/>
-              <a:t>클라우드 연합은 </a:t>
+              <a:t>클라우드 연합 방식은 </a:t>
             </a:r>
             <a:r>
               <a:rPr lang="ko-KR" altLang="en-US" dirty="0" err="1"/>
@@ -3019,11 +3389,22 @@
           <a:lstStyle/>
           <a:p>
             <a:r>
+              <a:rPr lang="ko-KR" altLang="en-US" dirty="0" err="1">
+                <a:effectLst/>
+              </a:rPr>
+              <a:t>새번째</a:t>
+            </a:r>
+            <a:r>
               <a:rPr lang="ko-KR" altLang="en-US" dirty="0">
                 <a:effectLst/>
               </a:rPr>
-              <a:t>앞서 언급한 </a:t>
-            </a:r>
+              <a:t> 섹션에서는 </a:t>
+            </a:r>
+            <a:endParaRPr lang="en-US" altLang="ko-KR" dirty="0">
+              <a:effectLst/>
+            </a:endParaRPr>
+          </a:p>
+          <a:p>
             <a:r>
               <a:rPr lang="ko-KR" altLang="en-US" dirty="0" err="1">
                 <a:effectLst/>
@@ -3034,14 +3415,38 @@
               <a:rPr lang="ko-KR" altLang="en-US" dirty="0">
                 <a:effectLst/>
               </a:rPr>
-              <a:t> 컴퓨팅 플랫폼은 몇 가지 핵심 기술에 의해 구현 가능하다</a:t>
+              <a:t> 컴퓨팅의 핵심 기술들을 얘기합니다</a:t>
             </a:r>
             <a:r>
               <a:rPr lang="en-US" altLang="ko-KR" dirty="0">
                 <a:effectLst/>
               </a:rPr>
+              <a:t>.</a:t>
+            </a:r>
+          </a:p>
+          <a:p>
+            <a:endParaRPr lang="en-US" altLang="ko-KR" dirty="0">
+              <a:effectLst/>
+            </a:endParaRPr>
+          </a:p>
+          <a:p>
+            <a:r>
+              <a:rPr lang="ko-KR" altLang="en-US" dirty="0">
+                <a:effectLst/>
+              </a:rPr>
+              <a:t>몇 가지 핵심 기술에 의해 구현 가능하다</a:t>
+            </a:r>
+            <a:r>
+              <a:rPr lang="en-US" altLang="ko-KR" dirty="0">
+                <a:effectLst/>
+              </a:rPr>
               <a:t>. </a:t>
             </a:r>
+          </a:p>
+          <a:p>
+            <a:endParaRPr lang="en-US" altLang="ko-KR" dirty="0">
+              <a:effectLst/>
+            </a:endParaRPr>
           </a:p>
           <a:p>
             <a:r>
@@ -3154,6 +3559,19 @@
           <a:p>
             <a:r>
               <a:rPr lang="ko-KR" altLang="en-US" dirty="0"/>
+              <a:t>첫번째가 가상화 기술입니다</a:t>
+            </a:r>
+            <a:r>
+              <a:rPr lang="en-US" altLang="ko-KR" dirty="0"/>
+              <a:t>.</a:t>
+            </a:r>
+          </a:p>
+          <a:p>
+            <a:endParaRPr lang="en-US" altLang="ko-KR" dirty="0"/>
+          </a:p>
+          <a:p>
+            <a:r>
+              <a:rPr lang="ko-KR" altLang="en-US" dirty="0"/>
               <a:t>하나의 물리 서버에서 여러 격리된 인스턴스 실행을 의미</a:t>
             </a:r>
             <a:endParaRPr lang="en-US" altLang="ko-KR" dirty="0"/>
@@ -3266,7 +3684,30 @@
               <a:rPr lang="ko-KR" altLang="en-US" dirty="0">
                 <a:effectLst/>
               </a:rPr>
-              <a:t> 없는 오버로드</a:t>
+              <a:t> 없는 오버로드 합니다</a:t>
+            </a:r>
+            <a:r>
+              <a:rPr lang="en-US" altLang="ko-KR" dirty="0">
+                <a:effectLst/>
+              </a:rPr>
+              <a:t>.</a:t>
+            </a:r>
+          </a:p>
+          <a:p>
+            <a:pPr marL="0" indent="0">
+              <a:buNone/>
+            </a:pPr>
+            <a:r>
+              <a:rPr lang="en-US" dirty="0">
+                <a:effectLst/>
+              </a:rPr>
+              <a:t>2. </a:t>
+            </a:r>
+            <a:r>
+              <a:rPr lang="ko-KR" altLang="en-US" dirty="0">
+                <a:effectLst/>
+              </a:rPr>
+              <a:t>컨테이너</a:t>
             </a:r>
             <a:endParaRPr lang="en-US" altLang="ko-KR" dirty="0">
               <a:effectLst/>
@@ -3280,13 +3721,25 @@
               <a:rPr lang="en-US" dirty="0">
                 <a:effectLst/>
               </a:rPr>
-              <a:t>2. </a:t>
+              <a:t>VM </a:t>
             </a:r>
             <a:r>
               <a:rPr lang="ko-KR" altLang="en-US" dirty="0">
                 <a:effectLst/>
               </a:rPr>
-              <a:t>컨테이너</a:t>
+              <a:t>방식의 </a:t>
+            </a:r>
+            <a:r>
+              <a:rPr lang="ko-KR" altLang="en-US" dirty="0" err="1">
+                <a:effectLst/>
+              </a:rPr>
+              <a:t>경량화된</a:t>
+            </a:r>
+            <a:r>
+              <a:rPr lang="ko-KR" altLang="en-US" dirty="0">
+                <a:effectLst/>
+              </a:rPr>
+              <a:t> 대안으로 제안되는 방식</a:t>
             </a:r>
             <a:endParaRPr lang="en-US" altLang="ko-KR" dirty="0">
               <a:effectLst/>
@@ -3297,28 +3750,51 @@
               <a:buNone/>
             </a:pPr>
             <a:r>
+              <a:rPr lang="ko-KR" altLang="en-US" dirty="0" err="1">
+                <a:effectLst/>
+              </a:rPr>
+              <a:t>으로</a:t>
+            </a:r>
+            <a:r>
+              <a:rPr lang="ko-KR" altLang="en-US" dirty="0">
+                <a:effectLst/>
+              </a:rPr>
+              <a:t> 오에스 자원을 공유하며</a:t>
+            </a:r>
+            <a:r>
+              <a:rPr lang="en-US" altLang="ko-KR" dirty="0">
+                <a:effectLst/>
+              </a:rPr>
+              <a:t>, </a:t>
+            </a:r>
+            <a:r>
+              <a:rPr lang="ko-KR" altLang="en-US" dirty="0">
+                <a:effectLst/>
+              </a:rPr>
+              <a:t>기동시간과 일반적인 성능에 강점이 있습니다</a:t>
+            </a:r>
+            <a:r>
+              <a:rPr lang="en-US" altLang="ko-KR" dirty="0">
+                <a:effectLst/>
+              </a:rPr>
+              <a:t>.</a:t>
+            </a:r>
+          </a:p>
+          <a:p>
+            <a:pPr marL="0" indent="0">
+              <a:buNone/>
+            </a:pPr>
+            <a:r>
               <a:rPr lang="en-US" dirty="0">
                 <a:effectLst/>
               </a:rPr>
-              <a:t>VM </a:t>
+              <a:t>3. </a:t>
             </a:r>
             <a:r>
               <a:rPr lang="ko-KR" altLang="en-US" dirty="0">
                 <a:effectLst/>
               </a:rPr>
-              <a:t>방식의 </a:t>
-            </a:r>
-            <a:r>
-              <a:rPr lang="ko-KR" altLang="en-US" dirty="0" err="1">
-                <a:effectLst/>
-              </a:rPr>
-              <a:t>경량화된</a:t>
-            </a:r>
-            <a:r>
-              <a:rPr lang="ko-KR" altLang="en-US" dirty="0">
-                <a:effectLst/>
-              </a:rPr>
-              <a:t> 대안으로 제안</a:t>
+              <a:t>마이그레이션</a:t>
             </a:r>
             <a:endParaRPr lang="en-US" altLang="ko-KR" dirty="0">
               <a:effectLst/>
@@ -3329,16 +3805,10 @@
               <a:buNone/>
             </a:pPr>
             <a:r>
-              <a:rPr lang="en-US" dirty="0">
-                <a:effectLst/>
-              </a:rPr>
-              <a:t>3. </a:t>
-            </a:r>
-            <a:r>
               <a:rPr lang="ko-KR" altLang="en-US" dirty="0">
                 <a:effectLst/>
               </a:rPr>
-              <a:t>마이그레이션</a:t>
+              <a:t>한 물리서버에서 다른 물리서버로 컴퓨팅 리소스를 옮기는 작업</a:t>
             </a:r>
             <a:endParaRPr lang="en-US" altLang="ko-KR" dirty="0">
               <a:effectLst/>
@@ -3349,10 +3819,16 @@
               <a:buNone/>
             </a:pPr>
             <a:r>
+              <a:rPr lang="ko-KR" altLang="en-US" dirty="0" err="1">
+                <a:effectLst/>
+              </a:rPr>
+              <a:t>가상화된</a:t>
+            </a:r>
+            <a:r>
               <a:rPr lang="ko-KR" altLang="en-US" dirty="0">
                 <a:effectLst/>
               </a:rPr>
-              <a:t>한 물리서버에서 다른 물리서버로 컴퓨팅 리소스를 옮기는 작업</a:t>
+              <a:t> 인스턴스를 통합하는 등 사용자의 이동성에 적응하는 등 여러 상황에서 유용</a:t>
             </a:r>
             <a:endParaRPr lang="en-US" altLang="ko-KR" dirty="0">
               <a:effectLst/>
@@ -3363,17 +3839,28 @@
               <a:buNone/>
             </a:pPr>
             <a:r>
-              <a:rPr lang="ko-KR" altLang="en-US" dirty="0" err="1">
-                <a:effectLst/>
-              </a:rPr>
-              <a:t>가상화된</a:t>
+              <a:rPr lang="en-US" altLang="ko-KR" dirty="0">
+                <a:effectLst/>
+              </a:rPr>
+              <a:t>VM </a:t>
             </a:r>
             <a:r>
               <a:rPr lang="ko-KR" altLang="en-US" dirty="0">
                 <a:effectLst/>
               </a:rPr>
-              <a:t> 인스턴스를 통합하는 등 사용자의 이동성에 적응하는 등 여러 상황에서 유용</a:t>
-            </a:r>
+              <a:t>마이그레이션은 오랜 기강동안 존재했으나 컨테이너의 마이그레이션은 비교적 새로운 개념</a:t>
+            </a:r>
+            <a:r>
+              <a:rPr lang="en-US" altLang="ko-KR" dirty="0">
+                <a:effectLst/>
+              </a:rPr>
+              <a:t>.</a:t>
+            </a:r>
+          </a:p>
+          <a:p>
+            <a:pPr marL="0" indent="0">
+              <a:buNone/>
+            </a:pPr>
             <a:endParaRPr lang="en-US" altLang="ko-KR" dirty="0">
               <a:effectLst/>
             </a:endParaRPr>
@@ -3383,49 +3870,18 @@
               <a:buNone/>
             </a:pPr>
             <a:r>
-              <a:rPr lang="en-US" altLang="ko-KR" dirty="0">
-                <a:effectLst/>
-              </a:rPr>
-              <a:t>VM </a:t>
-            </a:r>
-            <a:r>
               <a:rPr lang="ko-KR" altLang="en-US" dirty="0">
                 <a:effectLst/>
               </a:rPr>
-              <a:t>마이그레이션은 오랜 기강동안 존재했으나 컨테이너의 마이그레이션은 비교적 새로운 개념</a:t>
-            </a:r>
-            <a:r>
-              <a:rPr lang="en-US" altLang="ko-KR" dirty="0">
-                <a:effectLst/>
-              </a:rPr>
-              <a:t>.</a:t>
-            </a:r>
-          </a:p>
-          <a:p>
-            <a:pPr marL="0" indent="0">
-              <a:buNone/>
-            </a:pPr>
-            <a:endParaRPr lang="en-US" altLang="ko-KR" dirty="0">
-              <a:effectLst/>
-            </a:endParaRPr>
-          </a:p>
-          <a:p>
-            <a:pPr marL="0" indent="0">
-              <a:buNone/>
-            </a:pPr>
-            <a:r>
-              <a:rPr lang="ko-KR" altLang="en-US" dirty="0">
-                <a:effectLst/>
-              </a:rPr>
-              <a:t>의미</a:t>
-            </a:r>
-            <a:r>
-              <a:rPr lang="ko-KR" altLang="en-US" b="1" dirty="0"/>
-              <a:t>의미</a:t>
+              <a:t>가상화 기술의 의미</a:t>
+            </a:r>
+            <a:r>
+              <a:rPr lang="ko-KR" altLang="en-US" dirty="0"/>
+              <a:t>는</a:t>
             </a:r>
             <a:r>
               <a:rPr lang="en-US" altLang="ko-KR" dirty="0"/>
-              <a:t>: </a:t>
+              <a:t> </a:t>
             </a:r>
             <a:r>
               <a:rPr lang="ko-KR" altLang="en-US" dirty="0" err="1"/>
@@ -3441,23 +3897,7 @@
             </a:r>
             <a:r>
               <a:rPr lang="ko-KR" altLang="en-US" dirty="0"/>
-              <a:t>하며</a:t>
-            </a:r>
-            <a:r>
-              <a:rPr lang="en-US" altLang="ko-KR" dirty="0"/>
-              <a:t>, </a:t>
-            </a:r>
-            <a:r>
-              <a:rPr lang="ko-KR" altLang="en-US" dirty="0"/>
-              <a:t>다음에 설명하는 </a:t>
-            </a:r>
-            <a:r>
-              <a:rPr lang="en-US" altLang="ko-KR" b="1" dirty="0"/>
-              <a:t>NFV·SDN</a:t>
-            </a:r>
-            <a:r>
-              <a:rPr lang="ko-KR" altLang="en-US" b="1" dirty="0"/>
-              <a:t>의 기반</a:t>
+              <a:t>합니다</a:t>
             </a:r>
             <a:r>
               <a:rPr lang="en-US" altLang="ko-KR" dirty="0"/>
@@ -3581,13 +4021,22 @@
               <a:defRPr/>
             </a:pPr>
             <a:r>
+              <a:rPr lang="ko-KR" altLang="en-US" sz="1200" b="1" dirty="0">
+                <a:solidFill>
+                  <a:srgbClr val="E2E6E9"/>
+                </a:solidFill>
+                <a:latin typeface="Source Sans 3" pitchFamily="34" charset="0"/>
+              </a:rPr>
+              <a:t>그리고 </a:t>
+            </a:r>
+            <a:r>
               <a:rPr lang="en-US" altLang="ko-KR" sz="1200" b="1" dirty="0">
                 <a:solidFill>
                   <a:srgbClr val="E2E6E9"/>
                 </a:solidFill>
                 <a:latin typeface="Source Sans 3" pitchFamily="34" charset="0"/>
               </a:rPr>
-              <a:t>NFV</a:t>
+              <a:t>NFV </a:t>
             </a:r>
             <a:r>
               <a:rPr lang="ko-KR" altLang="en-US" sz="1200" b="1" dirty="0">
@@ -3596,7 +4045,7 @@
                 </a:solidFill>
                 <a:latin typeface="Source Sans 3" pitchFamily="34" charset="0"/>
               </a:rPr>
-              <a:t> </a:t>
+              <a:t>와 </a:t>
             </a:r>
             <a:r>
               <a:rPr lang="en-US" altLang="ko-KR" sz="1200" b="1" dirty="0">
@@ -3605,7 +4054,25 @@
                 </a:solidFill>
                 <a:latin typeface="Source Sans 3" pitchFamily="34" charset="0"/>
               </a:rPr>
-              <a:t>:</a:t>
+              <a:t>SDN </a:t>
+            </a:r>
+            <a:r>
+              <a:rPr lang="ko-KR" altLang="en-US" sz="1200" b="1" dirty="0">
+                <a:solidFill>
+                  <a:srgbClr val="E2E6E9"/>
+                </a:solidFill>
+                <a:latin typeface="Source Sans 3" pitchFamily="34" charset="0"/>
+              </a:rPr>
+              <a:t>의 기반이 됩니다</a:t>
+            </a:r>
+            <a:r>
+              <a:rPr lang="en-US" altLang="ko-KR" sz="1200" b="1" dirty="0">
+                <a:solidFill>
+                  <a:srgbClr val="E2E6E9"/>
+                </a:solidFill>
+                <a:latin typeface="Source Sans 3" pitchFamily="34" charset="0"/>
+              </a:rPr>
+              <a:t>.</a:t>
             </a:r>
           </a:p>
           <a:p>
@@ -3626,14 +4093,11 @@
               <a:tabLst/>
               <a:defRPr/>
             </a:pPr>
-            <a:r>
-              <a:rPr lang="ko-KR" altLang="en-US" dirty="0">
-                <a:effectLst/>
-              </a:rPr>
-              <a:t>범용 하드웨어에서 실행 가능한 소프트웨어 모듈 형태로 네트워크 기능을 구현하는 것</a:t>
-            </a:r>
-            <a:endParaRPr lang="en-US" altLang="ko-KR" dirty="0">
-              <a:effectLst/>
+            <a:endParaRPr lang="en-US" altLang="ko-KR" sz="1200" b="1" dirty="0">
+              <a:solidFill>
+                <a:srgbClr val="E2E6E9"/>
+              </a:solidFill>
+              <a:latin typeface="Source Sans 3" pitchFamily="34" charset="0"/>
             </a:endParaRPr>
           </a:p>
           <a:p>
@@ -3655,14 +4119,32 @@
               <a:defRPr/>
             </a:pPr>
             <a:r>
-              <a:rPr lang="ko-KR" altLang="en-US" dirty="0">
-                <a:effectLst/>
-              </a:rPr>
-              <a:t>앞서 설명한 가상화 기술을 활용하여 소프트웨어를 기본 하드웨어와 분리</a:t>
-            </a:r>
-            <a:endParaRPr lang="en-US" altLang="ko-KR" dirty="0">
-              <a:effectLst/>
-            </a:endParaRPr>
+              <a:rPr lang="en-US" altLang="ko-KR" sz="1200" b="1" dirty="0">
+                <a:solidFill>
+                  <a:srgbClr val="E2E6E9"/>
+                </a:solidFill>
+                <a:latin typeface="Source Sans 3" pitchFamily="34" charset="0"/>
+              </a:rPr>
+              <a:t>NFV</a:t>
+            </a:r>
+            <a:r>
+              <a:rPr lang="ko-KR" altLang="en-US" sz="1200" b="1" dirty="0">
+                <a:solidFill>
+                  <a:srgbClr val="E2E6E9"/>
+                </a:solidFill>
+                <a:latin typeface="Source Sans 3" pitchFamily="34" charset="0"/>
+              </a:rPr>
+              <a:t> </a:t>
+            </a:r>
+            <a:r>
+              <a:rPr lang="en-US" altLang="ko-KR" sz="1200" b="1" dirty="0">
+                <a:solidFill>
+                  <a:srgbClr val="E2E6E9"/>
+                </a:solidFill>
+                <a:latin typeface="Source Sans 3" pitchFamily="34" charset="0"/>
+              </a:rPr>
+              <a:t>:</a:t>
+            </a:r>
           </a:p>
           <a:p>
             <a:pPr marL="0" marR="0" lvl="0" indent="0" algn="l" defTabSz="914400" rtl="0" eaLnBrk="1" fontAlgn="auto" latinLnBrk="1" hangingPunct="1">
@@ -3686,19 +4168,7 @@
               <a:rPr lang="ko-KR" altLang="en-US" dirty="0">
                 <a:effectLst/>
               </a:rPr>
-              <a:t>네트워크 기능과 서비스는 더 이상 전용 하드웨어에서 실행될 필요가 없습니다</a:t>
-            </a:r>
-            <a:r>
-              <a:rPr lang="en-US" altLang="ko-KR" dirty="0">
-                <a:effectLst/>
-              </a:rPr>
-              <a:t>. </a:t>
-            </a:r>
-            <a:r>
-              <a:rPr lang="ko-KR" altLang="en-US" dirty="0">
-                <a:effectLst/>
-              </a:rPr>
-              <a:t>범용 노드에서 실행</a:t>
+              <a:t>범용 하드웨어에서 실행 가능한 소프트웨어 모듈 형태로 네트워크 기능을 구현하는 것</a:t>
             </a:r>
             <a:endParaRPr lang="en-US" altLang="ko-KR" dirty="0">
               <a:effectLst/>
@@ -3722,11 +4192,14 @@
               <a:tabLst/>
               <a:defRPr/>
             </a:pPr>
-            <a:endParaRPr lang="en-US" altLang="ko-KR" sz="1200" b="1" dirty="0">
-              <a:solidFill>
-                <a:srgbClr val="E2E6E9"/>
-              </a:solidFill>
-              <a:latin typeface="Source Sans 3" pitchFamily="34" charset="0"/>
+            <a:r>
+              <a:rPr lang="ko-KR" altLang="en-US" dirty="0">
+                <a:effectLst/>
+              </a:rPr>
+              <a:t>앞서 설명한 가상화 기술을 활용하여 소프트웨어를 기본 하드웨어와 분리</a:t>
+            </a:r>
+            <a:endParaRPr lang="en-US" altLang="ko-KR" dirty="0">
+              <a:effectLst/>
             </a:endParaRPr>
           </a:p>
           <a:p>
@@ -3748,14 +4221,26 @@
               <a:defRPr/>
             </a:pPr>
             <a:r>
-              <a:rPr lang="en-US" altLang="ko-KR" sz="1200" b="1" dirty="0">
-                <a:solidFill>
-                  <a:srgbClr val="E2E6E9"/>
-                </a:solidFill>
-                <a:latin typeface="Source Sans 3" pitchFamily="34" charset="0"/>
-              </a:rPr>
-              <a:t>SDN :</a:t>
-            </a:r>
+              <a:rPr lang="ko-KR" altLang="en-US" dirty="0">
+                <a:effectLst/>
+              </a:rPr>
+              <a:t>네트워크 기능과 서비스는 더 이상 전용 하드웨어에서 실행될 필요가 없습니다</a:t>
+            </a:r>
+            <a:r>
+              <a:rPr lang="en-US" altLang="ko-KR" dirty="0">
+                <a:effectLst/>
+              </a:rPr>
+              <a:t>. </a:t>
+            </a:r>
+            <a:r>
+              <a:rPr lang="ko-KR" altLang="en-US" dirty="0">
+                <a:effectLst/>
+              </a:rPr>
+              <a:t>범용 노드에서 실행</a:t>
+            </a:r>
+            <a:endParaRPr lang="en-US" altLang="ko-KR" dirty="0">
+              <a:effectLst/>
+            </a:endParaRPr>
           </a:p>
           <a:p>
             <a:pPr marL="0" marR="0" lvl="0" indent="0" algn="l" defTabSz="914400" rtl="0" eaLnBrk="1" fontAlgn="auto" latinLnBrk="1" hangingPunct="1">
@@ -3775,38 +4260,11 @@
               <a:tabLst/>
               <a:defRPr/>
             </a:pPr>
-            <a:r>
-              <a:rPr lang="ko-KR" altLang="en-US" dirty="0">
-                <a:effectLst/>
-              </a:rPr>
-              <a:t>데이터 평면과 관리 또는 제어 평면을 분리함으로 </a:t>
-            </a:r>
-            <a:r>
-              <a:rPr lang="en-US" altLang="ko-KR" dirty="0">
-                <a:effectLst/>
-              </a:rPr>
-              <a:t>NFV </a:t>
-            </a:r>
-            <a:r>
-              <a:rPr lang="ko-KR" altLang="en-US" dirty="0">
-                <a:effectLst/>
-              </a:rPr>
-              <a:t>를</a:t>
-            </a:r>
-            <a:r>
-              <a:rPr lang="en-US" altLang="ko-KR" dirty="0">
-                <a:effectLst/>
-              </a:rPr>
-              <a:t> </a:t>
-            </a:r>
-            <a:r>
-              <a:rPr lang="ko-KR" altLang="en-US" dirty="0">
-                <a:effectLst/>
-              </a:rPr>
-              <a:t>보완</a:t>
-            </a:r>
-            <a:endParaRPr lang="en-US" altLang="ko-KR" dirty="0">
-              <a:effectLst/>
+            <a:endParaRPr lang="en-US" altLang="ko-KR" sz="1200" b="1" dirty="0">
+              <a:solidFill>
+                <a:srgbClr val="E2E6E9"/>
+              </a:solidFill>
+              <a:latin typeface="Source Sans 3" pitchFamily="34" charset="0"/>
             </a:endParaRPr>
           </a:p>
           <a:p>
@@ -3828,14 +4286,14 @@
               <a:defRPr/>
             </a:pPr>
             <a:r>
-              <a:rPr lang="ko-KR" altLang="en-US" dirty="0">
-                <a:effectLst/>
-              </a:rPr>
-              <a:t>추상화를 통해 네트워크를 더 쉽고 유연하게 관리</a:t>
-            </a:r>
-            <a:endParaRPr lang="en-US" altLang="ko-KR" dirty="0">
-              <a:effectLst/>
-            </a:endParaRPr>
+              <a:rPr lang="en-US" altLang="ko-KR" sz="1200" b="1" dirty="0">
+                <a:solidFill>
+                  <a:srgbClr val="E2E6E9"/>
+                </a:solidFill>
+                <a:latin typeface="Source Sans 3" pitchFamily="34" charset="0"/>
+              </a:rPr>
+              <a:t>SDN :</a:t>
+            </a:r>
           </a:p>
           <a:p>
             <a:pPr marL="0" marR="0" lvl="0" indent="0" algn="l" defTabSz="914400" rtl="0" eaLnBrk="1" fontAlgn="auto" latinLnBrk="1" hangingPunct="1">
@@ -3859,19 +4317,31 @@
               <a:rPr lang="ko-KR" altLang="en-US" dirty="0">
                 <a:effectLst/>
               </a:rPr>
-              <a:t>정책과 전달 결정을 처리하는 논리적으로 중앙 </a:t>
-            </a:r>
-            <a:r>
-              <a:rPr lang="ko-KR" altLang="en-US" dirty="0" err="1">
-                <a:effectLst/>
-              </a:rPr>
-              <a:t>집중화된</a:t>
+              <a:t>데이터 평면과 관리 또는 제어 평면을 분리함으로 </a:t>
+            </a:r>
+            <a:r>
+              <a:rPr lang="en-US" altLang="ko-KR" dirty="0">
+                <a:effectLst/>
+              </a:rPr>
+              <a:t>NFV </a:t>
             </a:r>
             <a:r>
               <a:rPr lang="ko-KR" altLang="en-US" dirty="0">
                 <a:effectLst/>
               </a:rPr>
-              <a:t> 컨트롤러를 사용</a:t>
+              <a:t>를</a:t>
+            </a:r>
+            <a:r>
+              <a:rPr lang="en-US" altLang="ko-KR" dirty="0">
+                <a:effectLst/>
+              </a:rPr>
+              <a:t> </a:t>
+            </a:r>
+            <a:r>
+              <a:rPr lang="ko-KR" altLang="en-US" dirty="0">
+                <a:effectLst/>
+              </a:rPr>
+              <a:t>보완</a:t>
             </a:r>
             <a:endParaRPr lang="en-US" altLang="ko-KR" dirty="0">
               <a:effectLst/>
@@ -3899,7 +4369,63 @@
               <a:rPr lang="ko-KR" altLang="en-US" dirty="0">
                 <a:effectLst/>
               </a:rPr>
-              <a:t>컨트롤러의 소프트웨어화는 새로운 서비스의 빠른 배포</a:t>
+              <a:t>추상화를 통해 네트워크를 더 쉽고 유연하게 관리</a:t>
+            </a:r>
+            <a:endParaRPr lang="en-US" altLang="ko-KR" dirty="0">
+              <a:effectLst/>
+            </a:endParaRPr>
+          </a:p>
+          <a:p>
+            <a:pPr marL="0" marR="0" lvl="0" indent="0" algn="l" defTabSz="914400" rtl="0" eaLnBrk="1" fontAlgn="auto" latinLnBrk="1" hangingPunct="1">
+              <a:lnSpc>
+                <a:spcPct val="100000"/>
+              </a:lnSpc>
+              <a:spcBef>
+                <a:spcPts val="0"/>
+              </a:spcBef>
+              <a:spcAft>
+                <a:spcPts val="0"/>
+              </a:spcAft>
+              <a:buClrTx/>
+              <a:buSzTx/>
+              <a:buFontTx/>
+              <a:buNone/>
+              <a:tabLst/>
+              <a:defRPr/>
+            </a:pPr>
+            <a:r>
+              <a:rPr lang="ko-KR" altLang="en-US" dirty="0">
+                <a:effectLst/>
+              </a:rPr>
+              <a:t>정책과 전달 결정을 처리하는 중앙 집중된 논리 컨트롤러를 사용</a:t>
+            </a:r>
+            <a:endParaRPr lang="en-US" altLang="ko-KR" dirty="0">
+              <a:effectLst/>
+            </a:endParaRPr>
+          </a:p>
+          <a:p>
+            <a:pPr marL="0" marR="0" lvl="0" indent="0" algn="l" defTabSz="914400" rtl="0" eaLnBrk="1" fontAlgn="auto" latinLnBrk="1" hangingPunct="1">
+              <a:lnSpc>
+                <a:spcPct val="100000"/>
+              </a:lnSpc>
+              <a:spcBef>
+                <a:spcPts val="0"/>
+              </a:spcBef>
+              <a:spcAft>
+                <a:spcPts val="0"/>
+              </a:spcAft>
+              <a:buClrTx/>
+              <a:buSzTx/>
+              <a:buFontTx/>
+              <a:buNone/>
+              <a:tabLst/>
+              <a:defRPr/>
+            </a:pPr>
+            <a:r>
+              <a:rPr lang="ko-KR" altLang="en-US" dirty="0">
+                <a:effectLst/>
+              </a:rPr>
+              <a:t>컨트롤러의 소프트웨어화는 새로운 서비스의 빠른 배포를 가능하게 함</a:t>
             </a:r>
             <a:endParaRPr lang="en-US" altLang="ko-KR" sz="1200" dirty="0"/>
           </a:p>
@@ -4036,28 +4562,65 @@
           <a:lstStyle/>
           <a:p>
             <a:r>
+              <a:rPr lang="ko-KR" altLang="en-US" dirty="0" err="1">
+                <a:effectLst/>
+              </a:rPr>
+              <a:t>새번째</a:t>
+            </a:r>
+            <a:r>
               <a:rPr lang="ko-KR" altLang="en-US" dirty="0">
                 <a:effectLst/>
               </a:rPr>
-              <a:t>일반적으로</a:t>
+              <a:t> 기술로는 </a:t>
+            </a:r>
+            <a:r>
+              <a:rPr lang="ko-KR" altLang="en-US" dirty="0" err="1">
+                <a:effectLst/>
+              </a:rPr>
+              <a:t>컴퓨테이션</a:t>
+            </a:r>
+            <a:r>
+              <a:rPr lang="ko-KR" altLang="en-US" dirty="0">
+                <a:effectLst/>
+              </a:rPr>
+              <a:t> 오프로딩입니다</a:t>
             </a:r>
             <a:r>
               <a:rPr lang="en-US" altLang="ko-KR" dirty="0">
                 <a:effectLst/>
               </a:rPr>
-              <a:t>, </a:t>
-            </a:r>
-            <a:r>
-              <a:rPr lang="ko-KR" altLang="en-US" dirty="0">
-                <a:effectLst/>
-              </a:rPr>
-              <a:t>자원이 제한된 모바일 기기에서 계산과 저장을 클라우드로 옮긴다</a:t>
-            </a:r>
+              <a:t>.</a:t>
+            </a:r>
+          </a:p>
+          <a:p>
             <a:endParaRPr lang="en-US" altLang="ko-KR" dirty="0">
               <a:effectLst/>
             </a:endParaRPr>
           </a:p>
           <a:p>
+            <a:r>
+              <a:rPr lang="ko-KR" altLang="en-US" dirty="0">
+                <a:effectLst/>
+              </a:rPr>
+              <a:t>일반적으로</a:t>
+            </a:r>
+            <a:r>
+              <a:rPr lang="en-US" altLang="ko-KR" dirty="0">
+                <a:effectLst/>
+              </a:rPr>
+              <a:t>, </a:t>
+            </a:r>
+            <a:r>
+              <a:rPr lang="ko-KR" altLang="en-US" dirty="0">
+                <a:effectLst/>
+              </a:rPr>
+              <a:t>자원이 제한된 모바일 기기에서 계산과 저장을 클라우드로 옮긴다</a:t>
+            </a:r>
+            <a:endParaRPr lang="en-US" altLang="ko-KR" dirty="0">
+              <a:effectLst/>
+            </a:endParaRPr>
+          </a:p>
+          <a:p>
             <a:endParaRPr lang="en-US" dirty="0"/>
           </a:p>
           <a:p>
@@ -4123,30 +4686,6 @@
             </a:r>
           </a:p>
           <a:p>
-            <a:r>
-              <a:rPr lang="ko-KR" altLang="en-US" dirty="0">
-                <a:effectLst/>
-              </a:rPr>
-              <a:t>클라우드 </a:t>
-            </a:r>
-            <a:r>
-              <a:rPr lang="en-US" altLang="ko-KR" dirty="0">
-                <a:effectLst/>
-              </a:rPr>
-              <a:t>&gt; </a:t>
-            </a:r>
-            <a:r>
-              <a:rPr lang="ko-KR" altLang="en-US" dirty="0" err="1">
-                <a:effectLst/>
-              </a:rPr>
-              <a:t>엣지</a:t>
-            </a:r>
-            <a:r>
-              <a:rPr lang="ko-KR" altLang="en-US" dirty="0">
-                <a:effectLst/>
-              </a:rPr>
-              <a:t> 오프로딩</a:t>
-            </a:r>
             <a:endParaRPr lang="en-US" altLang="ko-KR" dirty="0">
               <a:effectLst/>
             </a:endParaRPr>
@@ -4156,33 +4695,25 @@
               <a:rPr lang="ko-KR" altLang="en-US" dirty="0">
                 <a:effectLst/>
               </a:rPr>
-              <a:t>클라우드 대비 </a:t>
+              <a:t>클라우드 </a:t>
+            </a:r>
+            <a:r>
+              <a:rPr lang="en-US" altLang="ko-KR" dirty="0">
+                <a:effectLst/>
+              </a:rPr>
+              <a:t>&gt; </a:t>
             </a:r>
             <a:r>
               <a:rPr lang="ko-KR" altLang="en-US" dirty="0" err="1">
                 <a:effectLst/>
               </a:rPr>
-              <a:t>엣지의</a:t>
+              <a:t>엣지</a:t>
             </a:r>
             <a:r>
               <a:rPr lang="ko-KR" altLang="en-US" dirty="0">
                 <a:effectLst/>
               </a:rPr>
-              <a:t> 에너지 소비 더 낮음</a:t>
-            </a:r>
-            <a:r>
-              <a:rPr lang="en-US" altLang="ko-KR" dirty="0">
-                <a:effectLst/>
-              </a:rPr>
-              <a:t>.</a:t>
-            </a:r>
-          </a:p>
-          <a:p>
-            <a:r>
-              <a:rPr lang="ko-KR" altLang="en-US" dirty="0">
-                <a:effectLst/>
-              </a:rPr>
-              <a:t>계산 오프로딩</a:t>
+              <a:t> 오프로딩</a:t>
             </a:r>
             <a:endParaRPr lang="en-US" altLang="ko-KR" dirty="0">
               <a:effectLst/>
@@ -4193,11 +4724,68 @@
               <a:rPr lang="ko-KR" altLang="en-US" dirty="0">
                 <a:effectLst/>
               </a:rPr>
-              <a:t>리소스가 제한된 장치에서 다양한 유형의 애플리케이션이 실행 가능</a:t>
-            </a:r>
+              <a:t>클라우드 대비 </a:t>
+            </a:r>
+            <a:r>
+              <a:rPr lang="ko-KR" altLang="en-US" dirty="0" err="1">
+                <a:effectLst/>
+              </a:rPr>
+              <a:t>엣지의</a:t>
+            </a:r>
+            <a:r>
+              <a:rPr lang="ko-KR" altLang="en-US" dirty="0">
+                <a:effectLst/>
+              </a:rPr>
+              <a:t> 에너지 소비 더 낮음</a:t>
+            </a:r>
+            <a:r>
+              <a:rPr lang="en-US" altLang="ko-KR" dirty="0">
+                <a:effectLst/>
+              </a:rPr>
+              <a:t>.</a:t>
+            </a:r>
+          </a:p>
+          <a:p>
             <a:endParaRPr lang="en-US" altLang="ko-KR" dirty="0">
               <a:effectLst/>
             </a:endParaRPr>
+          </a:p>
+          <a:p>
+            <a:r>
+              <a:rPr lang="ko-KR" altLang="en-US" dirty="0">
+                <a:effectLst/>
+              </a:rPr>
+              <a:t>계산 오프로딩</a:t>
+            </a:r>
+            <a:endParaRPr lang="en-US" altLang="ko-KR" dirty="0">
+              <a:effectLst/>
+            </a:endParaRPr>
+          </a:p>
+          <a:p>
+            <a:r>
+              <a:rPr lang="ko-KR" altLang="en-US" dirty="0">
+                <a:effectLst/>
+              </a:rPr>
+              <a:t>컴퓨팅 리소스가 제한된 장치에서 고성능의 장비로 </a:t>
+            </a:r>
+            <a:r>
+              <a:rPr lang="ko-KR" altLang="en-US" dirty="0" err="1">
+                <a:effectLst/>
+              </a:rPr>
+              <a:t>오프로딩하여</a:t>
+            </a:r>
+            <a:r>
+              <a:rPr lang="ko-KR" altLang="en-US" dirty="0">
+                <a:effectLst/>
+              </a:rPr>
+              <a:t> 렌더링만 처리 함으로 다양한 유형의 애플리케이션이 실행 가능하게 합니다</a:t>
+            </a:r>
+            <a:r>
+              <a:rPr lang="en-US" altLang="ko-KR" dirty="0">
+                <a:effectLst/>
+              </a:rPr>
+              <a:t>.</a:t>
+            </a:r>
           </a:p>
           <a:p>
             <a:endParaRPr lang="en-US" dirty="0"/>
@@ -4294,6 +4882,41 @@
                 <a:ea typeface="+mn-ea"/>
                 <a:cs typeface="+mn-cs"/>
               </a:rPr>
+              <a:t>4</a:t>
+            </a:r>
+            <a:r>
+              <a:rPr lang="ko-KR" altLang="en-US" sz="1200" b="0" i="0" kern="1200" dirty="0">
+                <a:solidFill>
+                  <a:schemeClr val="tx1"/>
+                </a:solidFill>
+                <a:effectLst/>
+                <a:latin typeface="+mn-lt"/>
+                <a:ea typeface="+mn-ea"/>
+                <a:cs typeface="+mn-cs"/>
+              </a:rPr>
+              <a:t>번째 섹션에서는 </a:t>
+            </a:r>
+            <a:endParaRPr lang="en-US" altLang="ko-KR" sz="1200" b="0" i="0" kern="1200" dirty="0">
+              <a:solidFill>
+                <a:schemeClr val="tx1"/>
+              </a:solidFill>
+              <a:effectLst/>
+              <a:latin typeface="+mn-lt"/>
+              <a:ea typeface="+mn-ea"/>
+              <a:cs typeface="+mn-cs"/>
+            </a:endParaRPr>
+          </a:p>
+          <a:p>
+            <a:r>
+              <a:rPr lang="en-US" altLang="ko-KR" sz="1200" b="0" i="0" kern="1200" dirty="0">
+                <a:solidFill>
+                  <a:schemeClr val="tx1"/>
+                </a:solidFill>
+                <a:effectLst/>
+                <a:latin typeface="+mn-lt"/>
+                <a:ea typeface="+mn-ea"/>
+                <a:cs typeface="+mn-cs"/>
+              </a:rPr>
               <a:t>IoT </a:t>
             </a:r>
             <a:r>
@@ -4476,7 +5099,24 @@
           <a:p>
             <a:r>
               <a:rPr lang="ko-KR" altLang="en-US" dirty="0"/>
-              <a:t>요약 발표의 목차</a:t>
+              <a:t>발표할 요약의 목차</a:t>
+            </a:r>
+            <a:endParaRPr lang="en-US" altLang="ko-KR" dirty="0"/>
+          </a:p>
+          <a:p>
+            <a:r>
+              <a:rPr lang="ko-KR" altLang="en-US" dirty="0"/>
+              <a:t>기본적으로 논문의 구성대로 설정했습니다</a:t>
+            </a:r>
+            <a:r>
+              <a:rPr lang="en-US" altLang="ko-KR" dirty="0"/>
+              <a:t>.</a:t>
+            </a:r>
+          </a:p>
+          <a:p>
+            <a:r>
+              <a:rPr lang="ko-KR" altLang="en-US" dirty="0"/>
+              <a:t>먼저</a:t>
             </a:r>
             <a:endParaRPr lang="en-US" altLang="ko-KR" dirty="0"/>
           </a:p>
@@ -4806,48 +5446,30 @@
               <a:tabLst/>
               <a:defRPr/>
             </a:pPr>
-            <a:endParaRPr lang="en-US" altLang="ko-KR" sz="1200" b="0" i="0" kern="1200" dirty="0">
-              <a:solidFill>
-                <a:schemeClr val="tx1"/>
-              </a:solidFill>
-              <a:effectLst/>
-              <a:latin typeface="+mn-lt"/>
-              <a:ea typeface="+mn-ea"/>
-              <a:cs typeface="+mn-cs"/>
-            </a:endParaRPr>
-          </a:p>
-          <a:p>
-            <a:pPr marL="0" marR="0" lvl="0" indent="0" algn="l" defTabSz="914400" rtl="0" eaLnBrk="1" fontAlgn="auto" latinLnBrk="1" hangingPunct="1">
-              <a:lnSpc>
-                <a:spcPct val="100000"/>
-              </a:lnSpc>
-              <a:spcBef>
-                <a:spcPts val="0"/>
-              </a:spcBef>
-              <a:spcAft>
-                <a:spcPts val="0"/>
-              </a:spcAft>
-              <a:buClrTx/>
-              <a:buSzTx/>
-              <a:buFontTx/>
-              <a:buNone/>
-              <a:tabLst/>
-              <a:defRPr/>
-            </a:pPr>
-            <a:endParaRPr lang="en-US" altLang="ko-KR" sz="1200" b="0" i="0" kern="1200" dirty="0">
-              <a:solidFill>
-                <a:schemeClr val="tx1"/>
-              </a:solidFill>
-              <a:effectLst/>
-              <a:latin typeface="+mn-lt"/>
-              <a:ea typeface="+mn-ea"/>
-              <a:cs typeface="+mn-cs"/>
-            </a:endParaRPr>
-          </a:p>
-          <a:p>
-            <a:endParaRPr lang="en-US" altLang="ko-KR" dirty="0"/>
-          </a:p>
-          <a:p>
+            <a:r>
+              <a:rPr lang="ko-KR" altLang="en-US" sz="1200" b="0" i="0" kern="1200" dirty="0">
+                <a:solidFill>
+                  <a:schemeClr val="tx1"/>
+                </a:solidFill>
+                <a:effectLst/>
+                <a:latin typeface="+mn-lt"/>
+                <a:ea typeface="+mn-ea"/>
+                <a:cs typeface="+mn-cs"/>
+              </a:rPr>
+              <a:t>순으로 발표 진행하겠습니다</a:t>
+            </a:r>
+            <a:r>
+              <a:rPr lang="en-US" altLang="ko-KR" sz="1200" b="0" i="0" kern="1200" dirty="0">
+                <a:solidFill>
+                  <a:schemeClr val="tx1"/>
+                </a:solidFill>
+                <a:effectLst/>
+                <a:latin typeface="+mn-lt"/>
+                <a:ea typeface="+mn-ea"/>
+                <a:cs typeface="+mn-cs"/>
+              </a:rPr>
+              <a:t>.</a:t>
+            </a:r>
             <a:endParaRPr lang="en-US" dirty="0"/>
           </a:p>
         </p:txBody>
@@ -5147,10 +5769,16 @@
           <a:lstStyle/>
           <a:p>
             <a:r>
+              <a:rPr lang="en-US" altLang="ko-KR" dirty="0">
+                <a:effectLst/>
+              </a:rPr>
+              <a:t>IoT </a:t>
+            </a:r>
+            <a:r>
               <a:rPr lang="ko-KR" altLang="en-US" dirty="0">
                 <a:effectLst/>
               </a:rPr>
-              <a:t>에지 컴퓨팅이 제공하는 특징과 대표적인 사용 사례 몇 가지는 다음과 같다</a:t>
+              <a:t>애플리케이션에서 필요로 하는 에지 컴퓨팅의 특징에 대해서 설명합니다</a:t>
             </a:r>
             <a:r>
               <a:rPr lang="en-US" altLang="ko-KR" dirty="0">
@@ -5605,12 +6233,24 @@
               <a:rPr lang="ko-KR" altLang="en-US" dirty="0">
                 <a:effectLst/>
               </a:rPr>
-              <a:t>새롭게 등장하는 애플리케이션 분야는 센서나 사용자가 생성한 입력을 처리하고</a:t>
+              <a:t>새롭게 등장하는 </a:t>
             </a:r>
             <a:r>
               <a:rPr lang="en-US" altLang="ko-KR" dirty="0">
                 <a:effectLst/>
               </a:rPr>
+              <a:t>IoT </a:t>
+            </a:r>
+            <a:r>
+              <a:rPr lang="ko-KR" altLang="en-US" dirty="0">
+                <a:effectLst/>
+              </a:rPr>
+              <a:t>애플리케이션은 센서나 사용자가 생성한 입력을 처리하고</a:t>
+            </a:r>
+            <a:r>
+              <a:rPr lang="en-US" altLang="ko-KR" dirty="0">
+                <a:effectLst/>
+              </a:rPr>
               <a:t>, </a:t>
             </a:r>
             <a:r>
@@ -5629,8 +6269,16 @@
               <a:rPr lang="ko-KR" altLang="en-US" dirty="0">
                 <a:effectLst/>
               </a:rPr>
-              <a:t>상황을 활용함</a:t>
-            </a:r>
+              <a:t>상황을 활용하는 경우가 많음</a:t>
+            </a:r>
+            <a:r>
+              <a:rPr lang="en-US" altLang="ko-KR" dirty="0">
+                <a:effectLst/>
+              </a:rPr>
+              <a:t>.</a:t>
+            </a:r>
+          </a:p>
+          <a:p>
             <a:endParaRPr lang="en-US" altLang="ko-KR" dirty="0">
               <a:effectLst/>
             </a:endParaRPr>
@@ -5884,7 +6532,7 @@
               <a:tabLst/>
               <a:defRPr/>
             </a:pPr>
-            <a:endParaRPr lang="en-US" altLang="ko-KR">
+            <a:endParaRPr lang="en-US" altLang="ko-KR" dirty="0">
               <a:effectLst/>
             </a:endParaRPr>
           </a:p>
@@ -5907,10 +6555,28 @@
               <a:defRPr/>
             </a:pPr>
             <a:r>
-              <a:rPr lang="ko-KR" altLang="en-US">
-                <a:effectLst/>
-              </a:rPr>
-              <a:t>점</a:t>
+              <a:rPr lang="ko-KR" altLang="en-US" dirty="0">
+                <a:effectLst/>
+              </a:rPr>
+              <a:t>더욱 </a:t>
+            </a:r>
+            <a:r>
+              <a:rPr lang="ko-KR" altLang="en-US" dirty="0" err="1">
+                <a:effectLst/>
+              </a:rPr>
+              <a:t>엣지컴퓨팅을</a:t>
+            </a:r>
+            <a:r>
+              <a:rPr lang="ko-KR" altLang="en-US" dirty="0">
+                <a:effectLst/>
+              </a:rPr>
+              <a:t> 필요로 하게 됩니다</a:t>
+            </a:r>
+            <a:r>
+              <a:rPr lang="en-US" altLang="ko-KR" dirty="0">
+                <a:effectLst/>
+              </a:rPr>
+              <a:t>.</a:t>
             </a:r>
             <a:endParaRPr lang="en-US" altLang="ko-KR" dirty="0"/>
           </a:p>
@@ -6040,20 +6706,28 @@
               <a:rPr lang="ko-KR" altLang="en-US" dirty="0">
                 <a:effectLst/>
               </a:rPr>
-              <a:t>클라우드 컴퓨팅 패러다임은 매우 짧은 시간 내에 실사에 가까운 렌더링을 구현할 수 있는 풍부한 계산 및 저장 능력을 제공한다</a:t>
+              <a:t>그리고 </a:t>
+            </a:r>
+            <a:r>
+              <a:rPr lang="ko-KR" altLang="en-US" dirty="0" err="1">
+                <a:effectLst/>
+              </a:rPr>
+              <a:t>엣지컴퓨팅이</a:t>
+            </a:r>
+            <a:r>
+              <a:rPr lang="ko-KR" altLang="en-US" dirty="0">
+                <a:effectLst/>
+              </a:rPr>
+              <a:t> 제시하는 해법에 대해서 이야기 합니다</a:t>
             </a:r>
             <a:r>
               <a:rPr lang="en-US" altLang="ko-KR" dirty="0">
                 <a:effectLst/>
               </a:rPr>
-              <a:t>. </a:t>
-            </a:r>
-            <a:r>
-              <a:rPr lang="ko-KR" altLang="en-US" dirty="0">
-                <a:effectLst/>
-              </a:rPr>
-              <a:t>그러나 클라우드 리소스는 사용자에게 멀리 떨어져 있을 수 있어 상당한 지연을 초래할 수 있다</a:t>
-            </a:r>
+              <a:t>.</a:t>
+            </a:r>
+          </a:p>
+          <a:p>
             <a:endParaRPr lang="en-US" altLang="ko-KR" dirty="0">
               <a:effectLst/>
             </a:endParaRPr>
@@ -6063,38 +6737,105 @@
               <a:rPr lang="ko-KR" altLang="en-US" dirty="0">
                 <a:effectLst/>
               </a:rPr>
-              <a:t>비 대화형 애플리케이션에서는 허용가능 하지만 위 사례에서는 용납되지 않음</a:t>
+              <a:t>클라우드 컴퓨팅 패러다임은 매우 짧은 시간 내에 실사에 가까운 렌더링을 구현할 수 있는 풍부한 계산 및 저장 능력을 제공한다</a:t>
             </a:r>
             <a:r>
               <a:rPr lang="en-US" altLang="ko-KR" dirty="0">
                 <a:effectLst/>
               </a:rPr>
-              <a:t>.</a:t>
-            </a:r>
-          </a:p>
-          <a:p>
+              <a:t>. </a:t>
+            </a:r>
+          </a:p>
+          <a:p>
+            <a:r>
+              <a:rPr lang="ko-KR" altLang="en-US" dirty="0">
+                <a:effectLst/>
+              </a:rPr>
+              <a:t>그러나 계산</a:t>
+            </a:r>
+            <a:r>
+              <a:rPr lang="en-US" altLang="ko-KR" dirty="0">
+                <a:effectLst/>
+              </a:rPr>
+              <a:t>/</a:t>
+            </a:r>
+            <a:r>
+              <a:rPr lang="ko-KR" altLang="en-US" dirty="0">
+                <a:effectLst/>
+              </a:rPr>
+              <a:t>저장 리소스가 사용자에게 멀리 떨어져 있을 수 있어 상당한 지연을 초래할 수 있다</a:t>
+            </a:r>
             <a:endParaRPr lang="en-US" altLang="ko-KR" dirty="0">
               <a:effectLst/>
             </a:endParaRPr>
           </a:p>
           <a:p>
             <a:r>
+              <a:rPr lang="ko-KR" altLang="en-US" dirty="0">
+                <a:effectLst/>
+              </a:rPr>
+              <a:t>비 대화형 애플리케이션에서는 허용가능 하지만 </a:t>
+            </a:r>
+            <a:r>
               <a:rPr lang="ko-KR" altLang="en-US" dirty="0" err="1">
                 <a:effectLst/>
               </a:rPr>
-              <a:t>엣지</a:t>
+              <a:t>대화형애플리케이션이나</a:t>
             </a:r>
             <a:r>
               <a:rPr lang="ko-KR" altLang="en-US" dirty="0">
                 <a:effectLst/>
               </a:rPr>
-              <a:t> 컴퓨팅 패러다임은 사용자에게 가까운 위치에서 클라우드의 핵심 기능을 제공하여 대기 시간을 크게 줄일 수 있다</a:t>
-            </a:r>
+              <a:t> </a:t>
+            </a:r>
+            <a:r>
+              <a:rPr lang="en-US" altLang="ko-KR" dirty="0">
+                <a:effectLst/>
+              </a:rPr>
+              <a:t>VR/AV </a:t>
+            </a:r>
+            <a:r>
+              <a:rPr lang="ko-KR" altLang="en-US" dirty="0">
+                <a:effectLst/>
+              </a:rPr>
+              <a:t>같은 사례에서는 용납되지 않음</a:t>
+            </a:r>
+            <a:r>
+              <a:rPr lang="en-US" altLang="ko-KR" dirty="0">
+                <a:effectLst/>
+              </a:rPr>
+              <a:t>.</a:t>
+            </a:r>
+          </a:p>
+          <a:p>
             <a:endParaRPr lang="en-US" altLang="ko-KR" dirty="0">
               <a:effectLst/>
             </a:endParaRPr>
           </a:p>
           <a:p>
+            <a:r>
+              <a:rPr lang="ko-KR" altLang="en-US" dirty="0">
+                <a:effectLst/>
+              </a:rPr>
+              <a:t>이에 대해서 </a:t>
+            </a:r>
+            <a:r>
+              <a:rPr lang="ko-KR" altLang="en-US" dirty="0" err="1">
+                <a:effectLst/>
+              </a:rPr>
+              <a:t>엣지</a:t>
+            </a:r>
+            <a:r>
+              <a:rPr lang="ko-KR" altLang="en-US" dirty="0">
+                <a:effectLst/>
+              </a:rPr>
+              <a:t> 컴퓨팅 패러다임은 사용자에게 가까운 위치에서 클라우드의 핵심 기능을 제공하여 대기 시간을 크게 줄일 수 있다</a:t>
+            </a:r>
+            <a:endParaRPr lang="en-US" altLang="ko-KR" dirty="0">
+              <a:effectLst/>
+            </a:endParaRPr>
+          </a:p>
+          <a:p>
             <a:endParaRPr lang="en-US" dirty="0">
               <a:effectLst/>
             </a:endParaRPr>
@@ -6109,38 +6850,47 @@
               <a:rPr lang="ko-KR" altLang="en-US" dirty="0">
                 <a:effectLst/>
               </a:rPr>
-              <a:t>중요한 현재 최첨단 기술로 에지 컴퓨팅이 무엇을 이룰 수 있는가</a:t>
+              <a:t>중요한 것은 현재 최첨단 기술로 에지 컴퓨팅이 무엇을 할 수 있으며</a:t>
+            </a:r>
+            <a:endParaRPr lang="en-US" altLang="ko-KR" dirty="0">
+              <a:effectLst/>
+            </a:endParaRPr>
+          </a:p>
+          <a:p>
+            <a:r>
+              <a:rPr lang="ko-KR" altLang="en-US" dirty="0">
+                <a:effectLst/>
+              </a:rPr>
+              <a:t>문제를 해결하기 위해 어떻게 </a:t>
+            </a:r>
+            <a:r>
+              <a:rPr lang="ko-KR" altLang="en-US" dirty="0" err="1">
+                <a:effectLst/>
+              </a:rPr>
+              <a:t>해야하는지</a:t>
+            </a:r>
+            <a:r>
+              <a:rPr lang="ko-KR" altLang="en-US" dirty="0">
+                <a:effectLst/>
+              </a:rPr>
+              <a:t> </a:t>
+            </a:r>
+            <a:endParaRPr lang="en-US" altLang="ko-KR" dirty="0">
+              <a:effectLst/>
+            </a:endParaRPr>
+          </a:p>
+          <a:p>
+            <a:r>
+              <a:rPr lang="ko-KR" altLang="en-US" dirty="0">
+                <a:effectLst/>
+              </a:rPr>
+              <a:t>모바일 게임의 특정 사용 사례로 실험적 평가를 진행합니다</a:t>
             </a:r>
             <a:r>
               <a:rPr lang="en-US" altLang="ko-KR" dirty="0">
                 <a:effectLst/>
               </a:rPr>
-              <a:t>?</a:t>
-            </a:r>
-          </a:p>
-          <a:p>
-            <a:endParaRPr lang="en-US" dirty="0">
-              <a:effectLst/>
-            </a:endParaRPr>
-          </a:p>
-          <a:p>
-            <a:r>
-              <a:rPr lang="ko-KR" altLang="en-US" dirty="0">
-                <a:effectLst/>
-              </a:rPr>
-              <a:t>이 문제를 해결하기 위해</a:t>
-            </a:r>
-            <a:r>
-              <a:rPr lang="en-US" altLang="ko-KR" dirty="0">
-                <a:effectLst/>
-              </a:rPr>
-              <a:t>, </a:t>
-            </a:r>
-            <a:r>
-              <a:rPr lang="ko-KR" altLang="en-US" dirty="0">
-                <a:effectLst/>
-              </a:rPr>
-              <a:t>우리는 모바일 게임의 특정 사용 사례에 집중</a:t>
+              <a:t>.</a:t>
             </a:r>
             <a:endParaRPr lang="en-US" dirty="0">
               <a:effectLst/>
@@ -6249,7 +6999,7 @@
               <a:defRPr/>
             </a:pPr>
             <a:r>
-              <a:rPr lang="ko-KR" altLang="en-US" sz="1200" b="0" kern="1200" dirty="0" err="1">
+              <a:rPr lang="ko-KR" altLang="en-US" sz="1200" b="0" kern="1200" dirty="0">
                 <a:solidFill>
                   <a:schemeClr val="tx1"/>
                 </a:solidFill>
@@ -6258,10 +7008,10 @@
                 <a:ea typeface="+mn-ea"/>
                 <a:cs typeface="+mn-cs"/>
               </a:rPr>
-              <a:t>엣지</a:t>
-            </a:r>
-            <a:r>
-              <a:rPr lang="ko-KR" altLang="en-US" sz="1200" b="0" kern="1200" dirty="0">
+              <a:t>사용 사례</a:t>
+            </a:r>
+            <a:r>
+              <a:rPr lang="en-US" altLang="ko-KR" sz="1200" b="0" kern="1200" dirty="0">
                 <a:solidFill>
                   <a:schemeClr val="tx1"/>
                 </a:solidFill>
@@ -6270,10 +7020,10 @@
                 <a:ea typeface="+mn-ea"/>
                 <a:cs typeface="+mn-cs"/>
               </a:rPr>
-              <a:t> 컴퓨팅이 </a:t>
-            </a:r>
-            <a:r>
-              <a:rPr lang="ko-KR" altLang="en-US" sz="1200" b="1" kern="1200" dirty="0">
+              <a:t>, </a:t>
+            </a:r>
+            <a:r>
+              <a:rPr lang="ko-KR" altLang="en-US" sz="1200" b="0" kern="1200" dirty="0">
                 <a:solidFill>
                   <a:schemeClr val="tx1"/>
                 </a:solidFill>
@@ -6282,10 +7032,10 @@
                 <a:ea typeface="+mn-ea"/>
                 <a:cs typeface="+mn-cs"/>
               </a:rPr>
-              <a:t>상호작용형 </a:t>
-            </a:r>
-            <a:r>
-              <a:rPr lang="en-US" altLang="ko-KR" sz="1200" b="1" kern="1200" dirty="0">
+              <a:t>모바일 </a:t>
+            </a:r>
+            <a:r>
+              <a:rPr lang="ko-KR" altLang="en-US" sz="1200" b="0" kern="1200" dirty="0" err="1">
                 <a:solidFill>
                   <a:schemeClr val="tx1"/>
                 </a:solidFill>
@@ -6294,10 +7044,10 @@
                 <a:ea typeface="+mn-ea"/>
                 <a:cs typeface="+mn-cs"/>
               </a:rPr>
-              <a:t>3D </a:t>
-            </a:r>
-            <a:r>
-              <a:rPr lang="ko-KR" altLang="en-US" sz="1200" b="1" kern="1200" dirty="0">
+              <a:t>게이밍</a:t>
+            </a:r>
+            <a:r>
+              <a:rPr lang="ko-KR" altLang="en-US" sz="1200" b="0" kern="1200" dirty="0">
                 <a:solidFill>
                   <a:schemeClr val="tx1"/>
                 </a:solidFill>
@@ -6306,10 +7056,38 @@
                 <a:ea typeface="+mn-ea"/>
                 <a:cs typeface="+mn-cs"/>
               </a:rPr>
-              <a:t>애플리케이션</a:t>
-            </a:r>
-            <a:r>
-              <a:rPr lang="ko-KR" altLang="en-US" sz="1200" b="0" kern="1200" dirty="0">
+              <a:t> 섹션에서는 </a:t>
+            </a:r>
+            <a:endParaRPr lang="en-US" altLang="ko-KR" sz="1200" b="0" kern="1200" dirty="0">
+              <a:solidFill>
+                <a:schemeClr val="tx1"/>
+              </a:solidFill>
+              <a:effectLst/>
+              <a:latin typeface="+mn-lt"/>
+              <a:ea typeface="+mn-ea"/>
+              <a:cs typeface="+mn-cs"/>
+            </a:endParaRPr>
+          </a:p>
+          <a:p>
+            <a:pPr marL="0" marR="0" lvl="0" indent="0" algn="l" defTabSz="914400" rtl="0" eaLnBrk="1" fontAlgn="auto" latinLnBrk="1" hangingPunct="1">
+              <a:lnSpc>
+                <a:spcPct val="100000"/>
+              </a:lnSpc>
+              <a:spcBef>
+                <a:spcPts val="0"/>
+              </a:spcBef>
+              <a:spcAft>
+                <a:spcPts val="0"/>
+              </a:spcAft>
+              <a:buClrTx/>
+              <a:buSzTx/>
+              <a:buFontTx/>
+              <a:buNone/>
+              <a:tabLst/>
+              <a:defRPr/>
+            </a:pPr>
+            <a:r>
+              <a:rPr lang="ko-KR" altLang="en-US" sz="1200" b="0" kern="1200" dirty="0" err="1">
                 <a:solidFill>
                   <a:schemeClr val="tx1"/>
                 </a:solidFill>
@@ -6318,10 +7096,10 @@
                 <a:ea typeface="+mn-ea"/>
                 <a:cs typeface="+mn-cs"/>
               </a:rPr>
-              <a:t>의 </a:t>
-            </a:r>
-            <a:r>
-              <a:rPr lang="ko-KR" altLang="en-US" sz="1200" b="1" kern="1200" dirty="0">
+              <a:t>엣지</a:t>
+            </a:r>
+            <a:r>
+              <a:rPr lang="ko-KR" altLang="en-US" sz="1200" b="0" kern="1200" dirty="0">
                 <a:solidFill>
                   <a:schemeClr val="tx1"/>
                 </a:solidFill>
@@ -6330,10 +7108,38 @@
                 <a:ea typeface="+mn-ea"/>
                 <a:cs typeface="+mn-cs"/>
               </a:rPr>
-              <a:t>지연</a:t>
-            </a:r>
-            <a:r>
-              <a:rPr lang="ko-KR" altLang="en-US" sz="1200" b="0" kern="1200" dirty="0">
+              <a:t> 컴퓨팅이 </a:t>
+            </a:r>
+            <a:endParaRPr lang="en-US" altLang="ko-KR" sz="1200" b="0" kern="1200" dirty="0">
+              <a:solidFill>
+                <a:schemeClr val="tx1"/>
+              </a:solidFill>
+              <a:effectLst/>
+              <a:latin typeface="+mn-lt"/>
+              <a:ea typeface="+mn-ea"/>
+              <a:cs typeface="+mn-cs"/>
+            </a:endParaRPr>
+          </a:p>
+          <a:p>
+            <a:pPr marL="0" marR="0" lvl="0" indent="0" algn="l" defTabSz="914400" rtl="0" eaLnBrk="1" fontAlgn="auto" latinLnBrk="1" hangingPunct="1">
+              <a:lnSpc>
+                <a:spcPct val="100000"/>
+              </a:lnSpc>
+              <a:spcBef>
+                <a:spcPts val="0"/>
+              </a:spcBef>
+              <a:spcAft>
+                <a:spcPts val="0"/>
+              </a:spcAft>
+              <a:buClrTx/>
+              <a:buSzTx/>
+              <a:buFontTx/>
+              <a:buNone/>
+              <a:tabLst/>
+              <a:defRPr/>
+            </a:pPr>
+            <a:r>
+              <a:rPr lang="ko-KR" altLang="en-US" sz="1200" b="1" kern="1200" dirty="0">
                 <a:solidFill>
                   <a:schemeClr val="tx1"/>
                 </a:solidFill>
@@ -6342,7 +7148,119 @@
                 <a:ea typeface="+mn-ea"/>
                 <a:cs typeface="+mn-cs"/>
               </a:rPr>
-              <a:t> 요구를 충족하는지 실험적으로 검증</a:t>
+              <a:t>상호작용형 </a:t>
+            </a:r>
+            <a:r>
+              <a:rPr lang="en-US" altLang="ko-KR" sz="1200" b="1" kern="1200" dirty="0">
+                <a:solidFill>
+                  <a:schemeClr val="tx1"/>
+                </a:solidFill>
+                <a:effectLst/>
+                <a:latin typeface="+mn-lt"/>
+                <a:ea typeface="+mn-ea"/>
+                <a:cs typeface="+mn-cs"/>
+              </a:rPr>
+              <a:t>3D </a:t>
+            </a:r>
+            <a:r>
+              <a:rPr lang="ko-KR" altLang="en-US" sz="1200" b="1" kern="1200" dirty="0">
+                <a:solidFill>
+                  <a:schemeClr val="tx1"/>
+                </a:solidFill>
+                <a:effectLst/>
+                <a:latin typeface="+mn-lt"/>
+                <a:ea typeface="+mn-ea"/>
+                <a:cs typeface="+mn-cs"/>
+              </a:rPr>
+              <a:t>애플리케이션</a:t>
+            </a:r>
+            <a:r>
+              <a:rPr lang="ko-KR" altLang="en-US" sz="1200" b="0" kern="1200" dirty="0">
+                <a:solidFill>
+                  <a:schemeClr val="tx1"/>
+                </a:solidFill>
+                <a:effectLst/>
+                <a:latin typeface="+mn-lt"/>
+                <a:ea typeface="+mn-ea"/>
+                <a:cs typeface="+mn-cs"/>
+              </a:rPr>
+              <a:t>의 </a:t>
+            </a:r>
+            <a:r>
+              <a:rPr lang="ko-KR" altLang="en-US" sz="1200" b="1" kern="1200" dirty="0">
+                <a:solidFill>
+                  <a:schemeClr val="tx1"/>
+                </a:solidFill>
+                <a:effectLst/>
+                <a:latin typeface="+mn-lt"/>
+                <a:ea typeface="+mn-ea"/>
+                <a:cs typeface="+mn-cs"/>
+              </a:rPr>
+              <a:t>지연</a:t>
+            </a:r>
+            <a:r>
+              <a:rPr lang="ko-KR" altLang="en-US" sz="1200" b="0" kern="1200" dirty="0">
+                <a:solidFill>
+                  <a:schemeClr val="tx1"/>
+                </a:solidFill>
+                <a:effectLst/>
+                <a:latin typeface="+mn-lt"/>
+                <a:ea typeface="+mn-ea"/>
+                <a:cs typeface="+mn-cs"/>
+              </a:rPr>
+              <a:t> 요구를 충족하는지 </a:t>
+            </a:r>
+            <a:endParaRPr lang="en-US" altLang="ko-KR" sz="1200" b="0" kern="1200" dirty="0">
+              <a:solidFill>
+                <a:schemeClr val="tx1"/>
+              </a:solidFill>
+              <a:effectLst/>
+              <a:latin typeface="+mn-lt"/>
+              <a:ea typeface="+mn-ea"/>
+              <a:cs typeface="+mn-cs"/>
+            </a:endParaRPr>
+          </a:p>
+          <a:p>
+            <a:pPr marL="0" marR="0" lvl="0" indent="0" algn="l" defTabSz="914400" rtl="0" eaLnBrk="1" fontAlgn="auto" latinLnBrk="1" hangingPunct="1">
+              <a:lnSpc>
+                <a:spcPct val="100000"/>
+              </a:lnSpc>
+              <a:spcBef>
+                <a:spcPts val="0"/>
+              </a:spcBef>
+              <a:spcAft>
+                <a:spcPts val="0"/>
+              </a:spcAft>
+              <a:buClrTx/>
+              <a:buSzTx/>
+              <a:buFontTx/>
+              <a:buNone/>
+              <a:tabLst/>
+              <a:defRPr/>
+            </a:pPr>
+            <a:r>
+              <a:rPr lang="ko-KR" altLang="en-US" sz="1200" b="0" kern="1200" dirty="0">
+                <a:solidFill>
+                  <a:schemeClr val="tx1"/>
+                </a:solidFill>
+                <a:effectLst/>
+                <a:latin typeface="+mn-lt"/>
+                <a:ea typeface="+mn-ea"/>
+                <a:cs typeface="+mn-cs"/>
+              </a:rPr>
+              <a:t>실험적으로 검증하는 과정과 결과를 보여줍니다</a:t>
+            </a:r>
+            <a:r>
+              <a:rPr lang="en-US" altLang="ko-KR" sz="1200" b="0" kern="1200" dirty="0">
+                <a:solidFill>
+                  <a:schemeClr val="tx1"/>
+                </a:solidFill>
+                <a:effectLst/>
+                <a:latin typeface="+mn-lt"/>
+                <a:ea typeface="+mn-ea"/>
+                <a:cs typeface="+mn-cs"/>
+              </a:rPr>
+              <a:t>.</a:t>
             </a:r>
             <a:endParaRPr lang="en-US" dirty="0"/>
           </a:p>
@@ -6430,6 +7348,19 @@
           <a:p>
             <a:r>
               <a:rPr lang="ko-KR" altLang="en-US" b="1" dirty="0"/>
+              <a:t>먼저 실험 조건에 대해서 설명합니다</a:t>
+            </a:r>
+            <a:r>
+              <a:rPr lang="en-US" altLang="ko-KR" b="1" dirty="0"/>
+              <a:t>.</a:t>
+            </a:r>
+          </a:p>
+          <a:p>
+            <a:endParaRPr lang="en-US" altLang="ko-KR" b="1" dirty="0"/>
+          </a:p>
+          <a:p>
+            <a:r>
+              <a:rPr lang="ko-KR" altLang="en-US" b="1" dirty="0"/>
               <a:t>모바일 클라우드 </a:t>
             </a:r>
             <a:r>
@@ -6462,14 +7393,14 @@
             </a:r>
             <a:r>
               <a:rPr lang="ko-KR" altLang="en-US" dirty="0"/>
-              <a:t> 플랫폼을 사용</a:t>
+              <a:t> 오픈소스 플랫폼을 사용</a:t>
             </a:r>
             <a:endParaRPr lang="en-US" altLang="ko-KR" dirty="0"/>
           </a:p>
           <a:p>
             <a:r>
-              <a:rPr lang="ko-KR" altLang="en-US" b="1" dirty="0" err="1"/>
-              <a:t>답지연</a:t>
+              <a:rPr lang="ko-KR" altLang="en-US" b="1" dirty="0"/>
+              <a:t>응답지연</a:t>
             </a:r>
             <a:r>
               <a:rPr lang="en-US" altLang="ko-KR" b="1" dirty="0"/>
@@ -6483,6 +7414,8 @@
               <a:rPr lang="en-US" altLang="ko-KR" dirty="0"/>
               <a:t>: </a:t>
             </a:r>
+          </a:p>
+          <a:p>
             <a:r>
               <a:rPr lang="ko-KR" altLang="en-US" dirty="0"/>
               <a:t>서버의 </a:t>
@@ -6499,6 +7432,8 @@
               <a:rPr lang="en-US" altLang="ko-KR" dirty="0"/>
               <a:t>, </a:t>
             </a:r>
+          </a:p>
+          <a:p>
             <a:r>
               <a:rPr lang="ko-KR" altLang="en-US" dirty="0"/>
               <a:t>단말의 </a:t>
@@ -6515,6 +7450,8 @@
               <a:rPr lang="en-US" altLang="ko-KR" dirty="0"/>
               <a:t>, </a:t>
             </a:r>
+          </a:p>
+          <a:p>
             <a:r>
               <a:rPr lang="ko-KR" altLang="en-US" dirty="0"/>
               <a:t>그리고 클라이언트</a:t>
@@ -6542,9 +7479,12 @@
             <a:endParaRPr lang="en-US" altLang="ko-KR" dirty="0"/>
           </a:p>
           <a:p>
+            <a:endParaRPr lang="en-US" altLang="ko-KR" dirty="0"/>
+          </a:p>
+          <a:p>
             <a:r>
               <a:rPr lang="ko-KR" altLang="en-US" dirty="0"/>
-              <a:t>접속은 </a:t>
+              <a:t>네트워크는 </a:t>
             </a:r>
             <a:r>
               <a:rPr lang="en-US" altLang="ko-KR" b="1" dirty="0"/>
@@ -6566,6 +7506,8 @@
               <a:rPr lang="en-US" altLang="ko-KR" dirty="0"/>
               <a:t>, </a:t>
             </a:r>
+          </a:p>
+          <a:p>
             <a:endParaRPr lang="en-US" dirty="0"/>
           </a:p>
         </p:txBody>
@@ -6676,6 +7618,8 @@
               <a:rPr lang="en-US" altLang="ko-KR" dirty="0"/>
               <a:t>. </a:t>
             </a:r>
+          </a:p>
+          <a:p>
             <a:r>
               <a:rPr lang="ko-KR" altLang="en-US" dirty="0"/>
               <a:t>첫째</a:t>
@@ -6688,30 +7632,9 @@
               <a:rPr lang="ko-KR" altLang="en-US" b="1" dirty="0" err="1"/>
               <a:t>엣지</a:t>
             </a:r>
-            <a:r>
-              <a:rPr lang="en-US" altLang="ko-KR" dirty="0"/>
-              <a:t>—LTE </a:t>
-            </a:r>
-            <a:r>
-              <a:rPr lang="ko-KR" altLang="en-US" dirty="0"/>
-              <a:t>기지국 </a:t>
-            </a:r>
-            <a:r>
-              <a:rPr lang="ko-KR" altLang="en-US" dirty="0" err="1"/>
-              <a:t>공위치</a:t>
-            </a:r>
-            <a:r>
-              <a:rPr lang="en-US" altLang="ko-KR" dirty="0"/>
-              <a:t>(</a:t>
-            </a:r>
-            <a:r>
-              <a:rPr lang="ko-KR" altLang="en-US" dirty="0"/>
-              <a:t>또는 동일 </a:t>
-            </a:r>
-            <a:r>
-              <a:rPr lang="en-US" altLang="ko-KR" dirty="0"/>
-              <a:t>WLAN). </a:t>
-            </a:r>
+            <a:endParaRPr lang="en-US" altLang="ko-KR" b="1" dirty="0"/>
+          </a:p>
+          <a:p>
             <a:r>
               <a:rPr lang="ko-KR" altLang="en-US" dirty="0"/>
               <a:t>둘째</a:t>
@@ -6724,53 +7647,197 @@
               <a:rPr lang="ko-KR" altLang="en-US" b="1" dirty="0"/>
               <a:t>특수 목적 클라우드</a:t>
             </a:r>
+            <a:endParaRPr lang="en-US" altLang="ko-KR" b="1" dirty="0"/>
+          </a:p>
+          <a:p>
+            <a:r>
+              <a:rPr lang="ko-KR" altLang="en-US" dirty="0"/>
+              <a:t>셋째</a:t>
+            </a:r>
             <a:r>
               <a:rPr lang="en-US" altLang="ko-KR" dirty="0"/>
-              <a:t>—</a:t>
-            </a:r>
+              <a:t>, </a:t>
+            </a:r>
+            <a:r>
+              <a:rPr lang="ko-KR" altLang="en-US" b="1" dirty="0"/>
+              <a:t>퍼블릭 클라우드</a:t>
+            </a:r>
+            <a:endParaRPr lang="en-US" altLang="ko-KR" b="1" dirty="0"/>
+          </a:p>
+          <a:p>
+            <a:endParaRPr lang="en-US" altLang="ko-KR" dirty="0"/>
+          </a:p>
+          <a:p>
             <a:r>
               <a:rPr lang="ko-KR" altLang="en-US" dirty="0"/>
-              <a:t>핀란드 </a:t>
+              <a:t>가상화 구성은 </a:t>
+            </a:r>
+            <a:r>
+              <a:rPr lang="ko-KR" altLang="en-US" b="1" dirty="0" err="1"/>
+              <a:t>베어메탈</a:t>
             </a:r>
             <a:r>
               <a:rPr lang="en-US" altLang="ko-KR" b="1" dirty="0"/>
-              <a:t>CSC </a:t>
-            </a:r>
-            <a:r>
-              <a:rPr lang="en-US" altLang="ko-KR" b="1" dirty="0" err="1"/>
-              <a:t>cPouta</a:t>
+              <a:t>(B)</a:t>
+            </a:r>
+            <a:r>
+              <a:rPr lang="en-US" altLang="ko-KR" dirty="0"/>
+              <a:t>, </a:t>
+            </a:r>
+            <a:r>
+              <a:rPr lang="ko-KR" altLang="en-US" b="1" dirty="0"/>
+              <a:t>컨테이너</a:t>
+            </a:r>
+            <a:r>
+              <a:rPr lang="en-US" altLang="ko-KR" b="1" dirty="0"/>
+              <a:t>(C, Docker)</a:t>
+            </a:r>
+            <a:r>
+              <a:rPr lang="en-US" altLang="ko-KR" dirty="0"/>
+              <a:t>, </a:t>
+            </a:r>
+            <a:r>
+              <a:rPr lang="ko-KR" altLang="en-US" b="1" dirty="0"/>
+              <a:t>가상머신</a:t>
+            </a:r>
+            <a:r>
+              <a:rPr lang="en-US" altLang="ko-KR" b="1" dirty="0"/>
+              <a:t>(V, QEMU)</a:t>
+            </a:r>
+            <a:r>
+              <a:rPr lang="ko-KR" altLang="en-US" dirty="0"/>
+              <a:t> 세 가지를 비교했고</a:t>
+            </a:r>
+            <a:r>
+              <a:rPr lang="en-US" altLang="ko-KR" dirty="0"/>
+              <a:t>, </a:t>
+            </a:r>
+          </a:p>
+          <a:p>
+            <a:r>
+              <a:rPr lang="ko-KR" altLang="en-US" dirty="0"/>
+              <a:t>각 인스턴스에 </a:t>
+            </a:r>
+            <a:r>
+              <a:rPr lang="en-US" altLang="ko-KR" b="1" dirty="0"/>
+              <a:t>GPU 1</a:t>
+            </a:r>
+            <a:r>
+              <a:rPr lang="ko-KR" altLang="en-US" b="1" dirty="0"/>
+              <a:t>개</a:t>
+            </a:r>
+            <a:r>
+              <a:rPr lang="ko-KR" altLang="en-US" dirty="0"/>
+              <a:t>를 직접 할당했습니다</a:t>
             </a:r>
             <a:r>
               <a:rPr lang="en-US" altLang="ko-KR" dirty="0"/>
               <a:t>. </a:t>
             </a:r>
+          </a:p>
+          <a:p>
+            <a:endParaRPr lang="en-US" altLang="ko-KR" dirty="0"/>
+          </a:p>
+          <a:p>
             <a:r>
               <a:rPr lang="ko-KR" altLang="en-US" dirty="0"/>
-              <a:t>셋째</a:t>
+              <a:t>실험은 </a:t>
+            </a:r>
+            <a:endParaRPr lang="en-US" altLang="ko-KR" dirty="0"/>
+          </a:p>
+          <a:p>
+            <a:r>
+              <a:rPr lang="ko-KR" altLang="en-US" b="1" dirty="0"/>
+              <a:t>사전 녹화된 세션</a:t>
+            </a:r>
+            <a:r>
+              <a:rPr lang="ko-KR" altLang="en-US" dirty="0"/>
+              <a:t>을 </a:t>
+            </a:r>
+            <a:r>
+              <a:rPr lang="ko-KR" altLang="en-US" b="1" dirty="0"/>
+              <a:t>조건당 </a:t>
+            </a:r>
+            <a:r>
+              <a:rPr lang="en-US" altLang="ko-KR" b="1" dirty="0"/>
+              <a:t>4</a:t>
+            </a:r>
+            <a:r>
+              <a:rPr lang="ko-KR" altLang="en-US" b="1" dirty="0"/>
+              <a:t>회 반복</a:t>
+            </a:r>
+            <a:r>
+              <a:rPr lang="ko-KR" altLang="en-US" dirty="0"/>
+              <a:t>해 변동성을 줄이도록 했고</a:t>
+            </a:r>
+            <a:r>
+              <a:rPr lang="en-US" altLang="ko-KR" dirty="0"/>
+              <a:t>,</a:t>
+            </a:r>
+          </a:p>
+          <a:p>
+            <a:r>
+              <a:rPr lang="en-US" altLang="ko-KR" b="1" dirty="0"/>
+              <a:t>30 FPS, 4.5 Mbps</a:t>
+            </a:r>
+            <a:r>
+              <a:rPr lang="ko-KR" altLang="en-US" dirty="0"/>
+              <a:t>로 통일했고</a:t>
             </a:r>
             <a:r>
               <a:rPr lang="en-US" altLang="ko-KR" dirty="0"/>
               <a:t>, </a:t>
             </a:r>
-            <a:r>
-              <a:rPr lang="ko-KR" altLang="en-US" b="1" dirty="0"/>
-              <a:t>퍼블릭 클라우드</a:t>
-            </a:r>
+          </a:p>
+          <a:p>
+            <a:endParaRPr lang="en-US" altLang="ko-KR" dirty="0"/>
+          </a:p>
+          <a:p>
             <a:r>
               <a:rPr lang="en-US" altLang="ko-KR" dirty="0"/>
-              <a:t>—</a:t>
+              <a:t>ND(</a:t>
+            </a:r>
+            <a:r>
+              <a:rPr lang="ko-KR" altLang="en-US" dirty="0"/>
+              <a:t>네트워크 지연</a:t>
+            </a:r>
+            <a:r>
+              <a:rPr lang="en-US" altLang="ko-KR" dirty="0"/>
+              <a:t>)</a:t>
+            </a:r>
+            <a:r>
+              <a:rPr lang="ko-KR" altLang="en-US" dirty="0"/>
+              <a:t>는 </a:t>
             </a:r>
             <a:r>
               <a:rPr lang="en-US" altLang="ko-KR" b="1" dirty="0"/>
-              <a:t>AWS EC2</a:t>
+              <a:t>ping</a:t>
+            </a:r>
+            <a:r>
+              <a:rPr lang="ko-KR" altLang="en-US" dirty="0"/>
+              <a:t>으로 </a:t>
             </a:r>
             <a:r>
               <a:rPr lang="en-US" altLang="ko-KR" dirty="0"/>
-              <a:t>(</a:t>
+              <a:t>6</a:t>
             </a:r>
             <a:r>
               <a:rPr lang="ko-KR" altLang="en-US" dirty="0"/>
-              <a:t>프랑크푸르트</a:t>
+              <a:t>시간 이상 측정했으며</a:t>
+            </a:r>
+            <a:r>
+              <a:rPr lang="en-US" altLang="ko-KR" dirty="0"/>
+              <a:t>, </a:t>
+            </a:r>
+          </a:p>
+          <a:p>
+            <a:r>
+              <a:rPr lang="en-US" altLang="ko-KR" dirty="0"/>
+              <a:t>PD/OD(</a:t>
+            </a:r>
+            <a:r>
+              <a:rPr lang="ko-KR" altLang="en-US" dirty="0"/>
+              <a:t>처리지연</a:t>
             </a:r>
             <a:r>
               <a:rPr lang="en-US" altLang="ko-KR" dirty="0"/>
@@ -6778,203 +7845,36 @@
             </a:r>
             <a:r>
               <a:rPr lang="ko-KR" altLang="en-US" dirty="0"/>
-              <a:t>아일랜드</a:t>
+              <a:t>재생지연</a:t>
             </a:r>
             <a:r>
               <a:rPr lang="en-US" altLang="ko-KR" dirty="0"/>
-              <a:t>)</a:t>
-            </a:r>
-            <a:r>
-              <a:rPr lang="ko-KR" altLang="en-US" dirty="0"/>
-              <a:t>입니다</a:t>
-            </a:r>
-            <a:r>
-              <a:rPr lang="en-US" altLang="ko-KR" dirty="0"/>
-              <a:t>.</a:t>
-            </a:r>
-          </a:p>
-          <a:p>
-            <a:r>
-              <a:rPr lang="ko-KR" altLang="en-US" dirty="0"/>
-              <a:t>가상화 구성은 </a:t>
-            </a:r>
-            <a:r>
-              <a:rPr lang="ko-KR" altLang="en-US" b="1" dirty="0" err="1"/>
-              <a:t>베어메탈</a:t>
-            </a:r>
-            <a:r>
-              <a:rPr lang="en-US" altLang="ko-KR" b="1" dirty="0"/>
-              <a:t>(B)</a:t>
-            </a:r>
-            <a:r>
-              <a:rPr lang="en-US" altLang="ko-KR" dirty="0"/>
-              <a:t>, </a:t>
-            </a:r>
-            <a:r>
-              <a:rPr lang="ko-KR" altLang="en-US" b="1" dirty="0"/>
-              <a:t>컨테이너</a:t>
-            </a:r>
-            <a:r>
-              <a:rPr lang="en-US" altLang="ko-KR" b="1" dirty="0"/>
-              <a:t>(C, Docker)</a:t>
-            </a:r>
-            <a:r>
-              <a:rPr lang="en-US" altLang="ko-KR" dirty="0"/>
-              <a:t>, </a:t>
-            </a:r>
-            <a:r>
-              <a:rPr lang="ko-KR" altLang="en-US" b="1" dirty="0"/>
-              <a:t>가상머신</a:t>
-            </a:r>
-            <a:r>
-              <a:rPr lang="en-US" altLang="ko-KR" b="1" dirty="0"/>
-              <a:t>(V, QEMU)</a:t>
-            </a:r>
-            <a:r>
-              <a:rPr lang="ko-KR" altLang="en-US" dirty="0"/>
-              <a:t> 세 가지를 비교했고</a:t>
-            </a:r>
-            <a:r>
-              <a:rPr lang="en-US" altLang="ko-KR" dirty="0"/>
-              <a:t>, </a:t>
-            </a:r>
-            <a:r>
-              <a:rPr lang="ko-KR" altLang="en-US" dirty="0"/>
-              <a:t>각 인스턴스에 </a:t>
-            </a:r>
-            <a:r>
-              <a:rPr lang="en-US" altLang="ko-KR" b="1" dirty="0"/>
-              <a:t>GPU 1</a:t>
-            </a:r>
-            <a:r>
-              <a:rPr lang="ko-KR" altLang="en-US" b="1" dirty="0"/>
-              <a:t>개</a:t>
-            </a:r>
-            <a:r>
-              <a:rPr lang="ko-KR" altLang="en-US" dirty="0"/>
-              <a:t>를 직접 할당했습니다</a:t>
-            </a:r>
-            <a:r>
-              <a:rPr lang="en-US" altLang="ko-KR" dirty="0"/>
-              <a:t>. </a:t>
-            </a:r>
-            <a:r>
-              <a:rPr lang="ko-KR" altLang="en-US" dirty="0"/>
-              <a:t>클라이언트는 </a:t>
-            </a:r>
-            <a:r>
-              <a:rPr lang="en-US" altLang="ko-KR" b="1" dirty="0"/>
-              <a:t>Nexus 5(</a:t>
-            </a:r>
-            <a:r>
-              <a:rPr lang="ko-KR" altLang="en-US" b="1" dirty="0"/>
-              <a:t>안드로이드 </a:t>
-            </a:r>
-            <a:r>
-              <a:rPr lang="en-US" altLang="ko-KR" b="1" dirty="0"/>
-              <a:t>5.1.1)</a:t>
-            </a:r>
-            <a:r>
-              <a:rPr lang="en-US" altLang="ko-KR" dirty="0"/>
-              <a:t>, </a:t>
-            </a:r>
-            <a:r>
-              <a:rPr lang="ko-KR" altLang="en-US" dirty="0"/>
-              <a:t>서버는 </a:t>
-            </a:r>
-            <a:r>
-              <a:rPr lang="en-US" altLang="ko-KR" b="1" dirty="0"/>
-              <a:t>Xeon E3-1230 / RAM 16GB / Quadro 2000×2</a:t>
-            </a:r>
-            <a:r>
-              <a:rPr lang="ko-KR" altLang="en-US" dirty="0"/>
-              <a:t>를 사용</a:t>
-            </a:r>
-            <a:endParaRPr lang="en-US" altLang="ko-KR" dirty="0"/>
-          </a:p>
-          <a:p>
-            <a:r>
-              <a:rPr lang="ko-KR" altLang="en-US" dirty="0"/>
-              <a:t>실험은 </a:t>
-            </a:r>
-            <a:r>
-              <a:rPr lang="en-US" altLang="ko-KR" b="1" dirty="0"/>
-              <a:t>30 FPS, 4.5 Mbps</a:t>
-            </a:r>
-            <a:r>
-              <a:rPr lang="ko-KR" altLang="en-US" dirty="0"/>
-              <a:t>로 통일했고</a:t>
-            </a:r>
-            <a:r>
-              <a:rPr lang="en-US" altLang="ko-KR" dirty="0"/>
-              <a:t>, </a:t>
-            </a:r>
-            <a:r>
-              <a:rPr lang="ko-KR" altLang="en-US" b="1" dirty="0"/>
-              <a:t>사전 녹화된 세션</a:t>
-            </a:r>
-            <a:r>
-              <a:rPr lang="ko-KR" altLang="en-US" dirty="0"/>
-              <a:t>을 </a:t>
-            </a:r>
-            <a:r>
-              <a:rPr lang="ko-KR" altLang="en-US" b="1" dirty="0"/>
-              <a:t>조건당 </a:t>
-            </a:r>
-            <a:r>
-              <a:rPr lang="en-US" altLang="ko-KR" b="1" dirty="0"/>
-              <a:t>4</a:t>
-            </a:r>
-            <a:r>
-              <a:rPr lang="ko-KR" altLang="en-US" b="1" dirty="0"/>
-              <a:t>회 반복</a:t>
-            </a:r>
-            <a:r>
-              <a:rPr lang="ko-KR" altLang="en-US" dirty="0"/>
-              <a:t>해 변동성을 줄임</a:t>
-            </a:r>
-            <a:endParaRPr lang="en-US" altLang="ko-KR" dirty="0"/>
-          </a:p>
-          <a:p>
-            <a:r>
-              <a:rPr lang="en-US" altLang="ko-KR" dirty="0"/>
-              <a:t>ND</a:t>
+              <a:t>) </a:t>
             </a:r>
             <a:r>
               <a:rPr lang="ko-KR" altLang="en-US" dirty="0"/>
               <a:t>는 </a:t>
             </a:r>
-            <a:r>
-              <a:rPr lang="en-US" altLang="ko-KR" b="1" dirty="0"/>
-              <a:t>ICMP ping</a:t>
+            <a:endParaRPr lang="en-US" altLang="ko-KR" dirty="0"/>
+          </a:p>
+          <a:p>
+            <a:r>
+              <a:rPr lang="en-US" altLang="ko-KR" dirty="0"/>
+              <a:t>3</a:t>
             </a:r>
             <a:r>
               <a:rPr lang="ko-KR" altLang="en-US" dirty="0"/>
-              <a:t>으로 </a:t>
+              <a:t>가지 해상도별 </a:t>
             </a:r>
             <a:r>
               <a:rPr lang="en-US" altLang="ko-KR" dirty="0"/>
-              <a:t>6</a:t>
-            </a:r>
+              <a:t>(800×600, 1280×720, 1920×1080) </a:t>
+            </a:r>
+          </a:p>
+          <a:p>
             <a:r>
               <a:rPr lang="ko-KR" altLang="en-US" dirty="0"/>
-              <a:t>시간 이상 측정했으며</a:t>
-            </a:r>
-            <a:r>
-              <a:rPr lang="en-US" altLang="ko-KR" dirty="0"/>
-              <a:t>, PD/OD</a:t>
-            </a:r>
-            <a:r>
-              <a:rPr lang="ko-KR" altLang="en-US" dirty="0"/>
-              <a:t>는 해상도별</a:t>
-            </a:r>
-            <a:r>
-              <a:rPr lang="en-US" altLang="ko-KR" dirty="0"/>
-              <a:t>(800×600, 1280×720, 1920×1080)·</a:t>
-            </a:r>
-            <a:r>
-              <a:rPr lang="ko-KR" altLang="en-US" dirty="0"/>
-              <a:t>가상화별로 분해해 비교</a:t>
+              <a:t>별로 비교</a:t>
             </a:r>
             <a:endParaRPr lang="en-US" dirty="0"/>
           </a:p>
@@ -7086,8 +7986,14 @@
           <a:p>
             <a:r>
               <a:rPr lang="ko-KR" altLang="en-US" dirty="0"/>
-              <a:t>결과는 세 축</a:t>
-            </a:r>
+              <a:t>결과는 크게 세가지로 보여집니다</a:t>
+            </a:r>
+            <a:r>
+              <a:rPr lang="en-US" altLang="ko-KR" dirty="0"/>
+              <a:t>.</a:t>
+            </a:r>
+          </a:p>
+          <a:p>
             <a:endParaRPr lang="en-US" altLang="ko-KR" dirty="0"/>
           </a:p>
           <a:p>
@@ -7145,7 +8051,7 @@
             </a:r>
             <a:r>
               <a:rPr lang="ko-KR" altLang="en-US" b="1" dirty="0"/>
-              <a:t>근거리 특수 클라우드</a:t>
+              <a:t>특수 목적 클라우드</a:t>
             </a:r>
             <a:r>
               <a:rPr lang="en-US" altLang="ko-KR" b="1" dirty="0"/>
@@ -7192,10 +8098,6 @@
               <a:t> 는 </a:t>
             </a:r>
             <a:r>
-              <a:rPr lang="ko-KR" altLang="en-US" b="1" dirty="0"/>
-              <a:t>≈ </a:t>
-            </a:r>
-            <a:r>
               <a:rPr lang="en-US" altLang="ko-KR" b="1" dirty="0"/>
               <a:t>50ms </a:t>
             </a:r>
@@ -7246,6 +8148,9 @@
             <a:endParaRPr lang="en-US" altLang="ko-KR" dirty="0"/>
           </a:p>
           <a:p>
+            <a:endParaRPr lang="en-US" altLang="ko-KR" dirty="0"/>
+          </a:p>
+          <a:p>
             <a:r>
               <a:rPr lang="ko-KR" altLang="en-US" dirty="0"/>
               <a:t>둘째</a:t>
@@ -7312,15 +8217,7 @@
             </a:r>
             <a:r>
               <a:rPr lang="ko-KR" altLang="en-US" b="1" dirty="0"/>
-              <a:t>은 </a:t>
-            </a:r>
-            <a:r>
-              <a:rPr lang="en-US" altLang="ko-KR" b="1" dirty="0"/>
-              <a:t>PD</a:t>
-            </a:r>
-            <a:r>
-              <a:rPr lang="ko-KR" altLang="en-US" b="1" dirty="0"/>
-              <a:t>가 약 </a:t>
+              <a:t>은 처리지연이 약 </a:t>
             </a:r>
             <a:r>
               <a:rPr lang="en-US" altLang="ko-KR" b="1" dirty="0"/>
@@ -7372,7 +8269,7 @@
             </a:r>
             <a:r>
               <a:rPr lang="ko-KR" altLang="en-US" dirty="0"/>
-              <a:t> 못 맞췄습니다</a:t>
+              <a:t> 달성하지 못합니다</a:t>
             </a:r>
             <a:r>
               <a:rPr lang="en-US" altLang="ko-KR" dirty="0"/>
@@ -7383,12 +8280,12 @@
               <a:t>클라이언트 </a:t>
             </a:r>
             <a:r>
-              <a:rPr lang="en-US" altLang="ko-KR" b="1" dirty="0"/>
-              <a:t>OD</a:t>
+              <a:rPr lang="ko-KR" altLang="en-US" b="1" dirty="0"/>
+              <a:t>응답지연은</a:t>
             </a:r>
             <a:r>
               <a:rPr lang="ko-KR" altLang="en-US" dirty="0"/>
-              <a:t>는 해상도에 따라 증가하지만 </a:t>
+              <a:t> 해상도에 따라 증가하지만 </a:t>
             </a:r>
             <a:r>
               <a:rPr lang="ko-KR" altLang="en-US" b="1" dirty="0"/>
@@ -7425,6 +8322,9 @@
             <a:endParaRPr lang="en-US" altLang="ko-KR" b="1" dirty="0"/>
           </a:p>
           <a:p>
+            <a:endParaRPr lang="en-US" altLang="ko-KR" b="1" dirty="0"/>
+          </a:p>
+          <a:p>
             <a:r>
               <a:rPr lang="ko-KR" altLang="en-US" dirty="0"/>
               <a:t>셋째</a:t>
@@ -7435,19 +8335,15 @@
             </a:r>
             <a:r>
               <a:rPr lang="ko-KR" altLang="en-US" b="1" dirty="0"/>
-              <a:t>클라우드 연산 증설</a:t>
+              <a:t>클라우드 증설</a:t>
             </a:r>
             <a:r>
               <a:rPr lang="ko-KR" altLang="en-US" dirty="0"/>
-              <a:t>로 </a:t>
-            </a:r>
-            <a:r>
-              <a:rPr lang="en-US" altLang="ko-KR" b="1" dirty="0"/>
-              <a:t>ND</a:t>
+              <a:t>로 네트워크 지연을</a:t>
             </a:r>
             <a:r>
               <a:rPr lang="ko-KR" altLang="en-US" b="1" dirty="0"/>
-              <a:t>를 상쇄</a:t>
+              <a:t> 상쇄</a:t>
             </a:r>
             <a:r>
               <a:rPr lang="ko-KR" altLang="en-US" dirty="0"/>
@@ -7455,7 +8351,26 @@
             </a:r>
             <a:r>
               <a:rPr lang="en-US" altLang="ko-KR" dirty="0"/>
-              <a:t>, EC2 </a:t>
+              <a:t>, </a:t>
+            </a:r>
+          </a:p>
+          <a:p>
+            <a:r>
+              <a:rPr lang="ko-KR" altLang="en-US" dirty="0"/>
+              <a:t>한계가 있는 것으로 결과가 보여집니다</a:t>
+            </a:r>
+            <a:r>
+              <a:rPr lang="en-US" altLang="ko-KR" dirty="0"/>
+              <a:t>.</a:t>
+            </a:r>
+          </a:p>
+          <a:p>
+            <a:endParaRPr lang="en-US" altLang="ko-KR" dirty="0"/>
+          </a:p>
+          <a:p>
+            <a:r>
+              <a:rPr lang="en-US" altLang="ko-KR" dirty="0"/>
+              <a:t>(EC2 </a:t>
             </a:r>
             <a:r>
               <a:rPr lang="en-US" altLang="ko-KR" b="1" dirty="0"/>
@@ -7489,7 +8404,10 @@
               <a:rPr lang="ko-KR" altLang="en-US" b="1" dirty="0"/>
               <a:t>왕복 지연을 메우지 못합니다</a:t>
             </a:r>
-            <a:endParaRPr lang="en-US" altLang="ko-KR" b="1" dirty="0"/>
+            <a:r>
+              <a:rPr lang="en-US" altLang="ko-KR" b="1" dirty="0"/>
+              <a:t>)</a:t>
+            </a:r>
           </a:p>
           <a:p>
             <a:endParaRPr lang="en-US" dirty="0"/>
@@ -7625,43 +8543,6 @@
               <a:rPr lang="en-US" altLang="ko-KR" dirty="0"/>
               <a:t>, </a:t>
             </a:r>
-            <a:r>
-              <a:rPr lang="ko-KR" altLang="en-US" b="1" dirty="0" err="1"/>
-              <a:t>엣지</a:t>
-            </a:r>
-            <a:r>
-              <a:rPr lang="en-US" altLang="ko-KR" b="1" dirty="0"/>
-              <a:t>+</a:t>
-            </a:r>
-            <a:r>
-              <a:rPr lang="ko-KR" altLang="en-US" b="1" dirty="0"/>
-              <a:t>컨테이너</a:t>
-            </a:r>
-            <a:r>
-              <a:rPr lang="ko-KR" altLang="en-US" dirty="0"/>
-              <a:t> 조합이 </a:t>
-            </a:r>
-            <a:r>
-              <a:rPr lang="en-US" altLang="ko-KR" b="1" dirty="0" err="1"/>
-              <a:t>QoE</a:t>
-            </a:r>
-            <a:r>
-              <a:rPr lang="ko-KR" altLang="en-US" dirty="0"/>
-              <a:t>에 가장 유리하고</a:t>
-            </a:r>
-            <a:r>
-              <a:rPr lang="en-US" altLang="ko-KR" dirty="0"/>
-              <a:t>, </a:t>
-            </a:r>
-            <a:r>
-              <a:rPr lang="ko-KR" altLang="en-US" b="1" dirty="0"/>
-              <a:t>클라우드 스케일업만으로는 한계</a:t>
-            </a:r>
-            <a:r>
-              <a:rPr lang="ko-KR" altLang="en-US" dirty="0"/>
-              <a:t>가 분명</a:t>
-            </a:r>
-            <a:endParaRPr lang="en-US" altLang="ko-KR" dirty="0"/>
           </a:p>
           <a:p>
             <a:pPr marL="0" marR="0" lvl="0" indent="0" algn="l" defTabSz="914400" rtl="0" eaLnBrk="1" fontAlgn="auto" latinLnBrk="1" hangingPunct="1">
@@ -7682,17 +8563,103 @@
               <a:defRPr/>
             </a:pPr>
             <a:r>
+              <a:rPr lang="ko-KR" altLang="en-US" b="1" dirty="0" err="1"/>
+              <a:t>엣지와</a:t>
+            </a:r>
+            <a:r>
               <a:rPr lang="ko-KR" altLang="en-US" b="1" dirty="0"/>
-              <a:t>배치 위치가 지연을 지배</a:t>
+              <a:t> 컨테이너의</a:t>
             </a:r>
             <a:r>
               <a:rPr lang="ko-KR" altLang="en-US" dirty="0"/>
-              <a:t>하고</a:t>
+              <a:t> 조합이 </a:t>
+            </a:r>
+            <a:r>
+              <a:rPr lang="en-US" altLang="ko-KR" b="1" dirty="0" err="1"/>
+              <a:t>QoE</a:t>
+            </a:r>
+            <a:r>
+              <a:rPr lang="ko-KR" altLang="en-US" dirty="0"/>
+              <a:t>에 가장 유리하고</a:t>
             </a:r>
             <a:r>
               <a:rPr lang="en-US" altLang="ko-KR" dirty="0"/>
               <a:t>, </a:t>
             </a:r>
+          </a:p>
+          <a:p>
+            <a:pPr marL="0" marR="0" lvl="0" indent="0" algn="l" defTabSz="914400" rtl="0" eaLnBrk="1" fontAlgn="auto" latinLnBrk="1" hangingPunct="1">
+              <a:lnSpc>
+                <a:spcPct val="100000"/>
+              </a:lnSpc>
+              <a:spcBef>
+                <a:spcPts val="0"/>
+              </a:spcBef>
+              <a:spcAft>
+                <a:spcPts val="0"/>
+              </a:spcAft>
+              <a:buClrTx/>
+              <a:buSzTx/>
+              <a:buFontTx/>
+              <a:buNone/>
+              <a:tabLst/>
+              <a:defRPr/>
+            </a:pPr>
+            <a:r>
+              <a:rPr lang="ko-KR" altLang="en-US" b="1" dirty="0"/>
+              <a:t>클라우드 증설만으로는 한계</a:t>
+            </a:r>
+            <a:r>
+              <a:rPr lang="ko-KR" altLang="en-US" dirty="0"/>
+              <a:t>가 분명</a:t>
+            </a:r>
+            <a:endParaRPr lang="en-US" altLang="ko-KR" dirty="0"/>
+          </a:p>
+          <a:p>
+            <a:pPr marL="0" marR="0" lvl="0" indent="0" algn="l" defTabSz="914400" rtl="0" eaLnBrk="1" fontAlgn="auto" latinLnBrk="1" hangingPunct="1">
+              <a:lnSpc>
+                <a:spcPct val="100000"/>
+              </a:lnSpc>
+              <a:spcBef>
+                <a:spcPts val="0"/>
+              </a:spcBef>
+              <a:spcAft>
+                <a:spcPts val="0"/>
+              </a:spcAft>
+              <a:buClrTx/>
+              <a:buSzTx/>
+              <a:buFontTx/>
+              <a:buNone/>
+              <a:tabLst/>
+              <a:defRPr/>
+            </a:pPr>
+            <a:r>
+              <a:rPr lang="ko-KR" altLang="en-US" b="1" dirty="0"/>
+              <a:t>배치 위치가 지연시간에 영향이 가장 크고</a:t>
+            </a:r>
+            <a:r>
+              <a:rPr lang="en-US" altLang="ko-KR" dirty="0"/>
+              <a:t>, </a:t>
+            </a:r>
+          </a:p>
+          <a:p>
+            <a:pPr marL="0" marR="0" lvl="0" indent="0" algn="l" defTabSz="914400" rtl="0" eaLnBrk="1" fontAlgn="auto" latinLnBrk="1" hangingPunct="1">
+              <a:lnSpc>
+                <a:spcPct val="100000"/>
+              </a:lnSpc>
+              <a:spcBef>
+                <a:spcPts val="0"/>
+              </a:spcBef>
+              <a:spcAft>
+                <a:spcPts val="0"/>
+              </a:spcAft>
+              <a:buClrTx/>
+              <a:buSzTx/>
+              <a:buFontTx/>
+              <a:buNone/>
+              <a:tabLst/>
+              <a:defRPr/>
+            </a:pPr>
             <a:r>
               <a:rPr lang="ko-KR" altLang="en-US" b="1" dirty="0"/>
               <a:t>컨테이너가 </a:t>
@@ -7719,16 +8686,31 @@
             </a:r>
             <a:r>
               <a:rPr lang="ko-KR" altLang="en-US" b="1" dirty="0"/>
-              <a:t>클라우드 스케일업만으로는 </a:t>
+              <a:t>클라우드 증설만으로는 네트워크 딜레이를 해결하지 못한다</a:t>
             </a:r>
             <a:r>
               <a:rPr lang="en-US" altLang="ko-KR" b="1" dirty="0"/>
-              <a:t>ND</a:t>
-            </a:r>
-            <a:r>
-              <a:rPr lang="ko-KR" altLang="en-US" b="1" dirty="0"/>
-              <a:t>를 못 이긴다</a:t>
-            </a:r>
+              <a:t>.</a:t>
+            </a:r>
+          </a:p>
+          <a:p>
+            <a:pPr marL="0" marR="0" lvl="0" indent="0" algn="l" defTabSz="914400" rtl="0" eaLnBrk="1" fontAlgn="auto" latinLnBrk="1" hangingPunct="1">
+              <a:lnSpc>
+                <a:spcPct val="100000"/>
+              </a:lnSpc>
+              <a:spcBef>
+                <a:spcPts val="0"/>
+              </a:spcBef>
+              <a:spcAft>
+                <a:spcPts val="0"/>
+              </a:spcAft>
+              <a:buClrTx/>
+              <a:buSzTx/>
+              <a:buFontTx/>
+              <a:buNone/>
+              <a:tabLst/>
+              <a:defRPr/>
+            </a:pPr>
             <a:endParaRPr lang="en-US" altLang="ko-KR" b="1" dirty="0"/>
           </a:p>
           <a:p>
@@ -7822,6 +8804,25 @@
           <a:bodyPr/>
           <a:lstStyle/>
           <a:p>
+            <a:r>
+              <a:rPr lang="en-US" altLang="ko-KR" dirty="0"/>
+              <a:t>6</a:t>
+            </a:r>
+            <a:r>
+              <a:rPr lang="ko-KR" altLang="en-US" dirty="0"/>
+              <a:t>번째 섹션에서는 </a:t>
+            </a:r>
+            <a:endParaRPr lang="en-US" altLang="ko-KR" dirty="0"/>
+          </a:p>
+          <a:p>
+            <a:r>
+              <a:rPr lang="ko-KR" altLang="en-US" dirty="0"/>
+              <a:t>실험 결과를 바탕으로 논문 저자의 주장과 몇가지 논의를 합니다</a:t>
+            </a:r>
+            <a:r>
+              <a:rPr lang="en-US" altLang="ko-KR" dirty="0"/>
+              <a:t>.</a:t>
+            </a:r>
             <a:endParaRPr lang="en-US" dirty="0"/>
           </a:p>
         </p:txBody>
@@ -7926,8 +8927,14 @@
           <a:p>
             <a:r>
               <a:rPr lang="ko-KR" altLang="en-US" dirty="0"/>
-              <a:t>초록</a:t>
-            </a:r>
+              <a:t>초록입니다</a:t>
+            </a:r>
+            <a:r>
+              <a:rPr lang="en-US" altLang="ko-KR" dirty="0"/>
+              <a:t>.</a:t>
+            </a:r>
+          </a:p>
+          <a:p>
             <a:endParaRPr lang="en-US" dirty="0"/>
           </a:p>
         </p:txBody>
@@ -8117,10 +9124,22 @@
                 <a:ea typeface="Source Sans 3" pitchFamily="34" charset="-122"/>
                 <a:cs typeface="Source Sans 3" pitchFamily="34" charset="-120"/>
               </a:rPr>
-              <a:t> </a:t>
-            </a:r>
-            <a:r>
-              <a:rPr lang="en-US" altLang="ko-KR" sz="1200" b="1" dirty="0" err="1">
+              <a:t>(</a:t>
+            </a:r>
+            <a:r>
+              <a:rPr lang="ko-KR" altLang="en-US" sz="1200" b="0" i="0" kern="1200" dirty="0">
+                <a:solidFill>
+                  <a:schemeClr val="tx1"/>
+                </a:solidFill>
+                <a:effectLst/>
+                <a:latin typeface="+mn-lt"/>
+                <a:ea typeface="+mn-ea"/>
+                <a:cs typeface="+mn-cs"/>
+              </a:rPr>
+              <a:t>체감 품질</a:t>
+            </a:r>
+            <a:r>
+              <a:rPr lang="en-US" altLang="ko-KR" sz="1200" b="1" dirty="0">
                 <a:solidFill>
                   <a:srgbClr val="E2E6E9"/>
                 </a:solidFill>
@@ -8128,10 +9147,10 @@
                 <a:ea typeface="Source Sans 3" pitchFamily="34" charset="-122"/>
                 <a:cs typeface="Source Sans 3" pitchFamily="34" charset="-120"/>
               </a:rPr>
-              <a:t>달성의</a:t>
-            </a:r>
-            <a:r>
-              <a:rPr lang="en-US" altLang="ko-KR" sz="1200" b="1" dirty="0">
+              <a:t>) </a:t>
+            </a:r>
+            <a:r>
+              <a:rPr lang="en-US" altLang="ko-KR" sz="1200" b="1" dirty="0" err="1">
                 <a:solidFill>
                   <a:srgbClr val="E2E6E9"/>
                 </a:solidFill>
@@ -8139,10 +9158,10 @@
                 <a:ea typeface="Source Sans 3" pitchFamily="34" charset="-122"/>
                 <a:cs typeface="Source Sans 3" pitchFamily="34" charset="-120"/>
               </a:rPr>
-              <a:t> </a:t>
-            </a:r>
-            <a:r>
-              <a:rPr lang="en-US" altLang="ko-KR" sz="1200" b="1" dirty="0" err="1">
+              <a:t>달성의</a:t>
+            </a:r>
+            <a:r>
+              <a:rPr lang="en-US" altLang="ko-KR" sz="1200" b="1" dirty="0">
                 <a:solidFill>
                   <a:srgbClr val="E2E6E9"/>
                 </a:solidFill>
@@ -8150,10 +9169,10 @@
                 <a:ea typeface="Source Sans 3" pitchFamily="34" charset="-122"/>
                 <a:cs typeface="Source Sans 3" pitchFamily="34" charset="-120"/>
               </a:rPr>
-              <a:t>사실상</a:t>
-            </a:r>
-            <a:r>
-              <a:rPr lang="en-US" altLang="ko-KR" sz="1200" b="1" dirty="0">
+              <a:t> </a:t>
+            </a:r>
+            <a:r>
+              <a:rPr lang="en-US" altLang="ko-KR" sz="1200" b="1" dirty="0" err="1">
                 <a:solidFill>
                   <a:srgbClr val="E2E6E9"/>
                 </a:solidFill>
@@ -8161,10 +9180,10 @@
                 <a:ea typeface="Source Sans 3" pitchFamily="34" charset="-122"/>
                 <a:cs typeface="Source Sans 3" pitchFamily="34" charset="-120"/>
               </a:rPr>
-              <a:t> </a:t>
-            </a:r>
-            <a:r>
-              <a:rPr lang="en-US" altLang="ko-KR" sz="1200" b="1" dirty="0" err="1">
+              <a:t>사실상</a:t>
+            </a:r>
+            <a:r>
+              <a:rPr lang="en-US" altLang="ko-KR" sz="1200" b="1" dirty="0">
                 <a:solidFill>
                   <a:srgbClr val="E2E6E9"/>
                 </a:solidFill>
@@ -8172,10 +9191,10 @@
                 <a:ea typeface="Source Sans 3" pitchFamily="34" charset="-122"/>
                 <a:cs typeface="Source Sans 3" pitchFamily="34" charset="-120"/>
               </a:rPr>
-              <a:t>유일한</a:t>
-            </a:r>
-            <a:r>
-              <a:rPr lang="en-US" altLang="ko-KR" sz="1200" b="1" dirty="0">
+              <a:t> </a:t>
+            </a:r>
+            <a:r>
+              <a:rPr lang="en-US" altLang="ko-KR" sz="1200" b="1" dirty="0" err="1">
                 <a:solidFill>
                   <a:srgbClr val="E2E6E9"/>
                 </a:solidFill>
@@ -8183,10 +9202,10 @@
                 <a:ea typeface="Source Sans 3" pitchFamily="34" charset="-122"/>
                 <a:cs typeface="Source Sans 3" pitchFamily="34" charset="-120"/>
               </a:rPr>
-              <a:t> </a:t>
-            </a:r>
-            <a:r>
-              <a:rPr lang="en-US" altLang="ko-KR" sz="1200" b="1" dirty="0" err="1">
+              <a:t>유일한</a:t>
+            </a:r>
+            <a:r>
+              <a:rPr lang="en-US" altLang="ko-KR" sz="1200" b="1" dirty="0">
                 <a:solidFill>
                   <a:srgbClr val="E2E6E9"/>
                 </a:solidFill>
@@ -8194,10 +9213,10 @@
                 <a:ea typeface="Source Sans 3" pitchFamily="34" charset="-122"/>
                 <a:cs typeface="Source Sans 3" pitchFamily="34" charset="-120"/>
               </a:rPr>
-              <a:t>해법</a:t>
-            </a:r>
-            <a:r>
-              <a:rPr lang="en-US" altLang="ko-KR" sz="1200" b="1" dirty="0">
+              <a:t> </a:t>
+            </a:r>
+            <a:r>
+              <a:rPr lang="en-US" altLang="ko-KR" sz="1200" b="1" dirty="0" err="1">
                 <a:solidFill>
                   <a:srgbClr val="E2E6E9"/>
                 </a:solidFill>
@@ -8205,10 +9224,10 @@
                 <a:ea typeface="Source Sans 3" pitchFamily="34" charset="-122"/>
                 <a:cs typeface="Source Sans 3" pitchFamily="34" charset="-120"/>
               </a:rPr>
-              <a:t>:</a:t>
-            </a:r>
-            <a:r>
-              <a:rPr lang="en-US" altLang="ko-KR" sz="1200" dirty="0">
+              <a:t>해법</a:t>
+            </a:r>
+            <a:r>
+              <a:rPr lang="en-US" altLang="ko-KR" sz="1200" b="1" dirty="0">
                 <a:solidFill>
                   <a:srgbClr val="E2E6E9"/>
                 </a:solidFill>
@@ -8216,10 +9235,10 @@
                 <a:ea typeface="Source Sans 3" pitchFamily="34" charset="-122"/>
                 <a:cs typeface="Source Sans 3" pitchFamily="34" charset="-120"/>
               </a:rPr>
-              <a:t> </a:t>
-            </a:r>
-            <a:r>
-              <a:rPr lang="en-US" altLang="ko-KR" sz="1200" dirty="0" err="1">
+              <a:t>:</a:t>
+            </a:r>
+            <a:r>
+              <a:rPr lang="en-US" altLang="ko-KR" sz="1200" dirty="0">
                 <a:solidFill>
                   <a:srgbClr val="E2E6E9"/>
                 </a:solidFill>
@@ -8227,10 +9246,10 @@
                 <a:ea typeface="Source Sans 3" pitchFamily="34" charset="-122"/>
                 <a:cs typeface="Source Sans 3" pitchFamily="34" charset="-120"/>
               </a:rPr>
-              <a:t>사용자와</a:t>
-            </a:r>
-            <a:r>
-              <a:rPr lang="en-US" altLang="ko-KR" sz="1200" dirty="0">
+              <a:t> </a:t>
+            </a:r>
+            <a:r>
+              <a:rPr lang="en-US" altLang="ko-KR" sz="1200" dirty="0" err="1">
                 <a:solidFill>
                   <a:srgbClr val="E2E6E9"/>
                 </a:solidFill>
@@ -8238,10 +9257,10 @@
                 <a:ea typeface="Source Sans 3" pitchFamily="34" charset="-122"/>
                 <a:cs typeface="Source Sans 3" pitchFamily="34" charset="-120"/>
               </a:rPr>
-              <a:t> </a:t>
-            </a:r>
-            <a:r>
-              <a:rPr lang="en-US" altLang="ko-KR" sz="1200" dirty="0" err="1">
+              <a:t>사용자와</a:t>
+            </a:r>
+            <a:r>
+              <a:rPr lang="en-US" altLang="ko-KR" sz="1200" dirty="0">
                 <a:solidFill>
                   <a:srgbClr val="E2E6E9"/>
                 </a:solidFill>
@@ -8249,10 +9268,10 @@
                 <a:ea typeface="Source Sans 3" pitchFamily="34" charset="-122"/>
                 <a:cs typeface="Source Sans 3" pitchFamily="34" charset="-120"/>
               </a:rPr>
-              <a:t>근접</a:t>
-            </a:r>
-            <a:r>
-              <a:rPr lang="en-US" altLang="ko-KR" sz="1200" dirty="0">
+              <a:t> </a:t>
+            </a:r>
+            <a:r>
+              <a:rPr lang="en-US" altLang="ko-KR" sz="1200" dirty="0" err="1">
                 <a:solidFill>
                   <a:srgbClr val="E2E6E9"/>
                 </a:solidFill>
@@ -8260,10 +9279,10 @@
                 <a:ea typeface="Source Sans 3" pitchFamily="34" charset="-122"/>
                 <a:cs typeface="Source Sans 3" pitchFamily="34" charset="-120"/>
               </a:rPr>
-              <a:t>(</a:t>
-            </a:r>
-            <a:r>
-              <a:rPr lang="en-US" altLang="ko-KR" sz="1200" dirty="0" err="1">
+              <a:t>근접</a:t>
+            </a:r>
+            <a:r>
+              <a:rPr lang="en-US" altLang="ko-KR" sz="1200" dirty="0">
                 <a:solidFill>
                   <a:srgbClr val="E2E6E9"/>
                 </a:solidFill>
@@ -8271,10 +9290,10 @@
                 <a:ea typeface="Source Sans 3" pitchFamily="34" charset="-122"/>
                 <a:cs typeface="Source Sans 3" pitchFamily="34" charset="-120"/>
               </a:rPr>
-              <a:t>접속망</a:t>
-            </a:r>
-            <a:r>
-              <a:rPr lang="en-US" altLang="ko-KR" sz="1200" dirty="0">
+              <a:t>(</a:t>
+            </a:r>
+            <a:r>
+              <a:rPr lang="en-US" altLang="ko-KR" sz="1200" dirty="0" err="1">
                 <a:solidFill>
                   <a:srgbClr val="E2E6E9"/>
                 </a:solidFill>
@@ -8282,10 +9301,10 @@
                 <a:ea typeface="Source Sans 3" pitchFamily="34" charset="-122"/>
                 <a:cs typeface="Source Sans 3" pitchFamily="34" charset="-120"/>
               </a:rPr>
-              <a:t> </a:t>
-            </a:r>
-            <a:r>
-              <a:rPr lang="en-US" altLang="ko-KR" sz="1200" dirty="0" err="1">
+              <a:t>접속망</a:t>
+            </a:r>
+            <a:r>
+              <a:rPr lang="en-US" altLang="ko-KR" sz="1200" dirty="0">
                 <a:solidFill>
                   <a:srgbClr val="E2E6E9"/>
                 </a:solidFill>
@@ -8293,10 +9312,10 @@
                 <a:ea typeface="Source Sans 3" pitchFamily="34" charset="-122"/>
                 <a:cs typeface="Source Sans 3" pitchFamily="34" charset="-120"/>
               </a:rPr>
-              <a:t>엣지</a:t>
-            </a:r>
-            <a:r>
-              <a:rPr lang="en-US" altLang="ko-KR" sz="1200" dirty="0">
+              <a:t> </a:t>
+            </a:r>
+            <a:r>
+              <a:rPr lang="en-US" altLang="ko-KR" sz="1200" dirty="0" err="1">
                 <a:solidFill>
                   <a:srgbClr val="E2E6E9"/>
                 </a:solidFill>
@@ -8304,10 +9323,10 @@
                 <a:ea typeface="Source Sans 3" pitchFamily="34" charset="-122"/>
                 <a:cs typeface="Source Sans 3" pitchFamily="34" charset="-120"/>
               </a:rPr>
-              <a:t>) 에 </a:t>
-            </a:r>
-            <a:r>
-              <a:rPr lang="en-US" altLang="ko-KR" sz="1200" dirty="0" err="1">
+              <a:t>엣지</a:t>
+            </a:r>
+            <a:r>
+              <a:rPr lang="en-US" altLang="ko-KR" sz="1200" dirty="0">
                 <a:solidFill>
                   <a:srgbClr val="E2E6E9"/>
                 </a:solidFill>
@@ -8315,10 +9334,10 @@
                 <a:ea typeface="Source Sans 3" pitchFamily="34" charset="-122"/>
                 <a:cs typeface="Source Sans 3" pitchFamily="34" charset="-120"/>
               </a:rPr>
-              <a:t>연산</a:t>
-            </a:r>
-            <a:r>
-              <a:rPr lang="en-US" altLang="ko-KR" sz="1200" dirty="0">
+              <a:t>) 에 </a:t>
+            </a:r>
+            <a:r>
+              <a:rPr lang="en-US" altLang="ko-KR" sz="1200" dirty="0" err="1">
                 <a:solidFill>
                   <a:srgbClr val="E2E6E9"/>
                 </a:solidFill>
@@ -8326,10 +9345,10 @@
                 <a:ea typeface="Source Sans 3" pitchFamily="34" charset="-122"/>
                 <a:cs typeface="Source Sans 3" pitchFamily="34" charset="-120"/>
               </a:rPr>
-              <a:t> </a:t>
-            </a:r>
-            <a:r>
-              <a:rPr lang="en-US" altLang="ko-KR" sz="1200" dirty="0" err="1">
+              <a:t>연산</a:t>
+            </a:r>
+            <a:r>
+              <a:rPr lang="en-US" altLang="ko-KR" sz="1200" dirty="0">
                 <a:solidFill>
                   <a:srgbClr val="E2E6E9"/>
                 </a:solidFill>
@@ -8337,10 +9356,10 @@
                 <a:ea typeface="Source Sans 3" pitchFamily="34" charset="-122"/>
                 <a:cs typeface="Source Sans 3" pitchFamily="34" charset="-120"/>
               </a:rPr>
-              <a:t>자원을</a:t>
-            </a:r>
-            <a:r>
-              <a:rPr lang="en-US" altLang="ko-KR" sz="1200" dirty="0">
+              <a:t> </a:t>
+            </a:r>
+            <a:r>
+              <a:rPr lang="en-US" altLang="ko-KR" sz="1200" dirty="0" err="1">
                 <a:solidFill>
                   <a:srgbClr val="E2E6E9"/>
                 </a:solidFill>
@@ -8348,10 +9367,10 @@
                 <a:ea typeface="Source Sans 3" pitchFamily="34" charset="-122"/>
                 <a:cs typeface="Source Sans 3" pitchFamily="34" charset="-120"/>
               </a:rPr>
-              <a:t> </a:t>
-            </a:r>
-            <a:r>
-              <a:rPr lang="en-US" altLang="ko-KR" sz="1200" dirty="0" err="1">
+              <a:t>자원을</a:t>
+            </a:r>
+            <a:r>
+              <a:rPr lang="en-US" altLang="ko-KR" sz="1200" dirty="0">
                 <a:solidFill>
                   <a:srgbClr val="E2E6E9"/>
                 </a:solidFill>
@@ -8359,10 +9378,10 @@
                 <a:ea typeface="Source Sans 3" pitchFamily="34" charset="-122"/>
                 <a:cs typeface="Source Sans 3" pitchFamily="34" charset="-120"/>
               </a:rPr>
-              <a:t>두어야</a:t>
-            </a:r>
-            <a:r>
-              <a:rPr lang="en-US" altLang="ko-KR" sz="1200" dirty="0">
+              <a:t> </a:t>
+            </a:r>
+            <a:r>
+              <a:rPr lang="en-US" altLang="ko-KR" sz="1200" dirty="0" err="1">
                 <a:solidFill>
                   <a:srgbClr val="E2E6E9"/>
                 </a:solidFill>
@@ -8370,10 +9389,10 @@
                 <a:ea typeface="Source Sans 3" pitchFamily="34" charset="-122"/>
                 <a:cs typeface="Source Sans 3" pitchFamily="34" charset="-120"/>
               </a:rPr>
-              <a:t> </a:t>
-            </a:r>
-            <a:r>
-              <a:rPr lang="en-US" altLang="ko-KR" sz="1200" dirty="0" err="1">
+              <a:t>두어야</a:t>
+            </a:r>
+            <a:r>
+              <a:rPr lang="en-US" altLang="ko-KR" sz="1200" dirty="0">
                 <a:solidFill>
                   <a:srgbClr val="E2E6E9"/>
                 </a:solidFill>
@@ -8381,10 +9400,10 @@
                 <a:ea typeface="Source Sans 3" pitchFamily="34" charset="-122"/>
                 <a:cs typeface="Source Sans 3" pitchFamily="34" charset="-120"/>
               </a:rPr>
-              <a:t>상호작용형</a:t>
-            </a:r>
-            <a:r>
-              <a:rPr lang="en-US" altLang="ko-KR" sz="1200" dirty="0">
+              <a:t> </a:t>
+            </a:r>
+            <a:r>
+              <a:rPr lang="en-US" altLang="ko-KR" sz="1200" dirty="0" err="1">
                 <a:solidFill>
                   <a:srgbClr val="E2E6E9"/>
                 </a:solidFill>
@@ -8392,10 +9411,10 @@
                 <a:ea typeface="Source Sans 3" pitchFamily="34" charset="-122"/>
                 <a:cs typeface="Source Sans 3" pitchFamily="34" charset="-120"/>
               </a:rPr>
-              <a:t> </a:t>
-            </a:r>
-            <a:r>
-              <a:rPr lang="en-US" altLang="ko-KR" sz="1200" dirty="0" err="1">
+              <a:t>상호작용형</a:t>
+            </a:r>
+            <a:r>
+              <a:rPr lang="en-US" altLang="ko-KR" sz="1200" dirty="0">
                 <a:solidFill>
                   <a:srgbClr val="E2E6E9"/>
                 </a:solidFill>
@@ -8403,10 +9422,10 @@
                 <a:ea typeface="Source Sans 3" pitchFamily="34" charset="-122"/>
                 <a:cs typeface="Source Sans 3" pitchFamily="34" charset="-120"/>
               </a:rPr>
-              <a:t>서비스의</a:t>
-            </a:r>
-            <a:r>
-              <a:rPr lang="en-US" altLang="ko-KR" sz="1200" dirty="0">
+              <a:t> </a:t>
+            </a:r>
+            <a:r>
+              <a:rPr lang="en-US" altLang="ko-KR" sz="1200" dirty="0" err="1">
                 <a:solidFill>
                   <a:srgbClr val="E2E6E9"/>
                 </a:solidFill>
@@ -8414,10 +9433,10 @@
                 <a:ea typeface="Source Sans 3" pitchFamily="34" charset="-122"/>
                 <a:cs typeface="Source Sans 3" pitchFamily="34" charset="-120"/>
               </a:rPr>
-              <a:t> </a:t>
-            </a:r>
-            <a:r>
-              <a:rPr lang="en-US" altLang="ko-KR" sz="1200" dirty="0" err="1">
+              <a:t>서비스의</a:t>
+            </a:r>
+            <a:r>
+              <a:rPr lang="en-US" altLang="ko-KR" sz="1200" dirty="0">
                 <a:solidFill>
                   <a:srgbClr val="E2E6E9"/>
                 </a:solidFill>
@@ -8425,10 +9444,10 @@
                 <a:ea typeface="Source Sans 3" pitchFamily="34" charset="-122"/>
                 <a:cs typeface="Source Sans 3" pitchFamily="34" charset="-120"/>
               </a:rPr>
-              <a:t>응답지연을</a:t>
-            </a:r>
-            <a:r>
-              <a:rPr lang="en-US" altLang="ko-KR" sz="1200" dirty="0">
+              <a:t> </a:t>
+            </a:r>
+            <a:r>
+              <a:rPr lang="en-US" altLang="ko-KR" sz="1200" dirty="0" err="1">
                 <a:solidFill>
                   <a:srgbClr val="E2E6E9"/>
                 </a:solidFill>
@@ -8436,10 +9455,10 @@
                 <a:ea typeface="Source Sans 3" pitchFamily="34" charset="-122"/>
                 <a:cs typeface="Source Sans 3" pitchFamily="34" charset="-120"/>
               </a:rPr>
-              <a:t> </a:t>
-            </a:r>
-            <a:r>
-              <a:rPr lang="en-US" altLang="ko-KR" sz="1200" dirty="0" err="1">
+              <a:t>응답지연을</a:t>
+            </a:r>
+            <a:r>
+              <a:rPr lang="en-US" altLang="ko-KR" sz="1200" dirty="0">
                 <a:solidFill>
                   <a:srgbClr val="E2E6E9"/>
                 </a:solidFill>
@@ -8447,10 +9466,10 @@
                 <a:ea typeface="Source Sans 3" pitchFamily="34" charset="-122"/>
                 <a:cs typeface="Source Sans 3" pitchFamily="34" charset="-120"/>
               </a:rPr>
-              <a:t>만족</a:t>
-            </a:r>
-            <a:r>
-              <a:rPr lang="en-US" altLang="ko-KR" sz="1200" dirty="0">
+              <a:t> </a:t>
+            </a:r>
+            <a:r>
+              <a:rPr lang="en-US" altLang="ko-KR" sz="1200" dirty="0" err="1">
                 <a:solidFill>
                   <a:srgbClr val="E2E6E9"/>
                 </a:solidFill>
@@ -8458,12 +9477,20 @@
                 <a:ea typeface="Source Sans 3" pitchFamily="34" charset="-122"/>
                 <a:cs typeface="Source Sans 3" pitchFamily="34" charset="-120"/>
               </a:rPr>
+              <a:t>만족</a:t>
+            </a:r>
+            <a:r>
+              <a:rPr lang="en-US" altLang="ko-KR" sz="1200" dirty="0">
+                <a:solidFill>
+                  <a:srgbClr val="E2E6E9"/>
+                </a:solidFill>
+                <a:latin typeface="Source Sans 3" pitchFamily="34" charset="0"/>
+                <a:ea typeface="Source Sans 3" pitchFamily="34" charset="-122"/>
+                <a:cs typeface="Source Sans 3" pitchFamily="34" charset="-120"/>
+              </a:rPr>
               <a:t>.</a:t>
             </a:r>
             <a:endParaRPr lang="en-US" altLang="ko-KR" sz="1200" dirty="0"/>
-          </a:p>
-          <a:p>
-            <a:endParaRPr lang="en-US" dirty="0"/>
           </a:p>
           <a:p>
             <a:pPr marL="0" marR="0" lvl="0" indent="0" algn="l" defTabSz="914400" rtl="0" eaLnBrk="1" fontAlgn="auto" latinLnBrk="1" hangingPunct="1">
@@ -8483,523 +9510,7 @@
               <a:tabLst/>
               <a:defRPr/>
             </a:pPr>
-            <a:r>
-              <a:rPr lang="en-US" altLang="ko-KR" sz="1200" b="1" dirty="0" err="1">
-                <a:solidFill>
-                  <a:srgbClr val="E2E6E9"/>
-                </a:solidFill>
-                <a:latin typeface="Source Sans 3" pitchFamily="34" charset="0"/>
-                <a:ea typeface="Source Sans 3" pitchFamily="34" charset="-122"/>
-                <a:cs typeface="Source Sans 3" pitchFamily="34" charset="-120"/>
-              </a:rPr>
-              <a:t>지연</a:t>
-            </a:r>
-            <a:r>
-              <a:rPr lang="en-US" altLang="ko-KR" sz="1200" b="1" dirty="0">
-                <a:solidFill>
-                  <a:srgbClr val="E2E6E9"/>
-                </a:solidFill>
-                <a:latin typeface="Source Sans 3" pitchFamily="34" charset="0"/>
-                <a:ea typeface="Source Sans 3" pitchFamily="34" charset="-122"/>
-                <a:cs typeface="Source Sans 3" pitchFamily="34" charset="-120"/>
-              </a:rPr>
-              <a:t> </a:t>
-            </a:r>
-            <a:r>
-              <a:rPr lang="en-US" altLang="ko-KR" sz="1200" b="1" dirty="0" err="1">
-                <a:solidFill>
-                  <a:srgbClr val="E2E6E9"/>
-                </a:solidFill>
-                <a:latin typeface="Source Sans 3" pitchFamily="34" charset="0"/>
-                <a:ea typeface="Source Sans 3" pitchFamily="34" charset="-122"/>
-                <a:cs typeface="Source Sans 3" pitchFamily="34" charset="-120"/>
-              </a:rPr>
-              <a:t>임계값</a:t>
-            </a:r>
-            <a:r>
-              <a:rPr lang="en-US" altLang="ko-KR" sz="1200" b="1" dirty="0">
-                <a:solidFill>
-                  <a:srgbClr val="E2E6E9"/>
-                </a:solidFill>
-                <a:latin typeface="Source Sans 3" pitchFamily="34" charset="0"/>
-                <a:ea typeface="Source Sans 3" pitchFamily="34" charset="-122"/>
-                <a:cs typeface="Source Sans 3" pitchFamily="34" charset="-120"/>
-              </a:rPr>
-              <a:t>:</a:t>
-            </a:r>
-            <a:r>
-              <a:rPr lang="en-US" altLang="ko-KR" sz="1200" dirty="0">
-                <a:solidFill>
-                  <a:srgbClr val="E2E6E9"/>
-                </a:solidFill>
-                <a:latin typeface="Source Sans 3" pitchFamily="34" charset="0"/>
-                <a:ea typeface="Source Sans 3" pitchFamily="34" charset="-122"/>
-                <a:cs typeface="Source Sans 3" pitchFamily="34" charset="-120"/>
-              </a:rPr>
-              <a:t> </a:t>
-            </a:r>
-            <a:r>
-              <a:rPr lang="en-US" altLang="ko-KR" sz="1200" dirty="0" err="1">
-                <a:solidFill>
-                  <a:srgbClr val="E2E6E9"/>
-                </a:solidFill>
-                <a:latin typeface="Source Sans 3" pitchFamily="34" charset="0"/>
-                <a:ea typeface="Source Sans 3" pitchFamily="34" charset="-122"/>
-                <a:cs typeface="Source Sans 3" pitchFamily="34" charset="-120"/>
-              </a:rPr>
-              <a:t>일반</a:t>
-            </a:r>
-            <a:r>
-              <a:rPr lang="en-US" altLang="ko-KR" sz="1200" dirty="0">
-                <a:solidFill>
-                  <a:srgbClr val="E2E6E9"/>
-                </a:solidFill>
-                <a:latin typeface="Source Sans 3" pitchFamily="34" charset="0"/>
-                <a:ea typeface="Source Sans 3" pitchFamily="34" charset="-122"/>
-                <a:cs typeface="Source Sans 3" pitchFamily="34" charset="-120"/>
-              </a:rPr>
-              <a:t> </a:t>
-            </a:r>
-            <a:r>
-              <a:rPr lang="ko-KR" altLang="en-US" sz="1200" dirty="0">
-                <a:solidFill>
-                  <a:srgbClr val="E2E6E9"/>
-                </a:solidFill>
-                <a:latin typeface="Source Sans 3" pitchFamily="34" charset="0"/>
-                <a:ea typeface="Source Sans 3" pitchFamily="34" charset="-122"/>
-                <a:cs typeface="Source Sans 3" pitchFamily="34" charset="-120"/>
-              </a:rPr>
-              <a:t>상호작용</a:t>
-            </a:r>
-            <a:r>
-              <a:rPr lang="en-US" altLang="ko-KR" sz="1200" dirty="0">
-                <a:solidFill>
-                  <a:srgbClr val="E2E6E9"/>
-                </a:solidFill>
-                <a:latin typeface="Source Sans 3" pitchFamily="34" charset="0"/>
-                <a:ea typeface="Source Sans 3" pitchFamily="34" charset="-122"/>
-                <a:cs typeface="Source Sans 3" pitchFamily="34" charset="-120"/>
-              </a:rPr>
-              <a:t>은 &lt; 150 </a:t>
-            </a:r>
-            <a:r>
-              <a:rPr lang="en-US" altLang="ko-KR" sz="1200" dirty="0" err="1">
-                <a:solidFill>
-                  <a:srgbClr val="E2E6E9"/>
-                </a:solidFill>
-                <a:latin typeface="Source Sans 3" pitchFamily="34" charset="0"/>
-                <a:ea typeface="Source Sans 3" pitchFamily="34" charset="-122"/>
-                <a:cs typeface="Source Sans 3" pitchFamily="34" charset="-120"/>
-              </a:rPr>
-              <a:t>ms</a:t>
-            </a:r>
-            <a:r>
-              <a:rPr lang="en-US" altLang="ko-KR" sz="1200" dirty="0">
-                <a:solidFill>
-                  <a:srgbClr val="E2E6E9"/>
-                </a:solidFill>
-                <a:latin typeface="Source Sans 3" pitchFamily="34" charset="0"/>
-                <a:ea typeface="Source Sans 3" pitchFamily="34" charset="-122"/>
-                <a:cs typeface="Source Sans 3" pitchFamily="34" charset="-120"/>
-              </a:rPr>
-              <a:t> </a:t>
-            </a:r>
-            <a:r>
-              <a:rPr lang="en-US" altLang="ko-KR" sz="1200" dirty="0" err="1">
-                <a:solidFill>
-                  <a:srgbClr val="E2E6E9"/>
-                </a:solidFill>
-                <a:latin typeface="Source Sans 3" pitchFamily="34" charset="0"/>
-                <a:ea typeface="Source Sans 3" pitchFamily="34" charset="-122"/>
-                <a:cs typeface="Source Sans 3" pitchFamily="34" charset="-120"/>
-              </a:rPr>
-              <a:t>수용</a:t>
-            </a:r>
-            <a:r>
-              <a:rPr lang="en-US" altLang="ko-KR" sz="1200" dirty="0">
-                <a:solidFill>
-                  <a:srgbClr val="E2E6E9"/>
-                </a:solidFill>
-                <a:latin typeface="Source Sans 3" pitchFamily="34" charset="0"/>
-                <a:ea typeface="Source Sans 3" pitchFamily="34" charset="-122"/>
-                <a:cs typeface="Source Sans 3" pitchFamily="34" charset="-120"/>
-              </a:rPr>
-              <a:t> </a:t>
-            </a:r>
-            <a:r>
-              <a:rPr lang="en-US" altLang="ko-KR" sz="1200" dirty="0" err="1">
-                <a:solidFill>
-                  <a:srgbClr val="E2E6E9"/>
-                </a:solidFill>
-                <a:latin typeface="Source Sans 3" pitchFamily="34" charset="0"/>
-                <a:ea typeface="Source Sans 3" pitchFamily="34" charset="-122"/>
-                <a:cs typeface="Source Sans 3" pitchFamily="34" charset="-120"/>
-              </a:rPr>
-              <a:t>가능하지만</a:t>
-            </a:r>
-            <a:r>
-              <a:rPr lang="en-US" altLang="ko-KR" sz="1200" dirty="0">
-                <a:solidFill>
-                  <a:srgbClr val="E2E6E9"/>
-                </a:solidFill>
-                <a:latin typeface="Source Sans 3" pitchFamily="34" charset="0"/>
-                <a:ea typeface="Source Sans 3" pitchFamily="34" charset="-122"/>
-                <a:cs typeface="Source Sans 3" pitchFamily="34" charset="-120"/>
-              </a:rPr>
-              <a:t>, </a:t>
-            </a:r>
-            <a:r>
-              <a:rPr lang="en-US" altLang="ko-KR" sz="1200" dirty="0" err="1">
-                <a:solidFill>
-                  <a:srgbClr val="E2E6E9"/>
-                </a:solidFill>
-                <a:latin typeface="Source Sans 3" pitchFamily="34" charset="0"/>
-                <a:ea typeface="Source Sans 3" pitchFamily="34" charset="-122"/>
-                <a:cs typeface="Source Sans 3" pitchFamily="34" charset="-120"/>
-              </a:rPr>
-              <a:t>빠른</a:t>
-            </a:r>
-            <a:r>
-              <a:rPr lang="en-US" altLang="ko-KR" sz="1200" dirty="0">
-                <a:solidFill>
-                  <a:srgbClr val="E2E6E9"/>
-                </a:solidFill>
-                <a:latin typeface="Source Sans 3" pitchFamily="34" charset="0"/>
-                <a:ea typeface="Source Sans 3" pitchFamily="34" charset="-122"/>
-                <a:cs typeface="Source Sans 3" pitchFamily="34" charset="-120"/>
-              </a:rPr>
-              <a:t> </a:t>
-            </a:r>
-            <a:r>
-              <a:rPr lang="en-US" altLang="ko-KR" sz="1200" dirty="0" err="1">
-                <a:solidFill>
-                  <a:srgbClr val="E2E6E9"/>
-                </a:solidFill>
-                <a:latin typeface="Source Sans 3" pitchFamily="34" charset="0"/>
-                <a:ea typeface="Source Sans 3" pitchFamily="34" charset="-122"/>
-                <a:cs typeface="Source Sans 3" pitchFamily="34" charset="-120"/>
-              </a:rPr>
-              <a:t>상호작용은</a:t>
-            </a:r>
-            <a:r>
-              <a:rPr lang="en-US" altLang="ko-KR" sz="1200" dirty="0">
-                <a:solidFill>
-                  <a:srgbClr val="E2E6E9"/>
-                </a:solidFill>
-                <a:latin typeface="Source Sans 3" pitchFamily="34" charset="0"/>
-                <a:ea typeface="Source Sans 3" pitchFamily="34" charset="-122"/>
-                <a:cs typeface="Source Sans 3" pitchFamily="34" charset="-120"/>
-              </a:rPr>
-              <a:t> 70 </a:t>
-            </a:r>
-            <a:r>
-              <a:rPr lang="en-US" altLang="ko-KR" sz="1200" dirty="0" err="1">
-                <a:solidFill>
-                  <a:srgbClr val="E2E6E9"/>
-                </a:solidFill>
-                <a:latin typeface="Source Sans 3" pitchFamily="34" charset="0"/>
-                <a:ea typeface="Source Sans 3" pitchFamily="34" charset="-122"/>
-                <a:cs typeface="Source Sans 3" pitchFamily="34" charset="-120"/>
-              </a:rPr>
-              <a:t>ms</a:t>
-            </a:r>
-            <a:r>
-              <a:rPr lang="en-US" altLang="ko-KR" sz="1200" dirty="0">
-                <a:solidFill>
-                  <a:srgbClr val="E2E6E9"/>
-                </a:solidFill>
-                <a:latin typeface="Source Sans 3" pitchFamily="34" charset="0"/>
-                <a:ea typeface="Source Sans 3" pitchFamily="34" charset="-122"/>
-                <a:cs typeface="Source Sans 3" pitchFamily="34" charset="-120"/>
-              </a:rPr>
-              <a:t> </a:t>
-            </a:r>
-            <a:r>
-              <a:rPr lang="en-US" altLang="ko-KR" sz="1200" dirty="0" err="1">
-                <a:solidFill>
-                  <a:srgbClr val="E2E6E9"/>
-                </a:solidFill>
-                <a:latin typeface="Source Sans 3" pitchFamily="34" charset="0"/>
-                <a:ea typeface="Source Sans 3" pitchFamily="34" charset="-122"/>
-                <a:cs typeface="Source Sans 3" pitchFamily="34" charset="-120"/>
-              </a:rPr>
-              <a:t>초과</a:t>
-            </a:r>
-            <a:r>
-              <a:rPr lang="en-US" altLang="ko-KR" sz="1200" dirty="0">
-                <a:solidFill>
-                  <a:srgbClr val="E2E6E9"/>
-                </a:solidFill>
-                <a:latin typeface="Source Sans 3" pitchFamily="34" charset="0"/>
-                <a:ea typeface="Source Sans 3" pitchFamily="34" charset="-122"/>
-                <a:cs typeface="Source Sans 3" pitchFamily="34" charset="-120"/>
-              </a:rPr>
-              <a:t> 시 </a:t>
-            </a:r>
-            <a:r>
-              <a:rPr lang="en-US" altLang="ko-KR" sz="1200" dirty="0" err="1">
-                <a:solidFill>
-                  <a:srgbClr val="E2E6E9"/>
-                </a:solidFill>
-                <a:latin typeface="Source Sans 3" pitchFamily="34" charset="0"/>
-                <a:ea typeface="Source Sans 3" pitchFamily="34" charset="-122"/>
-                <a:cs typeface="Source Sans 3" pitchFamily="34" charset="-120"/>
-              </a:rPr>
-              <a:t>체감</a:t>
-            </a:r>
-            <a:r>
-              <a:rPr lang="en-US" altLang="ko-KR" sz="1200" dirty="0">
-                <a:solidFill>
-                  <a:srgbClr val="E2E6E9"/>
-                </a:solidFill>
-                <a:latin typeface="Source Sans 3" pitchFamily="34" charset="0"/>
-                <a:ea typeface="Source Sans 3" pitchFamily="34" charset="-122"/>
-                <a:cs typeface="Source Sans 3" pitchFamily="34" charset="-120"/>
-              </a:rPr>
-              <a:t> </a:t>
-            </a:r>
-            <a:r>
-              <a:rPr lang="en-US" altLang="ko-KR" sz="1200" dirty="0" err="1">
-                <a:solidFill>
-                  <a:srgbClr val="E2E6E9"/>
-                </a:solidFill>
-                <a:latin typeface="Source Sans 3" pitchFamily="34" charset="0"/>
-                <a:ea typeface="Source Sans 3" pitchFamily="34" charset="-122"/>
-                <a:cs typeface="Source Sans 3" pitchFamily="34" charset="-120"/>
-              </a:rPr>
-              <a:t>품질</a:t>
-            </a:r>
-            <a:r>
-              <a:rPr lang="en-US" altLang="ko-KR" sz="1200" dirty="0">
-                <a:solidFill>
-                  <a:srgbClr val="E2E6E9"/>
-                </a:solidFill>
-                <a:latin typeface="Source Sans 3" pitchFamily="34" charset="0"/>
-                <a:ea typeface="Source Sans 3" pitchFamily="34" charset="-122"/>
-                <a:cs typeface="Source Sans 3" pitchFamily="34" charset="-120"/>
-              </a:rPr>
-              <a:t> </a:t>
-            </a:r>
-            <a:r>
-              <a:rPr lang="en-US" altLang="ko-KR" sz="1200" dirty="0" err="1">
-                <a:solidFill>
-                  <a:srgbClr val="E2E6E9"/>
-                </a:solidFill>
-                <a:latin typeface="Source Sans 3" pitchFamily="34" charset="0"/>
-                <a:ea typeface="Source Sans 3" pitchFamily="34" charset="-122"/>
-                <a:cs typeface="Source Sans 3" pitchFamily="34" charset="-120"/>
-              </a:rPr>
-              <a:t>악화</a:t>
-            </a:r>
-            <a:r>
-              <a:rPr lang="en-US" altLang="ko-KR" sz="1200" dirty="0">
-                <a:solidFill>
-                  <a:srgbClr val="E2E6E9"/>
-                </a:solidFill>
-                <a:latin typeface="Source Sans 3" pitchFamily="34" charset="0"/>
-                <a:ea typeface="Source Sans 3" pitchFamily="34" charset="-122"/>
-                <a:cs typeface="Source Sans 3" pitchFamily="34" charset="-120"/>
-              </a:rPr>
-              <a:t>. </a:t>
-            </a:r>
-            <a:r>
-              <a:rPr lang="en-US" altLang="ko-KR" sz="1200" dirty="0" err="1">
-                <a:solidFill>
-                  <a:srgbClr val="E2E6E9"/>
-                </a:solidFill>
-                <a:latin typeface="Source Sans 3" pitchFamily="34" charset="0"/>
-                <a:ea typeface="Source Sans 3" pitchFamily="34" charset="-122"/>
-                <a:cs typeface="Source Sans 3" pitchFamily="34" charset="-120"/>
-              </a:rPr>
-              <a:t>퍼블릭</a:t>
-            </a:r>
-            <a:r>
-              <a:rPr lang="en-US" altLang="ko-KR" sz="1200" dirty="0">
-                <a:solidFill>
-                  <a:srgbClr val="E2E6E9"/>
-                </a:solidFill>
-                <a:latin typeface="Source Sans 3" pitchFamily="34" charset="0"/>
-                <a:ea typeface="Source Sans 3" pitchFamily="34" charset="-122"/>
-                <a:cs typeface="Source Sans 3" pitchFamily="34" charset="-120"/>
-              </a:rPr>
-              <a:t> </a:t>
-            </a:r>
-            <a:r>
-              <a:rPr lang="en-US" altLang="ko-KR" sz="1200" dirty="0" err="1">
-                <a:solidFill>
-                  <a:srgbClr val="E2E6E9"/>
-                </a:solidFill>
-                <a:latin typeface="Source Sans 3" pitchFamily="34" charset="0"/>
-                <a:ea typeface="Source Sans 3" pitchFamily="34" charset="-122"/>
-                <a:cs typeface="Source Sans 3" pitchFamily="34" charset="-120"/>
-              </a:rPr>
-              <a:t>클라우드</a:t>
-            </a:r>
-            <a:r>
-              <a:rPr lang="en-US" altLang="ko-KR" sz="1200" dirty="0">
-                <a:solidFill>
-                  <a:srgbClr val="E2E6E9"/>
-                </a:solidFill>
-                <a:latin typeface="Source Sans 3" pitchFamily="34" charset="0"/>
-                <a:ea typeface="Source Sans 3" pitchFamily="34" charset="-122"/>
-                <a:cs typeface="Source Sans 3" pitchFamily="34" charset="-120"/>
-              </a:rPr>
-              <a:t>(</a:t>
-            </a:r>
-            <a:r>
-              <a:rPr lang="en-US" altLang="ko-KR" sz="1200" dirty="0" err="1">
-                <a:solidFill>
-                  <a:srgbClr val="E2E6E9"/>
-                </a:solidFill>
-                <a:latin typeface="Source Sans 3" pitchFamily="34" charset="0"/>
-                <a:ea typeface="Source Sans 3" pitchFamily="34" charset="-122"/>
-                <a:cs typeface="Source Sans 3" pitchFamily="34" charset="-120"/>
-              </a:rPr>
-              <a:t>원격</a:t>
-            </a:r>
-            <a:r>
-              <a:rPr lang="en-US" altLang="ko-KR" sz="1200" dirty="0">
-                <a:solidFill>
-                  <a:srgbClr val="E2E6E9"/>
-                </a:solidFill>
-                <a:latin typeface="Source Sans 3" pitchFamily="34" charset="0"/>
-                <a:ea typeface="Source Sans 3" pitchFamily="34" charset="-122"/>
-                <a:cs typeface="Source Sans 3" pitchFamily="34" charset="-120"/>
-              </a:rPr>
-              <a:t> </a:t>
-            </a:r>
-            <a:r>
-              <a:rPr lang="en-US" altLang="ko-KR" sz="1200" dirty="0" err="1">
-                <a:solidFill>
-                  <a:srgbClr val="E2E6E9"/>
-                </a:solidFill>
-                <a:latin typeface="Source Sans 3" pitchFamily="34" charset="0"/>
-                <a:ea typeface="Source Sans 3" pitchFamily="34" charset="-122"/>
-                <a:cs typeface="Source Sans 3" pitchFamily="34" charset="-120"/>
-              </a:rPr>
-              <a:t>리전</a:t>
-            </a:r>
-            <a:r>
-              <a:rPr lang="en-US" altLang="ko-KR" sz="1200" dirty="0">
-                <a:solidFill>
-                  <a:srgbClr val="E2E6E9"/>
-                </a:solidFill>
-                <a:latin typeface="Source Sans 3" pitchFamily="34" charset="0"/>
-                <a:ea typeface="Source Sans 3" pitchFamily="34" charset="-122"/>
-                <a:cs typeface="Source Sans 3" pitchFamily="34" charset="-120"/>
-              </a:rPr>
-              <a:t>) </a:t>
-            </a:r>
-            <a:r>
-              <a:rPr lang="en-US" altLang="ko-KR" sz="1200" dirty="0" err="1">
-                <a:solidFill>
-                  <a:srgbClr val="E2E6E9"/>
-                </a:solidFill>
-                <a:latin typeface="Source Sans 3" pitchFamily="34" charset="0"/>
-                <a:ea typeface="Source Sans 3" pitchFamily="34" charset="-122"/>
-                <a:cs typeface="Source Sans 3" pitchFamily="34" charset="-120"/>
-              </a:rPr>
-              <a:t>기반에선</a:t>
-            </a:r>
-            <a:r>
-              <a:rPr lang="en-US" altLang="ko-KR" sz="1200" dirty="0">
-                <a:solidFill>
-                  <a:srgbClr val="E2E6E9"/>
-                </a:solidFill>
-                <a:latin typeface="Source Sans 3" pitchFamily="34" charset="0"/>
-                <a:ea typeface="Source Sans 3" pitchFamily="34" charset="-122"/>
-                <a:cs typeface="Source Sans 3" pitchFamily="34" charset="-120"/>
-              </a:rPr>
-              <a:t> </a:t>
-            </a:r>
-            <a:r>
-              <a:rPr lang="en-US" altLang="ko-KR" sz="1200" dirty="0" err="1">
-                <a:solidFill>
-                  <a:srgbClr val="E2E6E9"/>
-                </a:solidFill>
-                <a:latin typeface="Source Sans 3" pitchFamily="34" charset="0"/>
-                <a:ea typeface="Source Sans 3" pitchFamily="34" charset="-122"/>
-                <a:cs typeface="Source Sans 3" pitchFamily="34" charset="-120"/>
-              </a:rPr>
-              <a:t>해당</a:t>
-            </a:r>
-            <a:r>
-              <a:rPr lang="en-US" altLang="ko-KR" sz="1200" dirty="0">
-                <a:solidFill>
-                  <a:srgbClr val="E2E6E9"/>
-                </a:solidFill>
-                <a:latin typeface="Source Sans 3" pitchFamily="34" charset="0"/>
-                <a:ea typeface="Source Sans 3" pitchFamily="34" charset="-122"/>
-                <a:cs typeface="Source Sans 3" pitchFamily="34" charset="-120"/>
-              </a:rPr>
-              <a:t> </a:t>
-            </a:r>
-            <a:r>
-              <a:rPr lang="en-US" altLang="ko-KR" sz="1200" dirty="0" err="1">
-                <a:solidFill>
-                  <a:srgbClr val="E2E6E9"/>
-                </a:solidFill>
-                <a:latin typeface="Source Sans 3" pitchFamily="34" charset="0"/>
-                <a:ea typeface="Source Sans 3" pitchFamily="34" charset="-122"/>
-                <a:cs typeface="Source Sans 3" pitchFamily="34" charset="-120"/>
-              </a:rPr>
-              <a:t>목표</a:t>
-            </a:r>
-            <a:r>
-              <a:rPr lang="en-US" altLang="ko-KR" sz="1200" dirty="0">
-                <a:solidFill>
-                  <a:srgbClr val="E2E6E9"/>
-                </a:solidFill>
-                <a:latin typeface="Source Sans 3" pitchFamily="34" charset="0"/>
-                <a:ea typeface="Source Sans 3" pitchFamily="34" charset="-122"/>
-                <a:cs typeface="Source Sans 3" pitchFamily="34" charset="-120"/>
-              </a:rPr>
-              <a:t> </a:t>
-            </a:r>
-            <a:r>
-              <a:rPr lang="en-US" altLang="ko-KR" sz="1200" dirty="0" err="1">
-                <a:solidFill>
-                  <a:srgbClr val="E2E6E9"/>
-                </a:solidFill>
-                <a:latin typeface="Source Sans 3" pitchFamily="34" charset="0"/>
-                <a:ea typeface="Source Sans 3" pitchFamily="34" charset="-122"/>
-                <a:cs typeface="Source Sans 3" pitchFamily="34" charset="-120"/>
-              </a:rPr>
-              <a:t>달성이</a:t>
-            </a:r>
-            <a:r>
-              <a:rPr lang="en-US" altLang="ko-KR" sz="1200" dirty="0">
-                <a:solidFill>
-                  <a:srgbClr val="E2E6E9"/>
-                </a:solidFill>
-                <a:latin typeface="Source Sans 3" pitchFamily="34" charset="0"/>
-                <a:ea typeface="Source Sans 3" pitchFamily="34" charset="-122"/>
-                <a:cs typeface="Source Sans 3" pitchFamily="34" charset="-120"/>
-              </a:rPr>
-              <a:t> </a:t>
-            </a:r>
-            <a:r>
-              <a:rPr lang="en-US" altLang="ko-KR" sz="1200" dirty="0" err="1">
-                <a:solidFill>
-                  <a:srgbClr val="E2E6E9"/>
-                </a:solidFill>
-                <a:latin typeface="Source Sans 3" pitchFamily="34" charset="0"/>
-                <a:ea typeface="Source Sans 3" pitchFamily="34" charset="-122"/>
-                <a:cs typeface="Source Sans 3" pitchFamily="34" charset="-120"/>
-              </a:rPr>
-              <a:t>어려움</a:t>
-            </a:r>
-            <a:r>
-              <a:rPr lang="en-US" altLang="ko-KR" sz="1200" dirty="0">
-                <a:solidFill>
-                  <a:srgbClr val="E2E6E9"/>
-                </a:solidFill>
-                <a:latin typeface="Source Sans 3" pitchFamily="34" charset="0"/>
-                <a:ea typeface="Source Sans 3" pitchFamily="34" charset="-122"/>
-                <a:cs typeface="Source Sans 3" pitchFamily="34" charset="-120"/>
-              </a:rPr>
-              <a:t>.</a:t>
-            </a:r>
+            <a:endParaRPr lang="en-US" altLang="ko-KR" sz="1200" dirty="0"/>
           </a:p>
           <a:p>
             <a:pPr marL="0" marR="0" lvl="0" indent="0" algn="l" defTabSz="914400" rtl="0" eaLnBrk="1" fontAlgn="auto" latinLnBrk="1" hangingPunct="1">
@@ -9019,12 +9530,27 @@
               <a:tabLst/>
               <a:defRPr/>
             </a:pPr>
-            <a:endParaRPr lang="en-US" altLang="ko-KR" sz="1200" dirty="0">
-              <a:solidFill>
-                <a:srgbClr val="E2E6E9"/>
-              </a:solidFill>
-              <a:latin typeface="Source Sans 3" pitchFamily="34" charset="0"/>
-            </a:endParaRPr>
+            <a:r>
+              <a:rPr lang="ko-KR" altLang="en-US" sz="1200" dirty="0"/>
+              <a:t>논문에서는 단 </a:t>
+            </a:r>
+            <a:r>
+              <a:rPr lang="ko-KR" altLang="en-US" sz="1200" dirty="0" err="1"/>
+              <a:t>한명의</a:t>
+            </a:r>
+            <a:r>
+              <a:rPr lang="ko-KR" altLang="en-US" sz="1200" dirty="0"/>
+              <a:t> </a:t>
+            </a:r>
+            <a:r>
+              <a:rPr lang="ko-KR" altLang="en-US" sz="1200" dirty="0" err="1"/>
+              <a:t>엔드유저만이</a:t>
+            </a:r>
+            <a:r>
+              <a:rPr lang="ko-KR" altLang="en-US" sz="1200" dirty="0"/>
+              <a:t> 실험에 참여했다고 되어있으나 </a:t>
+            </a:r>
+            <a:endParaRPr lang="en-US" altLang="ko-KR" sz="1200" dirty="0"/>
           </a:p>
           <a:p>
             <a:pPr marL="0" marR="0" lvl="0" indent="0" algn="l" defTabSz="914400" rtl="0" eaLnBrk="1" fontAlgn="auto" latinLnBrk="1" hangingPunct="1">
@@ -9045,479 +9571,29 @@
               <a:defRPr/>
             </a:pPr>
             <a:r>
-              <a:rPr lang="en-US" altLang="ko-KR" sz="1200" b="1" dirty="0" err="1">
-                <a:solidFill>
-                  <a:srgbClr val="E2E6E9"/>
-                </a:solidFill>
-                <a:latin typeface="Source Sans 3" pitchFamily="34" charset="0"/>
-                <a:ea typeface="Source Sans 3" pitchFamily="34" charset="-122"/>
-                <a:cs typeface="Source Sans 3" pitchFamily="34" charset="-120"/>
-              </a:rPr>
-              <a:t>엣지</a:t>
-            </a:r>
-            <a:r>
-              <a:rPr lang="en-US" altLang="ko-KR" sz="1200" b="1" dirty="0">
-                <a:solidFill>
-                  <a:srgbClr val="E2E6E9"/>
-                </a:solidFill>
-                <a:latin typeface="Source Sans 3" pitchFamily="34" charset="0"/>
-                <a:ea typeface="Source Sans 3" pitchFamily="34" charset="-122"/>
-                <a:cs typeface="Source Sans 3" pitchFamily="34" charset="-120"/>
-              </a:rPr>
-              <a:t> vs </a:t>
-            </a:r>
-            <a:r>
-              <a:rPr lang="en-US" altLang="ko-KR" sz="1200" b="1" dirty="0" err="1">
-                <a:solidFill>
-                  <a:srgbClr val="E2E6E9"/>
-                </a:solidFill>
-                <a:latin typeface="Source Sans 3" pitchFamily="34" charset="0"/>
-                <a:ea typeface="Source Sans 3" pitchFamily="34" charset="-122"/>
-                <a:cs typeface="Source Sans 3" pitchFamily="34" charset="-120"/>
-              </a:rPr>
-              <a:t>클라우드의</a:t>
-            </a:r>
-            <a:r>
-              <a:rPr lang="en-US" altLang="ko-KR" sz="1200" b="1" dirty="0">
-                <a:solidFill>
-                  <a:srgbClr val="E2E6E9"/>
-                </a:solidFill>
-                <a:latin typeface="Source Sans 3" pitchFamily="34" charset="0"/>
-                <a:ea typeface="Source Sans 3" pitchFamily="34" charset="-122"/>
-                <a:cs typeface="Source Sans 3" pitchFamily="34" charset="-120"/>
-              </a:rPr>
-              <a:t> </a:t>
-            </a:r>
-            <a:r>
-              <a:rPr lang="en-US" altLang="ko-KR" sz="1200" b="1" dirty="0" err="1">
-                <a:solidFill>
-                  <a:srgbClr val="E2E6E9"/>
-                </a:solidFill>
-                <a:latin typeface="Source Sans 3" pitchFamily="34" charset="0"/>
-                <a:ea typeface="Source Sans 3" pitchFamily="34" charset="-122"/>
-                <a:cs typeface="Source Sans 3" pitchFamily="34" charset="-120"/>
-              </a:rPr>
-              <a:t>본질적</a:t>
-            </a:r>
-            <a:r>
-              <a:rPr lang="en-US" altLang="ko-KR" sz="1200" b="1" dirty="0">
-                <a:solidFill>
-                  <a:srgbClr val="E2E6E9"/>
-                </a:solidFill>
-                <a:latin typeface="Source Sans 3" pitchFamily="34" charset="0"/>
-                <a:ea typeface="Source Sans 3" pitchFamily="34" charset="-122"/>
-                <a:cs typeface="Source Sans 3" pitchFamily="34" charset="-120"/>
-              </a:rPr>
-              <a:t> </a:t>
-            </a:r>
-            <a:r>
-              <a:rPr lang="en-US" altLang="ko-KR" sz="1200" b="1" dirty="0" err="1">
-                <a:solidFill>
-                  <a:srgbClr val="E2E6E9"/>
-                </a:solidFill>
-                <a:latin typeface="Source Sans 3" pitchFamily="34" charset="0"/>
-                <a:ea typeface="Source Sans 3" pitchFamily="34" charset="-122"/>
-                <a:cs typeface="Source Sans 3" pitchFamily="34" charset="-120"/>
-              </a:rPr>
-              <a:t>차이</a:t>
-            </a:r>
-            <a:r>
-              <a:rPr lang="en-US" altLang="ko-KR" sz="1200" b="1" dirty="0">
-                <a:solidFill>
-                  <a:srgbClr val="E2E6E9"/>
-                </a:solidFill>
-                <a:latin typeface="Source Sans 3" pitchFamily="34" charset="0"/>
-                <a:ea typeface="Source Sans 3" pitchFamily="34" charset="-122"/>
-                <a:cs typeface="Source Sans 3" pitchFamily="34" charset="-120"/>
-              </a:rPr>
-              <a:t>:</a:t>
-            </a:r>
-            <a:r>
-              <a:rPr lang="en-US" altLang="ko-KR" sz="1200" dirty="0">
-                <a:solidFill>
-                  <a:srgbClr val="E2E6E9"/>
-                </a:solidFill>
-                <a:latin typeface="Source Sans 3" pitchFamily="34" charset="0"/>
-                <a:ea typeface="Source Sans 3" pitchFamily="34" charset="-122"/>
-                <a:cs typeface="Source Sans 3" pitchFamily="34" charset="-120"/>
-              </a:rPr>
-              <a:t> </a:t>
-            </a:r>
-            <a:r>
-              <a:rPr lang="en-US" altLang="ko-KR" sz="1200" dirty="0" err="1">
-                <a:solidFill>
-                  <a:srgbClr val="E2E6E9"/>
-                </a:solidFill>
-                <a:latin typeface="Source Sans 3" pitchFamily="34" charset="0"/>
-                <a:ea typeface="Source Sans 3" pitchFamily="34" charset="-122"/>
-                <a:cs typeface="Source Sans 3" pitchFamily="34" charset="-120"/>
-              </a:rPr>
-              <a:t>클라우드의</a:t>
-            </a:r>
-            <a:r>
-              <a:rPr lang="en-US" altLang="ko-KR" sz="1200" dirty="0">
-                <a:solidFill>
-                  <a:srgbClr val="E2E6E9"/>
-                </a:solidFill>
-                <a:latin typeface="Source Sans 3" pitchFamily="34" charset="0"/>
-                <a:ea typeface="Source Sans 3" pitchFamily="34" charset="-122"/>
-                <a:cs typeface="Source Sans 3" pitchFamily="34" charset="-120"/>
-              </a:rPr>
-              <a:t> </a:t>
-            </a:r>
-            <a:r>
-              <a:rPr lang="en-US" altLang="ko-KR" sz="1200" dirty="0" err="1">
-                <a:solidFill>
-                  <a:srgbClr val="E2E6E9"/>
-                </a:solidFill>
-                <a:latin typeface="Source Sans 3" pitchFamily="34" charset="0"/>
-                <a:ea typeface="Source Sans 3" pitchFamily="34" charset="-122"/>
-                <a:cs typeface="Source Sans 3" pitchFamily="34" charset="-120"/>
-              </a:rPr>
-              <a:t>추가</a:t>
-            </a:r>
-            <a:r>
-              <a:rPr lang="en-US" altLang="ko-KR" sz="1200" dirty="0">
-                <a:solidFill>
-                  <a:srgbClr val="E2E6E9"/>
-                </a:solidFill>
-                <a:latin typeface="Source Sans 3" pitchFamily="34" charset="0"/>
-                <a:ea typeface="Source Sans 3" pitchFamily="34" charset="-122"/>
-                <a:cs typeface="Source Sans 3" pitchFamily="34" charset="-120"/>
-              </a:rPr>
-              <a:t> </a:t>
-            </a:r>
-            <a:r>
-              <a:rPr lang="en-US" altLang="ko-KR" sz="1200" dirty="0" err="1">
-                <a:solidFill>
-                  <a:srgbClr val="E2E6E9"/>
-                </a:solidFill>
-                <a:latin typeface="Source Sans 3" pitchFamily="34" charset="0"/>
-                <a:ea typeface="Source Sans 3" pitchFamily="34" charset="-122"/>
-                <a:cs typeface="Source Sans 3" pitchFamily="34" charset="-120"/>
-              </a:rPr>
-              <a:t>연산능력으로</a:t>
-            </a:r>
-            <a:r>
-              <a:rPr lang="en-US" altLang="ko-KR" sz="1200" dirty="0">
-                <a:solidFill>
-                  <a:srgbClr val="E2E6E9"/>
-                </a:solidFill>
-                <a:latin typeface="Source Sans 3" pitchFamily="34" charset="0"/>
-                <a:ea typeface="Source Sans 3" pitchFamily="34" charset="-122"/>
-                <a:cs typeface="Source Sans 3" pitchFamily="34" charset="-120"/>
-              </a:rPr>
-              <a:t> </a:t>
-            </a:r>
-            <a:r>
-              <a:rPr lang="en-US" altLang="ko-KR" sz="1200" dirty="0" err="1">
-                <a:solidFill>
-                  <a:srgbClr val="E2E6E9"/>
-                </a:solidFill>
-                <a:latin typeface="Source Sans 3" pitchFamily="34" charset="0"/>
-                <a:ea typeface="Source Sans 3" pitchFamily="34" charset="-122"/>
-                <a:cs typeface="Source Sans 3" pitchFamily="34" charset="-120"/>
-              </a:rPr>
-              <a:t>처리지연</a:t>
-            </a:r>
-            <a:r>
-              <a:rPr lang="en-US" altLang="ko-KR" sz="1200" dirty="0">
-                <a:solidFill>
-                  <a:srgbClr val="E2E6E9"/>
-                </a:solidFill>
-                <a:latin typeface="Source Sans 3" pitchFamily="34" charset="0"/>
-                <a:ea typeface="Source Sans 3" pitchFamily="34" charset="-122"/>
-                <a:cs typeface="Source Sans 3" pitchFamily="34" charset="-120"/>
-              </a:rPr>
-              <a:t>(PD) 을 </a:t>
-            </a:r>
-            <a:r>
-              <a:rPr lang="en-US" altLang="ko-KR" sz="1200" dirty="0" err="1">
-                <a:solidFill>
-                  <a:srgbClr val="E2E6E9"/>
-                </a:solidFill>
-                <a:latin typeface="Source Sans 3" pitchFamily="34" charset="0"/>
-                <a:ea typeface="Source Sans 3" pitchFamily="34" charset="-122"/>
-                <a:cs typeface="Source Sans 3" pitchFamily="34" charset="-120"/>
-              </a:rPr>
-              <a:t>줄여도</a:t>
-            </a:r>
-            <a:r>
-              <a:rPr lang="en-US" altLang="ko-KR" sz="1200" dirty="0">
-                <a:solidFill>
-                  <a:srgbClr val="E2E6E9"/>
-                </a:solidFill>
-                <a:latin typeface="Source Sans 3" pitchFamily="34" charset="0"/>
-                <a:ea typeface="Source Sans 3" pitchFamily="34" charset="-122"/>
-                <a:cs typeface="Source Sans 3" pitchFamily="34" charset="-120"/>
-              </a:rPr>
-              <a:t>, </a:t>
-            </a:r>
-            <a:r>
-              <a:rPr lang="en-US" altLang="ko-KR" sz="1200" dirty="0" err="1">
-                <a:solidFill>
-                  <a:srgbClr val="E2E6E9"/>
-                </a:solidFill>
-                <a:latin typeface="Source Sans 3" pitchFamily="34" charset="0"/>
-                <a:ea typeface="Source Sans 3" pitchFamily="34" charset="-122"/>
-                <a:cs typeface="Source Sans 3" pitchFamily="34" charset="-120"/>
-              </a:rPr>
-              <a:t>네트워크지연</a:t>
-            </a:r>
-            <a:r>
-              <a:rPr lang="en-US" altLang="ko-KR" sz="1200" dirty="0">
-                <a:solidFill>
-                  <a:srgbClr val="E2E6E9"/>
-                </a:solidFill>
-                <a:latin typeface="Source Sans 3" pitchFamily="34" charset="0"/>
-                <a:ea typeface="Source Sans 3" pitchFamily="34" charset="-122"/>
-                <a:cs typeface="Source Sans 3" pitchFamily="34" charset="-120"/>
-              </a:rPr>
-              <a:t>(ND) 을 </a:t>
-            </a:r>
-            <a:r>
-              <a:rPr lang="en-US" altLang="ko-KR" sz="1200" dirty="0" err="1">
-                <a:solidFill>
-                  <a:srgbClr val="E2E6E9"/>
-                </a:solidFill>
-                <a:latin typeface="Source Sans 3" pitchFamily="34" charset="0"/>
-                <a:ea typeface="Source Sans 3" pitchFamily="34" charset="-122"/>
-                <a:cs typeface="Source Sans 3" pitchFamily="34" charset="-120"/>
-              </a:rPr>
-              <a:t>상쇄하기에</a:t>
-            </a:r>
-            <a:r>
-              <a:rPr lang="en-US" altLang="ko-KR" sz="1200" dirty="0">
-                <a:solidFill>
-                  <a:srgbClr val="E2E6E9"/>
-                </a:solidFill>
-                <a:latin typeface="Source Sans 3" pitchFamily="34" charset="0"/>
-                <a:ea typeface="Source Sans 3" pitchFamily="34" charset="-122"/>
-                <a:cs typeface="Source Sans 3" pitchFamily="34" charset="-120"/>
-              </a:rPr>
-              <a:t> </a:t>
-            </a:r>
-            <a:r>
-              <a:rPr lang="en-US" altLang="ko-KR" sz="1200" dirty="0" err="1">
-                <a:solidFill>
-                  <a:srgbClr val="E2E6E9"/>
-                </a:solidFill>
-                <a:latin typeface="Source Sans 3" pitchFamily="34" charset="0"/>
-                <a:ea typeface="Source Sans 3" pitchFamily="34" charset="-122"/>
-                <a:cs typeface="Source Sans 3" pitchFamily="34" charset="-120"/>
-              </a:rPr>
-              <a:t>불충분</a:t>
-            </a:r>
-            <a:r>
-              <a:rPr lang="en-US" altLang="ko-KR" sz="1200" dirty="0">
-                <a:solidFill>
-                  <a:srgbClr val="E2E6E9"/>
-                </a:solidFill>
-                <a:latin typeface="Source Sans 3" pitchFamily="34" charset="0"/>
-                <a:ea typeface="Source Sans 3" pitchFamily="34" charset="-122"/>
-                <a:cs typeface="Source Sans 3" pitchFamily="34" charset="-120"/>
-              </a:rPr>
-              <a:t>. </a:t>
-            </a:r>
-            <a:r>
-              <a:rPr lang="en-US" altLang="ko-KR" sz="1200" dirty="0" err="1">
-                <a:solidFill>
-                  <a:srgbClr val="E2E6E9"/>
-                </a:solidFill>
-                <a:latin typeface="Source Sans 3" pitchFamily="34" charset="0"/>
-                <a:ea typeface="Source Sans 3" pitchFamily="34" charset="-122"/>
-                <a:cs typeface="Source Sans 3" pitchFamily="34" charset="-120"/>
-              </a:rPr>
-              <a:t>반면</a:t>
-            </a:r>
-            <a:r>
-              <a:rPr lang="en-US" altLang="ko-KR" sz="1200" dirty="0">
-                <a:solidFill>
-                  <a:srgbClr val="E2E6E9"/>
-                </a:solidFill>
-                <a:latin typeface="Source Sans 3" pitchFamily="34" charset="0"/>
-                <a:ea typeface="Source Sans 3" pitchFamily="34" charset="-122"/>
-                <a:cs typeface="Source Sans 3" pitchFamily="34" charset="-120"/>
-              </a:rPr>
-              <a:t> </a:t>
-            </a:r>
-            <a:r>
-              <a:rPr lang="en-US" altLang="ko-KR" sz="1200" dirty="0" err="1">
-                <a:solidFill>
-                  <a:srgbClr val="E2E6E9"/>
-                </a:solidFill>
-                <a:latin typeface="Source Sans 3" pitchFamily="34" charset="0"/>
-                <a:ea typeface="Source Sans 3" pitchFamily="34" charset="-122"/>
-                <a:cs typeface="Source Sans 3" pitchFamily="34" charset="-120"/>
-              </a:rPr>
-              <a:t>모바일</a:t>
-            </a:r>
-            <a:r>
-              <a:rPr lang="en-US" altLang="ko-KR" sz="1200" dirty="0">
-                <a:solidFill>
-                  <a:srgbClr val="E2E6E9"/>
-                </a:solidFill>
-                <a:latin typeface="Source Sans 3" pitchFamily="34" charset="0"/>
-                <a:ea typeface="Source Sans 3" pitchFamily="34" charset="-122"/>
-                <a:cs typeface="Source Sans 3" pitchFamily="34" charset="-120"/>
-              </a:rPr>
-              <a:t> </a:t>
-            </a:r>
-            <a:r>
-              <a:rPr lang="en-US" altLang="ko-KR" sz="1200" dirty="0" err="1">
-                <a:solidFill>
-                  <a:srgbClr val="E2E6E9"/>
-                </a:solidFill>
-                <a:latin typeface="Source Sans 3" pitchFamily="34" charset="0"/>
-                <a:ea typeface="Source Sans 3" pitchFamily="34" charset="-122"/>
-                <a:cs typeface="Source Sans 3" pitchFamily="34" charset="-120"/>
-              </a:rPr>
-              <a:t>네트워크</a:t>
-            </a:r>
-            <a:r>
-              <a:rPr lang="en-US" altLang="ko-KR" sz="1200" dirty="0">
-                <a:solidFill>
-                  <a:srgbClr val="E2E6E9"/>
-                </a:solidFill>
-                <a:latin typeface="Source Sans 3" pitchFamily="34" charset="0"/>
-                <a:ea typeface="Source Sans 3" pitchFamily="34" charset="-122"/>
-                <a:cs typeface="Source Sans 3" pitchFamily="34" charset="-120"/>
-              </a:rPr>
-              <a:t> </a:t>
-            </a:r>
-            <a:r>
-              <a:rPr lang="en-US" altLang="ko-KR" sz="1200" dirty="0" err="1">
-                <a:solidFill>
-                  <a:srgbClr val="E2E6E9"/>
-                </a:solidFill>
-                <a:latin typeface="Source Sans 3" pitchFamily="34" charset="0"/>
-                <a:ea typeface="Source Sans 3" pitchFamily="34" charset="-122"/>
-                <a:cs typeface="Source Sans 3" pitchFamily="34" charset="-120"/>
-              </a:rPr>
-              <a:t>엣지</a:t>
-            </a:r>
-            <a:r>
-              <a:rPr lang="en-US" altLang="ko-KR" sz="1200" dirty="0">
-                <a:solidFill>
-                  <a:srgbClr val="E2E6E9"/>
-                </a:solidFill>
-                <a:latin typeface="Source Sans 3" pitchFamily="34" charset="0"/>
-                <a:ea typeface="Source Sans 3" pitchFamily="34" charset="-122"/>
-                <a:cs typeface="Source Sans 3" pitchFamily="34" charset="-120"/>
-              </a:rPr>
-              <a:t> </a:t>
-            </a:r>
-            <a:r>
-              <a:rPr lang="en-US" altLang="ko-KR" sz="1200" dirty="0" err="1">
-                <a:solidFill>
-                  <a:srgbClr val="E2E6E9"/>
-                </a:solidFill>
-                <a:latin typeface="Source Sans 3" pitchFamily="34" charset="0"/>
-                <a:ea typeface="Source Sans 3" pitchFamily="34" charset="-122"/>
-                <a:cs typeface="Source Sans 3" pitchFamily="34" charset="-120"/>
-              </a:rPr>
-              <a:t>배치는</a:t>
-            </a:r>
-            <a:r>
-              <a:rPr lang="en-US" altLang="ko-KR" sz="1200" dirty="0">
-                <a:solidFill>
-                  <a:srgbClr val="E2E6E9"/>
-                </a:solidFill>
-                <a:latin typeface="Source Sans 3" pitchFamily="34" charset="0"/>
-                <a:ea typeface="Source Sans 3" pitchFamily="34" charset="-122"/>
-                <a:cs typeface="Source Sans 3" pitchFamily="34" charset="-120"/>
-              </a:rPr>
-              <a:t> HD </a:t>
-            </a:r>
-            <a:r>
-              <a:rPr lang="en-US" altLang="ko-KR" sz="1200" dirty="0" err="1">
-                <a:solidFill>
-                  <a:srgbClr val="E2E6E9"/>
-                </a:solidFill>
-                <a:latin typeface="Source Sans 3" pitchFamily="34" charset="0"/>
-                <a:ea typeface="Source Sans 3" pitchFamily="34" charset="-122"/>
-                <a:cs typeface="Source Sans 3" pitchFamily="34" charset="-120"/>
-              </a:rPr>
-              <a:t>해상도에서도</a:t>
-            </a:r>
-            <a:r>
-              <a:rPr lang="en-US" altLang="ko-KR" sz="1200" dirty="0">
-                <a:solidFill>
-                  <a:srgbClr val="E2E6E9"/>
-                </a:solidFill>
-                <a:latin typeface="Source Sans 3" pitchFamily="34" charset="0"/>
-                <a:ea typeface="Source Sans 3" pitchFamily="34" charset="-122"/>
-                <a:cs typeface="Source Sans 3" pitchFamily="34" charset="-120"/>
-              </a:rPr>
-              <a:t> &lt; 70 </a:t>
-            </a:r>
-            <a:r>
-              <a:rPr lang="en-US" altLang="ko-KR" sz="1200" dirty="0" err="1">
-                <a:solidFill>
-                  <a:srgbClr val="E2E6E9"/>
-                </a:solidFill>
-                <a:latin typeface="Source Sans 3" pitchFamily="34" charset="0"/>
-                <a:ea typeface="Source Sans 3" pitchFamily="34" charset="-122"/>
-                <a:cs typeface="Source Sans 3" pitchFamily="34" charset="-120"/>
-              </a:rPr>
-              <a:t>ms</a:t>
-            </a:r>
-            <a:r>
-              <a:rPr lang="en-US" altLang="ko-KR" sz="1200" dirty="0">
-                <a:solidFill>
-                  <a:srgbClr val="E2E6E9"/>
-                </a:solidFill>
-                <a:latin typeface="Source Sans 3" pitchFamily="34" charset="0"/>
-                <a:ea typeface="Source Sans 3" pitchFamily="34" charset="-122"/>
-                <a:cs typeface="Source Sans 3" pitchFamily="34" charset="-120"/>
-              </a:rPr>
-              <a:t> </a:t>
-            </a:r>
-            <a:r>
-              <a:rPr lang="en-US" altLang="ko-KR" sz="1200" dirty="0" err="1">
-                <a:solidFill>
-                  <a:srgbClr val="E2E6E9"/>
-                </a:solidFill>
-                <a:latin typeface="Source Sans 3" pitchFamily="34" charset="0"/>
-                <a:ea typeface="Source Sans 3" pitchFamily="34" charset="-122"/>
-                <a:cs typeface="Source Sans 3" pitchFamily="34" charset="-120"/>
-              </a:rPr>
-              <a:t>달성이</a:t>
-            </a:r>
-            <a:r>
-              <a:rPr lang="en-US" altLang="ko-KR" sz="1200" dirty="0">
-                <a:solidFill>
-                  <a:srgbClr val="E2E6E9"/>
-                </a:solidFill>
-                <a:latin typeface="Source Sans 3" pitchFamily="34" charset="0"/>
-                <a:ea typeface="Source Sans 3" pitchFamily="34" charset="-122"/>
-                <a:cs typeface="Source Sans 3" pitchFamily="34" charset="-120"/>
-              </a:rPr>
-              <a:t> </a:t>
-            </a:r>
-            <a:r>
-              <a:rPr lang="en-US" altLang="ko-KR" sz="1200" dirty="0" err="1">
-                <a:solidFill>
-                  <a:srgbClr val="E2E6E9"/>
-                </a:solidFill>
-                <a:latin typeface="Source Sans 3" pitchFamily="34" charset="0"/>
-                <a:ea typeface="Source Sans 3" pitchFamily="34" charset="-122"/>
-                <a:cs typeface="Source Sans 3" pitchFamily="34" charset="-120"/>
-              </a:rPr>
-              <a:t>가능</a:t>
-            </a:r>
-            <a:r>
-              <a:rPr lang="en-US" altLang="ko-KR" sz="1200" dirty="0">
-                <a:solidFill>
-                  <a:srgbClr val="E2E6E9"/>
-                </a:solidFill>
-                <a:latin typeface="Source Sans 3" pitchFamily="34" charset="0"/>
-                <a:ea typeface="Source Sans 3" pitchFamily="34" charset="-122"/>
-                <a:cs typeface="Source Sans 3" pitchFamily="34" charset="-120"/>
+              <a:rPr lang="ko-KR" altLang="en-US" dirty="0">
+                <a:effectLst/>
+              </a:rPr>
+              <a:t>여러 사용자가 관련된 상황에서도 실험 평가에서 얻은 주요 관찰 결과는 동일하게 유지되므로 실험의 핵심적인 결과는 다중 사용자 시나리오에서도 </a:t>
+            </a:r>
+            <a:r>
+              <a:rPr lang="ko-KR" altLang="en-US" dirty="0" err="1">
+                <a:effectLst/>
+              </a:rPr>
+              <a:t>유효한것으로</a:t>
+            </a:r>
+            <a:r>
+              <a:rPr lang="ko-KR" altLang="en-US" dirty="0">
+                <a:effectLst/>
+              </a:rPr>
+              <a:t> 한다</a:t>
+            </a:r>
+            <a:r>
+              <a:rPr lang="en-US" altLang="ko-KR" dirty="0">
+                <a:effectLst/>
               </a:rPr>
               <a:t>.</a:t>
             </a:r>
-            <a:endParaRPr lang="en-US" altLang="ko-KR" sz="1200" dirty="0"/>
           </a:p>
           <a:p>
             <a:pPr marL="0" marR="0" lvl="0" indent="0" algn="l" defTabSz="914400" rtl="0" eaLnBrk="1" fontAlgn="auto" latinLnBrk="1" hangingPunct="1">
@@ -9537,7 +9613,9 @@
               <a:tabLst/>
               <a:defRPr/>
             </a:pPr>
-            <a:endParaRPr lang="en-US" altLang="ko-KR" sz="1200" dirty="0"/>
+            <a:endParaRPr lang="en-US" altLang="ko-KR" dirty="0">
+              <a:effectLst/>
+            </a:endParaRPr>
           </a:p>
           <a:p>
             <a:pPr marL="0" marR="0" lvl="0" indent="0" algn="l" defTabSz="914400" rtl="0" eaLnBrk="1" fontAlgn="auto" latinLnBrk="1" hangingPunct="1">
@@ -9558,26 +9636,35 @@
               <a:defRPr/>
             </a:pPr>
             <a:r>
-              <a:rPr lang="ko-KR" altLang="en-US" sz="1200" dirty="0"/>
-              <a:t>단 </a:t>
-            </a:r>
-            <a:r>
-              <a:rPr lang="ko-KR" altLang="en-US" sz="1200" dirty="0" err="1"/>
-              <a:t>한명의</a:t>
-            </a:r>
-            <a:r>
-              <a:rPr lang="ko-KR" altLang="en-US" sz="1200" dirty="0"/>
-              <a:t> </a:t>
-            </a:r>
-            <a:r>
-              <a:rPr lang="ko-KR" altLang="en-US" sz="1200" dirty="0" err="1"/>
-              <a:t>엔드유저만이</a:t>
-            </a:r>
-            <a:r>
-              <a:rPr lang="ko-KR" altLang="en-US" sz="1200" dirty="0"/>
-              <a:t> 실험에 참여했다고 되어있으나 </a:t>
-            </a:r>
-            <a:endParaRPr lang="en-US" altLang="ko-KR" sz="1200" dirty="0"/>
+              <a:rPr lang="ko-KR" altLang="en-US" dirty="0">
+                <a:effectLst/>
+              </a:rPr>
+              <a:t>실제로</a:t>
+            </a:r>
+            <a:r>
+              <a:rPr lang="en-US" altLang="ko-KR" dirty="0">
+                <a:effectLst/>
+              </a:rPr>
+              <a:t>, </a:t>
+            </a:r>
+            <a:r>
+              <a:rPr lang="ko-KR" altLang="en-US" dirty="0">
+                <a:effectLst/>
+              </a:rPr>
+              <a:t>많은 사용자가 관여하는 상황에서는 네트워크 접근과 관련된 문제가 더욱 </a:t>
+            </a:r>
+            <a:r>
+              <a:rPr lang="ko-KR" altLang="en-US" dirty="0" err="1">
+                <a:effectLst/>
+              </a:rPr>
+              <a:t>중요해진다</a:t>
+            </a:r>
+            <a:r>
+              <a:rPr lang="en-US" altLang="ko-KR" dirty="0">
+                <a:effectLst/>
+              </a:rPr>
+              <a:t>.</a:t>
+            </a:r>
           </a:p>
           <a:p>
             <a:pPr marL="0" marR="0" lvl="0" indent="0" algn="l" defTabSz="914400" rtl="0" eaLnBrk="1" fontAlgn="auto" latinLnBrk="1" hangingPunct="1">
@@ -9597,31 +9684,9 @@
               <a:tabLst/>
               <a:defRPr/>
             </a:pPr>
-            <a:r>
-              <a:rPr lang="ko-KR" altLang="en-US" dirty="0">
-                <a:effectLst/>
-              </a:rPr>
-              <a:t>일반적으로 사용자당 하나의 가상 머신</a:t>
-            </a:r>
-            <a:r>
-              <a:rPr lang="en-US" altLang="ko-KR" dirty="0">
-                <a:effectLst/>
-              </a:rPr>
-              <a:t>(VM) </a:t>
-            </a:r>
-            <a:r>
-              <a:rPr lang="ko-KR" altLang="en-US" dirty="0">
-                <a:effectLst/>
-              </a:rPr>
-              <a:t>또는 컨테이너에 의존한다</a:t>
-            </a:r>
-            <a:r>
-              <a:rPr lang="en-US" altLang="ko-KR" dirty="0">
-                <a:effectLst/>
-              </a:rPr>
-              <a:t>.</a:t>
-            </a:r>
-            <a:endParaRPr lang="en-US" altLang="ko-KR" sz="1200" dirty="0"/>
+            <a:endParaRPr lang="en-US" altLang="ko-KR" dirty="0">
+              <a:effectLst/>
+            </a:endParaRPr>
           </a:p>
           <a:p>
             <a:pPr marL="0" marR="0" lvl="0" indent="0" algn="l" defTabSz="914400" rtl="0" eaLnBrk="1" fontAlgn="auto" latinLnBrk="1" hangingPunct="1">
@@ -9642,62 +9707,29 @@
               <a:defRPr/>
             </a:pPr>
             <a:r>
-              <a:rPr lang="ko-KR" altLang="en-US" dirty="0">
-                <a:effectLst/>
-              </a:rPr>
-              <a:t>다중 플레이어 게임의 경우</a:t>
-            </a:r>
-            <a:r>
-              <a:rPr lang="en-US" altLang="ko-KR" dirty="0">
-                <a:effectLst/>
-              </a:rPr>
-              <a:t>, </a:t>
-            </a:r>
-            <a:r>
-              <a:rPr lang="ko-KR" altLang="en-US" dirty="0">
-                <a:effectLst/>
-              </a:rPr>
-              <a:t>각 사용자를 위한 렌더링을 위해 단일 가상화 인스턴스</a:t>
-            </a:r>
-            <a:r>
-              <a:rPr lang="en-US" altLang="ko-KR" dirty="0">
-                <a:effectLst/>
-              </a:rPr>
-              <a:t>(</a:t>
-            </a:r>
-            <a:r>
-              <a:rPr lang="ko-KR" altLang="en-US" dirty="0">
-                <a:effectLst/>
-              </a:rPr>
-              <a:t>컨테이너 또는 </a:t>
-            </a:r>
-            <a:r>
-              <a:rPr lang="en-US" altLang="ko-KR" dirty="0">
-                <a:effectLst/>
-              </a:rPr>
-              <a:t>VM)</a:t>
-            </a:r>
-            <a:r>
-              <a:rPr lang="ko-KR" altLang="en-US" dirty="0">
-                <a:effectLst/>
-              </a:rPr>
-              <a:t>가 </a:t>
-            </a:r>
-            <a:r>
-              <a:rPr lang="ko-KR" altLang="en-US" dirty="0" err="1">
-                <a:effectLst/>
-              </a:rPr>
-              <a:t>엣지에</a:t>
-            </a:r>
-            <a:r>
-              <a:rPr lang="ko-KR" altLang="en-US" dirty="0">
-                <a:effectLst/>
-              </a:rPr>
-              <a:t> 배포</a:t>
-            </a:r>
-            <a:endParaRPr lang="en-US" altLang="ko-KR" dirty="0">
-              <a:effectLst/>
-            </a:endParaRPr>
+              <a:rPr lang="ko-KR" altLang="en-US" sz="1200" dirty="0">
+                <a:effectLst/>
+              </a:rPr>
+              <a:t>이에 따라 </a:t>
+            </a:r>
+            <a:r>
+              <a:rPr lang="en-US" altLang="ko-KR" sz="1200" dirty="0">
+                <a:effectLst/>
+              </a:rPr>
+              <a:t>NFV/SDN </a:t>
+            </a:r>
+            <a:r>
+              <a:rPr lang="ko-KR" altLang="en-US" sz="1200" dirty="0">
+                <a:effectLst/>
+              </a:rPr>
+              <a:t>역할이 필요하다</a:t>
+            </a:r>
+            <a:r>
+              <a:rPr lang="en-US" altLang="ko-KR" sz="1200" dirty="0">
+                <a:effectLst/>
+              </a:rPr>
+              <a:t>.</a:t>
+            </a:r>
           </a:p>
           <a:p>
             <a:pPr marL="0" marR="0" lvl="0" indent="0" algn="l" defTabSz="914400" rtl="0" eaLnBrk="1" fontAlgn="auto" latinLnBrk="1" hangingPunct="1">
@@ -9717,12 +9749,6 @@
               <a:tabLst/>
               <a:defRPr/>
             </a:pPr>
-            <a:r>
-              <a:rPr lang="ko-KR" altLang="en-US" dirty="0">
-                <a:effectLst/>
-              </a:rPr>
-              <a:t>여러 사용자가 관련된 상황에서도 실험 평가에서 얻은 주요 관찰 결과는 동일하게 유지</a:t>
-            </a:r>
             <a:endParaRPr lang="en-US" altLang="ko-KR" dirty="0">
               <a:effectLst/>
             </a:endParaRPr>
@@ -9745,7 +9771,103 @@
               <a:tabLst/>
               <a:defRPr/>
             </a:pPr>
-            <a:endParaRPr lang="en-US" altLang="ko-KR" sz="1200" dirty="0">
+            <a:r>
+              <a:rPr lang="en-US" altLang="ko-KR" dirty="0">
+                <a:effectLst/>
+              </a:rPr>
+              <a:t>NFV</a:t>
+            </a:r>
+            <a:r>
+              <a:rPr lang="ko-KR" altLang="en-US" dirty="0">
+                <a:effectLst/>
+              </a:rPr>
+              <a:t>는 </a:t>
+            </a:r>
+            <a:r>
+              <a:rPr lang="ko-KR" altLang="en-US" dirty="0" err="1">
+                <a:effectLst/>
+              </a:rPr>
+              <a:t>엣지에</a:t>
+            </a:r>
+            <a:r>
+              <a:rPr lang="ko-KR" altLang="en-US" dirty="0">
+                <a:effectLst/>
+              </a:rPr>
+              <a:t> </a:t>
+            </a:r>
+            <a:r>
+              <a:rPr lang="ko-KR" altLang="en-US" dirty="0" err="1">
+                <a:effectLst/>
+              </a:rPr>
+              <a:t>가상화된</a:t>
+            </a:r>
+            <a:r>
+              <a:rPr lang="ko-KR" altLang="en-US" dirty="0">
+                <a:effectLst/>
+              </a:rPr>
+              <a:t> </a:t>
+            </a:r>
+            <a:r>
+              <a:rPr lang="ko-KR" altLang="en-US" dirty="0" err="1">
+                <a:effectLst/>
+              </a:rPr>
+              <a:t>게이밍</a:t>
+            </a:r>
+            <a:r>
+              <a:rPr lang="ko-KR" altLang="en-US" dirty="0">
+                <a:effectLst/>
+              </a:rPr>
+              <a:t> 모듈을 배포하고 액세스 네트워크의 실시간 정보를 활용하여 애플리케이션 매개변수</a:t>
+            </a:r>
+            <a:r>
+              <a:rPr lang="en-US" altLang="ko-KR" dirty="0">
+                <a:effectLst/>
+              </a:rPr>
+              <a:t>(</a:t>
+            </a:r>
+            <a:r>
+              <a:rPr lang="ko-KR" altLang="en-US" dirty="0">
+                <a:effectLst/>
+              </a:rPr>
+              <a:t>예</a:t>
+            </a:r>
+            <a:r>
+              <a:rPr lang="en-US" altLang="ko-KR" dirty="0">
+                <a:effectLst/>
+              </a:rPr>
+              <a:t>: </a:t>
+            </a:r>
+            <a:r>
+              <a:rPr lang="ko-KR" altLang="en-US" dirty="0">
+                <a:effectLst/>
+              </a:rPr>
+              <a:t>클라우드 </a:t>
+            </a:r>
+            <a:r>
+              <a:rPr lang="ko-KR" altLang="en-US" dirty="0" err="1">
+                <a:effectLst/>
+              </a:rPr>
+              <a:t>게이밍의</a:t>
+            </a:r>
+            <a:r>
+              <a:rPr lang="ko-KR" altLang="en-US" dirty="0">
+                <a:effectLst/>
+              </a:rPr>
+              <a:t> 비디오 인코딩 매개변수</a:t>
+            </a:r>
+            <a:r>
+              <a:rPr lang="en-US" altLang="ko-KR" dirty="0">
+                <a:effectLst/>
+              </a:rPr>
+              <a:t>)</a:t>
+            </a:r>
+            <a:r>
+              <a:rPr lang="ko-KR" altLang="en-US" dirty="0">
+                <a:effectLst/>
+              </a:rPr>
+              <a:t>를 적절히 조정해야 하고</a:t>
+            </a:r>
+            <a:endParaRPr lang="en-US" altLang="ko-KR" dirty="0">
               <a:effectLst/>
             </a:endParaRPr>
           </a:p>
@@ -9767,36 +9889,9 @@
               <a:tabLst/>
               <a:defRPr/>
             </a:pPr>
-            <a:r>
-              <a:rPr lang="ko-KR" altLang="en-US" dirty="0">
-                <a:effectLst/>
-              </a:rPr>
-              <a:t>실제로</a:t>
-            </a:r>
-            <a:r>
-              <a:rPr lang="en-US" altLang="ko-KR" dirty="0">
-                <a:effectLst/>
-              </a:rPr>
-              <a:t>, </a:t>
-            </a:r>
-            <a:r>
-              <a:rPr lang="ko-KR" altLang="en-US" dirty="0">
-                <a:effectLst/>
-              </a:rPr>
-              <a:t>많은 사용자가 관여하는 상황에서는 네트워크 접근과 관련된 문제가 더욱 </a:t>
-            </a:r>
-            <a:r>
-              <a:rPr lang="ko-KR" altLang="en-US" dirty="0" err="1">
-                <a:effectLst/>
-              </a:rPr>
-              <a:t>중요해진다</a:t>
-            </a:r>
-            <a:r>
-              <a:rPr lang="en-US" altLang="ko-KR" dirty="0">
-                <a:effectLst/>
-              </a:rPr>
-              <a:t>.</a:t>
-            </a:r>
+            <a:endParaRPr lang="en-US" altLang="ko-KR" dirty="0">
+              <a:effectLst/>
+            </a:endParaRPr>
           </a:p>
           <a:p>
             <a:pPr marL="0" marR="0" lvl="0" indent="0" algn="l" defTabSz="914400" rtl="0" eaLnBrk="1" fontAlgn="auto" latinLnBrk="1" hangingPunct="1">
@@ -9817,100 +9912,34 @@
               <a:defRPr/>
             </a:pPr>
             <a:r>
+              <a:rPr lang="ko-KR" altLang="en-US" dirty="0">
+                <a:effectLst/>
+              </a:rPr>
+              <a:t>에지 </a:t>
+            </a:r>
+            <a:r>
+              <a:rPr lang="ko-KR" altLang="en-US" dirty="0" err="1">
+                <a:effectLst/>
+              </a:rPr>
+              <a:t>오케스트레이터는</a:t>
+            </a:r>
+            <a:r>
+              <a:rPr lang="ko-KR" altLang="en-US" dirty="0">
+                <a:effectLst/>
+              </a:rPr>
+              <a:t> 특정 게임의 요구 사항에 따라 더 높은 처리 능력을 가진 </a:t>
+            </a:r>
+            <a:r>
               <a:rPr lang="en-US" altLang="ko-KR" dirty="0">
                 <a:effectLst/>
               </a:rPr>
-              <a:t>NFV</a:t>
+              <a:t>VM </a:t>
             </a:r>
             <a:r>
               <a:rPr lang="ko-KR" altLang="en-US" dirty="0">
                 <a:effectLst/>
               </a:rPr>
-              <a:t>는 </a:t>
-            </a:r>
-            <a:r>
-              <a:rPr lang="ko-KR" altLang="en-US" dirty="0" err="1">
-                <a:effectLst/>
-              </a:rPr>
-              <a:t>엣지에</a:t>
-            </a:r>
-            <a:r>
-              <a:rPr lang="ko-KR" altLang="en-US" dirty="0">
-                <a:effectLst/>
-              </a:rPr>
-              <a:t> </a:t>
-            </a:r>
-            <a:r>
-              <a:rPr lang="ko-KR" altLang="en-US" dirty="0" err="1">
-                <a:effectLst/>
-              </a:rPr>
-              <a:t>가상화된</a:t>
-            </a:r>
-            <a:r>
-              <a:rPr lang="ko-KR" altLang="en-US" dirty="0">
-                <a:effectLst/>
-              </a:rPr>
-              <a:t> </a:t>
-            </a:r>
-            <a:r>
-              <a:rPr lang="ko-KR" altLang="en-US" dirty="0" err="1">
-                <a:effectLst/>
-              </a:rPr>
-              <a:t>게이밍</a:t>
-            </a:r>
-            <a:r>
-              <a:rPr lang="ko-KR" altLang="en-US" dirty="0">
-                <a:effectLst/>
-              </a:rPr>
-              <a:t> 모듈을 배포하고 액세스 네트워크의 실시간 정보를 활용하여 애플리케이션 매개변수</a:t>
-            </a:r>
-            <a:r>
-              <a:rPr lang="en-US" altLang="ko-KR" dirty="0">
-                <a:effectLst/>
-              </a:rPr>
-              <a:t>(</a:t>
-            </a:r>
-            <a:r>
-              <a:rPr lang="ko-KR" altLang="en-US" dirty="0">
-                <a:effectLst/>
-              </a:rPr>
-              <a:t>예</a:t>
-            </a:r>
-            <a:r>
-              <a:rPr lang="en-US" altLang="ko-KR" dirty="0">
-                <a:effectLst/>
-              </a:rPr>
-              <a:t>: </a:t>
-            </a:r>
-            <a:r>
-              <a:rPr lang="ko-KR" altLang="en-US" dirty="0">
-                <a:effectLst/>
-              </a:rPr>
-              <a:t>클라우드 </a:t>
-            </a:r>
-            <a:r>
-              <a:rPr lang="ko-KR" altLang="en-US" dirty="0" err="1">
-                <a:effectLst/>
-              </a:rPr>
-              <a:t>게이밍의</a:t>
-            </a:r>
-            <a:r>
-              <a:rPr lang="ko-KR" altLang="en-US" dirty="0">
-                <a:effectLst/>
-              </a:rPr>
-              <a:t> 비디오 인코딩 매개변수</a:t>
-            </a:r>
-            <a:r>
-              <a:rPr lang="en-US" altLang="ko-KR" dirty="0">
-                <a:effectLst/>
-              </a:rPr>
-              <a:t>)</a:t>
-            </a:r>
-            <a:r>
-              <a:rPr lang="ko-KR" altLang="en-US" dirty="0">
-                <a:effectLst/>
-              </a:rPr>
-              <a:t>를 적절히 조정</a:t>
+              <a:t>또는 컨테이너를 시작</a:t>
             </a:r>
             <a:endParaRPr lang="en-US" altLang="ko-KR" dirty="0">
               <a:effectLst/>
@@ -9934,36 +9963,6 @@
               <a:tabLst/>
               <a:defRPr/>
             </a:pPr>
-            <a:r>
-              <a:rPr lang="ko-KR" altLang="en-US" dirty="0">
-                <a:effectLst/>
-              </a:rPr>
-              <a:t>에지 </a:t>
-            </a:r>
-            <a:r>
-              <a:rPr lang="ko-KR" altLang="en-US" dirty="0" err="1">
-                <a:effectLst/>
-              </a:rPr>
-              <a:t>오케스트레이터는</a:t>
-            </a:r>
-            <a:r>
-              <a:rPr lang="ko-KR" altLang="en-US" dirty="0">
-                <a:effectLst/>
-              </a:rPr>
-              <a:t> 특정 게임의 요구 사항에 따라 더 높은 처리 능력을 가진 </a:t>
-            </a:r>
-            <a:r>
-              <a:rPr lang="en-US" altLang="ko-KR" dirty="0">
-                <a:effectLst/>
-              </a:rPr>
-              <a:t>VM </a:t>
-            </a:r>
-            <a:r>
-              <a:rPr lang="ko-KR" altLang="en-US" dirty="0">
-                <a:effectLst/>
-              </a:rPr>
-              <a:t>또는 컨테이너를 시작</a:t>
-            </a:r>
             <a:endParaRPr lang="en-US" altLang="ko-KR" dirty="0">
               <a:effectLst/>
             </a:endParaRPr>
@@ -9990,7 +9989,7 @@
               <a:rPr lang="ko-KR" altLang="en-US" dirty="0">
                 <a:effectLst/>
               </a:rPr>
-              <a:t>사용자의 이동성은 에지 컴퓨팅 리소스</a:t>
+              <a:t>사용자의 이동성에 따라 에지 컴퓨팅 리소스</a:t>
             </a:r>
             <a:r>
               <a:rPr lang="en-US" altLang="ko-KR" dirty="0">
@@ -10014,11 +10013,64 @@
               <a:rPr lang="ko-KR" altLang="en-US" dirty="0">
                 <a:effectLst/>
               </a:rPr>
-              <a:t>의 실시간 이동</a:t>
-            </a:r>
-            <a:endParaRPr lang="en-US" altLang="ko-KR" sz="1200" dirty="0"/>
-          </a:p>
-          <a:p>
+              <a:t>의 실시간 마이그레이션</a:t>
+            </a:r>
+            <a:endParaRPr lang="en-US" altLang="ko-KR" dirty="0">
+              <a:effectLst/>
+            </a:endParaRPr>
+          </a:p>
+          <a:p>
+            <a:pPr marL="0" marR="0" lvl="0" indent="0" algn="l" defTabSz="914400" rtl="0" eaLnBrk="1" fontAlgn="auto" latinLnBrk="1" hangingPunct="1">
+              <a:lnSpc>
+                <a:spcPct val="100000"/>
+              </a:lnSpc>
+              <a:spcBef>
+                <a:spcPts val="0"/>
+              </a:spcBef>
+              <a:spcAft>
+                <a:spcPts val="0"/>
+              </a:spcAft>
+              <a:buClrTx/>
+              <a:buSzTx/>
+              <a:buFontTx/>
+              <a:buNone/>
+              <a:tabLst/>
+              <a:defRPr/>
+            </a:pPr>
+            <a:endParaRPr lang="en-US" dirty="0">
+              <a:effectLst/>
+            </a:endParaRPr>
+          </a:p>
+          <a:p>
+            <a:pPr marL="0" marR="0" lvl="0" indent="0" algn="l" defTabSz="914400" rtl="0" eaLnBrk="1" fontAlgn="auto" latinLnBrk="1" hangingPunct="1">
+              <a:lnSpc>
+                <a:spcPct val="100000"/>
+              </a:lnSpc>
+              <a:spcBef>
+                <a:spcPts val="0"/>
+              </a:spcBef>
+              <a:spcAft>
+                <a:spcPts val="0"/>
+              </a:spcAft>
+              <a:buClrTx/>
+              <a:buSzTx/>
+              <a:buFontTx/>
+              <a:buNone/>
+              <a:tabLst/>
+              <a:defRPr/>
+            </a:pPr>
+            <a:r>
+              <a:rPr lang="ko-KR" altLang="en-US" dirty="0"/>
+              <a:t>을 통해 처리 </a:t>
+            </a:r>
+            <a:r>
+              <a:rPr lang="ko-KR" altLang="en-US" dirty="0" err="1"/>
+              <a:t>해야합니다</a:t>
+            </a:r>
+            <a:r>
+              <a:rPr lang="en-US" altLang="ko-KR" dirty="0"/>
+              <a:t>.</a:t>
+            </a:r>
             <a:endParaRPr lang="en-US" dirty="0"/>
           </a:p>
         </p:txBody>
@@ -10170,69 +10222,143 @@
               <a:rPr lang="ko-KR" altLang="en-US" dirty="0">
                 <a:effectLst/>
               </a:rPr>
-              <a:t>무선 통신과 컴퓨팅 기술 모두의 근본적인 발전 없이는 응답 시간을 </a:t>
+              <a:t>그리고 한계점에 대해서 설명합니다</a:t>
             </a:r>
             <a:r>
               <a:rPr lang="en-US" altLang="ko-KR" dirty="0">
                 <a:effectLst/>
               </a:rPr>
-              <a:t>10</a:t>
-            </a:r>
-            <a:r>
-              <a:rPr lang="ko-KR" altLang="en-US" dirty="0" err="1">
-                <a:effectLst/>
-              </a:rPr>
-              <a:t>밀리초</a:t>
-            </a:r>
-            <a:r>
-              <a:rPr lang="en-US" altLang="ko-KR" dirty="0">
-                <a:effectLst/>
-              </a:rPr>
-              <a:t>(</a:t>
-            </a:r>
-            <a:r>
-              <a:rPr lang="en-US" altLang="ko-KR" dirty="0" err="1">
-                <a:effectLst/>
-              </a:rPr>
-              <a:t>ms</a:t>
-            </a:r>
-            <a:r>
-              <a:rPr lang="en-US" altLang="ko-KR" dirty="0">
-                <a:effectLst/>
-              </a:rPr>
-              <a:t>) </a:t>
-            </a:r>
-            <a:r>
-              <a:rPr lang="ko-KR" altLang="en-US" dirty="0">
-                <a:effectLst/>
-              </a:rPr>
-              <a:t>이하로 낮추는 것은 불가능하다</a:t>
-            </a:r>
-            <a:endParaRPr lang="en-US" altLang="ko-KR" sz="1200" dirty="0"/>
-          </a:p>
-          <a:p>
-            <a:r>
-              <a:rPr lang="ko-KR" altLang="en-US" dirty="0">
-                <a:effectLst/>
-              </a:rPr>
-              <a:t>지연에 영향을 미치는 요인들을 근본적인 돌파구 없이 크게 줄일 수 있는지는 아직 확실하지 않다</a:t>
-            </a:r>
+              <a:t>.</a:t>
+            </a:r>
+          </a:p>
+          <a:p>
+            <a:pPr marL="0" marR="0" lvl="0" indent="0" algn="l" defTabSz="914400" rtl="0" eaLnBrk="1" fontAlgn="auto" latinLnBrk="1" hangingPunct="1">
+              <a:lnSpc>
+                <a:spcPct val="100000"/>
+              </a:lnSpc>
+              <a:spcBef>
+                <a:spcPts val="0"/>
+              </a:spcBef>
+              <a:spcAft>
+                <a:spcPts val="0"/>
+              </a:spcAft>
+              <a:buClrTx/>
+              <a:buSzTx/>
+              <a:buFontTx/>
+              <a:buNone/>
+              <a:tabLst/>
+              <a:defRPr/>
+            </a:pPr>
             <a:endParaRPr lang="en-US" altLang="ko-KR" dirty="0">
               <a:effectLst/>
             </a:endParaRPr>
           </a:p>
           <a:p>
+            <a:pPr marL="0" marR="0" lvl="0" indent="0" algn="l" defTabSz="914400" rtl="0" eaLnBrk="1" fontAlgn="auto" latinLnBrk="1" hangingPunct="1">
+              <a:lnSpc>
+                <a:spcPct val="100000"/>
+              </a:lnSpc>
+              <a:spcBef>
+                <a:spcPts val="0"/>
+              </a:spcBef>
+              <a:spcAft>
+                <a:spcPts val="0"/>
+              </a:spcAft>
+              <a:buClrTx/>
+              <a:buSzTx/>
+              <a:buFontTx/>
+              <a:buNone/>
+              <a:tabLst/>
+              <a:defRPr/>
+            </a:pPr>
+            <a:r>
+              <a:rPr lang="ko-KR" altLang="en-US" dirty="0">
+                <a:effectLst/>
+              </a:rPr>
+              <a:t>무선 통신과 컴퓨팅 기술 모두의 근본적인 발전 없이는 응답 시간을 </a:t>
+            </a:r>
+            <a:r>
+              <a:rPr lang="en-US" altLang="ko-KR" dirty="0">
+                <a:effectLst/>
+              </a:rPr>
+              <a:t>10</a:t>
+            </a:r>
             <a:r>
               <a:rPr lang="ko-KR" altLang="en-US" dirty="0" err="1">
                 <a:effectLst/>
               </a:rPr>
-              <a:t>야심찬</a:t>
+              <a:t>밀리초</a:t>
+            </a:r>
+            <a:r>
+              <a:rPr lang="en-US" altLang="ko-KR" dirty="0">
+                <a:effectLst/>
+              </a:rPr>
+              <a:t>(</a:t>
+            </a:r>
+            <a:r>
+              <a:rPr lang="en-US" altLang="ko-KR" dirty="0" err="1">
+                <a:effectLst/>
+              </a:rPr>
+              <a:t>ms</a:t>
+            </a:r>
+            <a:r>
+              <a:rPr lang="en-US" altLang="ko-KR" dirty="0">
+                <a:effectLst/>
+              </a:rPr>
+              <a:t>) </a:t>
             </a:r>
             <a:r>
               <a:rPr lang="ko-KR" altLang="en-US" dirty="0">
                 <a:effectLst/>
               </a:rPr>
-              <a:t> 목표를 달성하기 위해서는 </a:t>
+              <a:t>이하로 낮추는 것은 불가능하다</a:t>
+            </a:r>
+            <a:endParaRPr lang="en-US" altLang="ko-KR" dirty="0">
+              <a:effectLst/>
+            </a:endParaRPr>
+          </a:p>
+          <a:p>
+            <a:pPr marL="0" marR="0" lvl="0" indent="0" algn="l" defTabSz="914400" rtl="0" eaLnBrk="1" fontAlgn="auto" latinLnBrk="1" hangingPunct="1">
+              <a:lnSpc>
+                <a:spcPct val="100000"/>
+              </a:lnSpc>
+              <a:spcBef>
+                <a:spcPts val="0"/>
+              </a:spcBef>
+              <a:spcAft>
+                <a:spcPts val="0"/>
+              </a:spcAft>
+              <a:buClrTx/>
+              <a:buSzTx/>
+              <a:buFontTx/>
+              <a:buNone/>
+              <a:tabLst/>
+              <a:defRPr/>
+            </a:pPr>
+            <a:endParaRPr lang="en-US" altLang="ko-KR" sz="1200" dirty="0"/>
+          </a:p>
+          <a:p>
+            <a:r>
+              <a:rPr lang="ko-KR" altLang="en-US" dirty="0">
+                <a:effectLst/>
+              </a:rPr>
+              <a:t>지연에 영향을 미치는 여러 요인들의 근본적인 돌파구 없이 크게 줄일 수 있는지는 아직 확실하지 않다</a:t>
+            </a:r>
+            <a:endParaRPr lang="en-US" altLang="ko-KR" dirty="0">
+              <a:effectLst/>
+            </a:endParaRPr>
+          </a:p>
+          <a:p>
+            <a:endParaRPr lang="en-US" altLang="ko-KR" dirty="0">
+              <a:effectLst/>
+            </a:endParaRPr>
+          </a:p>
+          <a:p>
+            <a:r>
+              <a:rPr lang="ko-KR" altLang="en-US" dirty="0">
+                <a:effectLst/>
+              </a:rPr>
+              <a:t>확실한 것은 목표를 달성하기 위해서는 </a:t>
             </a:r>
             <a:r>
               <a:rPr lang="ko-KR" altLang="en-US" dirty="0" err="1">
@@ -10335,6 +10461,46 @@
         <p:txBody>
           <a:bodyPr/>
           <a:lstStyle/>
+          <a:p>
+            <a:r>
+              <a:rPr lang="en-US" dirty="0"/>
+              <a:t>7</a:t>
+            </a:r>
+            <a:r>
+              <a:rPr lang="ko-KR" altLang="en-US" dirty="0"/>
+              <a:t>번째 섹션에서는 </a:t>
+            </a:r>
+            <a:endParaRPr lang="en-US" altLang="ko-KR" dirty="0"/>
+          </a:p>
+          <a:p>
+            <a:endParaRPr lang="en-US" altLang="ko-KR" dirty="0"/>
+          </a:p>
+          <a:p>
+            <a:r>
+              <a:rPr lang="ko-KR" altLang="en-US" dirty="0"/>
+              <a:t>지금까지 진행한 실험 평가와 논의에 대한 </a:t>
+            </a:r>
+            <a:endParaRPr lang="en-US" altLang="ko-KR" dirty="0"/>
+          </a:p>
+          <a:p>
+            <a:endParaRPr lang="en-US" altLang="ko-KR" dirty="0"/>
+          </a:p>
+          <a:p>
+            <a:endParaRPr lang="en-US" altLang="ko-KR" dirty="0"/>
+          </a:p>
+          <a:p>
+            <a:r>
+              <a:rPr lang="ko-KR" altLang="en-US" dirty="0"/>
+              <a:t>논문의 결론입니다</a:t>
+            </a:r>
+            <a:r>
+              <a:rPr lang="en-US" altLang="ko-KR" dirty="0"/>
+              <a:t>.</a:t>
+            </a:r>
+          </a:p>
+          <a:p>
+            <a:endParaRPr lang="en-US" dirty="0"/>
+          </a:p>
           <a:p>
             <a:endParaRPr lang="en-US" dirty="0"/>
           </a:p>
@@ -10440,36 +10606,43 @@
           <a:p>
             <a:r>
               <a:rPr lang="ko-KR" altLang="en-US" dirty="0"/>
-              <a:t>클라우드 스케일업만으론 부족하고</a:t>
+              <a:t>클라우드 증설만으론 부족하고</a:t>
             </a:r>
             <a:r>
               <a:rPr lang="en-US" altLang="ko-KR" dirty="0"/>
               <a:t>, </a:t>
             </a:r>
+          </a:p>
+          <a:p>
+            <a:r>
+              <a:rPr lang="ko-KR" altLang="en-US" dirty="0" err="1"/>
+              <a:t>엣지에</a:t>
+            </a:r>
+            <a:r>
+              <a:rPr lang="ko-KR" altLang="en-US" dirty="0"/>
+              <a:t> 최소한의 자원이라도 배분해야 체감 품질이 향상 되므로</a:t>
+            </a:r>
+            <a:endParaRPr lang="en-US" altLang="ko-KR" dirty="0"/>
+          </a:p>
+          <a:p>
             <a:r>
               <a:rPr lang="ko-KR" altLang="en-US" b="1" dirty="0" err="1"/>
               <a:t>엣지</a:t>
             </a:r>
             <a:r>
               <a:rPr lang="ko-KR" altLang="en-US" b="1" dirty="0"/>
-              <a:t> 자원 배치가 </a:t>
-            </a:r>
-            <a:r>
-              <a:rPr lang="en-US" altLang="ko-KR" b="1" dirty="0" err="1"/>
-              <a:t>QoE</a:t>
-            </a:r>
-            <a:r>
-              <a:rPr lang="ko-KR" altLang="en-US" b="1" dirty="0"/>
-              <a:t>를 좌우</a:t>
+              <a:t> 자원 배치가 체감품질 향상을 좌우</a:t>
             </a:r>
             <a:r>
               <a:rPr lang="ko-KR" altLang="en-US" dirty="0"/>
               <a:t>한다</a:t>
             </a:r>
-            <a:r>
-              <a:rPr lang="en-US" altLang="ko-KR" dirty="0"/>
-              <a:t>—</a:t>
-            </a:r>
+            <a:endParaRPr lang="en-US" altLang="ko-KR" dirty="0"/>
+          </a:p>
+          <a:p>
+            <a:endParaRPr lang="en-US" altLang="ko-KR" dirty="0"/>
+          </a:p>
+          <a:p>
             <a:r>
               <a:rPr lang="ko-KR" altLang="en-US" dirty="0"/>
               <a:t>특히 </a:t>
@@ -10481,6 +10654,58 @@
             <a:r>
               <a:rPr lang="ko-KR" altLang="en-US" dirty="0"/>
               <a:t>에서</a:t>
+            </a:r>
+            <a:r>
+              <a:rPr lang="en-US" altLang="ko-KR" dirty="0"/>
+              <a:t>.</a:t>
+            </a:r>
+          </a:p>
+          <a:p>
+            <a:endParaRPr lang="en-US" dirty="0"/>
+          </a:p>
+          <a:p>
+            <a:r>
+              <a:rPr lang="ko-KR" altLang="en-US" dirty="0"/>
+              <a:t>끝으로 향후의 연구 방향을 제시합니다</a:t>
+            </a:r>
+            <a:r>
+              <a:rPr lang="en-US" altLang="ko-KR" dirty="0"/>
+              <a:t>.</a:t>
+            </a:r>
+          </a:p>
+          <a:p>
+            <a:endParaRPr lang="en-US" altLang="ko-KR" dirty="0"/>
+          </a:p>
+          <a:p>
+            <a:r>
+              <a:rPr lang="ko-KR" altLang="en-US" dirty="0"/>
+              <a:t>모바일 게임의 대규모 평가와 </a:t>
+            </a:r>
+            <a:endParaRPr lang="en-US" altLang="ko-KR" dirty="0"/>
+          </a:p>
+          <a:p>
+            <a:r>
+              <a:rPr lang="ko-KR" altLang="en-US" dirty="0" err="1"/>
+              <a:t>엣지</a:t>
+            </a:r>
+            <a:r>
+              <a:rPr lang="ko-KR" altLang="en-US" dirty="0"/>
+              <a:t> </a:t>
+            </a:r>
+            <a:r>
+              <a:rPr lang="ko-KR" altLang="en-US" dirty="0" err="1"/>
+              <a:t>아키텍쳐를</a:t>
+            </a:r>
+            <a:r>
+              <a:rPr lang="ko-KR" altLang="en-US" dirty="0"/>
+              <a:t> 시나리오 별 비교</a:t>
+            </a:r>
+            <a:endParaRPr lang="en-US" altLang="ko-KR" dirty="0"/>
+          </a:p>
+          <a:p>
+            <a:r>
+              <a:rPr lang="ko-KR" altLang="en-US" dirty="0"/>
+              <a:t>가 흥미로울 것이라고 말하며 이 논문이 더 많은 연구를 장려하기를 바란다는 말을 마지막으로 논문을 마무리 합니다</a:t>
             </a:r>
             <a:r>
               <a:rPr lang="en-US" altLang="ko-KR" dirty="0"/>
@@ -10594,6 +10819,233 @@
           <a:bodyPr/>
           <a:lstStyle/>
           <a:p>
+            <a:r>
+              <a:rPr lang="ko-KR" altLang="en-US" dirty="0"/>
+              <a:t>초록 부분에서 언급되었지만 이 논문에 기여에 대해서 다시 말씀드리겠습니다</a:t>
+            </a:r>
+            <a:r>
+              <a:rPr lang="en-US" altLang="ko-KR" dirty="0"/>
+              <a:t>.</a:t>
+            </a:r>
+          </a:p>
+          <a:p>
+            <a:endParaRPr lang="en-US" dirty="0"/>
+          </a:p>
+          <a:p>
+            <a:pPr marL="228600" marR="0" lvl="0" indent="-228600" algn="l" defTabSz="914400" rtl="0" eaLnBrk="1" fontAlgn="auto" latinLnBrk="1" hangingPunct="1">
+              <a:lnSpc>
+                <a:spcPct val="100000"/>
+              </a:lnSpc>
+              <a:spcBef>
+                <a:spcPts val="0"/>
+              </a:spcBef>
+              <a:spcAft>
+                <a:spcPts val="0"/>
+              </a:spcAft>
+              <a:buClrTx/>
+              <a:buSzTx/>
+              <a:buFontTx/>
+              <a:buAutoNum type="arabicPeriod"/>
+              <a:tabLst/>
+              <a:defRPr/>
+            </a:pPr>
+            <a:r>
+              <a:rPr lang="ko-KR" altLang="en-US" sz="1200" b="0" i="0" kern="1200" dirty="0">
+                <a:solidFill>
+                  <a:schemeClr val="tx1"/>
+                </a:solidFill>
+                <a:effectLst/>
+                <a:latin typeface="+mn-lt"/>
+                <a:ea typeface="+mn-ea"/>
+                <a:cs typeface="+mn-cs"/>
+              </a:rPr>
+              <a:t>현재 </a:t>
+            </a:r>
+            <a:r>
+              <a:rPr lang="ko-KR" altLang="en-US" sz="1200" b="0" i="0" kern="1200" dirty="0" err="1">
+                <a:solidFill>
+                  <a:schemeClr val="tx1"/>
+                </a:solidFill>
+                <a:effectLst/>
+                <a:latin typeface="+mn-lt"/>
+                <a:ea typeface="+mn-ea"/>
+                <a:cs typeface="+mn-cs"/>
+              </a:rPr>
+              <a:t>엣지</a:t>
+            </a:r>
+            <a:r>
+              <a:rPr lang="ko-KR" altLang="en-US" sz="1200" b="0" i="0" kern="1200" dirty="0">
+                <a:solidFill>
+                  <a:schemeClr val="tx1"/>
+                </a:solidFill>
+                <a:effectLst/>
+                <a:latin typeface="+mn-lt"/>
+                <a:ea typeface="+mn-ea"/>
+                <a:cs typeface="+mn-cs"/>
+              </a:rPr>
+              <a:t> 컴퓨팅 아키텍처를 분류하고 조사하고</a:t>
+            </a:r>
+            <a:r>
+              <a:rPr lang="en-US" altLang="ko-KR" sz="1200" b="0" i="0" kern="1200" dirty="0">
+                <a:solidFill>
+                  <a:schemeClr val="tx1"/>
+                </a:solidFill>
+                <a:effectLst/>
+                <a:latin typeface="+mn-lt"/>
+                <a:ea typeface="+mn-ea"/>
+                <a:cs typeface="+mn-cs"/>
+              </a:rPr>
+              <a:t>, </a:t>
+            </a:r>
+            <a:r>
+              <a:rPr lang="ko-KR" altLang="en-US" sz="1200" b="0" i="0" kern="1200" dirty="0" err="1">
+                <a:solidFill>
+                  <a:schemeClr val="tx1"/>
+                </a:solidFill>
+                <a:effectLst/>
+                <a:latin typeface="+mn-lt"/>
+                <a:ea typeface="+mn-ea"/>
+                <a:cs typeface="+mn-cs"/>
+              </a:rPr>
+              <a:t>엣지</a:t>
+            </a:r>
+            <a:r>
+              <a:rPr lang="ko-KR" altLang="en-US" sz="1200" b="0" i="0" kern="1200" dirty="0">
+                <a:solidFill>
+                  <a:schemeClr val="tx1"/>
+                </a:solidFill>
+                <a:effectLst/>
+                <a:latin typeface="+mn-lt"/>
+                <a:ea typeface="+mn-ea"/>
+                <a:cs typeface="+mn-cs"/>
+              </a:rPr>
+              <a:t> 컴퓨팅의 이점을 제공하는 주요 </a:t>
+            </a:r>
+            <a:r>
+              <a:rPr lang="en-US" altLang="ko-KR" sz="1200" b="0" i="0" kern="1200" dirty="0">
+                <a:solidFill>
+                  <a:schemeClr val="tx1"/>
+                </a:solidFill>
+                <a:effectLst/>
+                <a:latin typeface="+mn-lt"/>
+                <a:ea typeface="+mn-ea"/>
+                <a:cs typeface="+mn-cs"/>
+              </a:rPr>
+              <a:t>IoT </a:t>
+            </a:r>
+            <a:r>
+              <a:rPr lang="ko-KR" altLang="en-US" sz="1200" b="0" i="0" kern="1200" dirty="0">
+                <a:solidFill>
+                  <a:schemeClr val="tx1"/>
+                </a:solidFill>
+                <a:effectLst/>
+                <a:latin typeface="+mn-lt"/>
+                <a:ea typeface="+mn-ea"/>
+                <a:cs typeface="+mn-cs"/>
+              </a:rPr>
+              <a:t>애플리케이션 시나리오를 설명</a:t>
+            </a:r>
+            <a:endParaRPr lang="en-US" altLang="ko-KR" sz="1200" b="0" i="0" kern="1200" dirty="0">
+              <a:solidFill>
+                <a:schemeClr val="tx1"/>
+              </a:solidFill>
+              <a:effectLst/>
+              <a:latin typeface="+mn-lt"/>
+              <a:ea typeface="+mn-ea"/>
+              <a:cs typeface="+mn-cs"/>
+            </a:endParaRPr>
+          </a:p>
+          <a:p>
+            <a:pPr marL="228600" marR="0" lvl="0" indent="-228600" algn="l" defTabSz="914400" rtl="0" eaLnBrk="1" fontAlgn="auto" latinLnBrk="1" hangingPunct="1">
+              <a:lnSpc>
+                <a:spcPct val="100000"/>
+              </a:lnSpc>
+              <a:spcBef>
+                <a:spcPts val="0"/>
+              </a:spcBef>
+              <a:spcAft>
+                <a:spcPts val="0"/>
+              </a:spcAft>
+              <a:buClrTx/>
+              <a:buSzTx/>
+              <a:buFontTx/>
+              <a:buAutoNum type="arabicPeriod"/>
+              <a:tabLst/>
+              <a:defRPr/>
+            </a:pPr>
+            <a:r>
+              <a:rPr lang="ko-KR" altLang="en-US" sz="1200" b="0" i="0" kern="1200" dirty="0">
+                <a:solidFill>
+                  <a:schemeClr val="tx1"/>
+                </a:solidFill>
+                <a:effectLst/>
+                <a:latin typeface="+mn-lt"/>
+                <a:ea typeface="+mn-ea"/>
+                <a:cs typeface="+mn-cs"/>
+              </a:rPr>
+              <a:t>모바일 게임으로 대표되는 선택된 사용 사례에서 </a:t>
+            </a:r>
+            <a:r>
+              <a:rPr lang="ko-KR" altLang="en-US" sz="1200" b="0" i="0" kern="1200" dirty="0" err="1">
+                <a:solidFill>
+                  <a:schemeClr val="tx1"/>
+                </a:solidFill>
+                <a:effectLst/>
+                <a:latin typeface="+mn-lt"/>
+                <a:ea typeface="+mn-ea"/>
+                <a:cs typeface="+mn-cs"/>
+              </a:rPr>
+              <a:t>엣지</a:t>
+            </a:r>
+            <a:r>
+              <a:rPr lang="ko-KR" altLang="en-US" sz="1200" b="0" i="0" kern="1200" dirty="0">
+                <a:solidFill>
+                  <a:schemeClr val="tx1"/>
+                </a:solidFill>
+                <a:effectLst/>
+                <a:latin typeface="+mn-lt"/>
+                <a:ea typeface="+mn-ea"/>
+                <a:cs typeface="+mn-cs"/>
+              </a:rPr>
+              <a:t> 컴퓨팅과 그 활성화 기술에 대한 실험적 평가를 수행</a:t>
+            </a:r>
+            <a:endParaRPr lang="en-US" altLang="ko-KR" sz="1200" b="0" i="0" kern="1200" dirty="0">
+              <a:solidFill>
+                <a:schemeClr val="tx1"/>
+              </a:solidFill>
+              <a:effectLst/>
+              <a:latin typeface="+mn-lt"/>
+              <a:ea typeface="+mn-ea"/>
+              <a:cs typeface="+mn-cs"/>
+            </a:endParaRPr>
+          </a:p>
+          <a:p>
+            <a:endParaRPr lang="en-US" dirty="0"/>
+          </a:p>
+          <a:p>
+            <a:r>
+              <a:rPr lang="ko-KR" altLang="en-US" dirty="0"/>
+              <a:t>이상 발표 마치겠습니다</a:t>
+            </a:r>
+            <a:r>
+              <a:rPr lang="en-US" altLang="ko-KR" dirty="0"/>
+              <a:t>.</a:t>
+            </a:r>
+          </a:p>
+          <a:p>
+            <a:endParaRPr lang="en-US" dirty="0"/>
+          </a:p>
+          <a:p>
+            <a:r>
+              <a:rPr lang="ko-KR" altLang="en-US" dirty="0"/>
+              <a:t>감사합니다</a:t>
+            </a:r>
+            <a:r>
+              <a:rPr lang="en-US" altLang="ko-KR" dirty="0"/>
+              <a:t>.</a:t>
+            </a:r>
+          </a:p>
+          <a:p>
             <a:endParaRPr lang="en-US" dirty="0"/>
           </a:p>
         </p:txBody>
@@ -10920,7 +11372,7 @@
                 <a:ea typeface="+mn-ea"/>
                 <a:cs typeface="+mn-cs"/>
               </a:rPr>
-              <a:t>이 부각됩니다</a:t>
+              <a:t>이 부각되었다</a:t>
             </a:r>
             <a:r>
               <a:rPr lang="en-US" altLang="ko-KR" sz="1200" b="0" kern="1200" dirty="0">
@@ -10953,126 +11405,15 @@
               <a:tabLst/>
               <a:defRPr/>
             </a:pPr>
-            <a:r>
-              <a:rPr lang="ko-KR" altLang="en-US" sz="1200" b="0" kern="1200" dirty="0">
-                <a:solidFill>
-                  <a:schemeClr val="tx1"/>
-                </a:solidFill>
-                <a:effectLst/>
-                <a:latin typeface="+mn-lt"/>
-                <a:ea typeface="+mn-ea"/>
-                <a:cs typeface="+mn-cs"/>
-              </a:rPr>
-              <a:t>그에 대해 이 논문에서는 </a:t>
-            </a:r>
-            <a:r>
-              <a:rPr lang="en-US" altLang="ko-KR" sz="1200" b="0" kern="1200" dirty="0">
-                <a:solidFill>
-                  <a:schemeClr val="tx1"/>
-                </a:solidFill>
-                <a:effectLst/>
-                <a:latin typeface="+mn-lt"/>
-                <a:ea typeface="+mn-ea"/>
-                <a:cs typeface="+mn-cs"/>
-              </a:rPr>
-              <a:t>“</a:t>
-            </a:r>
-            <a:r>
-              <a:rPr lang="ko-KR" altLang="en-US" sz="1200" b="0" kern="1200" dirty="0">
-                <a:solidFill>
-                  <a:schemeClr val="tx1"/>
-                </a:solidFill>
-                <a:effectLst/>
-                <a:latin typeface="+mn-lt"/>
-                <a:ea typeface="+mn-ea"/>
-                <a:cs typeface="+mn-cs"/>
-              </a:rPr>
-              <a:t>새로운 </a:t>
-            </a:r>
-            <a:r>
-              <a:rPr lang="en-US" altLang="ko-KR" sz="1200" b="0" kern="1200" dirty="0">
-                <a:solidFill>
-                  <a:schemeClr val="tx1"/>
-                </a:solidFill>
-                <a:effectLst/>
-                <a:latin typeface="+mn-lt"/>
-                <a:ea typeface="+mn-ea"/>
-                <a:cs typeface="+mn-cs"/>
-              </a:rPr>
-              <a:t>IoT </a:t>
-            </a:r>
-            <a:r>
-              <a:rPr lang="ko-KR" altLang="en-US" sz="1200" b="0" kern="1200" dirty="0">
-                <a:solidFill>
-                  <a:schemeClr val="tx1"/>
-                </a:solidFill>
-                <a:effectLst/>
-                <a:latin typeface="+mn-lt"/>
-                <a:ea typeface="+mn-ea"/>
-                <a:cs typeface="+mn-cs"/>
-              </a:rPr>
-              <a:t>애플리케이션을 위해 </a:t>
-            </a:r>
-            <a:r>
-              <a:rPr lang="ko-KR" altLang="en-US" sz="1200" b="0" kern="1200" dirty="0" err="1">
-                <a:solidFill>
-                  <a:schemeClr val="tx1"/>
-                </a:solidFill>
-                <a:effectLst/>
-                <a:latin typeface="+mn-lt"/>
-                <a:ea typeface="+mn-ea"/>
-                <a:cs typeface="+mn-cs"/>
-              </a:rPr>
-              <a:t>엣지</a:t>
-            </a:r>
-            <a:r>
-              <a:rPr lang="ko-KR" altLang="en-US" sz="1200" b="0" kern="1200" dirty="0">
-                <a:solidFill>
-                  <a:schemeClr val="tx1"/>
-                </a:solidFill>
-                <a:effectLst/>
-                <a:latin typeface="+mn-lt"/>
-                <a:ea typeface="+mn-ea"/>
-                <a:cs typeface="+mn-cs"/>
-              </a:rPr>
-              <a:t> 컴퓨팅</a:t>
-            </a:r>
-            <a:r>
-              <a:rPr lang="en-US" altLang="ko-KR" sz="1200" b="0" kern="1200" dirty="0">
-                <a:solidFill>
-                  <a:schemeClr val="tx1"/>
-                </a:solidFill>
-                <a:effectLst/>
-                <a:latin typeface="+mn-lt"/>
-                <a:ea typeface="+mn-ea"/>
-                <a:cs typeface="+mn-cs"/>
-              </a:rPr>
-              <a:t>” </a:t>
-            </a:r>
-            <a:r>
-              <a:rPr lang="ko-KR" altLang="en-US" sz="1200" b="0" kern="1200" dirty="0">
-                <a:solidFill>
-                  <a:schemeClr val="tx1"/>
-                </a:solidFill>
-                <a:effectLst/>
-                <a:latin typeface="+mn-lt"/>
-                <a:ea typeface="+mn-ea"/>
-                <a:cs typeface="+mn-cs"/>
-              </a:rPr>
-              <a:t>을 지지한다고 되어있습니다</a:t>
-            </a:r>
-            <a:r>
-              <a:rPr lang="en-US" altLang="ko-KR" sz="1200" b="0" kern="1200" dirty="0">
-                <a:solidFill>
-                  <a:schemeClr val="tx1"/>
-                </a:solidFill>
-                <a:effectLst/>
-                <a:latin typeface="+mn-lt"/>
-                <a:ea typeface="+mn-ea"/>
-                <a:cs typeface="+mn-cs"/>
-              </a:rPr>
-              <a:t>.</a:t>
-            </a:r>
+            <a:endParaRPr lang="en-US" altLang="ko-KR" sz="1200" b="0" kern="1200" dirty="0">
+              <a:solidFill>
+                <a:schemeClr val="tx1"/>
+              </a:solidFill>
+              <a:effectLst/>
+              <a:latin typeface="+mn-lt"/>
+              <a:ea typeface="+mn-ea"/>
+              <a:cs typeface="+mn-cs"/>
+            </a:endParaRPr>
           </a:p>
           <a:p>
             <a:pPr marL="0" marR="0" lvl="0" indent="0" algn="l" defTabSz="914400" rtl="0" eaLnBrk="1" fontAlgn="auto" latinLnBrk="1" hangingPunct="1">
@@ -11102,7 +11443,7 @@
                 <a:ea typeface="+mn-ea"/>
                 <a:cs typeface="+mn-cs"/>
               </a:rPr>
-              <a:t>여기서 말하는 새로운 </a:t>
+              <a:t>그에 대해 이 논문에서는 새로운 </a:t>
             </a:r>
             <a:r>
               <a:rPr lang="en-US" altLang="ko-KR" sz="1200" b="0" kern="1200" dirty="0">
@@ -11126,7 +11467,7 @@
                 <a:ea typeface="+mn-ea"/>
                 <a:cs typeface="+mn-cs"/>
               </a:rPr>
-              <a:t>애플리케이션은 </a:t>
+              <a:t>애플리케이션을 위해 </a:t>
             </a:r>
             <a:r>
               <a:rPr lang="ko-KR" altLang="en-US" sz="1200" b="0" kern="1200" dirty="0" err="1">
@@ -11138,7 +11479,7 @@
                 <a:ea typeface="+mn-ea"/>
                 <a:cs typeface="+mn-cs"/>
               </a:rPr>
-              <a:t>센서스트림을</a:t>
+              <a:t>엣지</a:t>
             </a:r>
             <a:r>
               <a:rPr lang="ko-KR" altLang="en-US" sz="1200" b="0" kern="1200" dirty="0">
@@ -11150,10 +11491,10 @@
                 <a:ea typeface="+mn-ea"/>
                 <a:cs typeface="+mn-cs"/>
               </a:rPr>
-              <a:t> 활용하는 인터랙티브 어플리케이션이라고 되어있는데 나중에 구체적으로 언급이 되겠지만 </a:t>
-            </a:r>
-            <a:r>
-              <a:rPr lang="en-US" altLang="ko-KR" sz="1200" b="0" kern="1200" dirty="0">
+              <a:t> 컴퓨팅을 </a:t>
+            </a:r>
+            <a:r>
+              <a:rPr lang="ko-KR" altLang="en-US" sz="1200" b="0" kern="1200" dirty="0" err="1">
                 <a:solidFill>
                   <a:schemeClr val="tx1"/>
                 </a:solidFill>
@@ -11162,10 +11503,10 @@
                 <a:ea typeface="+mn-ea"/>
                 <a:cs typeface="+mn-cs"/>
               </a:rPr>
-              <a:t>‘</a:t>
-            </a:r>
-            <a:r>
-              <a:rPr lang="ko-KR" altLang="en-US" sz="1200" b="0" kern="1200" dirty="0" err="1">
+              <a:t>해야한다라고</a:t>
+            </a:r>
+            <a:r>
+              <a:rPr lang="ko-KR" altLang="en-US" sz="1200" b="0" kern="1200" dirty="0">
                 <a:solidFill>
                   <a:schemeClr val="tx1"/>
                 </a:solidFill>
@@ -11174,31 +11515,7 @@
                 <a:ea typeface="+mn-ea"/>
                 <a:cs typeface="+mn-cs"/>
               </a:rPr>
-              <a:t>포켓몬고</a:t>
-            </a:r>
-            <a:r>
-              <a:rPr lang="en-US" altLang="ko-KR" sz="1200" b="0" kern="1200" dirty="0">
-                <a:solidFill>
-                  <a:schemeClr val="tx1"/>
-                </a:solidFill>
-                <a:effectLst/>
-                <a:latin typeface="+mn-lt"/>
-                <a:ea typeface="+mn-ea"/>
-                <a:cs typeface="+mn-cs"/>
-              </a:rPr>
-              <a:t>‘ </a:t>
-            </a:r>
-            <a:r>
-              <a:rPr lang="ko-KR" altLang="en-US" sz="1200" b="0" kern="1200" dirty="0">
-                <a:solidFill>
-                  <a:schemeClr val="tx1"/>
-                </a:solidFill>
-                <a:effectLst/>
-                <a:latin typeface="+mn-lt"/>
-                <a:ea typeface="+mn-ea"/>
-                <a:cs typeface="+mn-cs"/>
-              </a:rPr>
-              <a:t>같은 형태의 게임을 의미합니다</a:t>
+              <a:t> 주장하고 있습니다</a:t>
             </a:r>
             <a:r>
               <a:rPr lang="en-US" altLang="ko-KR" sz="1200" b="0" kern="1200" dirty="0">
@@ -11231,6 +11548,34 @@
               <a:tabLst/>
               <a:defRPr/>
             </a:pPr>
+            <a:endParaRPr lang="en-US" altLang="ko-KR" sz="1200" b="0" kern="1200" dirty="0">
+              <a:solidFill>
+                <a:schemeClr val="tx1"/>
+              </a:solidFill>
+              <a:effectLst/>
+              <a:latin typeface="+mn-lt"/>
+              <a:ea typeface="+mn-ea"/>
+              <a:cs typeface="+mn-cs"/>
+            </a:endParaRPr>
+          </a:p>
+          <a:p>
+            <a:pPr marL="0" marR="0" lvl="0" indent="0" algn="l" defTabSz="914400" rtl="0" eaLnBrk="1" fontAlgn="auto" latinLnBrk="1" hangingPunct="1">
+              <a:lnSpc>
+                <a:spcPct val="100000"/>
+              </a:lnSpc>
+              <a:spcBef>
+                <a:spcPts val="0"/>
+              </a:spcBef>
+              <a:spcAft>
+                <a:spcPts val="0"/>
+              </a:spcAft>
+              <a:buClrTx/>
+              <a:buSzTx/>
+              <a:buFontTx/>
+              <a:buNone/>
+              <a:tabLst/>
+              <a:defRPr/>
+            </a:pPr>
             <a:r>
               <a:rPr lang="ko-KR" altLang="en-US" sz="1200" b="0" kern="1200" dirty="0">
                 <a:solidFill>
@@ -11241,10 +11586,10 @@
                 <a:ea typeface="+mn-ea"/>
                 <a:cs typeface="+mn-cs"/>
               </a:rPr>
-              <a:t>저자가 언급한 논문의 </a:t>
-            </a:r>
-            <a:r>
-              <a:rPr lang="ko-KR" altLang="en-US" sz="1200" b="0" kern="1200" dirty="0" err="1">
+              <a:t>여기서 말하는 새로운 </a:t>
+            </a:r>
+            <a:r>
+              <a:rPr lang="en-US" altLang="ko-KR" sz="1200" b="0" kern="1200" dirty="0">
                 <a:solidFill>
                   <a:schemeClr val="tx1"/>
                 </a:solidFill>
@@ -11253,7 +11598,126 @@
                 <a:ea typeface="+mn-ea"/>
                 <a:cs typeface="+mn-cs"/>
               </a:rPr>
-              <a:t>컨트리뷰션으로는</a:t>
+              <a:t>IoT </a:t>
+            </a:r>
+            <a:r>
+              <a:rPr lang="ko-KR" altLang="en-US" sz="1200" b="0" kern="1200" dirty="0">
+                <a:solidFill>
+                  <a:schemeClr val="tx1"/>
+                </a:solidFill>
+                <a:effectLst/>
+                <a:latin typeface="+mn-lt"/>
+                <a:ea typeface="+mn-ea"/>
+                <a:cs typeface="+mn-cs"/>
+              </a:rPr>
+              <a:t>애플리케이션은 </a:t>
+            </a:r>
+            <a:r>
+              <a:rPr lang="ko-KR" altLang="en-US" sz="1200" b="0" kern="1200" dirty="0" err="1">
+                <a:solidFill>
+                  <a:schemeClr val="tx1"/>
+                </a:solidFill>
+                <a:effectLst/>
+                <a:latin typeface="+mn-lt"/>
+                <a:ea typeface="+mn-ea"/>
+                <a:cs typeface="+mn-cs"/>
+              </a:rPr>
+              <a:t>센서스트림을</a:t>
+            </a:r>
+            <a:r>
+              <a:rPr lang="ko-KR" altLang="en-US" sz="1200" b="0" kern="1200" dirty="0">
+                <a:solidFill>
+                  <a:schemeClr val="tx1"/>
+                </a:solidFill>
+                <a:effectLst/>
+                <a:latin typeface="+mn-lt"/>
+                <a:ea typeface="+mn-ea"/>
+                <a:cs typeface="+mn-cs"/>
+              </a:rPr>
+              <a:t> 활용하는 인터랙티브 어플리케이션입니다</a:t>
+            </a:r>
+            <a:r>
+              <a:rPr lang="en-US" altLang="ko-KR" sz="1200" b="0" kern="1200" dirty="0">
+                <a:solidFill>
+                  <a:schemeClr val="tx1"/>
+                </a:solidFill>
+                <a:effectLst/>
+                <a:latin typeface="+mn-lt"/>
+                <a:ea typeface="+mn-ea"/>
+                <a:cs typeface="+mn-cs"/>
+              </a:rPr>
+              <a:t>.</a:t>
+            </a:r>
+          </a:p>
+          <a:p>
+            <a:pPr marL="0" marR="0" lvl="0" indent="0" algn="l" defTabSz="914400" rtl="0" eaLnBrk="1" fontAlgn="auto" latinLnBrk="1" hangingPunct="1">
+              <a:lnSpc>
+                <a:spcPct val="100000"/>
+              </a:lnSpc>
+              <a:spcBef>
+                <a:spcPts val="0"/>
+              </a:spcBef>
+              <a:spcAft>
+                <a:spcPts val="0"/>
+              </a:spcAft>
+              <a:buClrTx/>
+              <a:buSzTx/>
+              <a:buFontTx/>
+              <a:buNone/>
+              <a:tabLst/>
+              <a:defRPr/>
+            </a:pPr>
+            <a:endParaRPr lang="en-US" altLang="ko-KR" sz="1200" b="0" kern="1200" dirty="0">
+              <a:solidFill>
+                <a:schemeClr val="tx1"/>
+              </a:solidFill>
+              <a:effectLst/>
+              <a:latin typeface="+mn-lt"/>
+              <a:ea typeface="+mn-ea"/>
+              <a:cs typeface="+mn-cs"/>
+            </a:endParaRPr>
+          </a:p>
+          <a:p>
+            <a:pPr marL="0" marR="0" lvl="0" indent="0" algn="l" defTabSz="914400" rtl="0" eaLnBrk="1" fontAlgn="auto" latinLnBrk="1" hangingPunct="1">
+              <a:lnSpc>
+                <a:spcPct val="100000"/>
+              </a:lnSpc>
+              <a:spcBef>
+                <a:spcPts val="0"/>
+              </a:spcBef>
+              <a:spcAft>
+                <a:spcPts val="0"/>
+              </a:spcAft>
+              <a:buClrTx/>
+              <a:buSzTx/>
+              <a:buFontTx/>
+              <a:buNone/>
+              <a:tabLst/>
+              <a:defRPr/>
+            </a:pPr>
+            <a:r>
+              <a:rPr lang="ko-KR" altLang="en-US" sz="1200" b="0" kern="1200" dirty="0">
+                <a:solidFill>
+                  <a:schemeClr val="tx1"/>
+                </a:solidFill>
+                <a:effectLst/>
+                <a:latin typeface="+mn-lt"/>
+                <a:ea typeface="+mn-ea"/>
+                <a:cs typeface="+mn-cs"/>
+              </a:rPr>
+              <a:t>저자가 언급한 논문의 기여는 두가지 입니다</a:t>
+            </a:r>
+            <a:r>
+              <a:rPr lang="en-US" altLang="ko-KR" sz="1200" b="0" kern="1200" dirty="0">
+                <a:solidFill>
+                  <a:schemeClr val="tx1"/>
+                </a:solidFill>
+                <a:effectLst/>
+                <a:latin typeface="+mn-lt"/>
+                <a:ea typeface="+mn-ea"/>
+                <a:cs typeface="+mn-cs"/>
+              </a:rPr>
+              <a:t>.</a:t>
             </a:r>
             <a:r>
               <a:rPr lang="ko-KR" altLang="en-US" sz="1200" b="0" kern="1200" dirty="0">
@@ -11329,7 +11793,7 @@
                 <a:ea typeface="+mn-ea"/>
                 <a:cs typeface="+mn-cs"/>
               </a:rPr>
-              <a:t> 컴퓨팅 아키텍처를 분류하고 조사</a:t>
+              <a:t> 컴퓨팅 아키텍처를 분류하고 조사하고</a:t>
             </a:r>
             <a:r>
               <a:rPr lang="en-US" altLang="ko-KR" sz="1200" b="0" i="0" kern="1200" dirty="0">
@@ -11545,7 +12009,7 @@
                 <a:ea typeface="+mn-ea"/>
                 <a:cs typeface="+mn-cs"/>
               </a:rPr>
-              <a:t>애플리케이션을 전형적인 예로 하여 다양한 환경에서 응답지연을 평가</a:t>
+              <a:t>애플리케이션을 예로 하여 다양한 환경에서 응답지연을 평가</a:t>
             </a:r>
             <a:endParaRPr lang="en-US" altLang="ko-KR" sz="1200" b="0" i="0" kern="1200" dirty="0">
               <a:solidFill>
@@ -11575,18 +12039,6 @@
               <a:tabLst/>
               <a:defRPr/>
             </a:pPr>
-            <a:r>
-              <a:rPr lang="ko-KR" altLang="en-US" sz="1200" b="0" i="0" kern="1200" dirty="0">
-                <a:solidFill>
-                  <a:schemeClr val="tx1"/>
-                </a:solidFill>
-                <a:effectLst/>
-                <a:latin typeface="+mn-lt"/>
-                <a:ea typeface="+mn-ea"/>
-                <a:cs typeface="+mn-cs"/>
-              </a:rPr>
-              <a:t>실험 결과에 따르면 </a:t>
-            </a:r>
             <a:endParaRPr lang="en-US" altLang="ko-KR" sz="1200" b="0" i="0" kern="1200" dirty="0">
               <a:solidFill>
                 <a:schemeClr val="tx1"/>
@@ -11616,7 +12068,7 @@
               <a:defRPr/>
             </a:pPr>
             <a:r>
-              <a:rPr lang="ko-KR" altLang="en-US" sz="1200" b="0" i="0" kern="1200" dirty="0" err="1">
+              <a:rPr lang="ko-KR" altLang="en-US" sz="1200" b="0" i="0" kern="1200" dirty="0">
                 <a:solidFill>
                   <a:schemeClr val="tx1"/>
                 </a:solidFill>
@@ -11625,32 +12077,17 @@
                 <a:ea typeface="+mn-ea"/>
                 <a:cs typeface="+mn-cs"/>
               </a:rPr>
-              <a:t>엣지</a:t>
-            </a:r>
-            <a:r>
-              <a:rPr lang="ko-KR" altLang="en-US" sz="1200" b="0" i="0" kern="1200" dirty="0">
-                <a:solidFill>
-                  <a:schemeClr val="tx1"/>
-                </a:solidFill>
-                <a:effectLst/>
-                <a:latin typeface="+mn-lt"/>
-                <a:ea typeface="+mn-ea"/>
-                <a:cs typeface="+mn-cs"/>
-              </a:rPr>
-              <a:t> 컴퓨팅은 애플리케이션의 지연 시간 요구 사항을 충족하는 데 필요하다</a:t>
-            </a:r>
-            <a:r>
-              <a:rPr lang="en-US" altLang="ko-KR" sz="1200" b="0" i="0" kern="1200" dirty="0">
-                <a:solidFill>
-                  <a:schemeClr val="tx1"/>
-                </a:solidFill>
-                <a:effectLst/>
-                <a:latin typeface="+mn-lt"/>
-                <a:ea typeface="+mn-ea"/>
-                <a:cs typeface="+mn-cs"/>
-              </a:rPr>
-              <a:t>.</a:t>
-            </a:r>
+              <a:t>실험 결과에 따르면 </a:t>
+            </a:r>
+            <a:endParaRPr lang="en-US" altLang="ko-KR" sz="1200" b="0" i="0" kern="1200" dirty="0">
+              <a:solidFill>
+                <a:schemeClr val="tx1"/>
+              </a:solidFill>
+              <a:effectLst/>
+              <a:latin typeface="+mn-lt"/>
+              <a:ea typeface="+mn-ea"/>
+              <a:cs typeface="+mn-cs"/>
+            </a:endParaRPr>
           </a:p>
           <a:p>
             <a:pPr marL="0" marR="0" lvl="0" indent="0" algn="l" defTabSz="914400" rtl="0" eaLnBrk="1" fontAlgn="auto" latinLnBrk="1" hangingPunct="1">
@@ -11671,7 +12108,7 @@
               <a:defRPr/>
             </a:pPr>
             <a:r>
-              <a:rPr lang="ko-KR" altLang="en-US" sz="1200" b="0" i="0" kern="1200" dirty="0">
+              <a:rPr lang="ko-KR" altLang="en-US" sz="1200" b="0" i="0" kern="1200" dirty="0" err="1">
                 <a:solidFill>
                   <a:schemeClr val="tx1"/>
                 </a:solidFill>
@@ -11680,10 +12117,10 @@
                 <a:ea typeface="+mn-ea"/>
                 <a:cs typeface="+mn-cs"/>
               </a:rPr>
-              <a:t>마지막으로 논의를 통해서 결론을 내립니다</a:t>
-            </a:r>
-            <a:r>
-              <a:rPr lang="en-US" altLang="ko-KR" sz="1200" b="0" i="0" kern="1200" dirty="0">
+              <a:t>엣지</a:t>
+            </a:r>
+            <a:r>
+              <a:rPr lang="ko-KR" altLang="en-US" sz="1200" b="0" i="0" kern="1200" dirty="0">
                 <a:solidFill>
                   <a:schemeClr val="tx1"/>
                 </a:solidFill>
@@ -11692,11 +12129,23 @@
                 <a:ea typeface="+mn-ea"/>
                 <a:cs typeface="+mn-cs"/>
               </a:rPr>
+              <a:t> 컴퓨팅은 애플리케이션의 지연 시간 요구 사항을 충족하는 데 필요하다</a:t>
+            </a:r>
+            <a:r>
+              <a:rPr lang="en-US" altLang="ko-KR" sz="1200" b="0" i="0" kern="1200" dirty="0">
+                <a:solidFill>
+                  <a:schemeClr val="tx1"/>
+                </a:solidFill>
+                <a:effectLst/>
+                <a:latin typeface="+mn-lt"/>
+                <a:ea typeface="+mn-ea"/>
+                <a:cs typeface="+mn-cs"/>
+              </a:rPr>
               <a:t>.</a:t>
             </a:r>
           </a:p>
           <a:p>
-            <a:pPr marL="228600" marR="0" lvl="0" indent="-228600" algn="l" defTabSz="914400" rtl="0" eaLnBrk="1" fontAlgn="auto" latinLnBrk="1" hangingPunct="1">
+            <a:pPr marL="0" marR="0" lvl="0" indent="0" algn="l" defTabSz="914400" rtl="0" eaLnBrk="1" fontAlgn="auto" latinLnBrk="1" hangingPunct="1">
               <a:lnSpc>
                 <a:spcPct val="100000"/>
               </a:lnSpc>
@@ -11709,46 +12158,10 @@
               <a:buClrTx/>
               <a:buSzTx/>
               <a:buFontTx/>
-              <a:buAutoNum type="arabicPeriod"/>
+              <a:buNone/>
               <a:tabLst/>
               <a:defRPr/>
             </a:pPr>
-            <a:r>
-              <a:rPr lang="ko-KR" altLang="en-US" sz="1200" b="0" i="0" kern="1200" dirty="0">
-                <a:solidFill>
-                  <a:schemeClr val="tx1"/>
-                </a:solidFill>
-                <a:effectLst/>
-                <a:latin typeface="+mn-lt"/>
-                <a:ea typeface="+mn-ea"/>
-                <a:cs typeface="+mn-cs"/>
-              </a:rPr>
-              <a:t>현재 </a:t>
-            </a:r>
-            <a:r>
-              <a:rPr lang="ko-KR" altLang="en-US" sz="1200" b="0" i="0" kern="1200" dirty="0" err="1">
-                <a:solidFill>
-                  <a:schemeClr val="tx1"/>
-                </a:solidFill>
-                <a:effectLst/>
-                <a:latin typeface="+mn-lt"/>
-                <a:ea typeface="+mn-ea"/>
-                <a:cs typeface="+mn-cs"/>
-              </a:rPr>
-              <a:t>엣지</a:t>
-            </a:r>
-            <a:r>
-              <a:rPr lang="ko-KR" altLang="en-US" sz="1200" b="0" i="0" kern="1200" dirty="0">
-                <a:solidFill>
-                  <a:schemeClr val="tx1"/>
-                </a:solidFill>
-                <a:effectLst/>
-                <a:latin typeface="+mn-lt"/>
-                <a:ea typeface="+mn-ea"/>
-                <a:cs typeface="+mn-cs"/>
-              </a:rPr>
-              <a:t> 컴퓨팅 플랫폼으로 달성할 수 있는 것들</a:t>
-            </a:r>
             <a:endParaRPr lang="en-US" altLang="ko-KR" sz="1200" b="0" i="0" kern="1200" dirty="0">
               <a:solidFill>
                 <a:schemeClr val="tx1"/>
@@ -11760,7 +12173,7 @@
             </a:endParaRPr>
           </a:p>
           <a:p>
-            <a:pPr marL="228600" marR="0" lvl="0" indent="-228600" algn="l" defTabSz="914400" rtl="0" eaLnBrk="1" fontAlgn="auto" latinLnBrk="1" hangingPunct="1">
+            <a:pPr marL="0" marR="0" lvl="0" indent="0" algn="l" defTabSz="914400" rtl="0" eaLnBrk="1" fontAlgn="auto" latinLnBrk="1" hangingPunct="1">
               <a:lnSpc>
                 <a:spcPct val="100000"/>
               </a:lnSpc>
@@ -11773,10 +12186,138 @@
               <a:buClrTx/>
               <a:buSzTx/>
               <a:buFontTx/>
-              <a:buAutoNum type="arabicPeriod"/>
+              <a:buNone/>
               <a:tabLst/>
               <a:defRPr/>
             </a:pPr>
+            <a:r>
+              <a:rPr lang="ko-KR" altLang="en-US" sz="1200" b="0" i="0" kern="1200" dirty="0">
+                <a:solidFill>
+                  <a:schemeClr val="tx1"/>
+                </a:solidFill>
+                <a:effectLst/>
+                <a:latin typeface="+mn-lt"/>
+                <a:ea typeface="+mn-ea"/>
+                <a:cs typeface="+mn-cs"/>
+              </a:rPr>
+              <a:t>그리고 논문에서 결론 부분에서는 </a:t>
+            </a:r>
+            <a:endParaRPr lang="en-US" altLang="ko-KR" sz="1200" b="0" i="0" kern="1200" dirty="0">
+              <a:solidFill>
+                <a:schemeClr val="tx1"/>
+              </a:solidFill>
+              <a:effectLst/>
+              <a:latin typeface="+mn-lt"/>
+              <a:ea typeface="+mn-ea"/>
+              <a:cs typeface="+mn-cs"/>
+            </a:endParaRPr>
+          </a:p>
+          <a:p>
+            <a:pPr marL="0" marR="0" lvl="0" indent="0" algn="l" defTabSz="914400" rtl="0" eaLnBrk="1" fontAlgn="auto" latinLnBrk="1" hangingPunct="1">
+              <a:lnSpc>
+                <a:spcPct val="100000"/>
+              </a:lnSpc>
+              <a:spcBef>
+                <a:spcPts val="0"/>
+              </a:spcBef>
+              <a:spcAft>
+                <a:spcPts val="0"/>
+              </a:spcAft>
+              <a:buClrTx/>
+              <a:buSzTx/>
+              <a:buFontTx/>
+              <a:buNone/>
+              <a:tabLst/>
+              <a:defRPr/>
+            </a:pPr>
+            <a:r>
+              <a:rPr lang="en-US" altLang="ko-KR" sz="1200" b="0" i="0" kern="1200" dirty="0">
+                <a:solidFill>
+                  <a:schemeClr val="tx1"/>
+                </a:solidFill>
+                <a:effectLst/>
+                <a:latin typeface="+mn-lt"/>
+                <a:ea typeface="+mn-ea"/>
+                <a:cs typeface="+mn-cs"/>
+              </a:rPr>
+              <a:t>1. </a:t>
+            </a:r>
+            <a:r>
+              <a:rPr lang="ko-KR" altLang="en-US" sz="1200" b="0" i="0" kern="1200" dirty="0">
+                <a:solidFill>
+                  <a:schemeClr val="tx1"/>
+                </a:solidFill>
+                <a:effectLst/>
+                <a:latin typeface="+mn-lt"/>
+                <a:ea typeface="+mn-ea"/>
+                <a:cs typeface="+mn-cs"/>
+              </a:rPr>
+              <a:t>현재 </a:t>
+            </a:r>
+            <a:r>
+              <a:rPr lang="ko-KR" altLang="en-US" sz="1200" b="0" i="0" kern="1200" dirty="0" err="1">
+                <a:solidFill>
+                  <a:schemeClr val="tx1"/>
+                </a:solidFill>
+                <a:effectLst/>
+                <a:latin typeface="+mn-lt"/>
+                <a:ea typeface="+mn-ea"/>
+                <a:cs typeface="+mn-cs"/>
+              </a:rPr>
+              <a:t>엣지</a:t>
+            </a:r>
+            <a:r>
+              <a:rPr lang="ko-KR" altLang="en-US" sz="1200" b="0" i="0" kern="1200" dirty="0">
+                <a:solidFill>
+                  <a:schemeClr val="tx1"/>
+                </a:solidFill>
+                <a:effectLst/>
+                <a:latin typeface="+mn-lt"/>
+                <a:ea typeface="+mn-ea"/>
+                <a:cs typeface="+mn-cs"/>
+              </a:rPr>
+              <a:t> 컴퓨팅 플랫폼으로 달성할 수 있는 것들</a:t>
+            </a:r>
+            <a:endParaRPr lang="en-US" altLang="ko-KR" sz="1200" b="0" i="0" kern="1200" dirty="0">
+              <a:solidFill>
+                <a:schemeClr val="tx1"/>
+              </a:solidFill>
+              <a:effectLst/>
+              <a:latin typeface="+mn-lt"/>
+              <a:ea typeface="+mn-ea"/>
+              <a:cs typeface="+mn-cs"/>
+            </a:endParaRPr>
+          </a:p>
+          <a:p>
+            <a:pPr marL="0" marR="0" lvl="0" indent="0" algn="l" defTabSz="914400" rtl="0" eaLnBrk="1" fontAlgn="auto" latinLnBrk="1" hangingPunct="1">
+              <a:lnSpc>
+                <a:spcPct val="100000"/>
+              </a:lnSpc>
+              <a:spcBef>
+                <a:spcPts val="0"/>
+              </a:spcBef>
+              <a:spcAft>
+                <a:spcPts val="0"/>
+              </a:spcAft>
+              <a:buClrTx/>
+              <a:buSzTx/>
+              <a:buFontTx/>
+              <a:buNone/>
+              <a:tabLst/>
+              <a:defRPr/>
+            </a:pPr>
+            <a:r>
+              <a:rPr lang="en-US" altLang="ko-KR" sz="1200" b="0" i="0" kern="1200" dirty="0">
+                <a:solidFill>
+                  <a:schemeClr val="tx1"/>
+                </a:solidFill>
+                <a:effectLst/>
+                <a:latin typeface="+mn-lt"/>
+                <a:ea typeface="+mn-ea"/>
+                <a:cs typeface="+mn-cs"/>
+              </a:rPr>
+              <a:t>2. </a:t>
+            </a:r>
             <a:r>
               <a:rPr lang="ko-KR" altLang="en-US" sz="1200" b="0" i="0" kern="1200" dirty="0">
                 <a:solidFill>
@@ -11928,7 +12469,11 @@
           <a:p>
             <a:r>
               <a:rPr lang="ko-KR" altLang="en-US" dirty="0"/>
-              <a:t>서론</a:t>
+              <a:t>서론입니다</a:t>
+            </a:r>
+            <a:r>
+              <a:rPr lang="en-US" altLang="ko-KR" dirty="0"/>
+              <a:t>.</a:t>
             </a:r>
             <a:endParaRPr lang="en-US" dirty="0"/>
           </a:p>
@@ -12047,200 +12592,17 @@
                 <a:ea typeface="+mn-ea"/>
                 <a:cs typeface="+mn-cs"/>
               </a:rPr>
-              <a:t>모바일</a:t>
-            </a:r>
-            <a:r>
-              <a:rPr lang="en-US" altLang="ko-KR" sz="1200" b="0" kern="1200" dirty="0">
-                <a:solidFill>
-                  <a:schemeClr val="tx1"/>
-                </a:solidFill>
-                <a:effectLst/>
-                <a:latin typeface="+mn-lt"/>
-                <a:ea typeface="+mn-ea"/>
-                <a:cs typeface="+mn-cs"/>
-              </a:rPr>
-              <a:t>·IoT </a:t>
-            </a:r>
-            <a:r>
-              <a:rPr lang="ko-KR" altLang="en-US" sz="1200" b="0" kern="1200" dirty="0">
-                <a:solidFill>
-                  <a:schemeClr val="tx1"/>
-                </a:solidFill>
-                <a:effectLst/>
-                <a:latin typeface="+mn-lt"/>
-                <a:ea typeface="+mn-ea"/>
-                <a:cs typeface="+mn-cs"/>
-              </a:rPr>
-              <a:t>단말</a:t>
-            </a:r>
-            <a:r>
-              <a:rPr lang="en-US" altLang="ko-KR" sz="1200" b="0" kern="1200" dirty="0">
-                <a:solidFill>
-                  <a:schemeClr val="tx1"/>
-                </a:solidFill>
-                <a:effectLst/>
-                <a:latin typeface="+mn-lt"/>
-                <a:ea typeface="+mn-ea"/>
-                <a:cs typeface="+mn-cs"/>
-              </a:rPr>
-              <a:t>(</a:t>
-            </a:r>
-            <a:r>
-              <a:rPr lang="ko-KR" altLang="en-US" sz="1200" b="0" kern="1200" dirty="0">
-                <a:solidFill>
-                  <a:schemeClr val="tx1"/>
-                </a:solidFill>
-                <a:effectLst/>
-                <a:latin typeface="+mn-lt"/>
-                <a:ea typeface="+mn-ea"/>
-                <a:cs typeface="+mn-cs"/>
-              </a:rPr>
-              <a:t>센서</a:t>
-            </a:r>
-            <a:r>
-              <a:rPr lang="en-US" altLang="ko-KR" sz="1200" b="0" kern="1200" dirty="0">
-                <a:solidFill>
-                  <a:schemeClr val="tx1"/>
-                </a:solidFill>
-                <a:effectLst/>
-                <a:latin typeface="+mn-lt"/>
-                <a:ea typeface="+mn-ea"/>
-                <a:cs typeface="+mn-cs"/>
-              </a:rPr>
-              <a:t>, </a:t>
-            </a:r>
-            <a:r>
-              <a:rPr lang="ko-KR" altLang="en-US" sz="1200" b="0" kern="1200" dirty="0">
-                <a:solidFill>
-                  <a:schemeClr val="tx1"/>
-                </a:solidFill>
-                <a:effectLst/>
-                <a:latin typeface="+mn-lt"/>
-                <a:ea typeface="+mn-ea"/>
-                <a:cs typeface="+mn-cs"/>
-              </a:rPr>
-              <a:t>스마트폰</a:t>
-            </a:r>
-            <a:r>
-              <a:rPr lang="en-US" altLang="ko-KR" sz="1200" b="0" kern="1200" dirty="0">
-                <a:solidFill>
-                  <a:schemeClr val="tx1"/>
-                </a:solidFill>
-                <a:effectLst/>
-                <a:latin typeface="+mn-lt"/>
-                <a:ea typeface="+mn-ea"/>
-                <a:cs typeface="+mn-cs"/>
-              </a:rPr>
-              <a:t>, </a:t>
-            </a:r>
-            <a:r>
-              <a:rPr lang="ko-KR" altLang="en-US" sz="1200" b="0" kern="1200" dirty="0">
-                <a:solidFill>
-                  <a:schemeClr val="tx1"/>
-                </a:solidFill>
-                <a:effectLst/>
-                <a:latin typeface="+mn-lt"/>
-                <a:ea typeface="+mn-ea"/>
-                <a:cs typeface="+mn-cs"/>
-              </a:rPr>
-              <a:t>웨어러블</a:t>
-            </a:r>
-            <a:r>
-              <a:rPr lang="en-US" altLang="ko-KR" sz="1200" b="0" kern="1200" dirty="0">
-                <a:solidFill>
-                  <a:schemeClr val="tx1"/>
-                </a:solidFill>
-                <a:effectLst/>
-                <a:latin typeface="+mn-lt"/>
-                <a:ea typeface="+mn-ea"/>
-                <a:cs typeface="+mn-cs"/>
-              </a:rPr>
-              <a:t>)</a:t>
-            </a:r>
-            <a:r>
-              <a:rPr lang="ko-KR" altLang="en-US" sz="1200" b="0" kern="1200" dirty="0">
-                <a:solidFill>
-                  <a:schemeClr val="tx1"/>
-                </a:solidFill>
-                <a:effectLst/>
-                <a:latin typeface="+mn-lt"/>
-                <a:ea typeface="+mn-ea"/>
-                <a:cs typeface="+mn-cs"/>
-              </a:rPr>
-              <a:t>의 데이터 생성이 급증하는 반면</a:t>
-            </a:r>
-            <a:r>
-              <a:rPr lang="en-US" altLang="ko-KR" sz="1200" b="0" kern="1200" dirty="0">
-                <a:solidFill>
-                  <a:schemeClr val="tx1"/>
-                </a:solidFill>
-                <a:effectLst/>
-                <a:latin typeface="+mn-lt"/>
-                <a:ea typeface="+mn-ea"/>
-                <a:cs typeface="+mn-cs"/>
-              </a:rPr>
-              <a:t>, </a:t>
-            </a:r>
-            <a:r>
-              <a:rPr lang="ko-KR" altLang="en-US" sz="1200" b="1" kern="1200" dirty="0">
-                <a:solidFill>
-                  <a:schemeClr val="tx1"/>
-                </a:solidFill>
-                <a:effectLst/>
-                <a:latin typeface="+mn-lt"/>
-                <a:ea typeface="+mn-ea"/>
-                <a:cs typeface="+mn-cs"/>
-              </a:rPr>
-              <a:t>연산</a:t>
-            </a:r>
-            <a:r>
-              <a:rPr lang="en-US" altLang="ko-KR" sz="1200" b="1" kern="1200" dirty="0">
-                <a:solidFill>
-                  <a:schemeClr val="tx1"/>
-                </a:solidFill>
-                <a:effectLst/>
-                <a:latin typeface="+mn-lt"/>
-                <a:ea typeface="+mn-ea"/>
-                <a:cs typeface="+mn-cs"/>
-              </a:rPr>
-              <a:t>·</a:t>
-            </a:r>
-            <a:r>
-              <a:rPr lang="ko-KR" altLang="en-US" sz="1200" b="1" kern="1200" dirty="0">
-                <a:solidFill>
-                  <a:schemeClr val="tx1"/>
-                </a:solidFill>
-                <a:effectLst/>
-                <a:latin typeface="+mn-lt"/>
-                <a:ea typeface="+mn-ea"/>
-                <a:cs typeface="+mn-cs"/>
-              </a:rPr>
-              <a:t>에너지 제약</a:t>
-            </a:r>
-            <a:r>
-              <a:rPr lang="ko-KR" altLang="en-US" sz="1200" b="0" kern="1200" dirty="0">
-                <a:solidFill>
-                  <a:schemeClr val="tx1"/>
-                </a:solidFill>
-                <a:effectLst/>
-                <a:latin typeface="+mn-lt"/>
-                <a:ea typeface="+mn-ea"/>
-                <a:cs typeface="+mn-cs"/>
-              </a:rPr>
-              <a:t>이 큼</a:t>
-            </a:r>
-            <a:r>
-              <a:rPr lang="en-US" altLang="ko-KR" sz="1200" b="0" kern="1200" dirty="0">
-                <a:solidFill>
-                  <a:schemeClr val="tx1"/>
-                </a:solidFill>
-                <a:effectLst/>
-                <a:latin typeface="+mn-lt"/>
-                <a:ea typeface="+mn-ea"/>
-                <a:cs typeface="+mn-cs"/>
-              </a:rPr>
-              <a:t>.</a:t>
-            </a:r>
+              <a:t>서론에서는 문제점에 대해서 설명하고 있습니다</a:t>
+            </a:r>
+            <a:endParaRPr lang="en-US" altLang="ko-KR" sz="1200" b="0" kern="1200" dirty="0">
+              <a:solidFill>
+                <a:schemeClr val="tx1"/>
+              </a:solidFill>
+              <a:effectLst/>
+              <a:latin typeface="+mn-lt"/>
+              <a:ea typeface="+mn-ea"/>
+              <a:cs typeface="+mn-cs"/>
+            </a:endParaRPr>
           </a:p>
           <a:p>
             <a:pPr marL="0" marR="0" lvl="0" indent="0" algn="l" defTabSz="914400" rtl="0" eaLnBrk="1" fontAlgn="auto" latinLnBrk="1" hangingPunct="1">
@@ -12260,54 +12622,15 @@
               <a:tabLst/>
               <a:defRPr/>
             </a:pPr>
-            <a:r>
-              <a:rPr lang="ko-KR" altLang="en-US" sz="1200" b="0" kern="1200" dirty="0">
-                <a:solidFill>
-                  <a:schemeClr val="tx1"/>
-                </a:solidFill>
-                <a:effectLst/>
-                <a:latin typeface="+mn-lt"/>
-                <a:ea typeface="+mn-ea"/>
-                <a:cs typeface="+mn-cs"/>
-              </a:rPr>
-              <a:t>이를 완화하기 위해 </a:t>
-            </a:r>
-            <a:r>
-              <a:rPr lang="ko-KR" altLang="en-US" sz="1200" b="1" kern="1200" dirty="0">
-                <a:solidFill>
-                  <a:schemeClr val="tx1"/>
-                </a:solidFill>
-                <a:effectLst/>
-                <a:latin typeface="+mn-lt"/>
-                <a:ea typeface="+mn-ea"/>
-                <a:cs typeface="+mn-cs"/>
-              </a:rPr>
-              <a:t>**클라우드 오프로딩**</a:t>
-            </a:r>
-            <a:r>
-              <a:rPr lang="ko-KR" altLang="en-US" sz="1200" b="0" kern="1200" dirty="0">
-                <a:solidFill>
-                  <a:schemeClr val="tx1"/>
-                </a:solidFill>
-                <a:effectLst/>
-                <a:latin typeface="+mn-lt"/>
-                <a:ea typeface="+mn-ea"/>
-                <a:cs typeface="+mn-cs"/>
-              </a:rPr>
-              <a:t>이 널리 사용되지만</a:t>
-            </a:r>
-            <a:r>
-              <a:rPr lang="en-US" altLang="ko-KR" sz="1200" b="0" kern="1200" dirty="0">
-                <a:solidFill>
-                  <a:schemeClr val="tx1"/>
-                </a:solidFill>
-                <a:effectLst/>
-                <a:latin typeface="+mn-lt"/>
-                <a:ea typeface="+mn-ea"/>
-                <a:cs typeface="+mn-cs"/>
-              </a:rPr>
-              <a:t>, </a:t>
-            </a:r>
+            <a:endParaRPr lang="en-US" altLang="ko-KR" sz="1200" b="0" kern="1200" dirty="0">
+              <a:solidFill>
+                <a:schemeClr val="tx1"/>
+              </a:solidFill>
+              <a:effectLst/>
+              <a:latin typeface="+mn-lt"/>
+              <a:ea typeface="+mn-ea"/>
+              <a:cs typeface="+mn-cs"/>
+            </a:endParaRPr>
           </a:p>
           <a:p>
             <a:pPr marL="0" marR="0" lvl="0" indent="0" algn="l" defTabSz="914400" rtl="0" eaLnBrk="1" fontAlgn="auto" latinLnBrk="1" hangingPunct="1">
@@ -12328,32 +12651,185 @@
               <a:defRPr/>
             </a:pPr>
             <a:r>
-              <a:rPr lang="ko-KR" altLang="en-US" dirty="0">
-                <a:effectLst/>
-              </a:rPr>
-              <a:t>클라우드는 </a:t>
-            </a:r>
-            <a:r>
-              <a:rPr lang="ko-KR" altLang="en-US" dirty="0" err="1">
-                <a:effectLst/>
-              </a:rPr>
-              <a:t>온디맨드</a:t>
-            </a:r>
-            <a:r>
-              <a:rPr lang="ko-KR" altLang="en-US" dirty="0">
-                <a:effectLst/>
-              </a:rPr>
-              <a:t> 및 확장 가능한 특성으로 인해 처리 및 저장을 이관하는 데 이상적인 솔루션이다</a:t>
-            </a:r>
-            <a:endParaRPr lang="en-US" altLang="ko-KR" sz="1200" b="0" kern="1200" dirty="0">
-              <a:solidFill>
-                <a:schemeClr val="tx1"/>
-              </a:solidFill>
-              <a:effectLst/>
-              <a:latin typeface="+mn-lt"/>
-              <a:ea typeface="+mn-ea"/>
-              <a:cs typeface="+mn-cs"/>
-            </a:endParaRPr>
+              <a:rPr lang="ko-KR" altLang="en-US" sz="1200" b="0" kern="1200" dirty="0">
+                <a:solidFill>
+                  <a:schemeClr val="tx1"/>
+                </a:solidFill>
+                <a:effectLst/>
+                <a:latin typeface="+mn-lt"/>
+                <a:ea typeface="+mn-ea"/>
+                <a:cs typeface="+mn-cs"/>
+              </a:rPr>
+              <a:t>모바일</a:t>
+            </a:r>
+            <a:r>
+              <a:rPr lang="en-US" altLang="ko-KR" sz="1200" b="0" kern="1200" dirty="0">
+                <a:solidFill>
+                  <a:schemeClr val="tx1"/>
+                </a:solidFill>
+                <a:effectLst/>
+                <a:latin typeface="+mn-lt"/>
+                <a:ea typeface="+mn-ea"/>
+                <a:cs typeface="+mn-cs"/>
+              </a:rPr>
+              <a:t>·IoT </a:t>
+            </a:r>
+            <a:r>
+              <a:rPr lang="ko-KR" altLang="en-US" sz="1200" b="0" kern="1200" dirty="0">
+                <a:solidFill>
+                  <a:schemeClr val="tx1"/>
+                </a:solidFill>
+                <a:effectLst/>
+                <a:latin typeface="+mn-lt"/>
+                <a:ea typeface="+mn-ea"/>
+                <a:cs typeface="+mn-cs"/>
+              </a:rPr>
+              <a:t>단말</a:t>
+            </a:r>
+            <a:r>
+              <a:rPr lang="en-US" altLang="ko-KR" sz="1200" b="0" kern="1200" dirty="0">
+                <a:solidFill>
+                  <a:schemeClr val="tx1"/>
+                </a:solidFill>
+                <a:effectLst/>
+                <a:latin typeface="+mn-lt"/>
+                <a:ea typeface="+mn-ea"/>
+                <a:cs typeface="+mn-cs"/>
+              </a:rPr>
+              <a:t>(</a:t>
+            </a:r>
+            <a:r>
+              <a:rPr lang="ko-KR" altLang="en-US" sz="1200" b="0" kern="1200" dirty="0">
+                <a:solidFill>
+                  <a:schemeClr val="tx1"/>
+                </a:solidFill>
+                <a:effectLst/>
+                <a:latin typeface="+mn-lt"/>
+                <a:ea typeface="+mn-ea"/>
+                <a:cs typeface="+mn-cs"/>
+              </a:rPr>
+              <a:t>센서</a:t>
+            </a:r>
+            <a:r>
+              <a:rPr lang="en-US" altLang="ko-KR" sz="1200" b="0" kern="1200" dirty="0">
+                <a:solidFill>
+                  <a:schemeClr val="tx1"/>
+                </a:solidFill>
+                <a:effectLst/>
+                <a:latin typeface="+mn-lt"/>
+                <a:ea typeface="+mn-ea"/>
+                <a:cs typeface="+mn-cs"/>
+              </a:rPr>
+              <a:t>, </a:t>
+            </a:r>
+            <a:r>
+              <a:rPr lang="ko-KR" altLang="en-US" sz="1200" b="0" kern="1200" dirty="0">
+                <a:solidFill>
+                  <a:schemeClr val="tx1"/>
+                </a:solidFill>
+                <a:effectLst/>
+                <a:latin typeface="+mn-lt"/>
+                <a:ea typeface="+mn-ea"/>
+                <a:cs typeface="+mn-cs"/>
+              </a:rPr>
+              <a:t>스마트폰</a:t>
+            </a:r>
+            <a:r>
+              <a:rPr lang="en-US" altLang="ko-KR" sz="1200" b="0" kern="1200" dirty="0">
+                <a:solidFill>
+                  <a:schemeClr val="tx1"/>
+                </a:solidFill>
+                <a:effectLst/>
+                <a:latin typeface="+mn-lt"/>
+                <a:ea typeface="+mn-ea"/>
+                <a:cs typeface="+mn-cs"/>
+              </a:rPr>
+              <a:t>, </a:t>
+            </a:r>
+            <a:r>
+              <a:rPr lang="ko-KR" altLang="en-US" sz="1200" b="0" kern="1200" dirty="0">
+                <a:solidFill>
+                  <a:schemeClr val="tx1"/>
+                </a:solidFill>
+                <a:effectLst/>
+                <a:latin typeface="+mn-lt"/>
+                <a:ea typeface="+mn-ea"/>
+                <a:cs typeface="+mn-cs"/>
+              </a:rPr>
+              <a:t>웨어러블</a:t>
+            </a:r>
+            <a:r>
+              <a:rPr lang="en-US" altLang="ko-KR" sz="1200" b="0" kern="1200" dirty="0">
+                <a:solidFill>
+                  <a:schemeClr val="tx1"/>
+                </a:solidFill>
+                <a:effectLst/>
+                <a:latin typeface="+mn-lt"/>
+                <a:ea typeface="+mn-ea"/>
+                <a:cs typeface="+mn-cs"/>
+              </a:rPr>
+              <a:t>)</a:t>
+            </a:r>
+            <a:r>
+              <a:rPr lang="ko-KR" altLang="en-US" sz="1200" b="0" kern="1200" dirty="0">
+                <a:solidFill>
+                  <a:schemeClr val="tx1"/>
+                </a:solidFill>
+                <a:effectLst/>
+                <a:latin typeface="+mn-lt"/>
+                <a:ea typeface="+mn-ea"/>
+                <a:cs typeface="+mn-cs"/>
+              </a:rPr>
+              <a:t>의 데이터 생성이 급증하는 반면</a:t>
+            </a:r>
+            <a:r>
+              <a:rPr lang="en-US" altLang="ko-KR" sz="1200" b="0" kern="1200" dirty="0">
+                <a:solidFill>
+                  <a:schemeClr val="tx1"/>
+                </a:solidFill>
+                <a:effectLst/>
+                <a:latin typeface="+mn-lt"/>
+                <a:ea typeface="+mn-ea"/>
+                <a:cs typeface="+mn-cs"/>
+              </a:rPr>
+              <a:t>, </a:t>
+            </a:r>
+            <a:r>
+              <a:rPr lang="ko-KR" altLang="en-US" sz="1200" b="1" kern="1200" dirty="0">
+                <a:solidFill>
+                  <a:schemeClr val="tx1"/>
+                </a:solidFill>
+                <a:effectLst/>
+                <a:latin typeface="+mn-lt"/>
+                <a:ea typeface="+mn-ea"/>
+                <a:cs typeface="+mn-cs"/>
+              </a:rPr>
+              <a:t>연산에너지 등 리소스의 제약</a:t>
+            </a:r>
+            <a:r>
+              <a:rPr lang="ko-KR" altLang="en-US" sz="1200" b="0" kern="1200" dirty="0">
+                <a:solidFill>
+                  <a:schemeClr val="tx1"/>
+                </a:solidFill>
+                <a:effectLst/>
+                <a:latin typeface="+mn-lt"/>
+                <a:ea typeface="+mn-ea"/>
+                <a:cs typeface="+mn-cs"/>
+              </a:rPr>
+              <a:t>이 큽니다</a:t>
+            </a:r>
+            <a:r>
+              <a:rPr lang="en-US" altLang="ko-KR" sz="1200" b="0" kern="1200" dirty="0">
+                <a:solidFill>
+                  <a:schemeClr val="tx1"/>
+                </a:solidFill>
+                <a:effectLst/>
+                <a:latin typeface="+mn-lt"/>
+                <a:ea typeface="+mn-ea"/>
+                <a:cs typeface="+mn-cs"/>
+              </a:rPr>
+              <a:t>.</a:t>
+            </a:r>
           </a:p>
           <a:p>
             <a:pPr marL="0" marR="0" lvl="0" indent="0" algn="l" defTabSz="914400" rtl="0" eaLnBrk="1" fontAlgn="auto" latinLnBrk="1" hangingPunct="1">
@@ -12373,6 +12849,34 @@
               <a:tabLst/>
               <a:defRPr/>
             </a:pPr>
+            <a:endParaRPr lang="en-US" altLang="ko-KR" sz="1200" b="0" kern="1200" dirty="0">
+              <a:solidFill>
+                <a:schemeClr val="tx1"/>
+              </a:solidFill>
+              <a:effectLst/>
+              <a:latin typeface="+mn-lt"/>
+              <a:ea typeface="+mn-ea"/>
+              <a:cs typeface="+mn-cs"/>
+            </a:endParaRPr>
+          </a:p>
+          <a:p>
+            <a:pPr marL="0" marR="0" lvl="0" indent="0" algn="l" defTabSz="914400" rtl="0" eaLnBrk="1" fontAlgn="auto" latinLnBrk="1" hangingPunct="1">
+              <a:lnSpc>
+                <a:spcPct val="100000"/>
+              </a:lnSpc>
+              <a:spcBef>
+                <a:spcPts val="0"/>
+              </a:spcBef>
+              <a:spcAft>
+                <a:spcPts val="0"/>
+              </a:spcAft>
+              <a:buClrTx/>
+              <a:buSzTx/>
+              <a:buFontTx/>
+              <a:buNone/>
+              <a:tabLst/>
+              <a:defRPr/>
+            </a:pPr>
             <a:r>
               <a:rPr lang="ko-KR" altLang="en-US" sz="1200" b="0" kern="1200" dirty="0">
                 <a:solidFill>
@@ -12383,16 +12887,10 @@
                 <a:ea typeface="+mn-ea"/>
                 <a:cs typeface="+mn-cs"/>
               </a:rPr>
-              <a:t>그러나 </a:t>
-            </a:r>
-            <a:r>
-              <a:rPr lang="ko-KR" altLang="en-US" dirty="0">
-                <a:effectLst/>
-              </a:rPr>
-              <a:t>대다수 사용자와 멀리 떨어진 </a:t>
-            </a:r>
-            <a:r>
-              <a:rPr lang="ko-KR" altLang="en-US" sz="1200" b="0" kern="1200" dirty="0">
+              <a:t>이를 완화하기 위해 </a:t>
+            </a:r>
+            <a:r>
+              <a:rPr lang="ko-KR" altLang="en-US" sz="1200" b="1" kern="1200" dirty="0">
                 <a:solidFill>
                   <a:schemeClr val="tx1"/>
                 </a:solidFill>
@@ -12401,10 +12899,10 @@
                 <a:ea typeface="+mn-ea"/>
                 <a:cs typeface="+mn-cs"/>
               </a:rPr>
-              <a:t>대규모 </a:t>
-            </a:r>
-            <a:r>
-              <a:rPr lang="ko-KR" altLang="en-US" sz="1200" b="1" kern="1200" dirty="0">
+              <a:t>클라우드 오프로딩</a:t>
+            </a:r>
+            <a:r>
+              <a:rPr lang="ko-KR" altLang="en-US" sz="1200" b="0" kern="1200" dirty="0">
                 <a:solidFill>
                   <a:schemeClr val="tx1"/>
                 </a:solidFill>
@@ -12413,10 +12911,10 @@
                 <a:ea typeface="+mn-ea"/>
                 <a:cs typeface="+mn-cs"/>
               </a:rPr>
-              <a:t>원거리 데이터센터</a:t>
-            </a:r>
-            <a:r>
-              <a:rPr lang="ko-KR" altLang="en-US" sz="1200" b="0" kern="1200" dirty="0">
+              <a:t>이 널리 사용되고 있으며</a:t>
+            </a:r>
+            <a:r>
+              <a:rPr lang="en-US" altLang="ko-KR" sz="1200" b="0" kern="1200" dirty="0">
                 <a:solidFill>
                   <a:schemeClr val="tx1"/>
                 </a:solidFill>
@@ -12425,7 +12923,139 @@
                 <a:ea typeface="+mn-ea"/>
                 <a:cs typeface="+mn-cs"/>
               </a:rPr>
-              <a:t> 운영</a:t>
+              <a:t>, </a:t>
+            </a:r>
+          </a:p>
+          <a:p>
+            <a:pPr marL="0" marR="0" lvl="0" indent="0" algn="l" defTabSz="914400" rtl="0" eaLnBrk="1" fontAlgn="auto" latinLnBrk="1" hangingPunct="1">
+              <a:lnSpc>
+                <a:spcPct val="100000"/>
+              </a:lnSpc>
+              <a:spcBef>
+                <a:spcPts val="0"/>
+              </a:spcBef>
+              <a:spcAft>
+                <a:spcPts val="0"/>
+              </a:spcAft>
+              <a:buClrTx/>
+              <a:buSzTx/>
+              <a:buFontTx/>
+              <a:buNone/>
+              <a:tabLst/>
+              <a:defRPr/>
+            </a:pPr>
+            <a:r>
+              <a:rPr lang="ko-KR" altLang="en-US" dirty="0">
+                <a:effectLst/>
+              </a:rPr>
+              <a:t>클라우드는 처리 및 저장을 이관하는 데 이상적인 솔루션이다</a:t>
+            </a:r>
+            <a:r>
+              <a:rPr lang="en-US" altLang="ko-KR" dirty="0">
+                <a:effectLst/>
+              </a:rPr>
+              <a:t>.</a:t>
+            </a:r>
+          </a:p>
+          <a:p>
+            <a:pPr marL="0" marR="0" lvl="0" indent="0" algn="l" defTabSz="914400" rtl="0" eaLnBrk="1" fontAlgn="auto" latinLnBrk="1" hangingPunct="1">
+              <a:lnSpc>
+                <a:spcPct val="100000"/>
+              </a:lnSpc>
+              <a:spcBef>
+                <a:spcPts val="0"/>
+              </a:spcBef>
+              <a:spcAft>
+                <a:spcPts val="0"/>
+              </a:spcAft>
+              <a:buClrTx/>
+              <a:buSzTx/>
+              <a:buFontTx/>
+              <a:buNone/>
+              <a:tabLst/>
+              <a:defRPr/>
+            </a:pPr>
+            <a:endParaRPr lang="en-US" altLang="ko-KR" sz="1200" b="0" kern="1200" dirty="0">
+              <a:solidFill>
+                <a:schemeClr val="tx1"/>
+              </a:solidFill>
+              <a:effectLst/>
+              <a:latin typeface="+mn-lt"/>
+              <a:ea typeface="+mn-ea"/>
+              <a:cs typeface="+mn-cs"/>
+            </a:endParaRPr>
+          </a:p>
+          <a:p>
+            <a:pPr marL="0" marR="0" lvl="0" indent="0" algn="l" defTabSz="914400" rtl="0" eaLnBrk="1" fontAlgn="auto" latinLnBrk="1" hangingPunct="1">
+              <a:lnSpc>
+                <a:spcPct val="100000"/>
+              </a:lnSpc>
+              <a:spcBef>
+                <a:spcPts val="0"/>
+              </a:spcBef>
+              <a:spcAft>
+                <a:spcPts val="0"/>
+              </a:spcAft>
+              <a:buClrTx/>
+              <a:buSzTx/>
+              <a:buFontTx/>
+              <a:buNone/>
+              <a:tabLst/>
+              <a:defRPr/>
+            </a:pPr>
+            <a:r>
+              <a:rPr lang="ko-KR" altLang="en-US" sz="1200" b="0" kern="1200" dirty="0">
+                <a:solidFill>
+                  <a:schemeClr val="tx1"/>
+                </a:solidFill>
+                <a:effectLst/>
+                <a:latin typeface="+mn-lt"/>
+                <a:ea typeface="+mn-ea"/>
+                <a:cs typeface="+mn-cs"/>
+              </a:rPr>
+              <a:t>그러나 </a:t>
+            </a:r>
+            <a:r>
+              <a:rPr lang="ko-KR" altLang="en-US" dirty="0">
+                <a:effectLst/>
+              </a:rPr>
+              <a:t>대다수 사용자와 멀리 떨어진 </a:t>
+            </a:r>
+            <a:r>
+              <a:rPr lang="ko-KR" altLang="en-US" sz="1200" b="0" kern="1200" dirty="0">
+                <a:solidFill>
+                  <a:schemeClr val="tx1"/>
+                </a:solidFill>
+                <a:effectLst/>
+                <a:latin typeface="+mn-lt"/>
+                <a:ea typeface="+mn-ea"/>
+                <a:cs typeface="+mn-cs"/>
+              </a:rPr>
+              <a:t>대규모 </a:t>
+            </a:r>
+            <a:r>
+              <a:rPr lang="ko-KR" altLang="en-US" sz="1200" b="1" kern="1200" dirty="0">
+                <a:solidFill>
+                  <a:schemeClr val="tx1"/>
+                </a:solidFill>
+                <a:effectLst/>
+                <a:latin typeface="+mn-lt"/>
+                <a:ea typeface="+mn-ea"/>
+                <a:cs typeface="+mn-cs"/>
+              </a:rPr>
+              <a:t>원거리 데이터센터</a:t>
+            </a:r>
+            <a:r>
+              <a:rPr lang="ko-KR" altLang="en-US" sz="1200" b="0" kern="1200" dirty="0">
+                <a:solidFill>
+                  <a:schemeClr val="tx1"/>
+                </a:solidFill>
+                <a:effectLst/>
+                <a:latin typeface="+mn-lt"/>
+                <a:ea typeface="+mn-ea"/>
+                <a:cs typeface="+mn-cs"/>
+              </a:rPr>
+              <a:t> 운영해야 하므로 </a:t>
             </a:r>
             <a:endParaRPr lang="en-US" altLang="ko-KR" sz="1200" b="0" kern="1200" dirty="0">
               <a:solidFill>
@@ -12557,7 +13187,7 @@
                 <a:ea typeface="+mn-ea"/>
                 <a:cs typeface="+mn-cs"/>
               </a:rPr>
-              <a:t>문제가 발생</a:t>
+              <a:t>문제가 발생한다</a:t>
             </a:r>
             <a:r>
               <a:rPr lang="en-US" altLang="ko-KR" sz="1200" b="0" kern="1200" dirty="0">
@@ -12742,7 +13372,58 @@
             </a:r>
             <a:r>
               <a:rPr lang="ko-KR" altLang="en-US" b="1" dirty="0" err="1"/>
-              <a:t>엣지</a:t>
+              <a:t>엣지에</a:t>
+            </a:r>
+            <a:r>
+              <a:rPr lang="ko-KR" altLang="en-US" b="1" dirty="0"/>
+              <a:t> 배치하는 것을 말합니다</a:t>
+            </a:r>
+            <a:r>
+              <a:rPr lang="en-US" altLang="ko-KR" b="1" dirty="0"/>
+              <a:t>.</a:t>
+            </a:r>
+          </a:p>
+          <a:p>
+            <a:endParaRPr lang="en-US" altLang="ko-KR" dirty="0"/>
+          </a:p>
+          <a:p>
+            <a:r>
+              <a:rPr lang="ko-KR" altLang="en-US" dirty="0"/>
+              <a:t>이에 따른 효과로는 </a:t>
+            </a:r>
+            <a:endParaRPr lang="en-US" altLang="ko-KR" dirty="0"/>
+          </a:p>
+          <a:p>
+            <a:r>
+              <a:rPr lang="ko-KR" altLang="en-US" dirty="0"/>
+              <a:t>데이터를 생성하는 기기와 가까운 곳에 컴퓨팅 자원을 두면 </a:t>
+            </a:r>
+            <a:r>
+              <a:rPr lang="ko-KR" altLang="en-US" b="1" dirty="0"/>
+              <a:t>통신 지연</a:t>
+            </a:r>
+            <a:r>
+              <a:rPr lang="ko-KR" altLang="en-US" dirty="0"/>
+              <a:t>이 줄어듭니다</a:t>
+            </a:r>
+            <a:endParaRPr lang="en-US" altLang="ko-KR" dirty="0"/>
+          </a:p>
+          <a:p>
+            <a:r>
+              <a:rPr lang="ko-KR" altLang="en-US" b="1" dirty="0"/>
+              <a:t>네트워크 집약적 데이터</a:t>
+            </a:r>
+            <a:r>
+              <a:rPr lang="ko-KR" altLang="en-US" dirty="0"/>
+              <a:t>를 최종 기기에서 한 홉 떨어진 지점에서 처리</a:t>
+            </a:r>
+            <a:r>
+              <a:rPr lang="en-US" altLang="ko-KR" dirty="0"/>
+              <a:t>·</a:t>
+            </a:r>
+            <a:r>
+              <a:rPr lang="ko-KR" altLang="en-US" dirty="0"/>
+              <a:t>분석할 수 있어</a:t>
             </a:r>
             <a:r>
               <a:rPr lang="en-US" altLang="ko-KR" dirty="0"/>
@@ -12750,128 +13431,63 @@
             </a:r>
             <a:r>
               <a:rPr lang="ko-KR" altLang="en-US" dirty="0"/>
-              <a:t>최종 기기 근처</a:t>
+              <a:t>먼 데이터센터로 가는 네트워크 링크의 </a:t>
+            </a:r>
+            <a:r>
+              <a:rPr lang="ko-KR" altLang="en-US" b="1" dirty="0"/>
+              <a:t>대역폭 부담</a:t>
+            </a:r>
+            <a:r>
+              <a:rPr lang="ko-KR" altLang="en-US" dirty="0"/>
+              <a:t>이 감소합니다</a:t>
+            </a:r>
+            <a:endParaRPr lang="en-US" altLang="ko-KR" dirty="0"/>
+          </a:p>
+          <a:p>
+            <a:endParaRPr lang="en-US" altLang="ko-KR" dirty="0"/>
+          </a:p>
+          <a:p>
+            <a:r>
+              <a:rPr lang="ko-KR" altLang="en-US" b="1" dirty="0"/>
+              <a:t>마지막으로 기기의 이동성</a:t>
+            </a:r>
+            <a:r>
+              <a:rPr lang="ko-KR" altLang="en-US" dirty="0"/>
+              <a:t>과 </a:t>
+            </a:r>
+            <a:r>
+              <a:rPr lang="ko-KR" altLang="en-US" b="1" dirty="0"/>
+              <a:t>지리적으로 분산된 애플리케이션</a:t>
+            </a:r>
+            <a:r>
+              <a:rPr lang="ko-KR" altLang="en-US" dirty="0"/>
+              <a:t>을 지원합니다</a:t>
             </a:r>
             <a:r>
               <a:rPr lang="en-US" altLang="ko-KR" dirty="0"/>
-              <a:t>(</a:t>
+              <a:t>. (</a:t>
             </a:r>
             <a:r>
               <a:rPr lang="ko-KR" altLang="en-US" dirty="0"/>
-              <a:t>심지어 같은 장소</a:t>
-            </a:r>
-            <a:r>
-              <a:rPr lang="en-US" altLang="ko-KR" dirty="0"/>
-              <a:t>)</a:t>
-            </a:r>
-            <a:r>
-              <a:rPr lang="ko-KR" altLang="en-US" dirty="0"/>
-              <a:t>에 배치합니다</a:t>
-            </a:r>
-            <a:endParaRPr lang="en-US" altLang="ko-KR" dirty="0"/>
-          </a:p>
-          <a:p>
-            <a:endParaRPr lang="en-US" dirty="0"/>
-          </a:p>
-          <a:p>
-            <a:r>
-              <a:rPr lang="ko-KR" altLang="en-US" dirty="0"/>
-              <a:t>이에 따른 효과로는 </a:t>
-            </a:r>
-            <a:endParaRPr lang="en-US" altLang="ko-KR" dirty="0"/>
-          </a:p>
-          <a:p>
-            <a:r>
-              <a:rPr lang="ko-KR" altLang="en-US" dirty="0"/>
-              <a:t>데이터를 생성하는 기기와 가까운 곳에 컴퓨팅 자원을 두면 </a:t>
+              <a:t>대표적인 사례로는 </a:t>
             </a:r>
             <a:r>
               <a:rPr lang="ko-KR" altLang="en-US" b="1" dirty="0"/>
-              <a:t>통신 지연</a:t>
-            </a:r>
-            <a:r>
-              <a:rPr lang="ko-KR" altLang="en-US" dirty="0"/>
-              <a:t>이 줄어듭니다</a:t>
-            </a:r>
-            <a:endParaRPr lang="en-US" altLang="ko-KR" dirty="0"/>
-          </a:p>
-          <a:p>
-            <a:r>
-              <a:rPr lang="ko-KR" altLang="en-US" b="1" dirty="0"/>
-              <a:t>네트워크 집약적 데이터</a:t>
-            </a:r>
-            <a:r>
-              <a:rPr lang="ko-KR" altLang="en-US" dirty="0"/>
-              <a:t>를 최종 기기에서 한 홉 떨어진 지점에서 처리</a:t>
-            </a:r>
-            <a:r>
-              <a:rPr lang="en-US" altLang="ko-KR" dirty="0"/>
-              <a:t>·</a:t>
-            </a:r>
-            <a:r>
-              <a:rPr lang="ko-KR" altLang="en-US" dirty="0"/>
-              <a:t>분석할 수 있어</a:t>
+              <a:t>차량 대상 콘텐츠 전송</a:t>
             </a:r>
             <a:r>
               <a:rPr lang="en-US" altLang="ko-KR" dirty="0"/>
               <a:t>, </a:t>
             </a:r>
             <a:r>
-              <a:rPr lang="ko-KR" altLang="en-US" dirty="0"/>
-              <a:t>먼 데이터센터로 가는 네트워크 링크의 </a:t>
-            </a:r>
-            <a:r>
               <a:rPr lang="ko-KR" altLang="en-US" b="1" dirty="0"/>
-              <a:t>대역폭 부담</a:t>
-            </a:r>
-            <a:r>
-              <a:rPr lang="ko-KR" altLang="en-US" dirty="0"/>
-              <a:t>이 감소합니다</a:t>
-            </a:r>
-            <a:endParaRPr lang="en-US" altLang="ko-KR" dirty="0"/>
-          </a:p>
-          <a:p>
-            <a:r>
-              <a:rPr lang="ko-KR" altLang="en-US" b="1" dirty="0"/>
-              <a:t>마지막으로 기기의 이동성</a:t>
-            </a:r>
-            <a:r>
-              <a:rPr lang="ko-KR" altLang="en-US" dirty="0"/>
-              <a:t>과 </a:t>
-            </a:r>
-            <a:r>
-              <a:rPr lang="ko-KR" altLang="en-US" b="1" dirty="0"/>
-              <a:t>지리적으로 분산된 애플리케이션</a:t>
-            </a:r>
-            <a:r>
-              <a:rPr lang="ko-KR" altLang="en-US" dirty="0"/>
-              <a:t>을 지원합니다</a:t>
-            </a:r>
-            <a:r>
-              <a:rPr lang="en-US" altLang="ko-KR" dirty="0"/>
-              <a:t>. (</a:t>
-            </a:r>
-            <a:r>
-              <a:rPr lang="ko-KR" altLang="en-US" dirty="0"/>
-              <a:t>대표적인 사례로는 </a:t>
-            </a:r>
-            <a:r>
-              <a:rPr lang="ko-KR" altLang="en-US" b="1" dirty="0"/>
-              <a:t>차량 대상 콘텐츠 전송</a:t>
+              <a:t>모바일 기기가 수집한 데이터의 실시간 분석</a:t>
             </a:r>
             <a:r>
               <a:rPr lang="en-US" altLang="ko-KR" dirty="0"/>
               <a:t>, </a:t>
             </a:r>
             <a:r>
-              <a:rPr lang="ko-KR" altLang="en-US" b="1" dirty="0"/>
-              <a:t>모바일 기기가 수집한 데이터의 실시간 분석</a:t>
-            </a:r>
-            <a:r>
-              <a:rPr lang="en-US" altLang="ko-KR" dirty="0"/>
-              <a:t>, </a:t>
-            </a:r>
-            <a:r>
               <a:rPr lang="ko-KR" altLang="en-US" dirty="0"/>
               <a:t>그리고 지리적으로 분산된 </a:t>
             </a:r>
@@ -12890,20 +13506,15 @@
           </a:p>
           <a:p>
             <a:r>
-              <a:rPr lang="en-US" altLang="ko-KR" b="1" dirty="0"/>
-              <a:t>- </a:t>
-            </a:r>
+              <a:rPr lang="ko-KR" altLang="en-US" b="1" dirty="0"/>
+              <a:t>그리고 그 효과로 </a:t>
+            </a:r>
+            <a:endParaRPr lang="en-US" altLang="ko-KR" b="1" dirty="0"/>
+          </a:p>
+          <a:p>
             <a:r>
               <a:rPr lang="ko-KR" altLang="en-US" dirty="0"/>
-              <a:t>데이터가 생기는 곳 가까이에 연산</a:t>
-            </a:r>
-            <a:r>
-              <a:rPr lang="en-US" altLang="ko-KR" dirty="0"/>
-              <a:t>·</a:t>
-            </a:r>
-            <a:r>
-              <a:rPr lang="ko-KR" altLang="en-US" dirty="0"/>
-              <a:t>저장을 두면 지연과 대역폭을 줄이고</a:t>
+              <a:t>지연과 대역폭 부담을 줄이고</a:t>
             </a:r>
             <a:r>
               <a:rPr lang="en-US" altLang="ko-KR" dirty="0"/>
@@ -13010,13 +13621,27 @@
               <a:rPr lang="ko-KR" altLang="en-US" dirty="0">
                 <a:effectLst/>
               </a:rPr>
-              <a:t>콘텐츠를 최종 사용자에게 더 가까이 가져오는 개념은 새롭지 않습니다</a:t>
+              <a:t>콘텐츠를 최종 사용자에게 더 가까이 가져오는 개념은 </a:t>
             </a:r>
             <a:endParaRPr lang="en-US" altLang="ko-KR" dirty="0">
               <a:effectLst/>
             </a:endParaRPr>
           </a:p>
           <a:p>
+            <a:r>
+              <a:rPr lang="ko-KR" altLang="en-US" dirty="0">
+                <a:effectLst/>
+              </a:rPr>
+              <a:t>이전에도 이미 존재했습니다</a:t>
+            </a:r>
+            <a:r>
+              <a:rPr lang="en-US" altLang="ko-KR" dirty="0">
+                <a:effectLst/>
+              </a:rPr>
+              <a:t>. </a:t>
+            </a:r>
+          </a:p>
+          <a:p>
             <a:endParaRPr lang="en-US" altLang="ko-KR" dirty="0">
               <a:effectLst/>
             </a:endParaRPr>
@@ -13026,6 +13651,52 @@
               <a:rPr lang="en-US" altLang="ko-KR" dirty="0">
                 <a:effectLst/>
               </a:rPr>
+              <a:t>CDN </a:t>
+            </a:r>
+            <a:r>
+              <a:rPr lang="ko-KR" altLang="en-US" dirty="0">
+                <a:effectLst/>
+              </a:rPr>
+              <a:t>과 </a:t>
+            </a:r>
+            <a:r>
+              <a:rPr lang="en-US" altLang="ko-KR" dirty="0">
+                <a:effectLst/>
+              </a:rPr>
+              <a:t>ICN </a:t>
+            </a:r>
+            <a:r>
+              <a:rPr lang="ko-KR" altLang="en-US" dirty="0">
+                <a:effectLst/>
+              </a:rPr>
+              <a:t>으로 대표되며 </a:t>
+            </a:r>
+            <a:endParaRPr lang="en-US" altLang="ko-KR" dirty="0">
+              <a:effectLst/>
+            </a:endParaRPr>
+          </a:p>
+          <a:p>
+            <a:r>
+              <a:rPr lang="en-US" altLang="ko-KR" dirty="0">
+                <a:effectLst/>
+              </a:rPr>
+              <a:t>CDN </a:t>
+            </a:r>
+            <a:r>
+              <a:rPr lang="ko-KR" altLang="en-US" dirty="0">
+                <a:effectLst/>
+              </a:rPr>
+              <a:t>은 </a:t>
+            </a:r>
+            <a:endParaRPr lang="en-US" altLang="ko-KR" dirty="0">
+              <a:effectLst/>
+            </a:endParaRPr>
+          </a:p>
+          <a:p>
+            <a:r>
+              <a:rPr lang="en-US" altLang="ko-KR" dirty="0">
+                <a:effectLst/>
+              </a:rPr>
               <a:t>Content delivery or distribution networks (CDNs) , </a:t>
             </a:r>
             <a:r>
@@ -13054,7 +13725,22 @@
             </a:r>
             <a:r>
               <a:rPr lang="ko-KR" altLang="en-US" b="1" dirty="0"/>
-              <a:t>배치</a:t>
+              <a:t>배치하는 개념이고 </a:t>
+            </a:r>
+            <a:endParaRPr lang="en-US" altLang="ko-KR" b="1" dirty="0"/>
+          </a:p>
+          <a:p>
+            <a:r>
+              <a:rPr lang="en-US" altLang="ko-KR" b="1" dirty="0">
+                <a:effectLst/>
+              </a:rPr>
+              <a:t>ICN </a:t>
+            </a:r>
+            <a:r>
+              <a:rPr lang="ko-KR" altLang="en-US" b="1" dirty="0">
+                <a:effectLst/>
+              </a:rPr>
+              <a:t>은</a:t>
             </a:r>
             <a:endParaRPr lang="en-US" altLang="ko-KR" dirty="0">
               <a:effectLst/>
@@ -13093,9 +13779,12 @@
             </a:r>
             <a:r>
               <a:rPr lang="ko-KR" altLang="en-US" dirty="0"/>
-              <a:t>을 명시적으로 지원하려는 접근</a:t>
-            </a:r>
-            <a:endParaRPr lang="en-US" altLang="ko-KR" dirty="0"/>
+              <a:t>을 명시적으로 지원하려는 개념입니다</a:t>
+            </a:r>
+            <a:r>
+              <a:rPr lang="en-US" altLang="ko-KR" dirty="0"/>
+              <a:t>.</a:t>
+            </a:r>
           </a:p>
           <a:p>
             <a:endParaRPr lang="en-US" altLang="ko-KR" dirty="0">
@@ -13143,6 +13832,13 @@
           </a:p>
           <a:p>
             <a:r>
+              <a:rPr lang="ko-KR" altLang="en-US" dirty="0"/>
+              <a:t>이와 달리 </a:t>
+            </a:r>
+            <a:endParaRPr lang="en-US" altLang="ko-KR" dirty="0"/>
+          </a:p>
+          <a:p>
+            <a:r>
               <a:rPr lang="ko-KR" altLang="en-US" b="1" dirty="0" err="1"/>
               <a:t>엣지</a:t>
             </a:r>
@@ -13168,19 +13864,11 @@
             </a:r>
             <a:r>
               <a:rPr lang="ko-KR" altLang="en-US" b="1" dirty="0"/>
-              <a:t>사용자 </a:t>
-            </a:r>
-            <a:r>
-              <a:rPr lang="ko-KR" altLang="en-US" b="1" dirty="0" err="1"/>
-              <a:t>모빌리티를</a:t>
-            </a:r>
-            <a:r>
-              <a:rPr lang="ko-KR" altLang="en-US" b="1" dirty="0"/>
-              <a:t> 지원하는 대화형 애플리케이션</a:t>
+              <a:t>사용자 이동성을 지원하는 대화형 애플리케이션</a:t>
             </a:r>
             <a:r>
               <a:rPr lang="ko-KR" altLang="en-US" dirty="0"/>
-              <a:t>을 호스팅할 수 있습니다</a:t>
+              <a:t>을 서비스할 수 있습니다</a:t>
             </a:r>
             <a:r>
               <a:rPr lang="en-US" altLang="ko-KR" dirty="0"/>
@@ -13206,23 +13894,11 @@
             </a:r>
             <a:r>
               <a:rPr lang="ko-KR" altLang="en-US" b="1" dirty="0"/>
-              <a:t> 네트워크 노드 내에서 저장</a:t>
-            </a:r>
-            <a:r>
-              <a:rPr lang="en-US" altLang="ko-KR" b="1" dirty="0"/>
-              <a:t>·</a:t>
-            </a:r>
-            <a:r>
-              <a:rPr lang="ko-KR" altLang="en-US" b="1" dirty="0"/>
-              <a:t>처리</a:t>
+              <a:t> 네트워크 노드 내에서 저장 및 처리</a:t>
             </a:r>
             <a:r>
               <a:rPr lang="ko-KR" altLang="en-US" dirty="0"/>
-              <a:t>함으로써 </a:t>
-            </a:r>
-            <a:r>
-              <a:rPr lang="ko-KR" altLang="en-US" b="1" dirty="0"/>
-              <a:t>프라이버시 우려를 완화</a:t>
+              <a:t>함으로써</a:t>
             </a:r>
             <a:endParaRPr lang="en-US" altLang="ko-KR" b="1" dirty="0"/>
           </a:p>
@@ -13245,7 +13921,11 @@
             </a:r>
             <a:r>
               <a:rPr lang="ko-KR" altLang="en-US" dirty="0"/>
-              <a:t> 할 수 있음을 의미</a:t>
+              <a:t> 할 수 있으며 이는 프라이버시에 관한 우려를 줄일 수 있습니다</a:t>
+            </a:r>
+            <a:r>
+              <a:rPr lang="en-US" altLang="ko-KR" dirty="0"/>
+              <a:t>.</a:t>
             </a:r>
             <a:br>
               <a:rPr lang="en-US" altLang="ko-KR" dirty="0"/>
@@ -13276,13 +13956,12 @@
             </a:r>
             <a:r>
               <a:rPr lang="ko-KR" altLang="en-US" dirty="0"/>
-              <a:t> 도움이 됨</a:t>
-            </a:r>
-            <a:endParaRPr lang="en-US" altLang="ko-KR" dirty="0">
-              <a:effectLst/>
-            </a:endParaRPr>
-          </a:p>
-          <a:p>
+              <a:t> 도움이 됩니다</a:t>
+            </a:r>
+            <a:r>
+              <a:rPr lang="en-US" altLang="ko-KR" dirty="0"/>
+              <a:t>.</a:t>
+            </a:r>
             <a:endParaRPr lang="en-US" dirty="0"/>
           </a:p>
         </p:txBody>
@@ -13369,8 +14048,14 @@
           <a:p>
             <a:r>
               <a:rPr lang="ko-KR" altLang="en-US" dirty="0"/>
-              <a:t>이 논문의 공헌은 두 가지</a:t>
-            </a:r>
+              <a:t>저자가 말하는 이 논문의 기여는 두 가지 입니다</a:t>
+            </a:r>
+            <a:r>
+              <a:rPr lang="en-US" altLang="ko-KR" dirty="0"/>
+              <a:t>.</a:t>
+            </a:r>
+          </a:p>
+          <a:p>
             <a:endParaRPr lang="en-US" altLang="ko-KR" dirty="0"/>
           </a:p>
           <a:p>
@@ -13437,6 +14122,9 @@
             <a:endParaRPr lang="en-US" altLang="ko-KR" dirty="0"/>
           </a:p>
           <a:p>
+            <a:endParaRPr lang="en-US" altLang="ko-KR" dirty="0"/>
+          </a:p>
+          <a:p>
             <a:r>
               <a:rPr lang="ko-KR" altLang="en-US" dirty="0"/>
               <a:t>둘째</a:t>
@@ -13480,16 +14168,12 @@
             <a:endParaRPr lang="en-US" altLang="ko-KR" dirty="0"/>
           </a:p>
           <a:p>
-            <a:endParaRPr lang="en-US" dirty="0"/>
+            <a:endParaRPr lang="en-US" altLang="ko-KR" dirty="0"/>
           </a:p>
           <a:p>
             <a:r>
               <a:rPr lang="ko-KR" altLang="en-US" dirty="0"/>
-              <a:t>구체적으로</a:t>
-            </a:r>
-            <a:r>
-              <a:rPr lang="en-US" altLang="ko-KR" dirty="0"/>
-              <a:t>, </a:t>
+              <a:t>그리고 실험적 평가를 통해서 </a:t>
             </a:r>
             <a:r>
               <a:rPr lang="ko-KR" altLang="en-US" b="1" dirty="0"/>
@@ -13521,130 +14205,12 @@
             </a:r>
             <a:r>
               <a:rPr lang="ko-KR" altLang="en-US" dirty="0"/>
-              <a:t>임을 보입니다</a:t>
+              <a:t>임을 정량적 지표로 증명합니다</a:t>
             </a:r>
             <a:r>
               <a:rPr lang="en-US" altLang="ko-KR" dirty="0"/>
               <a:t>.</a:t>
             </a:r>
-          </a:p>
-          <a:p>
-            <a:pPr marL="0" marR="0" lvl="0" indent="0" algn="l" defTabSz="914400" rtl="0" eaLnBrk="1" fontAlgn="auto" latinLnBrk="1" hangingPunct="1">
-              <a:lnSpc>
-                <a:spcPct val="100000"/>
-              </a:lnSpc>
-              <a:spcBef>
-                <a:spcPts val="0"/>
-              </a:spcBef>
-              <a:spcAft>
-                <a:spcPts val="0"/>
-              </a:spcAft>
-              <a:buClrTx/>
-              <a:buSzTx/>
-              <a:buFontTx/>
-              <a:buNone/>
-              <a:tabLst/>
-              <a:defRPr/>
-            </a:pPr>
-            <a:r>
-              <a:rPr lang="ko-KR" altLang="en-US" dirty="0"/>
-              <a:t>모바일게임</a:t>
-            </a:r>
-            <a:r>
-              <a:rPr lang="en-US" altLang="ko-KR" dirty="0"/>
-              <a:t>(</a:t>
-            </a:r>
-            <a:r>
-              <a:rPr lang="ko-KR" altLang="en-US" dirty="0" err="1"/>
-              <a:t>포케몬고</a:t>
-            </a:r>
-            <a:r>
-              <a:rPr lang="en-US" altLang="ko-KR" dirty="0"/>
-              <a:t>, </a:t>
-            </a:r>
-            <a:r>
-              <a:rPr lang="ko-KR" altLang="en-US" dirty="0" err="1"/>
-              <a:t>인그레스</a:t>
-            </a:r>
-            <a:r>
-              <a:rPr lang="en-US" altLang="ko-KR" dirty="0"/>
-              <a:t>) </a:t>
-            </a:r>
-            <a:r>
-              <a:rPr lang="ko-KR" altLang="en-US" dirty="0"/>
-              <a:t>는 </a:t>
-            </a:r>
-            <a:r>
-              <a:rPr lang="ko-KR" altLang="en-US" b="1" dirty="0" err="1"/>
-              <a:t>저지연</a:t>
-            </a:r>
-            <a:r>
-              <a:rPr lang="en-US" altLang="ko-KR" b="1" dirty="0"/>
-              <a:t>·</a:t>
-            </a:r>
-            <a:r>
-              <a:rPr lang="ko-KR" altLang="en-US" b="1" dirty="0"/>
-              <a:t>신뢰성 통신</a:t>
-            </a:r>
-            <a:r>
-              <a:rPr lang="ko-KR" altLang="en-US" dirty="0"/>
-              <a:t>과 </a:t>
-            </a:r>
-            <a:r>
-              <a:rPr lang="ko-KR" altLang="en-US" b="1" dirty="0"/>
-              <a:t>모바일 센서 데이터 의존성이 높음 </a:t>
-            </a:r>
-            <a:endParaRPr lang="en-US" altLang="ko-KR" b="1" dirty="0"/>
-          </a:p>
-          <a:p>
-            <a:pPr marL="0" marR="0" lvl="0" indent="0" algn="l" defTabSz="914400" rtl="0" eaLnBrk="1" fontAlgn="auto" latinLnBrk="1" hangingPunct="1">
-              <a:lnSpc>
-                <a:spcPct val="100000"/>
-              </a:lnSpc>
-              <a:spcBef>
-                <a:spcPts val="0"/>
-              </a:spcBef>
-              <a:spcAft>
-                <a:spcPts val="0"/>
-              </a:spcAft>
-              <a:buClrTx/>
-              <a:buSzTx/>
-              <a:buFontTx/>
-              <a:buNone/>
-              <a:tabLst/>
-              <a:defRPr/>
-            </a:pPr>
-            <a:r>
-              <a:rPr lang="en-US" altLang="ko-KR" dirty="0"/>
-              <a:t>&gt;</a:t>
-            </a:r>
-            <a:r>
-              <a:rPr lang="ko-KR" altLang="en-US" dirty="0">
-                <a:effectLst/>
-              </a:rPr>
-              <a:t>가상현실과 증강현실을 포함한 복잡한 </a:t>
-            </a:r>
-            <a:r>
-              <a:rPr lang="en-US" altLang="ko-KR" dirty="0">
-                <a:effectLst/>
-              </a:rPr>
-              <a:t>3D </a:t>
-            </a:r>
-            <a:r>
-              <a:rPr lang="ko-KR" altLang="en-US" dirty="0">
-                <a:effectLst/>
-              </a:rPr>
-              <a:t>환경을 렌더링하는 </a:t>
-            </a:r>
-            <a:r>
-              <a:rPr lang="ko-KR" altLang="en-US" dirty="0"/>
-              <a:t>더 큰 범주의 응용을 대표하는 사례로 간주한다</a:t>
-            </a:r>
-            <a:r>
-              <a:rPr lang="en-US" altLang="ko-KR" dirty="0"/>
-              <a:t>.</a:t>
-            </a:r>
-            <a:endParaRPr lang="en-US" dirty="0"/>
           </a:p>
         </p:txBody>
       </p:sp>
@@ -24100,6 +24666,17 @@
               <a:t>새로운 형태의 </a:t>
             </a:r>
             <a:r>
+              <a:rPr lang="en-US" altLang="ko-KR" sz="3050" b="1" dirty="0">
+                <a:solidFill>
+                  <a:srgbClr val="FFFFFF"/>
+                </a:solidFill>
+                <a:latin typeface="나눔고딕" panose="020D0604000000000000" pitchFamily="50" charset="-127"/>
+                <a:ea typeface="나눔고딕" panose="020D0604000000000000" pitchFamily="50" charset="-127"/>
+                <a:cs typeface="Montserrat Bold" pitchFamily="34" charset="-120"/>
+              </a:rPr>
+              <a:t>IoT </a:t>
+            </a:r>
+            <a:r>
               <a:rPr lang="en-US" altLang="ko-KR" sz="3050" b="1" dirty="0" err="1">
                 <a:solidFill>
                   <a:srgbClr val="FFFFFF"/>
@@ -24299,130 +24876,6 @@
               <a:t>요구</a:t>
             </a:r>
             <a:endParaRPr lang="en-US" sz="1900" dirty="0">
-              <a:latin typeface="나눔고딕" panose="020D0604000000000000" pitchFamily="50" charset="-127"/>
-              <a:ea typeface="나눔고딕" panose="020D0604000000000000" pitchFamily="50" charset="-127"/>
-            </a:endParaRPr>
-          </a:p>
-        </p:txBody>
-      </p:sp>
-      <p:sp>
-        <p:nvSpPr>
-          <p:cNvPr id="35" name="Text 6">
-            <a:extLst>
-              <a:ext uri="{FF2B5EF4-FFF2-40B4-BE49-F238E27FC236}">
-                <a16:creationId xmlns:a16="http://schemas.microsoft.com/office/drawing/2014/main" id="{5CD802E4-30D4-B79D-DA21-188F41008697}"/>
-              </a:ext>
-            </a:extLst>
-          </p:cNvPr>
-          <p:cNvSpPr/>
-          <p:nvPr/>
-        </p:nvSpPr>
-        <p:spPr>
-          <a:xfrm>
-            <a:off x="863798" y="5910263"/>
-            <a:ext cx="2454235" cy="306705"/>
-          </a:xfrm>
-          <a:prstGeom prst="rect">
-            <a:avLst/>
-          </a:prstGeom>
-          <a:noFill/>
-          <a:ln/>
-        </p:spPr>
-        <p:txBody>
-          <a:bodyPr wrap="none" lIns="0" tIns="0" rIns="0" bIns="0" rtlCol="0" anchor="t"/>
-          <a:lstStyle/>
-          <a:p>
-            <a:pPr marL="0" indent="0" algn="l">
-              <a:lnSpc>
-                <a:spcPts val="2400"/>
-              </a:lnSpc>
-              <a:buNone/>
-            </a:pPr>
-            <a:r>
-              <a:rPr lang="en-US" sz="1900" b="1" dirty="0">
-                <a:solidFill>
-                  <a:srgbClr val="FFFFFF"/>
-                </a:solidFill>
-                <a:latin typeface="나눔고딕" panose="020D0604000000000000" pitchFamily="50" charset="-127"/>
-                <a:ea typeface="나눔고딕" panose="020D0604000000000000" pitchFamily="50" charset="-127"/>
-                <a:cs typeface="Montserrat Bold" pitchFamily="34" charset="-120"/>
-              </a:rPr>
-              <a:t>장점</a:t>
-            </a:r>
-            <a:endParaRPr lang="en-US" sz="1900" dirty="0">
-              <a:latin typeface="나눔고딕" panose="020D0604000000000000" pitchFamily="50" charset="-127"/>
-              <a:ea typeface="나눔고딕" panose="020D0604000000000000" pitchFamily="50" charset="-127"/>
-            </a:endParaRPr>
-          </a:p>
-        </p:txBody>
-      </p:sp>
-      <p:sp>
-        <p:nvSpPr>
-          <p:cNvPr id="36" name="Text 7">
-            <a:extLst>
-              <a:ext uri="{FF2B5EF4-FFF2-40B4-BE49-F238E27FC236}">
-                <a16:creationId xmlns:a16="http://schemas.microsoft.com/office/drawing/2014/main" id="{3CA39932-5CB7-F611-9297-3A52A5E02F5F}"/>
-              </a:ext>
-            </a:extLst>
-          </p:cNvPr>
-          <p:cNvSpPr/>
-          <p:nvPr/>
-        </p:nvSpPr>
-        <p:spPr>
-          <a:xfrm>
-            <a:off x="863798" y="6432828"/>
-            <a:ext cx="6187916" cy="323969"/>
-          </a:xfrm>
-          <a:prstGeom prst="rect">
-            <a:avLst/>
-          </a:prstGeom>
-          <a:noFill/>
-          <a:ln/>
-        </p:spPr>
-        <p:txBody>
-          <a:bodyPr wrap="none" lIns="0" tIns="0" rIns="0" bIns="0" rtlCol="0" anchor="t"/>
-          <a:lstStyle/>
-          <a:p>
-            <a:pPr marL="0" indent="0" algn="l">
-              <a:lnSpc>
-                <a:spcPts val="2550"/>
-              </a:lnSpc>
-              <a:buNone/>
-            </a:pPr>
-            <a:r>
-              <a:rPr lang="ko-KR" altLang="en-US" sz="1700" dirty="0">
-                <a:solidFill>
-                  <a:srgbClr val="E2E6E9"/>
-                </a:solidFill>
-                <a:latin typeface="나눔고딕" panose="020D0604000000000000" pitchFamily="50" charset="-127"/>
-                <a:ea typeface="나눔고딕" panose="020D0604000000000000" pitchFamily="50" charset="-127"/>
-                <a:cs typeface="Source Sans 3" pitchFamily="34" charset="-120"/>
-              </a:rPr>
-              <a:t>배치의 지리적인 유연성</a:t>
-            </a:r>
-            <a:r>
-              <a:rPr lang="en-US" altLang="ko-KR" sz="1700" dirty="0">
-                <a:solidFill>
-                  <a:srgbClr val="E2E6E9"/>
-                </a:solidFill>
-                <a:latin typeface="나눔고딕" panose="020D0604000000000000" pitchFamily="50" charset="-127"/>
-                <a:ea typeface="나눔고딕" panose="020D0604000000000000" pitchFamily="50" charset="-127"/>
-                <a:cs typeface="Source Sans 3" pitchFamily="34" charset="-120"/>
-              </a:rPr>
-              <a:t>, </a:t>
-            </a:r>
-            <a:r>
-              <a:rPr lang="ko-KR" altLang="en-US" sz="1700" dirty="0">
-                <a:solidFill>
-                  <a:srgbClr val="E2E6E9"/>
-                </a:solidFill>
-                <a:latin typeface="나눔고딕" panose="020D0604000000000000" pitchFamily="50" charset="-127"/>
-                <a:ea typeface="나눔고딕" panose="020D0604000000000000" pitchFamily="50" charset="-127"/>
-                <a:cs typeface="Source Sans 3" pitchFamily="34" charset="-120"/>
-              </a:rPr>
-              <a:t>작업 처리량 극대화</a:t>
-            </a:r>
-            <a:endParaRPr lang="en-US" sz="1700" dirty="0">
               <a:latin typeface="나눔고딕" panose="020D0604000000000000" pitchFamily="50" charset="-127"/>
               <a:ea typeface="나눔고딕" panose="020D0604000000000000" pitchFamily="50" charset="-127"/>
             </a:endParaRPr>
@@ -25525,7 +25978,7 @@
                 <a:latin typeface="나눔고딕" panose="020D0604000000000000" pitchFamily="50" charset="-127"/>
                 <a:ea typeface="나눔고딕" panose="020D0604000000000000" pitchFamily="50" charset="-127"/>
               </a:rPr>
-              <a:t>delay</a:t>
+              <a:t>delay, </a:t>
             </a:r>
             <a:r>
               <a:rPr lang="ko-KR" altLang="en-US" sz="1700" dirty="0">
@@ -25535,7 +25988,7 @@
                 <a:latin typeface="나눔고딕" panose="020D0604000000000000" pitchFamily="50" charset="-127"/>
                 <a:ea typeface="나눔고딕" panose="020D0604000000000000" pitchFamily="50" charset="-127"/>
               </a:rPr>
-              <a:t> </a:t>
+              <a:t>처리 지연 </a:t>
             </a:r>
             <a:r>
               <a:rPr lang="en-US" altLang="ko-KR" sz="1700" dirty="0">
@@ -25681,7 +26134,7 @@
                 <a:latin typeface="나눔고딕" panose="020D0604000000000000" pitchFamily="50" charset="-127"/>
                 <a:ea typeface="나눔고딕" panose="020D0604000000000000" pitchFamily="50" charset="-127"/>
               </a:rPr>
-              <a:t>delay</a:t>
+              <a:t>delay, </a:t>
             </a:r>
             <a:r>
               <a:rPr lang="ko-KR" altLang="en-US" sz="1700" dirty="0">
@@ -25691,7 +26144,7 @@
                 <a:latin typeface="나눔고딕" panose="020D0604000000000000" pitchFamily="50" charset="-127"/>
                 <a:ea typeface="나눔고딕" panose="020D0604000000000000" pitchFamily="50" charset="-127"/>
               </a:rPr>
-              <a:t> </a:t>
+              <a:t>응답 지연 </a:t>
             </a:r>
             <a:r>
               <a:rPr lang="en-US" altLang="ko-KR" sz="1700" dirty="0">
@@ -25837,7 +26290,27 @@
                 <a:latin typeface="나눔고딕" panose="020D0604000000000000" pitchFamily="50" charset="-127"/>
                 <a:ea typeface="나눔고딕" panose="020D0604000000000000" pitchFamily="50" charset="-127"/>
               </a:rPr>
-              <a:t>delay ) : </a:t>
+              <a:t>delay, </a:t>
+            </a:r>
+            <a:r>
+              <a:rPr lang="ko-KR" altLang="en-US" sz="1700" dirty="0">
+                <a:solidFill>
+                  <a:srgbClr val="E2E6E9"/>
+                </a:solidFill>
+                <a:latin typeface="나눔고딕" panose="020D0604000000000000" pitchFamily="50" charset="-127"/>
+                <a:ea typeface="나눔고딕" panose="020D0604000000000000" pitchFamily="50" charset="-127"/>
+              </a:rPr>
+              <a:t>네트워크 지연</a:t>
+            </a:r>
+            <a:r>
+              <a:rPr lang="en-US" altLang="ko-KR" sz="1700" dirty="0">
+                <a:solidFill>
+                  <a:srgbClr val="E2E6E9"/>
+                </a:solidFill>
+                <a:latin typeface="나눔고딕" panose="020D0604000000000000" pitchFamily="50" charset="-127"/>
+                <a:ea typeface="나눔고딕" panose="020D0604000000000000" pitchFamily="50" charset="-127"/>
+              </a:rPr>
+              <a:t> ) : </a:t>
             </a:r>
             <a:r>
               <a:rPr lang="ko-KR" altLang="en-US" sz="1700" dirty="0">
@@ -26439,26 +26912,6 @@
                 <a:ea typeface="나눔고딕" panose="020D0604000000000000" pitchFamily="50" charset="-127"/>
               </a:rPr>
               <a:t>기지국 </a:t>
-            </a:r>
-            <a:r>
-              <a:rPr lang="ko-KR" altLang="en-US" sz="1700" dirty="0" err="1">
-                <a:solidFill>
-                  <a:schemeClr val="bg1"/>
-                </a:solidFill>
-                <a:latin typeface="나눔고딕" panose="020D0604000000000000" pitchFamily="50" charset="-127"/>
-                <a:ea typeface="나눔고딕" panose="020D0604000000000000" pitchFamily="50" charset="-127"/>
-              </a:rPr>
-              <a:t>공위치</a:t>
-            </a:r>
-            <a:r>
-              <a:rPr lang="ko-KR" altLang="en-US" sz="1700" dirty="0">
-                <a:solidFill>
-                  <a:schemeClr val="bg1"/>
-                </a:solidFill>
-                <a:latin typeface="나눔고딕" panose="020D0604000000000000" pitchFamily="50" charset="-127"/>
-                <a:ea typeface="나눔고딕" panose="020D0604000000000000" pitchFamily="50" charset="-127"/>
-              </a:rPr>
-              <a:t> </a:t>
             </a:r>
             <a:r>
               <a:rPr lang="en-US" altLang="ko-KR" sz="1700" dirty="0">
@@ -29102,7 +29555,7 @@
               <a:t> </a:t>
             </a:r>
             <a:r>
-              <a:rPr lang="en-US" altLang="ko-KR" sz="1700" b="1" dirty="0" err="1">
+              <a:rPr lang="ko-KR" altLang="en-US" sz="1700" b="1" dirty="0">
                 <a:solidFill>
                   <a:srgbClr val="FFFFFF"/>
                 </a:solidFill>
@@ -29110,7 +29563,7 @@
                 <a:ea typeface="나눔고딕" panose="020D0604000000000000" pitchFamily="50" charset="-127"/>
                 <a:cs typeface="Montserrat Bold" pitchFamily="34" charset="-120"/>
               </a:rPr>
-              <a:t>추가</a:t>
+              <a:t>증설</a:t>
             </a:r>
             <a:r>
               <a:rPr lang="en-US" altLang="ko-KR" sz="1700" b="1" dirty="0">
@@ -29121,29 +29574,7 @@
                 <a:ea typeface="나눔고딕" panose="020D0604000000000000" pitchFamily="50" charset="-127"/>
                 <a:cs typeface="Montserrat Bold" pitchFamily="34" charset="-120"/>
               </a:rPr>
-              <a:t> </a:t>
-            </a:r>
-            <a:r>
-              <a:rPr lang="en-US" altLang="ko-KR" sz="1700" b="1" dirty="0" err="1">
-                <a:solidFill>
-                  <a:srgbClr val="FFFFFF"/>
-                </a:solidFill>
-                <a:latin typeface="나눔고딕" panose="020D0604000000000000" pitchFamily="50" charset="-127"/>
-                <a:ea typeface="나눔고딕" panose="020D0604000000000000" pitchFamily="50" charset="-127"/>
-                <a:cs typeface="Montserrat Bold" pitchFamily="34" charset="-120"/>
-              </a:rPr>
-              <a:t>연산자원이</a:t>
-            </a:r>
-            <a:r>
-              <a:rPr lang="en-US" altLang="ko-KR" sz="1700" b="1" dirty="0">
-                <a:solidFill>
-                  <a:srgbClr val="FFFFFF"/>
-                </a:solidFill>
-                <a:latin typeface="나눔고딕" panose="020D0604000000000000" pitchFamily="50" charset="-127"/>
-                <a:ea typeface="나눔고딕" panose="020D0604000000000000" pitchFamily="50" charset="-127"/>
-                <a:cs typeface="Montserrat Bold" pitchFamily="34" charset="-120"/>
-              </a:rPr>
-              <a:t> </a:t>
+              <a:t>이 </a:t>
             </a:r>
             <a:r>
               <a:rPr lang="en-US" altLang="ko-KR" sz="1700" b="1" dirty="0" err="1">
@@ -32151,7 +32582,7 @@
                 <a:ea typeface="나눔고딕" panose="020D0604000000000000" pitchFamily="50" charset="-127"/>
                 <a:cs typeface="Source Sans 3" pitchFamily="34" charset="-120"/>
               </a:rPr>
-              <a:t> 시반 모바일 게임의 대규모 평가</a:t>
+              <a:t> 기반 모바일 게임의 대규모 평가</a:t>
             </a:r>
             <a:endParaRPr lang="en-US" altLang="ko-KR" sz="1700" dirty="0">
               <a:solidFill>
